--- a/LectureSlides/02Rust.pptx
+++ b/LectureSlides/02Rust.pptx
@@ -21,45 +21,50 @@
     <p:sldId id="286" r:id="rId15"/>
     <p:sldId id="264" r:id="rId16"/>
     <p:sldId id="287" r:id="rId17"/>
-    <p:sldId id="292" r:id="rId18"/>
-    <p:sldId id="312" r:id="rId19"/>
-    <p:sldId id="288" r:id="rId20"/>
-    <p:sldId id="265" r:id="rId21"/>
-    <p:sldId id="291" r:id="rId22"/>
-    <p:sldId id="293" r:id="rId23"/>
-    <p:sldId id="266" r:id="rId24"/>
-    <p:sldId id="294" r:id="rId25"/>
-    <p:sldId id="296" r:id="rId26"/>
-    <p:sldId id="299" r:id="rId27"/>
-    <p:sldId id="297" r:id="rId28"/>
-    <p:sldId id="298" r:id="rId29"/>
-    <p:sldId id="267" r:id="rId30"/>
-    <p:sldId id="295" r:id="rId31"/>
-    <p:sldId id="300" r:id="rId32"/>
-    <p:sldId id="301" r:id="rId33"/>
-    <p:sldId id="303" r:id="rId34"/>
-    <p:sldId id="304" r:id="rId35"/>
-    <p:sldId id="268" r:id="rId36"/>
-    <p:sldId id="270" r:id="rId37"/>
-    <p:sldId id="305" r:id="rId38"/>
-    <p:sldId id="271" r:id="rId39"/>
-    <p:sldId id="306" r:id="rId40"/>
-    <p:sldId id="307" r:id="rId41"/>
-    <p:sldId id="272" r:id="rId42"/>
-    <p:sldId id="273" r:id="rId43"/>
-    <p:sldId id="274" r:id="rId44"/>
-    <p:sldId id="289" r:id="rId45"/>
-    <p:sldId id="308" r:id="rId46"/>
-    <p:sldId id="275" r:id="rId47"/>
-    <p:sldId id="309" r:id="rId48"/>
-    <p:sldId id="310" r:id="rId49"/>
-    <p:sldId id="280" r:id="rId50"/>
-    <p:sldId id="276" r:id="rId51"/>
-    <p:sldId id="277" r:id="rId52"/>
-    <p:sldId id="278" r:id="rId53"/>
-    <p:sldId id="311" r:id="rId54"/>
-    <p:sldId id="279" r:id="rId55"/>
-    <p:sldId id="281" r:id="rId56"/>
+    <p:sldId id="313" r:id="rId18"/>
+    <p:sldId id="314" r:id="rId19"/>
+    <p:sldId id="292" r:id="rId20"/>
+    <p:sldId id="312" r:id="rId21"/>
+    <p:sldId id="288" r:id="rId22"/>
+    <p:sldId id="315" r:id="rId23"/>
+    <p:sldId id="265" r:id="rId24"/>
+    <p:sldId id="291" r:id="rId25"/>
+    <p:sldId id="293" r:id="rId26"/>
+    <p:sldId id="316" r:id="rId27"/>
+    <p:sldId id="317" r:id="rId28"/>
+    <p:sldId id="266" r:id="rId29"/>
+    <p:sldId id="294" r:id="rId30"/>
+    <p:sldId id="296" r:id="rId31"/>
+    <p:sldId id="299" r:id="rId32"/>
+    <p:sldId id="297" r:id="rId33"/>
+    <p:sldId id="298" r:id="rId34"/>
+    <p:sldId id="267" r:id="rId35"/>
+    <p:sldId id="295" r:id="rId36"/>
+    <p:sldId id="300" r:id="rId37"/>
+    <p:sldId id="301" r:id="rId38"/>
+    <p:sldId id="303" r:id="rId39"/>
+    <p:sldId id="304" r:id="rId40"/>
+    <p:sldId id="268" r:id="rId41"/>
+    <p:sldId id="270" r:id="rId42"/>
+    <p:sldId id="305" r:id="rId43"/>
+    <p:sldId id="271" r:id="rId44"/>
+    <p:sldId id="306" r:id="rId45"/>
+    <p:sldId id="307" r:id="rId46"/>
+    <p:sldId id="272" r:id="rId47"/>
+    <p:sldId id="273" r:id="rId48"/>
+    <p:sldId id="274" r:id="rId49"/>
+    <p:sldId id="289" r:id="rId50"/>
+    <p:sldId id="308" r:id="rId51"/>
+    <p:sldId id="275" r:id="rId52"/>
+    <p:sldId id="309" r:id="rId53"/>
+    <p:sldId id="310" r:id="rId54"/>
+    <p:sldId id="280" r:id="rId55"/>
+    <p:sldId id="276" r:id="rId56"/>
+    <p:sldId id="277" r:id="rId57"/>
+    <p:sldId id="278" r:id="rId58"/>
+    <p:sldId id="311" r:id="rId59"/>
+    <p:sldId id="279" r:id="rId60"/>
+    <p:sldId id="281" r:id="rId61"/>
   </p:sldIdLst>
   <p:sldSz cx="12192000" cy="6858000"/>
   <p:notesSz cx="6858000" cy="9144000"/>
@@ -5199,7 +5204,7 @@
           <a:p>
             <a:r>
               <a:rPr lang="en-US" dirty="0"/>
-              <a:t>Tuple Expressions and Tuple Values</a:t>
+              <a:t>Compound Expression Examples</a:t>
             </a:r>
           </a:p>
         </p:txBody>
@@ -5229,36 +5234,35 @@
           <a:p>
             <a:r>
               <a:rPr lang="en-US" dirty="0"/>
-              <a:t>Tuples are compound data. Tuples are called pairs if they contain exactly 2 elements</a:t>
-            </a:r>
-          </a:p>
-          <a:p>
-            <a:r>
-              <a:rPr lang="en-US" dirty="0"/>
-              <a:t>A tuple expression is written (e1, e2, …, </a:t>
-            </a:r>
-            <a:r>
-              <a:rPr lang="en-US" dirty="0" err="1"/>
-              <a:t>eN</a:t>
-            </a:r>
-            <a:r>
-              <a:rPr lang="en-US" dirty="0"/>
-              <a:t>), evaluates left-to-right</a:t>
-            </a:r>
-            <a:br>
-              <a:rPr lang="en-US" dirty="0"/>
-            </a:br>
-            <a:r>
-              <a:rPr lang="en-US" dirty="0"/>
-              <a:t>A tuple value results, written (v1, v2, …, </a:t>
-            </a:r>
-            <a:r>
-              <a:rPr lang="en-US" dirty="0" err="1"/>
-              <a:t>vN</a:t>
-            </a:r>
-            <a:r>
-              <a:rPr lang="en-US" dirty="0"/>
-              <a:t>)</a:t>
+              <a:t>What is the value of each following expression?</a:t>
+            </a:r>
+          </a:p>
+          <a:p>
+            <a:pPr lvl="1"/>
+            <a:r>
+              <a:rPr lang="en-US" dirty="0"/>
+              <a:t>Value of 1 * 2 + 3 * 4 is ???</a:t>
+            </a:r>
+          </a:p>
+          <a:p>
+            <a:pPr lvl="1"/>
+            <a:r>
+              <a:rPr lang="en-US" dirty="0"/>
+              <a:t>Value of 1 &gt;= 3 is ???</a:t>
+            </a:r>
+          </a:p>
+          <a:p>
+            <a:pPr lvl="1"/>
+            <a:r>
+              <a:rPr lang="en-US" dirty="0"/>
+              <a:t>Value of 1 &lt; 2 || 3/0 &gt; 1 is ???</a:t>
+            </a:r>
+          </a:p>
+          <a:p>
+            <a:pPr lvl="1"/>
+            <a:r>
+              <a:rPr lang="en-US" dirty="0"/>
+              <a:t>Value of 1 - 2 == 2 – 3 is ???</a:t>
             </a:r>
           </a:p>
         </p:txBody>
@@ -5266,7 +5270,7 @@
     </p:spTree>
     <p:extLst>
       <p:ext uri="{BB962C8B-B14F-4D97-AF65-F5344CB8AC3E}">
-        <p14:creationId xmlns:p14="http://schemas.microsoft.com/office/powerpoint/2010/main" val="1586492055"/>
+        <p14:creationId xmlns:p14="http://schemas.microsoft.com/office/powerpoint/2010/main" val="3784106905"/>
       </p:ext>
     </p:extLst>
   </p:cSld>
@@ -5316,7 +5320,7 @@
           <a:p>
             <a:r>
               <a:rPr lang="en-US" dirty="0"/>
-              <a:t>Array Expressions</a:t>
+              <a:t>Compound Expression Examples</a:t>
             </a:r>
           </a:p>
         </p:txBody>
@@ -5340,94 +5344,65 @@
         <p:spPr/>
         <p:txBody>
           <a:bodyPr>
-            <a:normAutofit fontScale="92500" lnSpcReduction="10000"/>
+            <a:normAutofit/>
           </a:bodyPr>
           <a:lstStyle/>
           <a:p>
             <a:r>
               <a:rPr lang="en-US" dirty="0"/>
-              <a:t>Rust has many kinds of arrays. A true </a:t>
-            </a:r>
-            <a:r>
-              <a:rPr lang="en-US" i="1" dirty="0"/>
-              <a:t>array</a:t>
-            </a:r>
-            <a:r>
-              <a:rPr lang="en-US" dirty="0"/>
-              <a:t>, written [e1, …, …, </a:t>
-            </a:r>
-            <a:r>
-              <a:rPr lang="en-US" dirty="0" err="1"/>
-              <a:t>eN</a:t>
-            </a:r>
-            <a:r>
-              <a:rPr lang="en-US" dirty="0"/>
-              <a:t>], does not store its length; length must be known at compile time.</a:t>
-            </a:r>
-          </a:p>
-          <a:p>
-            <a:r>
-              <a:rPr lang="en-US" dirty="0"/>
-              <a:t>To avoid this restriction, we almost always use </a:t>
-            </a:r>
-            <a:r>
-              <a:rPr lang="en-US" i="1" dirty="0"/>
-              <a:t>vectors,</a:t>
-            </a:r>
-            <a:r>
-              <a:rPr lang="en-US" dirty="0"/>
-              <a:t> written </a:t>
-            </a:r>
-            <a:r>
-              <a:rPr lang="en-US" dirty="0" err="1"/>
-              <a:t>vec</a:t>
-            </a:r>
-            <a:r>
-              <a:rPr lang="en-US" dirty="0"/>
-              <a:t>![1,2,3,4], which store their length and can have any length</a:t>
+              <a:t>What is the value of each following expression?</a:t>
             </a:r>
           </a:p>
           <a:p>
             <a:pPr lvl="1"/>
             <a:r>
               <a:rPr lang="en-US" dirty="0"/>
-              <a:t>The ! Indicates that </a:t>
-            </a:r>
-            <a:r>
-              <a:rPr lang="en-US" dirty="0" err="1"/>
-              <a:t>vec</a:t>
-            </a:r>
-            <a:r>
-              <a:rPr lang="en-US" dirty="0"/>
-              <a:t>! is a macro. Unlike traditional functions, it can preprocess the syntax of its arguments at compile-time, e.g. to support custom syntaxes</a:t>
-            </a:r>
-          </a:p>
-          <a:p>
-            <a:r>
-              <a:rPr lang="en-US" dirty="0"/>
-              <a:t>All array-like types are homogeneous, i.e., all their elements have the same type as each other</a:t>
-            </a:r>
-          </a:p>
-          <a:p>
-            <a:r>
-              <a:rPr lang="en-US" dirty="0"/>
-              <a:t>All array-like types support syntax e[</a:t>
-            </a:r>
-            <a:r>
-              <a:rPr lang="en-US" dirty="0" err="1"/>
-              <a:t>i</a:t>
-            </a:r>
-            <a:r>
-              <a:rPr lang="en-US" dirty="0"/>
-              <a:t>] for reading (or writing) the </a:t>
-            </a:r>
-            <a:r>
-              <a:rPr lang="en-US" dirty="0" err="1"/>
-              <a:t>i’th</a:t>
-            </a:r>
-            <a:r>
-              <a:rPr lang="en-US" dirty="0"/>
-              <a:t> element of array e.</a:t>
+              <a:t>Value of 1 * 2 + 3 * 4 is </a:t>
+            </a:r>
+            <a:r>
+              <a:rPr lang="en-US" dirty="0">
+                <a:latin typeface="Consolas" panose="020B0609020204030204" pitchFamily="49" charset="0"/>
+              </a:rPr>
+              <a:t>14</a:t>
+            </a:r>
+          </a:p>
+          <a:p>
+            <a:pPr lvl="1"/>
+            <a:r>
+              <a:rPr lang="en-US" dirty="0"/>
+              <a:t>Value of 1 &gt;= 3 is </a:t>
+            </a:r>
+            <a:r>
+              <a:rPr lang="en-US" dirty="0">
+                <a:latin typeface="Consolas" panose="020B0609020204030204" pitchFamily="49" charset="0"/>
+              </a:rPr>
+              <a:t>false</a:t>
+            </a:r>
+          </a:p>
+          <a:p>
+            <a:pPr lvl="1"/>
+            <a:r>
+              <a:rPr lang="en-US" dirty="0"/>
+              <a:t>Value of 1 &lt; 2 || 3/0 &gt; 1 is </a:t>
+            </a:r>
+            <a:r>
+              <a:rPr lang="en-US" dirty="0">
+                <a:latin typeface="Consolas" panose="020B0609020204030204" pitchFamily="49" charset="0"/>
+              </a:rPr>
+              <a:t>true</a:t>
+            </a:r>
+          </a:p>
+          <a:p>
+            <a:pPr lvl="1"/>
+            <a:r>
+              <a:rPr lang="en-US" dirty="0"/>
+              <a:t>Value of 1 - 2 == 2 - 3 is </a:t>
+            </a:r>
+            <a:r>
+              <a:rPr lang="en-US" dirty="0">
+                <a:latin typeface="Consolas" panose="020B0609020204030204" pitchFamily="49" charset="0"/>
+              </a:rPr>
+              <a:t>true</a:t>
             </a:r>
           </a:p>
         </p:txBody>
@@ -5435,7 +5410,7 @@
     </p:spTree>
     <p:extLst>
       <p:ext uri="{BB962C8B-B14F-4D97-AF65-F5344CB8AC3E}">
-        <p14:creationId xmlns:p14="http://schemas.microsoft.com/office/powerpoint/2010/main" val="729917300"/>
+        <p14:creationId xmlns:p14="http://schemas.microsoft.com/office/powerpoint/2010/main" val="3918353608"/>
       </p:ext>
     </p:extLst>
   </p:cSld>
@@ -5485,7 +5460,7 @@
           <a:p>
             <a:r>
               <a:rPr lang="en-US" dirty="0"/>
-              <a:t>If-Then-Else Conditional Expressions</a:t>
+              <a:t>Tuple Expressions and Tuple Values</a:t>
             </a:r>
           </a:p>
         </p:txBody>
@@ -5515,65 +5490,42 @@
           <a:p>
             <a:r>
               <a:rPr lang="en-US" dirty="0"/>
-              <a:t>In Rust, an “if-then-else” can return a value, it is an expression</a:t>
-            </a:r>
-          </a:p>
-          <a:p>
-            <a:r>
-              <a:rPr lang="en-US" dirty="0"/>
-              <a:t>Parentheses are not required</a:t>
-            </a:r>
-          </a:p>
-          <a:p>
-            <a:r>
-              <a:rPr lang="en-US" dirty="0">
-                <a:latin typeface="Consolas" panose="020B0609020204030204" pitchFamily="49" charset="0"/>
-              </a:rPr>
-              <a:t>if e1 {</a:t>
+              <a:t>Tuples are compound data. Tuples are called pairs if they contain exactly 2 elements</a:t>
+            </a:r>
+          </a:p>
+          <a:p>
+            <a:r>
+              <a:rPr lang="en-US" dirty="0"/>
+              <a:t>A tuple expression is written (e1, e2, …, </a:t>
+            </a:r>
+            <a:r>
+              <a:rPr lang="en-US" dirty="0" err="1"/>
+              <a:t>eN</a:t>
+            </a:r>
+            <a:r>
+              <a:rPr lang="en-US" dirty="0"/>
+              <a:t>), evaluates left-to-right</a:t>
             </a:r>
             <a:br>
-              <a:rPr lang="en-US" dirty="0">
-                <a:latin typeface="Consolas" panose="020B0609020204030204" pitchFamily="49" charset="0"/>
-              </a:rPr>
+              <a:rPr lang="en-US" dirty="0"/>
             </a:br>
             <a:r>
-              <a:rPr lang="en-US" dirty="0">
-                <a:latin typeface="Consolas" panose="020B0609020204030204" pitchFamily="49" charset="0"/>
-              </a:rPr>
-              <a:t>  e2</a:t>
-            </a:r>
-            <a:br>
-              <a:rPr lang="en-US" dirty="0">
-                <a:latin typeface="Consolas" panose="020B0609020204030204" pitchFamily="49" charset="0"/>
-              </a:rPr>
-            </a:br>
-            <a:r>
-              <a:rPr lang="en-US" dirty="0">
-                <a:latin typeface="Consolas" panose="020B0609020204030204" pitchFamily="49" charset="0"/>
-              </a:rPr>
-              <a:t>} else {</a:t>
-            </a:r>
-            <a:br>
-              <a:rPr lang="en-US" dirty="0">
-                <a:latin typeface="Consolas" panose="020B0609020204030204" pitchFamily="49" charset="0"/>
-              </a:rPr>
-            </a:br>
-            <a:r>
-              <a:rPr lang="en-US" dirty="0">
-                <a:latin typeface="Consolas" panose="020B0609020204030204" pitchFamily="49" charset="0"/>
-              </a:rPr>
-              <a:t>  e3</a:t>
-            </a:r>
-            <a:br>
-              <a:rPr lang="en-US" dirty="0">
-                <a:latin typeface="Consolas" panose="020B0609020204030204" pitchFamily="49" charset="0"/>
-              </a:rPr>
-            </a:br>
-            <a:r>
-              <a:rPr lang="en-US" dirty="0">
-                <a:latin typeface="Consolas" panose="020B0609020204030204" pitchFamily="49" charset="0"/>
-              </a:rPr>
-              <a:t>}</a:t>
+              <a:rPr lang="en-US" dirty="0"/>
+              <a:t>A tuple value results, written (v1, v2, …, </a:t>
+            </a:r>
+            <a:r>
+              <a:rPr lang="en-US" dirty="0" err="1"/>
+              <a:t>vN</a:t>
+            </a:r>
+            <a:r>
+              <a:rPr lang="en-US" dirty="0"/>
+              <a:t>)</a:t>
+            </a:r>
+          </a:p>
+          <a:p>
+            <a:r>
+              <a:rPr lang="en-US" dirty="0"/>
+              <a:t>Example: Value of (1+2,3*4) is (3, 12)</a:t>
             </a:r>
           </a:p>
         </p:txBody>
@@ -5581,7 +5533,7 @@
     </p:spTree>
     <p:extLst>
       <p:ext uri="{BB962C8B-B14F-4D97-AF65-F5344CB8AC3E}">
-        <p14:creationId xmlns:p14="http://schemas.microsoft.com/office/powerpoint/2010/main" val="168848525"/>
+        <p14:creationId xmlns:p14="http://schemas.microsoft.com/office/powerpoint/2010/main" val="1586492055"/>
       </p:ext>
     </p:extLst>
   </p:cSld>
@@ -5693,6 +5645,546 @@
 </file>
 
 <file path=ppt/slides/slide20.xml><?xml version="1.0" encoding="utf-8"?>
+<p:sld xmlns:a="http://schemas.openxmlformats.org/drawingml/2006/main" xmlns:r="http://schemas.openxmlformats.org/officeDocument/2006/relationships" xmlns:p="http://schemas.openxmlformats.org/presentationml/2006/main">
+  <p:cSld>
+    <p:spTree>
+      <p:nvGrpSpPr>
+        <p:cNvPr id="1" name=""/>
+        <p:cNvGrpSpPr/>
+        <p:nvPr/>
+      </p:nvGrpSpPr>
+      <p:grpSpPr>
+        <a:xfrm>
+          <a:off x="0" y="0"/>
+          <a:ext cx="0" cy="0"/>
+          <a:chOff x="0" y="0"/>
+          <a:chExt cx="0" cy="0"/>
+        </a:xfrm>
+      </p:grpSpPr>
+      <p:sp>
+        <p:nvSpPr>
+          <p:cNvPr id="2" name="Title 1">
+            <a:extLst>
+              <a:ext uri="{FF2B5EF4-FFF2-40B4-BE49-F238E27FC236}">
+                <a16:creationId xmlns:a16="http://schemas.microsoft.com/office/drawing/2014/main" id="{686DEF3E-9ACD-1629-CF5C-ED6F93767C94}"/>
+              </a:ext>
+            </a:extLst>
+          </p:cNvPr>
+          <p:cNvSpPr>
+            <a:spLocks noGrp="1"/>
+          </p:cNvSpPr>
+          <p:nvPr>
+            <p:ph type="title"/>
+          </p:nvPr>
+        </p:nvSpPr>
+        <p:spPr/>
+        <p:txBody>
+          <a:bodyPr/>
+          <a:lstStyle/>
+          <a:p>
+            <a:r>
+              <a:rPr lang="en-US" dirty="0"/>
+              <a:t>Array Expressions</a:t>
+            </a:r>
+          </a:p>
+        </p:txBody>
+      </p:sp>
+      <p:sp>
+        <p:nvSpPr>
+          <p:cNvPr id="3" name="Content Placeholder 2">
+            <a:extLst>
+              <a:ext uri="{FF2B5EF4-FFF2-40B4-BE49-F238E27FC236}">
+                <a16:creationId xmlns:a16="http://schemas.microsoft.com/office/drawing/2014/main" id="{47047E08-0FCD-CAC2-B3B3-E767AE678488}"/>
+              </a:ext>
+            </a:extLst>
+          </p:cNvPr>
+          <p:cNvSpPr>
+            <a:spLocks noGrp="1"/>
+          </p:cNvSpPr>
+          <p:nvPr>
+            <p:ph idx="1"/>
+          </p:nvPr>
+        </p:nvSpPr>
+        <p:spPr/>
+        <p:txBody>
+          <a:bodyPr>
+            <a:normAutofit fontScale="92500" lnSpcReduction="10000"/>
+          </a:bodyPr>
+          <a:lstStyle/>
+          <a:p>
+            <a:r>
+              <a:rPr lang="en-US" dirty="0"/>
+              <a:t>Rust has many kinds of arrays. A true </a:t>
+            </a:r>
+            <a:r>
+              <a:rPr lang="en-US" i="1" dirty="0"/>
+              <a:t>array</a:t>
+            </a:r>
+            <a:r>
+              <a:rPr lang="en-US" dirty="0"/>
+              <a:t>, written [e1, …, …, </a:t>
+            </a:r>
+            <a:r>
+              <a:rPr lang="en-US" dirty="0" err="1"/>
+              <a:t>eN</a:t>
+            </a:r>
+            <a:r>
+              <a:rPr lang="en-US" dirty="0"/>
+              <a:t>], does not store its length; length must be known at compile time.</a:t>
+            </a:r>
+          </a:p>
+          <a:p>
+            <a:r>
+              <a:rPr lang="en-US" dirty="0"/>
+              <a:t>To avoid this restriction, we almost always use </a:t>
+            </a:r>
+            <a:r>
+              <a:rPr lang="en-US" i="1" dirty="0"/>
+              <a:t>vectors,</a:t>
+            </a:r>
+            <a:r>
+              <a:rPr lang="en-US" dirty="0"/>
+              <a:t> written </a:t>
+            </a:r>
+            <a:r>
+              <a:rPr lang="en-US" dirty="0" err="1"/>
+              <a:t>vec</a:t>
+            </a:r>
+            <a:r>
+              <a:rPr lang="en-US" dirty="0"/>
+              <a:t>![1,2,3,4], which store their length and can have any length</a:t>
+            </a:r>
+          </a:p>
+          <a:p>
+            <a:pPr lvl="1"/>
+            <a:r>
+              <a:rPr lang="en-US" dirty="0"/>
+              <a:t>The ! Indicates that </a:t>
+            </a:r>
+            <a:r>
+              <a:rPr lang="en-US" dirty="0" err="1"/>
+              <a:t>vec</a:t>
+            </a:r>
+            <a:r>
+              <a:rPr lang="en-US" dirty="0"/>
+              <a:t>! is a macro. Unlike traditional functions, it can preprocess the syntax of its arguments at compile-time, e.g. to support custom syntaxes</a:t>
+            </a:r>
+          </a:p>
+          <a:p>
+            <a:r>
+              <a:rPr lang="en-US" dirty="0"/>
+              <a:t>All array-like types are homogeneous, i.e., all their elements have the same type as each other</a:t>
+            </a:r>
+          </a:p>
+          <a:p>
+            <a:r>
+              <a:rPr lang="en-US" dirty="0"/>
+              <a:t>All array-like types support syntax e[</a:t>
+            </a:r>
+            <a:r>
+              <a:rPr lang="en-US" dirty="0" err="1"/>
+              <a:t>i</a:t>
+            </a:r>
+            <a:r>
+              <a:rPr lang="en-US" dirty="0"/>
+              <a:t>] for reading (or writing) the </a:t>
+            </a:r>
+            <a:r>
+              <a:rPr lang="en-US" dirty="0" err="1"/>
+              <a:t>i’th</a:t>
+            </a:r>
+            <a:r>
+              <a:rPr lang="en-US" dirty="0"/>
+              <a:t> element of array e.</a:t>
+            </a:r>
+          </a:p>
+        </p:txBody>
+      </p:sp>
+    </p:spTree>
+    <p:extLst>
+      <p:ext uri="{BB962C8B-B14F-4D97-AF65-F5344CB8AC3E}">
+        <p14:creationId xmlns:p14="http://schemas.microsoft.com/office/powerpoint/2010/main" val="729917300"/>
+      </p:ext>
+    </p:extLst>
+  </p:cSld>
+  <p:clrMapOvr>
+    <a:masterClrMapping/>
+  </p:clrMapOvr>
+</p:sld>
+</file>
+
+<file path=ppt/slides/slide21.xml><?xml version="1.0" encoding="utf-8"?>
+<p:sld xmlns:a="http://schemas.openxmlformats.org/drawingml/2006/main" xmlns:r="http://schemas.openxmlformats.org/officeDocument/2006/relationships" xmlns:p="http://schemas.openxmlformats.org/presentationml/2006/main">
+  <p:cSld>
+    <p:spTree>
+      <p:nvGrpSpPr>
+        <p:cNvPr id="1" name=""/>
+        <p:cNvGrpSpPr/>
+        <p:nvPr/>
+      </p:nvGrpSpPr>
+      <p:grpSpPr>
+        <a:xfrm>
+          <a:off x="0" y="0"/>
+          <a:ext cx="0" cy="0"/>
+          <a:chOff x="0" y="0"/>
+          <a:chExt cx="0" cy="0"/>
+        </a:xfrm>
+      </p:grpSpPr>
+      <p:sp>
+        <p:nvSpPr>
+          <p:cNvPr id="2" name="Title 1">
+            <a:extLst>
+              <a:ext uri="{FF2B5EF4-FFF2-40B4-BE49-F238E27FC236}">
+                <a16:creationId xmlns:a16="http://schemas.microsoft.com/office/drawing/2014/main" id="{686DEF3E-9ACD-1629-CF5C-ED6F93767C94}"/>
+              </a:ext>
+            </a:extLst>
+          </p:cNvPr>
+          <p:cNvSpPr>
+            <a:spLocks noGrp="1"/>
+          </p:cNvSpPr>
+          <p:nvPr>
+            <p:ph type="title"/>
+          </p:nvPr>
+        </p:nvSpPr>
+        <p:spPr/>
+        <p:txBody>
+          <a:bodyPr/>
+          <a:lstStyle/>
+          <a:p>
+            <a:r>
+              <a:rPr lang="en-US" dirty="0"/>
+              <a:t>If-Then-Else Conditional Expressions</a:t>
+            </a:r>
+          </a:p>
+        </p:txBody>
+      </p:sp>
+      <p:sp>
+        <p:nvSpPr>
+          <p:cNvPr id="3" name="Content Placeholder 2">
+            <a:extLst>
+              <a:ext uri="{FF2B5EF4-FFF2-40B4-BE49-F238E27FC236}">
+                <a16:creationId xmlns:a16="http://schemas.microsoft.com/office/drawing/2014/main" id="{47047E08-0FCD-CAC2-B3B3-E767AE678488}"/>
+              </a:ext>
+            </a:extLst>
+          </p:cNvPr>
+          <p:cNvSpPr>
+            <a:spLocks noGrp="1"/>
+          </p:cNvSpPr>
+          <p:nvPr>
+            <p:ph idx="1"/>
+          </p:nvPr>
+        </p:nvSpPr>
+        <p:spPr/>
+        <p:txBody>
+          <a:bodyPr>
+            <a:normAutofit/>
+          </a:bodyPr>
+          <a:lstStyle/>
+          <a:p>
+            <a:r>
+              <a:rPr lang="en-US" dirty="0"/>
+              <a:t>In Rust, an “if-then-else” can return a value, it is an expression</a:t>
+            </a:r>
+          </a:p>
+          <a:p>
+            <a:r>
+              <a:rPr lang="en-US" dirty="0"/>
+              <a:t>Parentheses are not required</a:t>
+            </a:r>
+          </a:p>
+          <a:p>
+            <a:r>
+              <a:rPr lang="en-US" dirty="0">
+                <a:latin typeface="Consolas" panose="020B0609020204030204" pitchFamily="49" charset="0"/>
+              </a:rPr>
+              <a:t>if e1 {</a:t>
+            </a:r>
+            <a:br>
+              <a:rPr lang="en-US" dirty="0">
+                <a:latin typeface="Consolas" panose="020B0609020204030204" pitchFamily="49" charset="0"/>
+              </a:rPr>
+            </a:br>
+            <a:r>
+              <a:rPr lang="en-US" dirty="0">
+                <a:latin typeface="Consolas" panose="020B0609020204030204" pitchFamily="49" charset="0"/>
+              </a:rPr>
+              <a:t>  e2</a:t>
+            </a:r>
+            <a:br>
+              <a:rPr lang="en-US" dirty="0">
+                <a:latin typeface="Consolas" panose="020B0609020204030204" pitchFamily="49" charset="0"/>
+              </a:rPr>
+            </a:br>
+            <a:r>
+              <a:rPr lang="en-US" dirty="0">
+                <a:latin typeface="Consolas" panose="020B0609020204030204" pitchFamily="49" charset="0"/>
+              </a:rPr>
+              <a:t>} else {</a:t>
+            </a:r>
+            <a:br>
+              <a:rPr lang="en-US" dirty="0">
+                <a:latin typeface="Consolas" panose="020B0609020204030204" pitchFamily="49" charset="0"/>
+              </a:rPr>
+            </a:br>
+            <a:r>
+              <a:rPr lang="en-US" dirty="0">
+                <a:latin typeface="Consolas" panose="020B0609020204030204" pitchFamily="49" charset="0"/>
+              </a:rPr>
+              <a:t>  e3</a:t>
+            </a:r>
+            <a:br>
+              <a:rPr lang="en-US" dirty="0">
+                <a:latin typeface="Consolas" panose="020B0609020204030204" pitchFamily="49" charset="0"/>
+              </a:rPr>
+            </a:br>
+            <a:r>
+              <a:rPr lang="en-US" dirty="0">
+                <a:latin typeface="Consolas" panose="020B0609020204030204" pitchFamily="49" charset="0"/>
+              </a:rPr>
+              <a:t>}</a:t>
+            </a:r>
+          </a:p>
+        </p:txBody>
+      </p:sp>
+    </p:spTree>
+    <p:extLst>
+      <p:ext uri="{BB962C8B-B14F-4D97-AF65-F5344CB8AC3E}">
+        <p14:creationId xmlns:p14="http://schemas.microsoft.com/office/powerpoint/2010/main" val="168848525"/>
+      </p:ext>
+    </p:extLst>
+  </p:cSld>
+  <p:clrMapOvr>
+    <a:masterClrMapping/>
+  </p:clrMapOvr>
+</p:sld>
+</file>
+
+<file path=ppt/slides/slide22.xml><?xml version="1.0" encoding="utf-8"?>
+<p:sld xmlns:a="http://schemas.openxmlformats.org/drawingml/2006/main" xmlns:r="http://schemas.openxmlformats.org/officeDocument/2006/relationships" xmlns:p="http://schemas.openxmlformats.org/presentationml/2006/main">
+  <p:cSld>
+    <p:spTree>
+      <p:nvGrpSpPr>
+        <p:cNvPr id="1" name=""/>
+        <p:cNvGrpSpPr/>
+        <p:nvPr/>
+      </p:nvGrpSpPr>
+      <p:grpSpPr>
+        <a:xfrm>
+          <a:off x="0" y="0"/>
+          <a:ext cx="0" cy="0"/>
+          <a:chOff x="0" y="0"/>
+          <a:chExt cx="0" cy="0"/>
+        </a:xfrm>
+      </p:grpSpPr>
+      <p:sp>
+        <p:nvSpPr>
+          <p:cNvPr id="2" name="Title 1">
+            <a:extLst>
+              <a:ext uri="{FF2B5EF4-FFF2-40B4-BE49-F238E27FC236}">
+                <a16:creationId xmlns:a16="http://schemas.microsoft.com/office/drawing/2014/main" id="{686DEF3E-9ACD-1629-CF5C-ED6F93767C94}"/>
+              </a:ext>
+            </a:extLst>
+          </p:cNvPr>
+          <p:cNvSpPr>
+            <a:spLocks noGrp="1"/>
+          </p:cNvSpPr>
+          <p:nvPr>
+            <p:ph type="title"/>
+          </p:nvPr>
+        </p:nvSpPr>
+        <p:spPr/>
+        <p:txBody>
+          <a:bodyPr/>
+          <a:lstStyle/>
+          <a:p>
+            <a:r>
+              <a:rPr lang="en-US" dirty="0"/>
+              <a:t>If-Then-Else Conditional Expressions</a:t>
+            </a:r>
+          </a:p>
+        </p:txBody>
+      </p:sp>
+      <p:sp>
+        <p:nvSpPr>
+          <p:cNvPr id="3" name="Content Placeholder 2">
+            <a:extLst>
+              <a:ext uri="{FF2B5EF4-FFF2-40B4-BE49-F238E27FC236}">
+                <a16:creationId xmlns:a16="http://schemas.microsoft.com/office/drawing/2014/main" id="{47047E08-0FCD-CAC2-B3B3-E767AE678488}"/>
+              </a:ext>
+            </a:extLst>
+          </p:cNvPr>
+          <p:cNvSpPr>
+            <a:spLocks noGrp="1"/>
+          </p:cNvSpPr>
+          <p:nvPr>
+            <p:ph idx="1"/>
+          </p:nvPr>
+        </p:nvSpPr>
+        <p:spPr/>
+        <p:txBody>
+          <a:bodyPr>
+            <a:normAutofit/>
+          </a:bodyPr>
+          <a:lstStyle/>
+          <a:p>
+            <a:r>
+              <a:rPr lang="en-US" dirty="0"/>
+              <a:t>In Rust, an “if-then-else” can return a value, it is an expression</a:t>
+            </a:r>
+          </a:p>
+          <a:p>
+            <a:r>
+              <a:rPr lang="en-US" dirty="0"/>
+              <a:t>Parentheses are not required</a:t>
+            </a:r>
+          </a:p>
+          <a:p>
+            <a:r>
+              <a:rPr lang="en-US" dirty="0">
+                <a:latin typeface="Consolas" panose="020B0609020204030204" pitchFamily="49" charset="0"/>
+              </a:rPr>
+              <a:t>if e1 {</a:t>
+            </a:r>
+            <a:br>
+              <a:rPr lang="en-US" dirty="0">
+                <a:latin typeface="Consolas" panose="020B0609020204030204" pitchFamily="49" charset="0"/>
+              </a:rPr>
+            </a:br>
+            <a:r>
+              <a:rPr lang="en-US" dirty="0">
+                <a:latin typeface="Consolas" panose="020B0609020204030204" pitchFamily="49" charset="0"/>
+              </a:rPr>
+              <a:t>  e2</a:t>
+            </a:r>
+            <a:br>
+              <a:rPr lang="en-US" dirty="0">
+                <a:latin typeface="Consolas" panose="020B0609020204030204" pitchFamily="49" charset="0"/>
+              </a:rPr>
+            </a:br>
+            <a:r>
+              <a:rPr lang="en-US" dirty="0">
+                <a:latin typeface="Consolas" panose="020B0609020204030204" pitchFamily="49" charset="0"/>
+              </a:rPr>
+              <a:t>} else {</a:t>
+            </a:r>
+            <a:br>
+              <a:rPr lang="en-US" dirty="0">
+                <a:latin typeface="Consolas" panose="020B0609020204030204" pitchFamily="49" charset="0"/>
+              </a:rPr>
+            </a:br>
+            <a:r>
+              <a:rPr lang="en-US" dirty="0">
+                <a:latin typeface="Consolas" panose="020B0609020204030204" pitchFamily="49" charset="0"/>
+              </a:rPr>
+              <a:t>  e3</a:t>
+            </a:r>
+            <a:br>
+              <a:rPr lang="en-US" dirty="0">
+                <a:latin typeface="Consolas" panose="020B0609020204030204" pitchFamily="49" charset="0"/>
+              </a:rPr>
+            </a:br>
+            <a:r>
+              <a:rPr lang="en-US" dirty="0">
+                <a:latin typeface="Consolas" panose="020B0609020204030204" pitchFamily="49" charset="0"/>
+              </a:rPr>
+              <a:t>}</a:t>
+            </a:r>
+          </a:p>
+        </p:txBody>
+      </p:sp>
+      <p:sp>
+        <p:nvSpPr>
+          <p:cNvPr id="4" name="TextBox 3">
+            <a:extLst>
+              <a:ext uri="{FF2B5EF4-FFF2-40B4-BE49-F238E27FC236}">
+                <a16:creationId xmlns:a16="http://schemas.microsoft.com/office/drawing/2014/main" id="{898B3F0D-8EB3-0045-5A3D-C987732C49CA}"/>
+              </a:ext>
+            </a:extLst>
+          </p:cNvPr>
+          <p:cNvSpPr txBox="1"/>
+          <p:nvPr/>
+        </p:nvSpPr>
+        <p:spPr>
+          <a:xfrm>
+            <a:off x="5183205" y="2893681"/>
+            <a:ext cx="6160168" cy="3539430"/>
+          </a:xfrm>
+          <a:prstGeom prst="rect">
+            <a:avLst/>
+          </a:prstGeom>
+          <a:noFill/>
+        </p:spPr>
+        <p:txBody>
+          <a:bodyPr wrap="square" rtlCol="0">
+            <a:spAutoFit/>
+          </a:bodyPr>
+          <a:lstStyle/>
+          <a:p>
+            <a:r>
+              <a:rPr lang="en-US" sz="2800" dirty="0"/>
+              <a:t>Example: The value of the expression</a:t>
+            </a:r>
+          </a:p>
+          <a:p>
+            <a:r>
+              <a:rPr lang="en-US" sz="2800" dirty="0"/>
+              <a:t>if 1 &lt; 2 {</a:t>
+            </a:r>
+            <a:br>
+              <a:rPr lang="en-US" sz="2800" dirty="0"/>
+            </a:br>
+            <a:r>
+              <a:rPr lang="en-US" sz="2800" dirty="0"/>
+              <a:t> "first string"  </a:t>
+            </a:r>
+            <a:br>
+              <a:rPr lang="en-US" sz="2800" dirty="0"/>
+            </a:br>
+            <a:r>
+              <a:rPr lang="en-US" sz="2800" dirty="0"/>
+              <a:t>} else {</a:t>
+            </a:r>
+            <a:br>
+              <a:rPr lang="en-US" sz="2800" dirty="0"/>
+            </a:br>
+            <a:r>
+              <a:rPr lang="en-US" sz="2800" dirty="0"/>
+              <a:t>  "second string"</a:t>
+            </a:r>
+          </a:p>
+          <a:p>
+            <a:r>
+              <a:rPr lang="en-US" sz="2800" dirty="0"/>
+              <a:t>}</a:t>
+            </a:r>
+            <a:br>
+              <a:rPr lang="en-US" sz="2800" dirty="0"/>
+            </a:br>
+            <a:r>
+              <a:rPr lang="en-US" sz="2800" dirty="0"/>
+              <a:t>is "first string"</a:t>
+            </a:r>
+            <a:br>
+              <a:rPr lang="en-US" sz="2800" dirty="0"/>
+            </a:br>
+            <a:endParaRPr lang="en-US" sz="2800" dirty="0"/>
+          </a:p>
+        </p:txBody>
+      </p:sp>
+    </p:spTree>
+    <p:extLst>
+      <p:ext uri="{BB962C8B-B14F-4D97-AF65-F5344CB8AC3E}">
+        <p14:creationId xmlns:p14="http://schemas.microsoft.com/office/powerpoint/2010/main" val="800686591"/>
+      </p:ext>
+    </p:extLst>
+  </p:cSld>
+  <p:clrMapOvr>
+    <a:masterClrMapping/>
+  </p:clrMapOvr>
+</p:sld>
+</file>
+
+<file path=ppt/slides/slide23.xml><?xml version="1.0" encoding="utf-8"?>
 <p:sld xmlns:a="http://schemas.openxmlformats.org/drawingml/2006/main" xmlns:r="http://schemas.openxmlformats.org/officeDocument/2006/relationships" xmlns:p="http://schemas.openxmlformats.org/presentationml/2006/main">
   <p:cSld>
     <p:spTree>
@@ -6119,412 +6611,6 @@
 </p:sld>
 </file>
 
-<file path=ppt/slides/slide21.xml><?xml version="1.0" encoding="utf-8"?>
-<p:sld xmlns:a="http://schemas.openxmlformats.org/drawingml/2006/main" xmlns:r="http://schemas.openxmlformats.org/officeDocument/2006/relationships" xmlns:p="http://schemas.openxmlformats.org/presentationml/2006/main">
-  <p:cSld>
-    <p:spTree>
-      <p:nvGrpSpPr>
-        <p:cNvPr id="1" name=""/>
-        <p:cNvGrpSpPr/>
-        <p:nvPr/>
-      </p:nvGrpSpPr>
-      <p:grpSpPr>
-        <a:xfrm>
-          <a:off x="0" y="0"/>
-          <a:ext cx="0" cy="0"/>
-          <a:chOff x="0" y="0"/>
-          <a:chExt cx="0" cy="0"/>
-        </a:xfrm>
-      </p:grpSpPr>
-      <p:sp>
-        <p:nvSpPr>
-          <p:cNvPr id="2" name="Title 1">
-            <a:extLst>
-              <a:ext uri="{FF2B5EF4-FFF2-40B4-BE49-F238E27FC236}">
-                <a16:creationId xmlns:a16="http://schemas.microsoft.com/office/drawing/2014/main" id="{948D8C03-F32D-51AF-179A-32FF02EE9E14}"/>
-              </a:ext>
-            </a:extLst>
-          </p:cNvPr>
-          <p:cNvSpPr>
-            <a:spLocks noGrp="1"/>
-          </p:cNvSpPr>
-          <p:nvPr>
-            <p:ph type="title"/>
-          </p:nvPr>
-        </p:nvSpPr>
-        <p:spPr/>
-        <p:txBody>
-          <a:bodyPr/>
-          <a:lstStyle/>
-          <a:p>
-            <a:r>
-              <a:rPr lang="en-US" dirty="0"/>
-              <a:t>What Patterns are There?</a:t>
-            </a:r>
-          </a:p>
-        </p:txBody>
-      </p:sp>
-      <p:sp>
-        <p:nvSpPr>
-          <p:cNvPr id="3" name="Content Placeholder 2">
-            <a:extLst>
-              <a:ext uri="{FF2B5EF4-FFF2-40B4-BE49-F238E27FC236}">
-                <a16:creationId xmlns:a16="http://schemas.microsoft.com/office/drawing/2014/main" id="{685734A4-9EE8-E82C-A37E-F0D01FE3D48E}"/>
-              </a:ext>
-            </a:extLst>
-          </p:cNvPr>
-          <p:cNvSpPr>
-            <a:spLocks noGrp="1"/>
-          </p:cNvSpPr>
-          <p:nvPr>
-            <p:ph idx="1"/>
-          </p:nvPr>
-        </p:nvSpPr>
-        <p:spPr/>
-        <p:txBody>
-          <a:bodyPr>
-            <a:normAutofit lnSpcReduction="10000"/>
-          </a:bodyPr>
-          <a:lstStyle/>
-          <a:p>
-            <a:r>
-              <a:rPr lang="en-US" dirty="0"/>
-              <a:t>We define each pattern </a:t>
-            </a:r>
-            <a:r>
-              <a:rPr lang="en-US" dirty="0" err="1"/>
-              <a:t>patI</a:t>
-            </a:r>
-            <a:r>
-              <a:rPr lang="en-US" dirty="0"/>
-              <a:t> by which values v0 it matches and which variables it creates</a:t>
-            </a:r>
-          </a:p>
-          <a:p>
-            <a:r>
-              <a:rPr lang="en-US" dirty="0"/>
-              <a:t>Every value v1 is pattern. It matches only v0=v1, binds no variables</a:t>
-            </a:r>
-          </a:p>
-          <a:p>
-            <a:r>
-              <a:rPr lang="en-US" dirty="0"/>
-              <a:t>Every variable x is a pattern. It matches every value, binds it to x</a:t>
-            </a:r>
-          </a:p>
-          <a:p>
-            <a:r>
-              <a:rPr lang="en-US" dirty="0"/>
-              <a:t>Underscore _ is the wildcard pattern. It matches every value but binds no variable</a:t>
-            </a:r>
-          </a:p>
-          <a:p>
-            <a:r>
-              <a:rPr lang="en-US" dirty="0"/>
-              <a:t>A tuple pattern (pat1, …, </a:t>
-            </a:r>
-            <a:r>
-              <a:rPr lang="en-US" dirty="0" err="1"/>
-              <a:t>patN</a:t>
-            </a:r>
-            <a:r>
-              <a:rPr lang="en-US" dirty="0"/>
-              <a:t>) matches a tuple value (v1, …, </a:t>
-            </a:r>
-            <a:r>
-              <a:rPr lang="en-US" dirty="0" err="1"/>
-              <a:t>vN</a:t>
-            </a:r>
-            <a:r>
-              <a:rPr lang="en-US" dirty="0"/>
-              <a:t>) if each value matches the corresponding pattern. Binds the variables of each sub-pattern</a:t>
-            </a:r>
-          </a:p>
-        </p:txBody>
-      </p:sp>
-    </p:spTree>
-    <p:extLst>
-      <p:ext uri="{BB962C8B-B14F-4D97-AF65-F5344CB8AC3E}">
-        <p14:creationId xmlns:p14="http://schemas.microsoft.com/office/powerpoint/2010/main" val="92108392"/>
-      </p:ext>
-    </p:extLst>
-  </p:cSld>
-  <p:clrMapOvr>
-    <a:masterClrMapping/>
-  </p:clrMapOvr>
-</p:sld>
-</file>
-
-<file path=ppt/slides/slide22.xml><?xml version="1.0" encoding="utf-8"?>
-<p:sld xmlns:a="http://schemas.openxmlformats.org/drawingml/2006/main" xmlns:r="http://schemas.openxmlformats.org/officeDocument/2006/relationships" xmlns:p="http://schemas.openxmlformats.org/presentationml/2006/main">
-  <p:cSld>
-    <p:spTree>
-      <p:nvGrpSpPr>
-        <p:cNvPr id="1" name=""/>
-        <p:cNvGrpSpPr/>
-        <p:nvPr/>
-      </p:nvGrpSpPr>
-      <p:grpSpPr>
-        <a:xfrm>
-          <a:off x="0" y="0"/>
-          <a:ext cx="0" cy="0"/>
-          <a:chOff x="0" y="0"/>
-          <a:chExt cx="0" cy="0"/>
-        </a:xfrm>
-      </p:grpSpPr>
-      <p:sp>
-        <p:nvSpPr>
-          <p:cNvPr id="2" name="Title 1">
-            <a:extLst>
-              <a:ext uri="{FF2B5EF4-FFF2-40B4-BE49-F238E27FC236}">
-                <a16:creationId xmlns:a16="http://schemas.microsoft.com/office/drawing/2014/main" id="{948D8C03-F32D-51AF-179A-32FF02EE9E14}"/>
-              </a:ext>
-            </a:extLst>
-          </p:cNvPr>
-          <p:cNvSpPr>
-            <a:spLocks noGrp="1"/>
-          </p:cNvSpPr>
-          <p:nvPr>
-            <p:ph type="title"/>
-          </p:nvPr>
-        </p:nvSpPr>
-        <p:spPr/>
-        <p:txBody>
-          <a:bodyPr/>
-          <a:lstStyle/>
-          <a:p>
-            <a:r>
-              <a:rPr lang="en-US" dirty="0"/>
-              <a:t>What Patterns are There?: “or-patterns”</a:t>
-            </a:r>
-          </a:p>
-        </p:txBody>
-      </p:sp>
-      <p:sp>
-        <p:nvSpPr>
-          <p:cNvPr id="3" name="Content Placeholder 2">
-            <a:extLst>
-              <a:ext uri="{FF2B5EF4-FFF2-40B4-BE49-F238E27FC236}">
-                <a16:creationId xmlns:a16="http://schemas.microsoft.com/office/drawing/2014/main" id="{685734A4-9EE8-E82C-A37E-F0D01FE3D48E}"/>
-              </a:ext>
-            </a:extLst>
-          </p:cNvPr>
-          <p:cNvSpPr>
-            <a:spLocks noGrp="1"/>
-          </p:cNvSpPr>
-          <p:nvPr>
-            <p:ph idx="1"/>
-          </p:nvPr>
-        </p:nvSpPr>
-        <p:spPr/>
-        <p:txBody>
-          <a:bodyPr>
-            <a:normAutofit/>
-          </a:bodyPr>
-          <a:lstStyle/>
-          <a:p>
-            <a:r>
-              <a:rPr lang="en-US" dirty="0"/>
-              <a:t>Or-pattern (pat1 | … | </a:t>
-            </a:r>
-            <a:r>
-              <a:rPr lang="en-US" dirty="0" err="1"/>
-              <a:t>patN</a:t>
-            </a:r>
-            <a:r>
-              <a:rPr lang="en-US" dirty="0"/>
-              <a:t>) matches v0 if it matches some </a:t>
-            </a:r>
-            <a:r>
-              <a:rPr lang="en-US" dirty="0" err="1"/>
-              <a:t>patI</a:t>
-            </a:r>
-            <a:r>
-              <a:rPr lang="en-US" dirty="0"/>
-              <a:t>. The pattern can only introduce variables if each </a:t>
-            </a:r>
-            <a:r>
-              <a:rPr lang="en-US" dirty="0" err="1"/>
-              <a:t>patI</a:t>
-            </a:r>
-            <a:r>
-              <a:rPr lang="en-US" dirty="0"/>
-              <a:t> introduces the same variables with the same types.</a:t>
-            </a:r>
-          </a:p>
-          <a:p>
-            <a:r>
-              <a:rPr lang="en-US" dirty="0"/>
-              <a:t>Let n1, n2 be literal numbers like 0 and 9</a:t>
-            </a:r>
-          </a:p>
-          <a:p>
-            <a:r>
-              <a:rPr lang="en-US" dirty="0"/>
-              <a:t>n1..=n2 is a range pattern matching n where n1 &lt;= n &lt;=  n2</a:t>
-            </a:r>
-          </a:p>
-          <a:p>
-            <a:r>
-              <a:rPr lang="en-US" dirty="0"/>
-              <a:t>n1..n2 is a range pattern matching n where n1 &lt;= n &lt; n2</a:t>
-            </a:r>
-            <a:br>
-              <a:rPr lang="en-US" dirty="0"/>
-            </a:br>
-            <a:endParaRPr lang="en-US" dirty="0"/>
-          </a:p>
-          <a:p>
-            <a:r>
-              <a:rPr lang="en-US" dirty="0"/>
-              <a:t>Check understanding: What does pattern 1..=9 mean?</a:t>
-            </a:r>
-          </a:p>
-        </p:txBody>
-      </p:sp>
-    </p:spTree>
-    <p:extLst>
-      <p:ext uri="{BB962C8B-B14F-4D97-AF65-F5344CB8AC3E}">
-        <p14:creationId xmlns:p14="http://schemas.microsoft.com/office/powerpoint/2010/main" val="2651078560"/>
-      </p:ext>
-    </p:extLst>
-  </p:cSld>
-  <p:clrMapOvr>
-    <a:masterClrMapping/>
-  </p:clrMapOvr>
-</p:sld>
-</file>
-
-<file path=ppt/slides/slide23.xml><?xml version="1.0" encoding="utf-8"?>
-<p:sld xmlns:a="http://schemas.openxmlformats.org/drawingml/2006/main" xmlns:r="http://schemas.openxmlformats.org/officeDocument/2006/relationships" xmlns:p="http://schemas.openxmlformats.org/presentationml/2006/main">
-  <p:cSld>
-    <p:spTree>
-      <p:nvGrpSpPr>
-        <p:cNvPr id="1" name=""/>
-        <p:cNvGrpSpPr/>
-        <p:nvPr/>
-      </p:nvGrpSpPr>
-      <p:grpSpPr>
-        <a:xfrm>
-          <a:off x="0" y="0"/>
-          <a:ext cx="0" cy="0"/>
-          <a:chOff x="0" y="0"/>
-          <a:chExt cx="0" cy="0"/>
-        </a:xfrm>
-      </p:grpSpPr>
-      <p:sp>
-        <p:nvSpPr>
-          <p:cNvPr id="2" name="Title 1">
-            <a:extLst>
-              <a:ext uri="{FF2B5EF4-FFF2-40B4-BE49-F238E27FC236}">
-                <a16:creationId xmlns:a16="http://schemas.microsoft.com/office/drawing/2014/main" id="{91502A17-86A2-5C80-74C1-254DC5CEB967}"/>
-              </a:ext>
-            </a:extLst>
-          </p:cNvPr>
-          <p:cNvSpPr>
-            <a:spLocks noGrp="1"/>
-          </p:cNvSpPr>
-          <p:nvPr>
-            <p:ph type="title"/>
-          </p:nvPr>
-        </p:nvSpPr>
-        <p:spPr/>
-        <p:txBody>
-          <a:bodyPr/>
-          <a:lstStyle/>
-          <a:p>
-            <a:r>
-              <a:rPr lang="en-US" dirty="0"/>
-              <a:t>Definitions</a:t>
-            </a:r>
-          </a:p>
-        </p:txBody>
-      </p:sp>
-      <p:sp>
-        <p:nvSpPr>
-          <p:cNvPr id="3" name="Content Placeholder 2">
-            <a:extLst>
-              <a:ext uri="{FF2B5EF4-FFF2-40B4-BE49-F238E27FC236}">
-                <a16:creationId xmlns:a16="http://schemas.microsoft.com/office/drawing/2014/main" id="{371A9AE9-B2C2-0BDB-2C9A-558F3D611DC6}"/>
-              </a:ext>
-            </a:extLst>
-          </p:cNvPr>
-          <p:cNvSpPr>
-            <a:spLocks noGrp="1"/>
-          </p:cNvSpPr>
-          <p:nvPr>
-            <p:ph idx="1"/>
-          </p:nvPr>
-        </p:nvSpPr>
-        <p:spPr/>
-        <p:txBody>
-          <a:bodyPr/>
-          <a:lstStyle/>
-          <a:p>
-            <a:r>
-              <a:rPr lang="en-US" b="1" dirty="0"/>
-              <a:t>Core PL Vocab:</a:t>
-            </a:r>
-            <a:r>
-              <a:rPr lang="en-US" dirty="0"/>
-              <a:t> A </a:t>
-            </a:r>
-            <a:r>
-              <a:rPr lang="en-US" b="1" dirty="0"/>
-              <a:t>definition </a:t>
-            </a:r>
-            <a:r>
-              <a:rPr lang="en-US" dirty="0"/>
-              <a:t>is a program whose job is to define one or more variables</a:t>
-            </a:r>
-          </a:p>
-          <a:p>
-            <a:r>
-              <a:rPr lang="en-US" b="1" dirty="0"/>
-              <a:t>Core PL Vocab:</a:t>
-            </a:r>
-            <a:r>
-              <a:rPr lang="en-US" dirty="0"/>
-              <a:t> A </a:t>
-            </a:r>
-            <a:r>
-              <a:rPr lang="en-US" b="1" dirty="0"/>
-              <a:t>declaration</a:t>
-            </a:r>
-            <a:r>
-              <a:rPr lang="en-US" dirty="0"/>
-              <a:t> is a program whose job is to assert which variables exist, without defining their values</a:t>
-            </a:r>
-          </a:p>
-          <a:p>
-            <a:r>
-              <a:rPr lang="en-US" b="1" dirty="0"/>
-              <a:t>Check understanding: </a:t>
-            </a:r>
-            <a:r>
-              <a:rPr lang="en-US" dirty="0"/>
-              <a:t>How do definitions relate to expressions?</a:t>
-            </a:r>
-            <a:endParaRPr lang="en-US" b="1" dirty="0"/>
-          </a:p>
-          <a:p>
-            <a:endParaRPr lang="en-US" dirty="0"/>
-          </a:p>
-        </p:txBody>
-      </p:sp>
-    </p:spTree>
-    <p:extLst>
-      <p:ext uri="{BB962C8B-B14F-4D97-AF65-F5344CB8AC3E}">
-        <p14:creationId xmlns:p14="http://schemas.microsoft.com/office/powerpoint/2010/main" val="2562295710"/>
-      </p:ext>
-    </p:extLst>
-  </p:cSld>
-  <p:clrMapOvr>
-    <a:masterClrMapping/>
-  </p:clrMapOvr>
-</p:sld>
-</file>
-
 <file path=ppt/slides/slide24.xml><?xml version="1.0" encoding="utf-8"?>
 <p:sld xmlns:a="http://schemas.openxmlformats.org/drawingml/2006/main" xmlns:r="http://schemas.openxmlformats.org/officeDocument/2006/relationships" xmlns:p="http://schemas.openxmlformats.org/presentationml/2006/main">
   <p:cSld>
@@ -6547,7 +6633,7 @@
           <p:cNvPr id="2" name="Title 1">
             <a:extLst>
               <a:ext uri="{FF2B5EF4-FFF2-40B4-BE49-F238E27FC236}">
-                <a16:creationId xmlns:a16="http://schemas.microsoft.com/office/drawing/2014/main" id="{91502A17-86A2-5C80-74C1-254DC5CEB967}"/>
+                <a16:creationId xmlns:a16="http://schemas.microsoft.com/office/drawing/2014/main" id="{948D8C03-F32D-51AF-179A-32FF02EE9E14}"/>
               </a:ext>
             </a:extLst>
           </p:cNvPr>
@@ -6565,7 +6651,7 @@
           <a:p>
             <a:r>
               <a:rPr lang="en-US" dirty="0"/>
-              <a:t>Definitions</a:t>
+              <a:t>What Patterns are There?</a:t>
             </a:r>
           </a:p>
         </p:txBody>
@@ -6575,7 +6661,7 @@
           <p:cNvPr id="3" name="Content Placeholder 2">
             <a:extLst>
               <a:ext uri="{FF2B5EF4-FFF2-40B4-BE49-F238E27FC236}">
-                <a16:creationId xmlns:a16="http://schemas.microsoft.com/office/drawing/2014/main" id="{371A9AE9-B2C2-0BDB-2C9A-558F3D611DC6}"/>
+                <a16:creationId xmlns:a16="http://schemas.microsoft.com/office/drawing/2014/main" id="{685734A4-9EE8-E82C-A37E-F0D01FE3D48E}"/>
               </a:ext>
             </a:extLst>
           </p:cNvPr>
@@ -6589,78 +6675,61 @@
         <p:spPr/>
         <p:txBody>
           <a:bodyPr>
-            <a:normAutofit/>
+            <a:normAutofit lnSpcReduction="10000"/>
           </a:bodyPr>
           <a:lstStyle/>
           <a:p>
             <a:r>
-              <a:rPr lang="en-US" b="1" dirty="0"/>
-              <a:t>Core PL Vocab:</a:t>
-            </a:r>
-            <a:r>
-              <a:rPr lang="en-US" dirty="0"/>
-              <a:t> A </a:t>
-            </a:r>
-            <a:r>
-              <a:rPr lang="en-US" b="1" dirty="0"/>
-              <a:t>definition </a:t>
-            </a:r>
-            <a:r>
-              <a:rPr lang="en-US" dirty="0"/>
-              <a:t>is a program whose job is to define one or more variables</a:t>
-            </a:r>
-          </a:p>
-          <a:p>
-            <a:r>
-              <a:rPr lang="en-US" b="1" dirty="0"/>
-              <a:t>Core PL Vocab:</a:t>
-            </a:r>
-            <a:r>
-              <a:rPr lang="en-US" dirty="0"/>
-              <a:t> A </a:t>
-            </a:r>
-            <a:r>
-              <a:rPr lang="en-US" b="1" dirty="0"/>
-              <a:t>declaration</a:t>
-            </a:r>
-            <a:r>
-              <a:rPr lang="en-US" dirty="0"/>
-              <a:t> is a program whose job is to assert which variables exist, without defining their values</a:t>
-            </a:r>
-          </a:p>
-          <a:p>
-            <a:r>
-              <a:rPr lang="en-US" b="1" dirty="0"/>
-              <a:t>Check understanding: </a:t>
-            </a:r>
-            <a:r>
-              <a:rPr lang="en-US" dirty="0"/>
-              <a:t>How do definitions relate to expressions?</a:t>
-            </a:r>
-            <a:endParaRPr lang="en-US" b="1" dirty="0"/>
-          </a:p>
-          <a:p>
-            <a:r>
-              <a:rPr lang="en-US" b="1" dirty="0"/>
-              <a:t>Answer:</a:t>
-            </a:r>
-            <a:r>
-              <a:rPr lang="en-US" dirty="0"/>
-              <a:t> You can argue either way</a:t>
-            </a:r>
-            <a:br>
-              <a:rPr lang="en-US" dirty="0"/>
-            </a:br>
-            <a:r>
-              <a:rPr lang="en-US" dirty="0"/>
-              <a:t>In book: Definitions and expressions are separate concepts</a:t>
-            </a:r>
-            <a:br>
-              <a:rPr lang="en-US" dirty="0"/>
-            </a:br>
-            <a:r>
-              <a:rPr lang="en-US" dirty="0"/>
-              <a:t>In Rust: A definition is a statement (see next slide) and expression</a:t>
+              <a:rPr lang="en-US" dirty="0"/>
+              <a:t>We define each pattern </a:t>
+            </a:r>
+            <a:r>
+              <a:rPr lang="en-US" dirty="0" err="1"/>
+              <a:t>patI</a:t>
+            </a:r>
+            <a:r>
+              <a:rPr lang="en-US" dirty="0"/>
+              <a:t> by which values v0 it matches and which variables it creates</a:t>
+            </a:r>
+          </a:p>
+          <a:p>
+            <a:r>
+              <a:rPr lang="en-US" dirty="0"/>
+              <a:t>Every value v1 is pattern. It matches only v0=v1, binds no variables</a:t>
+            </a:r>
+          </a:p>
+          <a:p>
+            <a:r>
+              <a:rPr lang="en-US" dirty="0"/>
+              <a:t>Every variable x is a pattern. It matches every value, binds it to x</a:t>
+            </a:r>
+          </a:p>
+          <a:p>
+            <a:r>
+              <a:rPr lang="en-US" dirty="0"/>
+              <a:t>Underscore _ is the wildcard pattern. It matches every value but binds no variable</a:t>
+            </a:r>
+          </a:p>
+          <a:p>
+            <a:r>
+              <a:rPr lang="en-US" dirty="0"/>
+              <a:t>A tuple pattern (pat1, …, </a:t>
+            </a:r>
+            <a:r>
+              <a:rPr lang="en-US" dirty="0" err="1"/>
+              <a:t>patN</a:t>
+            </a:r>
+            <a:r>
+              <a:rPr lang="en-US" dirty="0"/>
+              <a:t>) matches a tuple value (v1, …, </a:t>
+            </a:r>
+            <a:r>
+              <a:rPr lang="en-US" dirty="0" err="1"/>
+              <a:t>vN</a:t>
+            </a:r>
+            <a:r>
+              <a:rPr lang="en-US" dirty="0"/>
+              <a:t>) if each value matches the corresponding pattern. Binds the variables of each sub-pattern</a:t>
             </a:r>
           </a:p>
         </p:txBody>
@@ -6668,7 +6737,7 @@
     </p:spTree>
     <p:extLst>
       <p:ext uri="{BB962C8B-B14F-4D97-AF65-F5344CB8AC3E}">
-        <p14:creationId xmlns:p14="http://schemas.microsoft.com/office/powerpoint/2010/main" val="1330267770"/>
+        <p14:creationId xmlns:p14="http://schemas.microsoft.com/office/powerpoint/2010/main" val="92108392"/>
       </p:ext>
     </p:extLst>
   </p:cSld>
@@ -6700,6 +6769,864 @@
           <p:cNvPr id="2" name="Title 1">
             <a:extLst>
               <a:ext uri="{FF2B5EF4-FFF2-40B4-BE49-F238E27FC236}">
+                <a16:creationId xmlns:a16="http://schemas.microsoft.com/office/drawing/2014/main" id="{948D8C03-F32D-51AF-179A-32FF02EE9E14}"/>
+              </a:ext>
+            </a:extLst>
+          </p:cNvPr>
+          <p:cNvSpPr>
+            <a:spLocks noGrp="1"/>
+          </p:cNvSpPr>
+          <p:nvPr>
+            <p:ph type="title"/>
+          </p:nvPr>
+        </p:nvSpPr>
+        <p:spPr/>
+        <p:txBody>
+          <a:bodyPr/>
+          <a:lstStyle/>
+          <a:p>
+            <a:r>
+              <a:rPr lang="en-US" dirty="0"/>
+              <a:t>What Patterns are There?: “or-patterns”</a:t>
+            </a:r>
+          </a:p>
+        </p:txBody>
+      </p:sp>
+      <p:sp>
+        <p:nvSpPr>
+          <p:cNvPr id="3" name="Content Placeholder 2">
+            <a:extLst>
+              <a:ext uri="{FF2B5EF4-FFF2-40B4-BE49-F238E27FC236}">
+                <a16:creationId xmlns:a16="http://schemas.microsoft.com/office/drawing/2014/main" id="{685734A4-9EE8-E82C-A37E-F0D01FE3D48E}"/>
+              </a:ext>
+            </a:extLst>
+          </p:cNvPr>
+          <p:cNvSpPr>
+            <a:spLocks noGrp="1"/>
+          </p:cNvSpPr>
+          <p:nvPr>
+            <p:ph idx="1"/>
+          </p:nvPr>
+        </p:nvSpPr>
+        <p:spPr/>
+        <p:txBody>
+          <a:bodyPr>
+            <a:normAutofit/>
+          </a:bodyPr>
+          <a:lstStyle/>
+          <a:p>
+            <a:r>
+              <a:rPr lang="en-US" dirty="0"/>
+              <a:t>Or-pattern (pat1 | … | </a:t>
+            </a:r>
+            <a:r>
+              <a:rPr lang="en-US" dirty="0" err="1"/>
+              <a:t>patN</a:t>
+            </a:r>
+            <a:r>
+              <a:rPr lang="en-US" dirty="0"/>
+              <a:t>) matches v0 if it matches some </a:t>
+            </a:r>
+            <a:r>
+              <a:rPr lang="en-US" dirty="0" err="1"/>
+              <a:t>patI</a:t>
+            </a:r>
+            <a:r>
+              <a:rPr lang="en-US" dirty="0"/>
+              <a:t>. The pattern can only introduce variables if each </a:t>
+            </a:r>
+            <a:r>
+              <a:rPr lang="en-US" dirty="0" err="1"/>
+              <a:t>patI</a:t>
+            </a:r>
+            <a:r>
+              <a:rPr lang="en-US" dirty="0"/>
+              <a:t> introduces the same variables with the same types.</a:t>
+            </a:r>
+          </a:p>
+          <a:p>
+            <a:r>
+              <a:rPr lang="en-US" dirty="0"/>
+              <a:t>Let n1, n2 be literal numbers like 0 and 9</a:t>
+            </a:r>
+          </a:p>
+          <a:p>
+            <a:r>
+              <a:rPr lang="en-US" dirty="0"/>
+              <a:t>n1..=n2 is a range pattern matching n where n1 &lt;= n &lt;=  n2</a:t>
+            </a:r>
+          </a:p>
+          <a:p>
+            <a:r>
+              <a:rPr lang="en-US" dirty="0"/>
+              <a:t>n1..n2 is a range pattern matching n where n1 &lt;= n &lt; n2</a:t>
+            </a:r>
+            <a:br>
+              <a:rPr lang="en-US" dirty="0"/>
+            </a:br>
+            <a:endParaRPr lang="en-US" dirty="0"/>
+          </a:p>
+          <a:p>
+            <a:r>
+              <a:rPr lang="en-US" dirty="0"/>
+              <a:t>Check understanding: What does pattern 1..=9 mean?</a:t>
+            </a:r>
+          </a:p>
+        </p:txBody>
+      </p:sp>
+    </p:spTree>
+    <p:extLst>
+      <p:ext uri="{BB962C8B-B14F-4D97-AF65-F5344CB8AC3E}">
+        <p14:creationId xmlns:p14="http://schemas.microsoft.com/office/powerpoint/2010/main" val="2651078560"/>
+      </p:ext>
+    </p:extLst>
+  </p:cSld>
+  <p:clrMapOvr>
+    <a:masterClrMapping/>
+  </p:clrMapOvr>
+</p:sld>
+</file>
+
+<file path=ppt/slides/slide26.xml><?xml version="1.0" encoding="utf-8"?>
+<p:sld xmlns:a="http://schemas.openxmlformats.org/drawingml/2006/main" xmlns:r="http://schemas.openxmlformats.org/officeDocument/2006/relationships" xmlns:p="http://schemas.openxmlformats.org/presentationml/2006/main">
+  <p:cSld>
+    <p:spTree>
+      <p:nvGrpSpPr>
+        <p:cNvPr id="1" name=""/>
+        <p:cNvGrpSpPr/>
+        <p:nvPr/>
+      </p:nvGrpSpPr>
+      <p:grpSpPr>
+        <a:xfrm>
+          <a:off x="0" y="0"/>
+          <a:ext cx="0" cy="0"/>
+          <a:chOff x="0" y="0"/>
+          <a:chExt cx="0" cy="0"/>
+        </a:xfrm>
+      </p:grpSpPr>
+      <p:sp>
+        <p:nvSpPr>
+          <p:cNvPr id="2" name="Title 1">
+            <a:extLst>
+              <a:ext uri="{FF2B5EF4-FFF2-40B4-BE49-F238E27FC236}">
+                <a16:creationId xmlns:a16="http://schemas.microsoft.com/office/drawing/2014/main" id="{948D8C03-F32D-51AF-179A-32FF02EE9E14}"/>
+              </a:ext>
+            </a:extLst>
+          </p:cNvPr>
+          <p:cNvSpPr>
+            <a:spLocks noGrp="1"/>
+          </p:cNvSpPr>
+          <p:nvPr>
+            <p:ph type="title"/>
+          </p:nvPr>
+        </p:nvSpPr>
+        <p:spPr/>
+        <p:txBody>
+          <a:bodyPr/>
+          <a:lstStyle/>
+          <a:p>
+            <a:r>
+              <a:rPr lang="en-US" dirty="0"/>
+              <a:t>Pattern-Match Examples</a:t>
+            </a:r>
+          </a:p>
+        </p:txBody>
+      </p:sp>
+      <p:sp>
+        <p:nvSpPr>
+          <p:cNvPr id="3" name="Content Placeholder 2">
+            <a:extLst>
+              <a:ext uri="{FF2B5EF4-FFF2-40B4-BE49-F238E27FC236}">
+                <a16:creationId xmlns:a16="http://schemas.microsoft.com/office/drawing/2014/main" id="{685734A4-9EE8-E82C-A37E-F0D01FE3D48E}"/>
+              </a:ext>
+            </a:extLst>
+          </p:cNvPr>
+          <p:cNvSpPr>
+            <a:spLocks noGrp="1"/>
+          </p:cNvSpPr>
+          <p:nvPr>
+            <p:ph idx="1"/>
+          </p:nvPr>
+        </p:nvSpPr>
+        <p:spPr/>
+        <p:txBody>
+          <a:bodyPr>
+            <a:normAutofit/>
+          </a:bodyPr>
+          <a:lstStyle/>
+          <a:p>
+            <a:pPr marL="0" indent="0">
+              <a:buNone/>
+            </a:pPr>
+            <a:r>
+              <a:rPr lang="pt-BR" dirty="0">
+                <a:latin typeface="Consolas" panose="020B0609020204030204" pitchFamily="49" charset="0"/>
+              </a:rPr>
+              <a:t>fn flip_digit2(n : i32) -&gt; i32 {</a:t>
+            </a:r>
+            <a:br>
+              <a:rPr lang="pt-BR" dirty="0">
+                <a:latin typeface="Consolas" panose="020B0609020204030204" pitchFamily="49" charset="0"/>
+              </a:rPr>
+            </a:br>
+            <a:r>
+              <a:rPr lang="pt-BR" dirty="0">
+                <a:latin typeface="Consolas" panose="020B0609020204030204" pitchFamily="49" charset="0"/>
+              </a:rPr>
+              <a:t>  match n {</a:t>
+            </a:r>
+            <a:br>
+              <a:rPr lang="pt-BR" dirty="0">
+                <a:latin typeface="Consolas" panose="020B0609020204030204" pitchFamily="49" charset="0"/>
+              </a:rPr>
+            </a:br>
+            <a:r>
+              <a:rPr lang="pt-BR" dirty="0">
+                <a:latin typeface="Consolas" panose="020B0609020204030204" pitchFamily="49" charset="0"/>
+              </a:rPr>
+              <a:t>    1..=9 =&gt; 9 - n,</a:t>
+            </a:r>
+            <a:br>
+              <a:rPr lang="pt-BR" dirty="0">
+                <a:latin typeface="Consolas" panose="020B0609020204030204" pitchFamily="49" charset="0"/>
+              </a:rPr>
+            </a:br>
+            <a:r>
+              <a:rPr lang="pt-BR" dirty="0">
+                <a:latin typeface="Consolas" panose="020B0609020204030204" pitchFamily="49" charset="0"/>
+              </a:rPr>
+              <a:t>    _ =&gt; n,</a:t>
+            </a:r>
+            <a:br>
+              <a:rPr lang="pt-BR" dirty="0">
+                <a:latin typeface="Consolas" panose="020B0609020204030204" pitchFamily="49" charset="0"/>
+              </a:rPr>
+            </a:br>
+            <a:r>
+              <a:rPr lang="pt-BR" dirty="0">
+                <a:latin typeface="Consolas" panose="020B0609020204030204" pitchFamily="49" charset="0"/>
+              </a:rPr>
+              <a:t>  }</a:t>
+            </a:r>
+            <a:br>
+              <a:rPr lang="pt-BR" dirty="0">
+                <a:latin typeface="Consolas" panose="020B0609020204030204" pitchFamily="49" charset="0"/>
+              </a:rPr>
+            </a:br>
+            <a:r>
+              <a:rPr lang="pt-BR" dirty="0">
+                <a:latin typeface="Consolas" panose="020B0609020204030204" pitchFamily="49" charset="0"/>
+              </a:rPr>
+              <a:t>}</a:t>
+            </a:r>
+            <a:br>
+              <a:rPr lang="pt-BR" dirty="0">
+                <a:latin typeface="Consolas" panose="020B0609020204030204" pitchFamily="49" charset="0"/>
+              </a:rPr>
+            </a:br>
+            <a:endParaRPr lang="en-US" dirty="0">
+              <a:latin typeface="Consolas" panose="020B0609020204030204" pitchFamily="49" charset="0"/>
+            </a:endParaRPr>
+          </a:p>
+        </p:txBody>
+      </p:sp>
+    </p:spTree>
+    <p:extLst>
+      <p:ext uri="{BB962C8B-B14F-4D97-AF65-F5344CB8AC3E}">
+        <p14:creationId xmlns:p14="http://schemas.microsoft.com/office/powerpoint/2010/main" val="2920894838"/>
+      </p:ext>
+    </p:extLst>
+  </p:cSld>
+  <p:clrMapOvr>
+    <a:masterClrMapping/>
+  </p:clrMapOvr>
+</p:sld>
+</file>
+
+<file path=ppt/slides/slide27.xml><?xml version="1.0" encoding="utf-8"?>
+<p:sld xmlns:a="http://schemas.openxmlformats.org/drawingml/2006/main" xmlns:r="http://schemas.openxmlformats.org/officeDocument/2006/relationships" xmlns:p="http://schemas.openxmlformats.org/presentationml/2006/main">
+  <p:cSld>
+    <p:spTree>
+      <p:nvGrpSpPr>
+        <p:cNvPr id="1" name=""/>
+        <p:cNvGrpSpPr/>
+        <p:nvPr/>
+      </p:nvGrpSpPr>
+      <p:grpSpPr>
+        <a:xfrm>
+          <a:off x="0" y="0"/>
+          <a:ext cx="0" cy="0"/>
+          <a:chOff x="0" y="0"/>
+          <a:chExt cx="0" cy="0"/>
+        </a:xfrm>
+      </p:grpSpPr>
+      <p:sp>
+        <p:nvSpPr>
+          <p:cNvPr id="2" name="Title 1">
+            <a:extLst>
+              <a:ext uri="{FF2B5EF4-FFF2-40B4-BE49-F238E27FC236}">
+                <a16:creationId xmlns:a16="http://schemas.microsoft.com/office/drawing/2014/main" id="{948D8C03-F32D-51AF-179A-32FF02EE9E14}"/>
+              </a:ext>
+            </a:extLst>
+          </p:cNvPr>
+          <p:cNvSpPr>
+            <a:spLocks noGrp="1"/>
+          </p:cNvSpPr>
+          <p:nvPr>
+            <p:ph type="title"/>
+          </p:nvPr>
+        </p:nvSpPr>
+        <p:spPr/>
+        <p:txBody>
+          <a:bodyPr/>
+          <a:lstStyle/>
+          <a:p>
+            <a:r>
+              <a:rPr lang="en-US" dirty="0"/>
+              <a:t>Pattern-Match Examples</a:t>
+            </a:r>
+          </a:p>
+        </p:txBody>
+      </p:sp>
+      <p:sp>
+        <p:nvSpPr>
+          <p:cNvPr id="3" name="Content Placeholder 2">
+            <a:extLst>
+              <a:ext uri="{FF2B5EF4-FFF2-40B4-BE49-F238E27FC236}">
+                <a16:creationId xmlns:a16="http://schemas.microsoft.com/office/drawing/2014/main" id="{685734A4-9EE8-E82C-A37E-F0D01FE3D48E}"/>
+              </a:ext>
+            </a:extLst>
+          </p:cNvPr>
+          <p:cNvSpPr>
+            <a:spLocks noGrp="1"/>
+          </p:cNvSpPr>
+          <p:nvPr>
+            <p:ph idx="1"/>
+          </p:nvPr>
+        </p:nvSpPr>
+        <p:spPr/>
+        <p:txBody>
+          <a:bodyPr>
+            <a:normAutofit lnSpcReduction="10000"/>
+          </a:bodyPr>
+          <a:lstStyle/>
+          <a:p>
+            <a:pPr marL="0" indent="0">
+              <a:buNone/>
+            </a:pPr>
+            <a:r>
+              <a:rPr lang="pt-BR" dirty="0">
+                <a:latin typeface="Consolas" panose="020B0609020204030204" pitchFamily="49" charset="0"/>
+              </a:rPr>
+              <a:t>Toy example of tuple syntax</a:t>
+            </a:r>
+            <a:br>
+              <a:rPr lang="pt-BR" dirty="0">
+                <a:latin typeface="Consolas" panose="020B0609020204030204" pitchFamily="49" charset="0"/>
+              </a:rPr>
+            </a:br>
+            <a:r>
+              <a:rPr lang="pt-BR" dirty="0">
+                <a:latin typeface="Consolas" panose="020B0609020204030204" pitchFamily="49" charset="0"/>
+              </a:rPr>
+              <a:t>match input {</a:t>
+            </a:r>
+          </a:p>
+          <a:p>
+            <a:pPr marL="0" indent="0">
+              <a:buNone/>
+            </a:pPr>
+            <a:r>
+              <a:rPr lang="pt-BR" dirty="0">
+                <a:latin typeface="Consolas" panose="020B0609020204030204" pitchFamily="49" charset="0"/>
+              </a:rPr>
+              <a:t> (1, _) =&gt; 3,</a:t>
+            </a:r>
+            <a:br>
+              <a:rPr lang="pt-BR" dirty="0">
+                <a:latin typeface="Consolas" panose="020B0609020204030204" pitchFamily="49" charset="0"/>
+              </a:rPr>
+            </a:br>
+            <a:r>
+              <a:rPr lang="pt-BR" dirty="0">
+                <a:latin typeface="Consolas" panose="020B0609020204030204" pitchFamily="49" charset="0"/>
+              </a:rPr>
+              <a:t> (_, 3) =&gt; 1,</a:t>
+            </a:r>
+            <a:br>
+              <a:rPr lang="pt-BR" dirty="0">
+                <a:latin typeface="Consolas" panose="020B0609020204030204" pitchFamily="49" charset="0"/>
+              </a:rPr>
+            </a:br>
+            <a:r>
+              <a:rPr lang="pt-BR" dirty="0">
+                <a:latin typeface="Consolas" panose="020B0609020204030204" pitchFamily="49" charset="0"/>
+              </a:rPr>
+              <a:t> (x, y) =&gt; 3*x + y/3,</a:t>
+            </a:r>
+          </a:p>
+          <a:p>
+            <a:pPr marL="0" indent="0">
+              <a:buNone/>
+            </a:pPr>
+            <a:r>
+              <a:rPr lang="pt-BR" dirty="0">
+                <a:latin typeface="Consolas" panose="020B0609020204030204" pitchFamily="49" charset="0"/>
+              </a:rPr>
+              <a:t>}</a:t>
+            </a:r>
+          </a:p>
+          <a:p>
+            <a:pPr marL="0" indent="0">
+              <a:buNone/>
+            </a:pPr>
+            <a:r>
+              <a:rPr lang="pt-BR" dirty="0"/>
+              <a:t>Check understanding: What does it do for input = (1, 3)? (3,3)? What input would give a result of 4?</a:t>
+            </a:r>
+            <a:br>
+              <a:rPr lang="pt-BR" dirty="0">
+                <a:latin typeface="Consolas" panose="020B0609020204030204" pitchFamily="49" charset="0"/>
+              </a:rPr>
+            </a:br>
+            <a:endParaRPr lang="en-US" dirty="0">
+              <a:latin typeface="Consolas" panose="020B0609020204030204" pitchFamily="49" charset="0"/>
+            </a:endParaRPr>
+          </a:p>
+        </p:txBody>
+      </p:sp>
+    </p:spTree>
+    <p:extLst>
+      <p:ext uri="{BB962C8B-B14F-4D97-AF65-F5344CB8AC3E}">
+        <p14:creationId xmlns:p14="http://schemas.microsoft.com/office/powerpoint/2010/main" val="2429012607"/>
+      </p:ext>
+    </p:extLst>
+  </p:cSld>
+  <p:clrMapOvr>
+    <a:masterClrMapping/>
+  </p:clrMapOvr>
+</p:sld>
+</file>
+
+<file path=ppt/slides/slide28.xml><?xml version="1.0" encoding="utf-8"?>
+<p:sld xmlns:a="http://schemas.openxmlformats.org/drawingml/2006/main" xmlns:r="http://schemas.openxmlformats.org/officeDocument/2006/relationships" xmlns:p="http://schemas.openxmlformats.org/presentationml/2006/main">
+  <p:cSld>
+    <p:spTree>
+      <p:nvGrpSpPr>
+        <p:cNvPr id="1" name=""/>
+        <p:cNvGrpSpPr/>
+        <p:nvPr/>
+      </p:nvGrpSpPr>
+      <p:grpSpPr>
+        <a:xfrm>
+          <a:off x="0" y="0"/>
+          <a:ext cx="0" cy="0"/>
+          <a:chOff x="0" y="0"/>
+          <a:chExt cx="0" cy="0"/>
+        </a:xfrm>
+      </p:grpSpPr>
+      <p:sp>
+        <p:nvSpPr>
+          <p:cNvPr id="2" name="Title 1">
+            <a:extLst>
+              <a:ext uri="{FF2B5EF4-FFF2-40B4-BE49-F238E27FC236}">
+                <a16:creationId xmlns:a16="http://schemas.microsoft.com/office/drawing/2014/main" id="{91502A17-86A2-5C80-74C1-254DC5CEB967}"/>
+              </a:ext>
+            </a:extLst>
+          </p:cNvPr>
+          <p:cNvSpPr>
+            <a:spLocks noGrp="1"/>
+          </p:cNvSpPr>
+          <p:nvPr>
+            <p:ph type="title"/>
+          </p:nvPr>
+        </p:nvSpPr>
+        <p:spPr/>
+        <p:txBody>
+          <a:bodyPr/>
+          <a:lstStyle/>
+          <a:p>
+            <a:r>
+              <a:rPr lang="en-US" dirty="0"/>
+              <a:t>Definitions</a:t>
+            </a:r>
+          </a:p>
+        </p:txBody>
+      </p:sp>
+      <p:sp>
+        <p:nvSpPr>
+          <p:cNvPr id="3" name="Content Placeholder 2">
+            <a:extLst>
+              <a:ext uri="{FF2B5EF4-FFF2-40B4-BE49-F238E27FC236}">
+                <a16:creationId xmlns:a16="http://schemas.microsoft.com/office/drawing/2014/main" id="{371A9AE9-B2C2-0BDB-2C9A-558F3D611DC6}"/>
+              </a:ext>
+            </a:extLst>
+          </p:cNvPr>
+          <p:cNvSpPr>
+            <a:spLocks noGrp="1"/>
+          </p:cNvSpPr>
+          <p:nvPr>
+            <p:ph idx="1"/>
+          </p:nvPr>
+        </p:nvSpPr>
+        <p:spPr/>
+        <p:txBody>
+          <a:bodyPr/>
+          <a:lstStyle/>
+          <a:p>
+            <a:r>
+              <a:rPr lang="en-US" b="1" dirty="0"/>
+              <a:t>Core PL Vocab:</a:t>
+            </a:r>
+            <a:r>
+              <a:rPr lang="en-US" dirty="0"/>
+              <a:t> A </a:t>
+            </a:r>
+            <a:r>
+              <a:rPr lang="en-US" b="1" dirty="0"/>
+              <a:t>definition </a:t>
+            </a:r>
+            <a:r>
+              <a:rPr lang="en-US" dirty="0"/>
+              <a:t>is a program whose job is to define one or more variables</a:t>
+            </a:r>
+          </a:p>
+          <a:p>
+            <a:r>
+              <a:rPr lang="en-US" b="1" dirty="0"/>
+              <a:t>Core PL Vocab:</a:t>
+            </a:r>
+            <a:r>
+              <a:rPr lang="en-US" dirty="0"/>
+              <a:t> A </a:t>
+            </a:r>
+            <a:r>
+              <a:rPr lang="en-US" b="1" dirty="0"/>
+              <a:t>declaration</a:t>
+            </a:r>
+            <a:r>
+              <a:rPr lang="en-US" dirty="0"/>
+              <a:t> is a program whose job is to assert which variables exist, without defining their values</a:t>
+            </a:r>
+          </a:p>
+          <a:p>
+            <a:r>
+              <a:rPr lang="en-US" b="1" dirty="0"/>
+              <a:t>Check understanding: </a:t>
+            </a:r>
+            <a:r>
+              <a:rPr lang="en-US" dirty="0"/>
+              <a:t>How do definitions relate to expressions?</a:t>
+            </a:r>
+            <a:endParaRPr lang="en-US" b="1" dirty="0"/>
+          </a:p>
+          <a:p>
+            <a:endParaRPr lang="en-US" dirty="0"/>
+          </a:p>
+        </p:txBody>
+      </p:sp>
+    </p:spTree>
+    <p:extLst>
+      <p:ext uri="{BB962C8B-B14F-4D97-AF65-F5344CB8AC3E}">
+        <p14:creationId xmlns:p14="http://schemas.microsoft.com/office/powerpoint/2010/main" val="2562295710"/>
+      </p:ext>
+    </p:extLst>
+  </p:cSld>
+  <p:clrMapOvr>
+    <a:masterClrMapping/>
+  </p:clrMapOvr>
+</p:sld>
+</file>
+
+<file path=ppt/slides/slide29.xml><?xml version="1.0" encoding="utf-8"?>
+<p:sld xmlns:a="http://schemas.openxmlformats.org/drawingml/2006/main" xmlns:r="http://schemas.openxmlformats.org/officeDocument/2006/relationships" xmlns:p="http://schemas.openxmlformats.org/presentationml/2006/main">
+  <p:cSld>
+    <p:spTree>
+      <p:nvGrpSpPr>
+        <p:cNvPr id="1" name=""/>
+        <p:cNvGrpSpPr/>
+        <p:nvPr/>
+      </p:nvGrpSpPr>
+      <p:grpSpPr>
+        <a:xfrm>
+          <a:off x="0" y="0"/>
+          <a:ext cx="0" cy="0"/>
+          <a:chOff x="0" y="0"/>
+          <a:chExt cx="0" cy="0"/>
+        </a:xfrm>
+      </p:grpSpPr>
+      <p:sp>
+        <p:nvSpPr>
+          <p:cNvPr id="2" name="Title 1">
+            <a:extLst>
+              <a:ext uri="{FF2B5EF4-FFF2-40B4-BE49-F238E27FC236}">
+                <a16:creationId xmlns:a16="http://schemas.microsoft.com/office/drawing/2014/main" id="{91502A17-86A2-5C80-74C1-254DC5CEB967}"/>
+              </a:ext>
+            </a:extLst>
+          </p:cNvPr>
+          <p:cNvSpPr>
+            <a:spLocks noGrp="1"/>
+          </p:cNvSpPr>
+          <p:nvPr>
+            <p:ph type="title"/>
+          </p:nvPr>
+        </p:nvSpPr>
+        <p:spPr/>
+        <p:txBody>
+          <a:bodyPr/>
+          <a:lstStyle/>
+          <a:p>
+            <a:r>
+              <a:rPr lang="en-US" dirty="0"/>
+              <a:t>Definitions</a:t>
+            </a:r>
+          </a:p>
+        </p:txBody>
+      </p:sp>
+      <p:sp>
+        <p:nvSpPr>
+          <p:cNvPr id="3" name="Content Placeholder 2">
+            <a:extLst>
+              <a:ext uri="{FF2B5EF4-FFF2-40B4-BE49-F238E27FC236}">
+                <a16:creationId xmlns:a16="http://schemas.microsoft.com/office/drawing/2014/main" id="{371A9AE9-B2C2-0BDB-2C9A-558F3D611DC6}"/>
+              </a:ext>
+            </a:extLst>
+          </p:cNvPr>
+          <p:cNvSpPr>
+            <a:spLocks noGrp="1"/>
+          </p:cNvSpPr>
+          <p:nvPr>
+            <p:ph idx="1"/>
+          </p:nvPr>
+        </p:nvSpPr>
+        <p:spPr/>
+        <p:txBody>
+          <a:bodyPr>
+            <a:normAutofit/>
+          </a:bodyPr>
+          <a:lstStyle/>
+          <a:p>
+            <a:r>
+              <a:rPr lang="en-US" b="1" dirty="0"/>
+              <a:t>Core PL Vocab:</a:t>
+            </a:r>
+            <a:r>
+              <a:rPr lang="en-US" dirty="0"/>
+              <a:t> A </a:t>
+            </a:r>
+            <a:r>
+              <a:rPr lang="en-US" b="1" dirty="0"/>
+              <a:t>definition </a:t>
+            </a:r>
+            <a:r>
+              <a:rPr lang="en-US" dirty="0"/>
+              <a:t>is a program whose job is to define one or more variables</a:t>
+            </a:r>
+          </a:p>
+          <a:p>
+            <a:r>
+              <a:rPr lang="en-US" b="1" dirty="0"/>
+              <a:t>Core PL Vocab:</a:t>
+            </a:r>
+            <a:r>
+              <a:rPr lang="en-US" dirty="0"/>
+              <a:t> A </a:t>
+            </a:r>
+            <a:r>
+              <a:rPr lang="en-US" b="1" dirty="0"/>
+              <a:t>declaration</a:t>
+            </a:r>
+            <a:r>
+              <a:rPr lang="en-US" dirty="0"/>
+              <a:t> is a program whose job is to assert which variables exist, without defining their values</a:t>
+            </a:r>
+          </a:p>
+          <a:p>
+            <a:r>
+              <a:rPr lang="en-US" b="1" dirty="0"/>
+              <a:t>Check understanding: </a:t>
+            </a:r>
+            <a:r>
+              <a:rPr lang="en-US" dirty="0"/>
+              <a:t>How do definitions relate to expressions?</a:t>
+            </a:r>
+            <a:endParaRPr lang="en-US" b="1" dirty="0"/>
+          </a:p>
+          <a:p>
+            <a:r>
+              <a:rPr lang="en-US" b="1" dirty="0"/>
+              <a:t>Answer:</a:t>
+            </a:r>
+            <a:r>
+              <a:rPr lang="en-US" dirty="0"/>
+              <a:t> You can argue either way</a:t>
+            </a:r>
+            <a:br>
+              <a:rPr lang="en-US" dirty="0"/>
+            </a:br>
+            <a:r>
+              <a:rPr lang="en-US" dirty="0"/>
+              <a:t>In book: Definitions and expressions are separate concepts</a:t>
+            </a:r>
+            <a:br>
+              <a:rPr lang="en-US" dirty="0"/>
+            </a:br>
+            <a:r>
+              <a:rPr lang="en-US" dirty="0"/>
+              <a:t>In Rust: A definition is a statement (see next slide) and expression</a:t>
+            </a:r>
+          </a:p>
+        </p:txBody>
+      </p:sp>
+    </p:spTree>
+    <p:extLst>
+      <p:ext uri="{BB962C8B-B14F-4D97-AF65-F5344CB8AC3E}">
+        <p14:creationId xmlns:p14="http://schemas.microsoft.com/office/powerpoint/2010/main" val="1330267770"/>
+      </p:ext>
+    </p:extLst>
+  </p:cSld>
+  <p:clrMapOvr>
+    <a:masterClrMapping/>
+  </p:clrMapOvr>
+</p:sld>
+</file>
+
+<file path=ppt/slides/slide3.xml><?xml version="1.0" encoding="utf-8"?>
+<p:sld xmlns:a="http://schemas.openxmlformats.org/drawingml/2006/main" xmlns:r="http://schemas.openxmlformats.org/officeDocument/2006/relationships" xmlns:p="http://schemas.openxmlformats.org/presentationml/2006/main">
+  <p:cSld>
+    <p:spTree>
+      <p:nvGrpSpPr>
+        <p:cNvPr id="1" name=""/>
+        <p:cNvGrpSpPr/>
+        <p:nvPr/>
+      </p:nvGrpSpPr>
+      <p:grpSpPr>
+        <a:xfrm>
+          <a:off x="0" y="0"/>
+          <a:ext cx="0" cy="0"/>
+          <a:chOff x="0" y="0"/>
+          <a:chExt cx="0" cy="0"/>
+        </a:xfrm>
+      </p:grpSpPr>
+      <p:sp>
+        <p:nvSpPr>
+          <p:cNvPr id="2" name="Title 1">
+            <a:extLst>
+              <a:ext uri="{FF2B5EF4-FFF2-40B4-BE49-F238E27FC236}">
+                <a16:creationId xmlns:a16="http://schemas.microsoft.com/office/drawing/2014/main" id="{ED4E38C4-9F2B-1716-ABF3-58226C8E4860}"/>
+              </a:ext>
+            </a:extLst>
+          </p:cNvPr>
+          <p:cNvSpPr>
+            <a:spLocks noGrp="1"/>
+          </p:cNvSpPr>
+          <p:nvPr>
+            <p:ph type="title"/>
+          </p:nvPr>
+        </p:nvSpPr>
+        <p:spPr/>
+        <p:txBody>
+          <a:bodyPr/>
+          <a:lstStyle/>
+          <a:p>
+            <a:r>
+              <a:rPr lang="en-US" dirty="0"/>
+              <a:t>Check-in: Questions / Issues?</a:t>
+            </a:r>
+          </a:p>
+        </p:txBody>
+      </p:sp>
+      <p:sp>
+        <p:nvSpPr>
+          <p:cNvPr id="3" name="Content Placeholder 2">
+            <a:extLst>
+              <a:ext uri="{FF2B5EF4-FFF2-40B4-BE49-F238E27FC236}">
+                <a16:creationId xmlns:a16="http://schemas.microsoft.com/office/drawing/2014/main" id="{670D309B-8645-C606-B589-0E6EA5C5134A}"/>
+              </a:ext>
+            </a:extLst>
+          </p:cNvPr>
+          <p:cNvSpPr>
+            <a:spLocks noGrp="1"/>
+          </p:cNvSpPr>
+          <p:nvPr>
+            <p:ph idx="1"/>
+          </p:nvPr>
+        </p:nvSpPr>
+        <p:spPr/>
+        <p:txBody>
+          <a:bodyPr/>
+          <a:lstStyle/>
+          <a:p>
+            <a:pPr marL="0" indent="0">
+              <a:buNone/>
+            </a:pPr>
+            <a:r>
+              <a:rPr lang="en-US" dirty="0"/>
+              <a:t>You are strongly encouraged to have Rust with you on a laptop to code along and do any in-class work</a:t>
+            </a:r>
+          </a:p>
+          <a:p>
+            <a:pPr marL="0" indent="0">
+              <a:buNone/>
+            </a:pPr>
+            <a:r>
+              <a:rPr lang="en-US" dirty="0"/>
+              <a:t>Any issues setting up Rust?</a:t>
+            </a:r>
+            <a:br>
+              <a:rPr lang="en-US" dirty="0"/>
+            </a:br>
+            <a:r>
+              <a:rPr lang="en-US" dirty="0"/>
+              <a:t>Any issues setting up Visual Studio Code?</a:t>
+            </a:r>
+          </a:p>
+          <a:p>
+            <a:pPr marL="0" indent="0">
+              <a:buNone/>
+            </a:pPr>
+            <a:r>
+              <a:rPr lang="en-US" dirty="0"/>
+              <a:t>Anything else you’d like me to go over again?</a:t>
+            </a:r>
+          </a:p>
+        </p:txBody>
+      </p:sp>
+    </p:spTree>
+    <p:extLst>
+      <p:ext uri="{BB962C8B-B14F-4D97-AF65-F5344CB8AC3E}">
+        <p14:creationId xmlns:p14="http://schemas.microsoft.com/office/powerpoint/2010/main" val="237865092"/>
+      </p:ext>
+    </p:extLst>
+  </p:cSld>
+  <p:clrMapOvr>
+    <a:masterClrMapping/>
+  </p:clrMapOvr>
+</p:sld>
+</file>
+
+<file path=ppt/slides/slide30.xml><?xml version="1.0" encoding="utf-8"?>
+<p:sld xmlns:a="http://schemas.openxmlformats.org/drawingml/2006/main" xmlns:r="http://schemas.openxmlformats.org/officeDocument/2006/relationships" xmlns:p="http://schemas.openxmlformats.org/presentationml/2006/main">
+  <p:cSld>
+    <p:spTree>
+      <p:nvGrpSpPr>
+        <p:cNvPr id="1" name=""/>
+        <p:cNvGrpSpPr/>
+        <p:nvPr/>
+      </p:nvGrpSpPr>
+      <p:grpSpPr>
+        <a:xfrm>
+          <a:off x="0" y="0"/>
+          <a:ext cx="0" cy="0"/>
+          <a:chOff x="0" y="0"/>
+          <a:chExt cx="0" cy="0"/>
+        </a:xfrm>
+      </p:grpSpPr>
+      <p:sp>
+        <p:nvSpPr>
+          <p:cNvPr id="2" name="Title 1">
+            <a:extLst>
+              <a:ext uri="{FF2B5EF4-FFF2-40B4-BE49-F238E27FC236}">
                 <a16:creationId xmlns:a16="http://schemas.microsoft.com/office/drawing/2014/main" id="{91502A17-86A2-5C80-74C1-254DC5CEB967}"/>
               </a:ext>
             </a:extLst>
@@ -6864,7 +7791,7 @@
 </p:sld>
 </file>
 
-<file path=ppt/slides/slide26.xml><?xml version="1.0" encoding="utf-8"?>
+<file path=ppt/slides/slide31.xml><?xml version="1.0" encoding="utf-8"?>
 <p:sld xmlns:a="http://schemas.openxmlformats.org/drawingml/2006/main" xmlns:r="http://schemas.openxmlformats.org/officeDocument/2006/relationships" xmlns:p="http://schemas.openxmlformats.org/presentationml/2006/main">
   <p:cSld>
     <p:spTree>
@@ -7096,7 +8023,7 @@
 </p:sld>
 </file>
 
-<file path=ppt/slides/slide27.xml><?xml version="1.0" encoding="utf-8"?>
+<file path=ppt/slides/slide32.xml><?xml version="1.0" encoding="utf-8"?>
 <p:sld xmlns:a="http://schemas.openxmlformats.org/drawingml/2006/main" xmlns:r="http://schemas.openxmlformats.org/officeDocument/2006/relationships" xmlns:p="http://schemas.openxmlformats.org/presentationml/2006/main">
   <p:cSld>
     <p:spTree>
@@ -7267,7 +8194,7 @@
 </p:sld>
 </file>
 
-<file path=ppt/slides/slide28.xml><?xml version="1.0" encoding="utf-8"?>
+<file path=ppt/slides/slide33.xml><?xml version="1.0" encoding="utf-8"?>
 <p:sld xmlns:a="http://schemas.openxmlformats.org/drawingml/2006/main" xmlns:r="http://schemas.openxmlformats.org/officeDocument/2006/relationships" xmlns:p="http://schemas.openxmlformats.org/presentationml/2006/main">
   <p:cSld>
     <p:spTree>
@@ -7684,7 +8611,7 @@
 </p:sld>
 </file>
 
-<file path=ppt/slides/slide29.xml><?xml version="1.0" encoding="utf-8"?>
+<file path=ppt/slides/slide34.xml><?xml version="1.0" encoding="utf-8"?>
 <p:sld xmlns:a="http://schemas.openxmlformats.org/drawingml/2006/main" xmlns:r="http://schemas.openxmlformats.org/officeDocument/2006/relationships" xmlns:p="http://schemas.openxmlformats.org/presentationml/2006/main">
   <p:cSld>
     <p:spTree>
@@ -7837,7 +8764,7 @@
 </p:sld>
 </file>
 
-<file path=ppt/slides/slide3.xml><?xml version="1.0" encoding="utf-8"?>
+<file path=ppt/slides/slide35.xml><?xml version="1.0" encoding="utf-8"?>
 <p:sld xmlns:a="http://schemas.openxmlformats.org/drawingml/2006/main" xmlns:r="http://schemas.openxmlformats.org/officeDocument/2006/relationships" xmlns:p="http://schemas.openxmlformats.org/presentationml/2006/main">
   <p:cSld>
     <p:spTree>
@@ -7859,7 +8786,7 @@
           <p:cNvPr id="2" name="Title 1">
             <a:extLst>
               <a:ext uri="{FF2B5EF4-FFF2-40B4-BE49-F238E27FC236}">
-                <a16:creationId xmlns:a16="http://schemas.microsoft.com/office/drawing/2014/main" id="{ED4E38C4-9F2B-1716-ABF3-58226C8E4860}"/>
+                <a16:creationId xmlns:a16="http://schemas.microsoft.com/office/drawing/2014/main" id="{7A105EA4-64D2-B034-8364-802D15316167}"/>
               </a:ext>
             </a:extLst>
           </p:cNvPr>
@@ -7877,7 +8804,7 @@
           <a:p>
             <a:r>
               <a:rPr lang="en-US" dirty="0"/>
-              <a:t>Check-in: Questions / Issues?</a:t>
+              <a:t>Expressions into Statements</a:t>
             </a:r>
           </a:p>
         </p:txBody>
@@ -7887,7 +8814,7 @@
           <p:cNvPr id="3" name="Content Placeholder 2">
             <a:extLst>
               <a:ext uri="{FF2B5EF4-FFF2-40B4-BE49-F238E27FC236}">
-                <a16:creationId xmlns:a16="http://schemas.microsoft.com/office/drawing/2014/main" id="{670D309B-8645-C606-B589-0E6EA5C5134A}"/>
+                <a16:creationId xmlns:a16="http://schemas.microsoft.com/office/drawing/2014/main" id="{8A8749A3-C2CF-2377-2195-835BCA30E2CB}"/>
               </a:ext>
             </a:extLst>
           </p:cNvPr>
@@ -7900,48 +8827,101 @@
         </p:nvSpPr>
         <p:spPr/>
         <p:txBody>
-          <a:bodyPr/>
-          <a:lstStyle/>
-          <a:p>
-            <a:pPr marL="0" indent="0">
-              <a:buNone/>
+          <a:bodyPr>
+            <a:normAutofit/>
+          </a:bodyPr>
+          <a:lstStyle/>
+          <a:p>
+            <a:r>
+              <a:rPr lang="en-US" dirty="0"/>
+              <a:t>There are two different simple ways to make a statement </a:t>
+            </a:r>
+            <a:r>
+              <a:rPr lang="en-US" i="1" dirty="0"/>
+              <a:t>s</a:t>
+            </a:r>
+            <a:r>
+              <a:rPr lang="en-US" dirty="0"/>
+              <a:t> out of any expression </a:t>
+            </a:r>
+            <a:r>
+              <a:rPr lang="en-US" i="1" dirty="0"/>
+              <a:t>e</a:t>
+            </a:r>
+          </a:p>
+          <a:p>
+            <a:pPr marL="514350" indent="-514350">
+              <a:buFont typeface="+mj-lt"/>
+              <a:buAutoNum type="arabicPeriod"/>
             </a:pPr>
             <a:r>
               <a:rPr lang="en-US" dirty="0"/>
-              <a:t>You are strongly encouraged to have Rust with you on a laptop to code along and do any in-class work</a:t>
-            </a:r>
-          </a:p>
-          <a:p>
-            <a:pPr marL="0" indent="0">
-              <a:buNone/>
+              <a:t>Writing a semicolon after an expression (</a:t>
+            </a:r>
+            <a:r>
+              <a:rPr lang="en-US" dirty="0">
+                <a:latin typeface="Consolas" panose="020B0609020204030204" pitchFamily="49" charset="0"/>
+              </a:rPr>
+              <a:t>e;</a:t>
+            </a:r>
+            <a:r>
+              <a:rPr lang="en-US" dirty="0"/>
+              <a:t>) makes it a statement</a:t>
+            </a:r>
+            <a:br>
+              <a:rPr lang="en-US" dirty="0"/>
+            </a:br>
+            <a:r>
+              <a:rPr lang="en-US" dirty="0"/>
+              <a:t>The statement runs the expression and ignores its value</a:t>
+            </a:r>
+          </a:p>
+          <a:p>
+            <a:pPr marL="514350" indent="-514350">
+              <a:buFont typeface="+mj-lt"/>
+              <a:buAutoNum type="arabicPeriod"/>
             </a:pPr>
             <a:r>
               <a:rPr lang="en-US" dirty="0"/>
-              <a:t>Any issues setting up Rust?</a:t>
-            </a:r>
-            <a:br>
-              <a:rPr lang="en-US" dirty="0"/>
-            </a:br>
-            <a:r>
-              <a:rPr lang="en-US" dirty="0"/>
-              <a:t>Any issues setting up Visual Studio Code?</a:t>
-            </a:r>
-          </a:p>
-          <a:p>
-            <a:pPr marL="0" indent="0">
-              <a:buNone/>
+              <a:t>Inside a function definition, </a:t>
+            </a:r>
+            <a:r>
+              <a:rPr lang="en-US" dirty="0">
+                <a:latin typeface="Consolas" panose="020B0609020204030204" pitchFamily="49" charset="0"/>
+              </a:rPr>
+              <a:t>return e</a:t>
+            </a:r>
+            <a:r>
+              <a:rPr lang="en-US" dirty="0"/>
+              <a:t> is a statement which runs e and immediately returns its value from the function, skipping any further lines of the function body</a:t>
+            </a:r>
+          </a:p>
+          <a:p>
+            <a:pPr marL="806958" lvl="1" indent="-514350">
+              <a:buFont typeface="+mj-lt"/>
+              <a:buAutoNum type="arabicPeriod"/>
             </a:pPr>
             <a:r>
               <a:rPr lang="en-US" dirty="0"/>
-              <a:t>Anything else you’d like me to go over again?</a:t>
-            </a:r>
+              <a:t>The return keyword is implied if you write an expression on the last line of a function body </a:t>
+            </a:r>
+          </a:p>
+          <a:p>
+            <a:pPr marL="514350" indent="-514350">
+              <a:buFont typeface="+mj-lt"/>
+              <a:buAutoNum type="arabicPeriod"/>
+            </a:pPr>
+            <a:endParaRPr lang="en-US" dirty="0"/>
+          </a:p>
+          <a:p>
+            <a:endParaRPr lang="en-US" dirty="0"/>
           </a:p>
         </p:txBody>
       </p:sp>
     </p:spTree>
     <p:extLst>
       <p:ext uri="{BB962C8B-B14F-4D97-AF65-F5344CB8AC3E}">
-        <p14:creationId xmlns:p14="http://schemas.microsoft.com/office/powerpoint/2010/main" val="237865092"/>
+        <p14:creationId xmlns:p14="http://schemas.microsoft.com/office/powerpoint/2010/main" val="1764426585"/>
       </p:ext>
     </p:extLst>
   </p:cSld>
@@ -7951,7 +8931,7 @@
 </p:sld>
 </file>
 
-<file path=ppt/slides/slide30.xml><?xml version="1.0" encoding="utf-8"?>
+<file path=ppt/slides/slide36.xml><?xml version="1.0" encoding="utf-8"?>
 <p:sld xmlns:a="http://schemas.openxmlformats.org/drawingml/2006/main" xmlns:r="http://schemas.openxmlformats.org/officeDocument/2006/relationships" xmlns:p="http://schemas.openxmlformats.org/presentationml/2006/main">
   <p:cSld>
     <p:spTree>
@@ -7991,7 +8971,7 @@
           <a:p>
             <a:r>
               <a:rPr lang="en-US" dirty="0"/>
-              <a:t>Expressions into Statements</a:t>
+              <a:t>Assignment Statements</a:t>
             </a:r>
           </a:p>
         </p:txBody>
@@ -8020,85 +9000,98 @@
           <a:lstStyle/>
           <a:p>
             <a:r>
-              <a:rPr lang="en-US" dirty="0"/>
-              <a:t>There are two different simple ways to make a statement </a:t>
+              <a:rPr lang="en-US" b="1" dirty="0"/>
+              <a:t>PL Vocabulary: </a:t>
+            </a:r>
+            <a:r>
+              <a:rPr lang="en-US" dirty="0"/>
+              <a:t>An </a:t>
+            </a:r>
+            <a:r>
+              <a:rPr lang="en-US" b="1" dirty="0" err="1"/>
+              <a:t>lvalue</a:t>
+            </a:r>
+            <a:r>
+              <a:rPr lang="en-US" dirty="0"/>
+              <a:t> </a:t>
             </a:r>
             <a:r>
               <a:rPr lang="en-US" i="1" dirty="0"/>
-              <a:t>s</a:t>
-            </a:r>
-            <a:r>
-              <a:rPr lang="en-US" dirty="0"/>
-              <a:t> out of any expression </a:t>
+              <a:t>lv</a:t>
+            </a:r>
+            <a:r>
+              <a:rPr lang="en-US" dirty="0"/>
+              <a:t> is something we can assign to. The name means “something that appears at the left side of an assignment”.</a:t>
+            </a:r>
+          </a:p>
+          <a:p>
+            <a:r>
+              <a:rPr lang="en-US" dirty="0"/>
+              <a:t>The assignment statement </a:t>
+            </a:r>
+            <a:r>
+              <a:rPr lang="en-US" dirty="0">
+                <a:latin typeface="Consolas" panose="020B0609020204030204" pitchFamily="49" charset="0"/>
+              </a:rPr>
+              <a:t>lv = e;</a:t>
+            </a:r>
+            <a:r>
+              <a:rPr lang="en-US" dirty="0"/>
+              <a:t> assigns the value of e to </a:t>
             </a:r>
             <a:r>
               <a:rPr lang="en-US" i="1" dirty="0"/>
-              <a:t>e</a:t>
-            </a:r>
-          </a:p>
-          <a:p>
-            <a:pPr marL="514350" indent="-514350">
-              <a:buFont typeface="+mj-lt"/>
-              <a:buAutoNum type="arabicPeriod"/>
-            </a:pPr>
-            <a:r>
-              <a:rPr lang="en-US" dirty="0"/>
-              <a:t>Writing a semicolon after an expression (</a:t>
-            </a:r>
-            <a:r>
-              <a:rPr lang="en-US" dirty="0">
-                <a:latin typeface="Consolas" panose="020B0609020204030204" pitchFamily="49" charset="0"/>
-              </a:rPr>
-              <a:t>e;</a:t>
-            </a:r>
-            <a:r>
-              <a:rPr lang="en-US" dirty="0"/>
-              <a:t>) makes it a statement</a:t>
-            </a:r>
-            <a:br>
-              <a:rPr lang="en-US" dirty="0"/>
-            </a:br>
-            <a:r>
-              <a:rPr lang="en-US" dirty="0"/>
-              <a:t>The statement runs the expression and ignores its value</a:t>
-            </a:r>
-          </a:p>
-          <a:p>
-            <a:pPr marL="514350" indent="-514350">
-              <a:buFont typeface="+mj-lt"/>
-              <a:buAutoNum type="arabicPeriod"/>
-            </a:pPr>
-            <a:r>
-              <a:rPr lang="en-US" dirty="0"/>
-              <a:t>Inside a function definition, </a:t>
-            </a:r>
-            <a:r>
-              <a:rPr lang="en-US" dirty="0">
-                <a:latin typeface="Consolas" panose="020B0609020204030204" pitchFamily="49" charset="0"/>
-              </a:rPr>
-              <a:t>return e</a:t>
-            </a:r>
-            <a:r>
-              <a:rPr lang="en-US" dirty="0"/>
-              <a:t> is a statement which runs e and immediately returns its value from the function, skipping any further lines of the function body</a:t>
-            </a:r>
-          </a:p>
-          <a:p>
-            <a:pPr marL="806958" lvl="1" indent="-514350">
-              <a:buFont typeface="+mj-lt"/>
-              <a:buAutoNum type="arabicPeriod"/>
-            </a:pPr>
-            <a:r>
-              <a:rPr lang="en-US" dirty="0"/>
-              <a:t>The return keyword is implied if you write an expression on the last line of a function body </a:t>
-            </a:r>
-          </a:p>
-          <a:p>
-            <a:pPr marL="514350" indent="-514350">
-              <a:buFont typeface="+mj-lt"/>
-              <a:buAutoNum type="arabicPeriod"/>
-            </a:pPr>
-            <a:endParaRPr lang="en-US" dirty="0"/>
+              <a:t>lv.</a:t>
+            </a:r>
+          </a:p>
+          <a:p>
+            <a:pPr lvl="1"/>
+            <a:r>
+              <a:rPr lang="en-US" dirty="0">
+                <a:latin typeface="Consolas" panose="020B0609020204030204" pitchFamily="49" charset="0"/>
+              </a:rPr>
+              <a:t>x = 3;</a:t>
+            </a:r>
+            <a:r>
+              <a:rPr lang="en-US" dirty="0"/>
+              <a:t>  assigns 3 to (presumably mutable) variable x</a:t>
+            </a:r>
+          </a:p>
+          <a:p>
+            <a:pPr lvl="1"/>
+            <a:r>
+              <a:rPr lang="en-US" dirty="0">
+                <a:latin typeface="Consolas" panose="020B0609020204030204" pitchFamily="49" charset="0"/>
+              </a:rPr>
+              <a:t>*r = 3;</a:t>
+            </a:r>
+            <a:r>
+              <a:rPr lang="en-US" dirty="0"/>
+              <a:t> assigns 3 to reference r</a:t>
+            </a:r>
+          </a:p>
+          <a:p>
+            <a:pPr lvl="1"/>
+            <a:r>
+              <a:rPr lang="en-US" dirty="0"/>
+              <a:t>a[</a:t>
+            </a:r>
+            <a:r>
+              <a:rPr lang="en-US" dirty="0" err="1"/>
+              <a:t>i</a:t>
+            </a:r>
+            <a:r>
+              <a:rPr lang="en-US" dirty="0"/>
+              <a:t>] = 3; assigns 3 to element </a:t>
+            </a:r>
+            <a:r>
+              <a:rPr lang="en-US" dirty="0" err="1"/>
+              <a:t>i</a:t>
+            </a:r>
+            <a:r>
+              <a:rPr lang="en-US" dirty="0"/>
+              <a:t> of array a</a:t>
+            </a:r>
           </a:p>
           <a:p>
             <a:endParaRPr lang="en-US" dirty="0"/>
@@ -8108,7 +9101,7 @@
     </p:spTree>
     <p:extLst>
       <p:ext uri="{BB962C8B-B14F-4D97-AF65-F5344CB8AC3E}">
-        <p14:creationId xmlns:p14="http://schemas.microsoft.com/office/powerpoint/2010/main" val="1764426585"/>
+        <p14:creationId xmlns:p14="http://schemas.microsoft.com/office/powerpoint/2010/main" val="2870999749"/>
       </p:ext>
     </p:extLst>
   </p:cSld>
@@ -8118,7 +9111,7 @@
 </p:sld>
 </file>
 
-<file path=ppt/slides/slide31.xml><?xml version="1.0" encoding="utf-8"?>
+<file path=ppt/slides/slide37.xml><?xml version="1.0" encoding="utf-8"?>
 <p:sld xmlns:a="http://schemas.openxmlformats.org/drawingml/2006/main" xmlns:r="http://schemas.openxmlformats.org/officeDocument/2006/relationships" xmlns:p="http://schemas.openxmlformats.org/presentationml/2006/main">
   <p:cSld>
     <p:spTree>
@@ -8158,7 +9151,7 @@
           <a:p>
             <a:r>
               <a:rPr lang="en-US" dirty="0"/>
-              <a:t>Assignment Statements</a:t>
+              <a:t>While Loop Statements</a:t>
             </a:r>
           </a:p>
         </p:txBody>
@@ -8187,98 +9180,57 @@
           <a:lstStyle/>
           <a:p>
             <a:r>
-              <a:rPr lang="en-US" b="1" dirty="0"/>
-              <a:t>PL Vocabulary: </a:t>
-            </a:r>
-            <a:r>
-              <a:rPr lang="en-US" dirty="0"/>
-              <a:t>An </a:t>
-            </a:r>
-            <a:r>
-              <a:rPr lang="en-US" b="1" dirty="0" err="1"/>
-              <a:t>lvalue</a:t>
-            </a:r>
-            <a:r>
-              <a:rPr lang="en-US" dirty="0"/>
-              <a:t> </a:t>
-            </a:r>
-            <a:r>
-              <a:rPr lang="en-US" i="1" dirty="0"/>
-              <a:t>lv</a:t>
-            </a:r>
-            <a:r>
-              <a:rPr lang="en-US" dirty="0"/>
-              <a:t> is something we can assign to. The name means “something that appears at the left side of an assignment”.</a:t>
-            </a:r>
-          </a:p>
-          <a:p>
-            <a:r>
-              <a:rPr lang="en-US" dirty="0"/>
-              <a:t>The assignment statement </a:t>
-            </a:r>
-            <a:r>
-              <a:rPr lang="en-US" dirty="0">
-                <a:latin typeface="Consolas" panose="020B0609020204030204" pitchFamily="49" charset="0"/>
-              </a:rPr>
-              <a:t>lv = e;</a:t>
-            </a:r>
-            <a:r>
-              <a:rPr lang="en-US" dirty="0"/>
-              <a:t> assigns the value of e to </a:t>
-            </a:r>
-            <a:r>
-              <a:rPr lang="en-US" i="1" dirty="0"/>
-              <a:t>lv.</a:t>
-            </a:r>
-          </a:p>
-          <a:p>
-            <a:pPr lvl="1"/>
-            <a:r>
-              <a:rPr lang="en-US" dirty="0">
-                <a:latin typeface="Consolas" panose="020B0609020204030204" pitchFamily="49" charset="0"/>
-              </a:rPr>
-              <a:t>x = 3;</a:t>
-            </a:r>
-            <a:r>
-              <a:rPr lang="en-US" dirty="0"/>
-              <a:t>  assigns 3 to (presumably mutable) variable x</a:t>
-            </a:r>
-          </a:p>
-          <a:p>
-            <a:pPr lvl="1"/>
-            <a:r>
-              <a:rPr lang="en-US" dirty="0">
-                <a:latin typeface="Consolas" panose="020B0609020204030204" pitchFamily="49" charset="0"/>
-              </a:rPr>
-              <a:t>*r = 3;</a:t>
-            </a:r>
-            <a:r>
-              <a:rPr lang="en-US" dirty="0"/>
-              <a:t> assigns 3 to reference r</a:t>
-            </a:r>
-          </a:p>
-          <a:p>
-            <a:pPr lvl="1"/>
-            <a:r>
-              <a:rPr lang="en-US" dirty="0"/>
-              <a:t>a[</a:t>
-            </a:r>
-            <a:r>
-              <a:rPr lang="en-US" dirty="0" err="1"/>
-              <a:t>i</a:t>
-            </a:r>
-            <a:r>
-              <a:rPr lang="en-US" dirty="0"/>
-              <a:t>] = 3; assigns 3 to element </a:t>
-            </a:r>
-            <a:r>
-              <a:rPr lang="en-US" dirty="0" err="1"/>
-              <a:t>i</a:t>
-            </a:r>
-            <a:r>
-              <a:rPr lang="en-US" dirty="0"/>
-              <a:t> of array a</a:t>
-            </a:r>
+              <a:rPr lang="en-US" dirty="0"/>
+              <a:t>As long as e1 is </a:t>
+            </a:r>
+            <a:r>
+              <a:rPr lang="en-US" dirty="0">
+                <a:latin typeface="Consolas" panose="020B0609020204030204" pitchFamily="49" charset="0"/>
+              </a:rPr>
+              <a:t>true</a:t>
+            </a:r>
+            <a:r>
+              <a:rPr lang="en-US" dirty="0"/>
+              <a:t>, run e2 repeatedly for its side effects, ignoring its return value</a:t>
+            </a:r>
+          </a:p>
+          <a:p>
+            <a:r>
+              <a:rPr lang="en-US" dirty="0">
+                <a:latin typeface="Consolas" panose="020B0609020204030204" pitchFamily="49" charset="0"/>
+              </a:rPr>
+              <a:t>while e1 {</a:t>
+            </a:r>
+            <a:br>
+              <a:rPr lang="en-US" dirty="0">
+                <a:latin typeface="Consolas" panose="020B0609020204030204" pitchFamily="49" charset="0"/>
+              </a:rPr>
+            </a:br>
+            <a:r>
+              <a:rPr lang="en-US" dirty="0">
+                <a:latin typeface="Consolas" panose="020B0609020204030204" pitchFamily="49" charset="0"/>
+              </a:rPr>
+              <a:t>  e2</a:t>
+            </a:r>
+            <a:br>
+              <a:rPr lang="en-US" dirty="0">
+                <a:latin typeface="Consolas" panose="020B0609020204030204" pitchFamily="49" charset="0"/>
+              </a:rPr>
+            </a:br>
+            <a:r>
+              <a:rPr lang="en-US" dirty="0">
+                <a:latin typeface="Consolas" panose="020B0609020204030204" pitchFamily="49" charset="0"/>
+              </a:rPr>
+              <a:t>}</a:t>
+            </a:r>
+          </a:p>
+          <a:p>
+            <a:pPr marL="0" indent="0">
+              <a:buNone/>
+            </a:pPr>
+            <a:endParaRPr lang="en-US" dirty="0">
+              <a:latin typeface="Consolas" panose="020B0609020204030204" pitchFamily="49" charset="0"/>
+            </a:endParaRPr>
           </a:p>
           <a:p>
             <a:endParaRPr lang="en-US" dirty="0"/>
@@ -8288,7 +9240,7 @@
     </p:spTree>
     <p:extLst>
       <p:ext uri="{BB962C8B-B14F-4D97-AF65-F5344CB8AC3E}">
-        <p14:creationId xmlns:p14="http://schemas.microsoft.com/office/powerpoint/2010/main" val="2870999749"/>
+        <p14:creationId xmlns:p14="http://schemas.microsoft.com/office/powerpoint/2010/main" val="1532271734"/>
       </p:ext>
     </p:extLst>
   </p:cSld>
@@ -8298,7 +9250,7 @@
 </p:sld>
 </file>
 
-<file path=ppt/slides/slide32.xml><?xml version="1.0" encoding="utf-8"?>
+<file path=ppt/slides/slide38.xml><?xml version="1.0" encoding="utf-8"?>
 <p:sld xmlns:a="http://schemas.openxmlformats.org/drawingml/2006/main" xmlns:r="http://schemas.openxmlformats.org/officeDocument/2006/relationships" xmlns:p="http://schemas.openxmlformats.org/presentationml/2006/main">
   <p:cSld>
     <p:spTree>
@@ -8338,145 +9290,6 @@
           <a:p>
             <a:r>
               <a:rPr lang="en-US" dirty="0"/>
-              <a:t>While Loop Statements</a:t>
-            </a:r>
-          </a:p>
-        </p:txBody>
-      </p:sp>
-      <p:sp>
-        <p:nvSpPr>
-          <p:cNvPr id="3" name="Content Placeholder 2">
-            <a:extLst>
-              <a:ext uri="{FF2B5EF4-FFF2-40B4-BE49-F238E27FC236}">
-                <a16:creationId xmlns:a16="http://schemas.microsoft.com/office/drawing/2014/main" id="{8A8749A3-C2CF-2377-2195-835BCA30E2CB}"/>
-              </a:ext>
-            </a:extLst>
-          </p:cNvPr>
-          <p:cNvSpPr>
-            <a:spLocks noGrp="1"/>
-          </p:cNvSpPr>
-          <p:nvPr>
-            <p:ph idx="1"/>
-          </p:nvPr>
-        </p:nvSpPr>
-        <p:spPr/>
-        <p:txBody>
-          <a:bodyPr>
-            <a:normAutofit/>
-          </a:bodyPr>
-          <a:lstStyle/>
-          <a:p>
-            <a:r>
-              <a:rPr lang="en-US" dirty="0"/>
-              <a:t>As long as e1 is </a:t>
-            </a:r>
-            <a:r>
-              <a:rPr lang="en-US" dirty="0">
-                <a:latin typeface="Consolas" panose="020B0609020204030204" pitchFamily="49" charset="0"/>
-              </a:rPr>
-              <a:t>true</a:t>
-            </a:r>
-            <a:r>
-              <a:rPr lang="en-US" dirty="0"/>
-              <a:t>, run e2 repeatedly for its side effects, ignoring its return value</a:t>
-            </a:r>
-          </a:p>
-          <a:p>
-            <a:r>
-              <a:rPr lang="en-US" dirty="0">
-                <a:latin typeface="Consolas" panose="020B0609020204030204" pitchFamily="49" charset="0"/>
-              </a:rPr>
-              <a:t>while e1 {</a:t>
-            </a:r>
-            <a:br>
-              <a:rPr lang="en-US" dirty="0">
-                <a:latin typeface="Consolas" panose="020B0609020204030204" pitchFamily="49" charset="0"/>
-              </a:rPr>
-            </a:br>
-            <a:r>
-              <a:rPr lang="en-US" dirty="0">
-                <a:latin typeface="Consolas" panose="020B0609020204030204" pitchFamily="49" charset="0"/>
-              </a:rPr>
-              <a:t>  e2</a:t>
-            </a:r>
-            <a:br>
-              <a:rPr lang="en-US" dirty="0">
-                <a:latin typeface="Consolas" panose="020B0609020204030204" pitchFamily="49" charset="0"/>
-              </a:rPr>
-            </a:br>
-            <a:r>
-              <a:rPr lang="en-US" dirty="0">
-                <a:latin typeface="Consolas" panose="020B0609020204030204" pitchFamily="49" charset="0"/>
-              </a:rPr>
-              <a:t>}</a:t>
-            </a:r>
-          </a:p>
-          <a:p>
-            <a:pPr marL="0" indent="0">
-              <a:buNone/>
-            </a:pPr>
-            <a:endParaRPr lang="en-US" dirty="0">
-              <a:latin typeface="Consolas" panose="020B0609020204030204" pitchFamily="49" charset="0"/>
-            </a:endParaRPr>
-          </a:p>
-          <a:p>
-            <a:endParaRPr lang="en-US" dirty="0"/>
-          </a:p>
-        </p:txBody>
-      </p:sp>
-    </p:spTree>
-    <p:extLst>
-      <p:ext uri="{BB962C8B-B14F-4D97-AF65-F5344CB8AC3E}">
-        <p14:creationId xmlns:p14="http://schemas.microsoft.com/office/powerpoint/2010/main" val="1532271734"/>
-      </p:ext>
-    </p:extLst>
-  </p:cSld>
-  <p:clrMapOvr>
-    <a:masterClrMapping/>
-  </p:clrMapOvr>
-</p:sld>
-</file>
-
-<file path=ppt/slides/slide33.xml><?xml version="1.0" encoding="utf-8"?>
-<p:sld xmlns:a="http://schemas.openxmlformats.org/drawingml/2006/main" xmlns:r="http://schemas.openxmlformats.org/officeDocument/2006/relationships" xmlns:p="http://schemas.openxmlformats.org/presentationml/2006/main">
-  <p:cSld>
-    <p:spTree>
-      <p:nvGrpSpPr>
-        <p:cNvPr id="1" name=""/>
-        <p:cNvGrpSpPr/>
-        <p:nvPr/>
-      </p:nvGrpSpPr>
-      <p:grpSpPr>
-        <a:xfrm>
-          <a:off x="0" y="0"/>
-          <a:ext cx="0" cy="0"/>
-          <a:chOff x="0" y="0"/>
-          <a:chExt cx="0" cy="0"/>
-        </a:xfrm>
-      </p:grpSpPr>
-      <p:sp>
-        <p:nvSpPr>
-          <p:cNvPr id="2" name="Title 1">
-            <a:extLst>
-              <a:ext uri="{FF2B5EF4-FFF2-40B4-BE49-F238E27FC236}">
-                <a16:creationId xmlns:a16="http://schemas.microsoft.com/office/drawing/2014/main" id="{7A105EA4-64D2-B034-8364-802D15316167}"/>
-              </a:ext>
-            </a:extLst>
-          </p:cNvPr>
-          <p:cNvSpPr>
-            <a:spLocks noGrp="1"/>
-          </p:cNvSpPr>
-          <p:nvPr>
-            <p:ph type="title"/>
-          </p:nvPr>
-        </p:nvSpPr>
-        <p:spPr/>
-        <p:txBody>
-          <a:bodyPr/>
-          <a:lstStyle/>
-          <a:p>
-            <a:r>
-              <a:rPr lang="en-US" dirty="0"/>
               <a:t>For Loop Statements</a:t>
             </a:r>
           </a:p>
@@ -8617,7 +9430,7 @@
 </p:sld>
 </file>
 
-<file path=ppt/slides/slide34.xml><?xml version="1.0" encoding="utf-8"?>
+<file path=ppt/slides/slide39.xml><?xml version="1.0" encoding="utf-8"?>
 <p:sld xmlns:a="http://schemas.openxmlformats.org/drawingml/2006/main" xmlns:r="http://schemas.openxmlformats.org/officeDocument/2006/relationships" xmlns:p="http://schemas.openxmlformats.org/presentationml/2006/main">
   <p:cSld>
     <p:spTree>
@@ -9000,7 +9813,7 @@
 </p:sld>
 </file>
 
-<file path=ppt/slides/slide35.xml><?xml version="1.0" encoding="utf-8"?>
+<file path=ppt/slides/slide4.xml><?xml version="1.0" encoding="utf-8"?>
 <p:sld xmlns:a="http://schemas.openxmlformats.org/drawingml/2006/main" xmlns:r="http://schemas.openxmlformats.org/officeDocument/2006/relationships" xmlns:p="http://schemas.openxmlformats.org/presentationml/2006/main">
   <p:cSld>
     <p:spTree>
@@ -9022,7 +9835,7 @@
           <p:cNvPr id="2" name="Title 1">
             <a:extLst>
               <a:ext uri="{FF2B5EF4-FFF2-40B4-BE49-F238E27FC236}">
-                <a16:creationId xmlns:a16="http://schemas.microsoft.com/office/drawing/2014/main" id="{A2502C66-33C9-C8FF-D740-BD6C47577AA6}"/>
+                <a16:creationId xmlns:a16="http://schemas.microsoft.com/office/drawing/2014/main" id="{9A7A7201-B3CD-9DF1-77CA-2C650963BC49}"/>
               </a:ext>
             </a:extLst>
           </p:cNvPr>
@@ -9040,73 +9853,123 @@
           <a:p>
             <a:r>
               <a:rPr lang="en-US" dirty="0"/>
-              <a:t>Summary of Language Concepts</a:t>
-            </a:r>
-          </a:p>
-        </p:txBody>
-      </p:sp>
-      <p:sp>
-        <p:nvSpPr>
-          <p:cNvPr id="3" name="Content Placeholder 2">
-            <a:extLst>
-              <a:ext uri="{FF2B5EF4-FFF2-40B4-BE49-F238E27FC236}">
-                <a16:creationId xmlns:a16="http://schemas.microsoft.com/office/drawing/2014/main" id="{EDE32EB2-40B3-2895-E696-765474262A1D}"/>
-              </a:ext>
-            </a:extLst>
-          </p:cNvPr>
-          <p:cNvSpPr>
-            <a:spLocks noGrp="1"/>
-          </p:cNvSpPr>
+              <a:t>Motivation: Speed + Safety</a:t>
+            </a:r>
+          </a:p>
+        </p:txBody>
+      </p:sp>
+      <p:pic>
+        <p:nvPicPr>
+          <p:cNvPr id="1026" name="Picture 2" descr="Sonic: Gotta Go Fast - YouTube">
+            <a:extLst>
+              <a:ext uri="{FF2B5EF4-FFF2-40B4-BE49-F238E27FC236}">
+                <a16:creationId xmlns:a16="http://schemas.microsoft.com/office/drawing/2014/main" id="{E18EE4D9-9526-2F8F-63B2-4F475E1266E1}"/>
+              </a:ext>
+            </a:extLst>
+          </p:cNvPr>
+          <p:cNvPicPr>
+            <a:picLocks noGrp="1" noChangeAspect="1" noChangeArrowheads="1"/>
+          </p:cNvPicPr>
           <p:nvPr>
             <p:ph idx="1"/>
           </p:nvPr>
-        </p:nvSpPr>
-        <p:spPr/>
-        <p:txBody>
-          <a:bodyPr/>
-          <a:lstStyle/>
-          <a:p>
-            <a:r>
-              <a:rPr lang="en-US" dirty="0"/>
-              <a:t>Values: Results, Data</a:t>
-            </a:r>
-          </a:p>
-          <a:p>
-            <a:r>
-              <a:rPr lang="en-US" dirty="0"/>
-              <a:t>References: Indirection, storage locations</a:t>
-            </a:r>
-          </a:p>
-          <a:p>
-            <a:r>
-              <a:rPr lang="en-US" dirty="0"/>
-              <a:t>Expressions: Computations that can be evaluated for a value</a:t>
-            </a:r>
-          </a:p>
-          <a:p>
-            <a:r>
-              <a:rPr lang="en-US" dirty="0"/>
-              <a:t>Patterns: Used to match values in conditional expressions</a:t>
-            </a:r>
-          </a:p>
-          <a:p>
-            <a:r>
-              <a:rPr lang="en-US" dirty="0"/>
-              <a:t>Definitions: Introduce names (variables, functions)</a:t>
-            </a:r>
-          </a:p>
-          <a:p>
-            <a:r>
-              <a:rPr lang="en-US" dirty="0"/>
-              <a:t>Statements: Run for side-effects, not return values</a:t>
-            </a:r>
+        </p:nvPicPr>
+        <p:blipFill>
+          <a:blip r:embed="rId2">
+            <a:extLst>
+              <a:ext uri="{28A0092B-C50C-407E-A947-70E740481C1C}">
+                <a14:useLocalDpi xmlns:a14="http://schemas.microsoft.com/office/drawing/2010/main" val="0"/>
+              </a:ext>
+            </a:extLst>
+          </a:blip>
+          <a:srcRect/>
+          <a:stretch>
+            <a:fillRect/>
+          </a:stretch>
+        </p:blipFill>
+        <p:spPr bwMode="auto">
+          <a:xfrm>
+            <a:off x="7842002" y="2008139"/>
+            <a:ext cx="3621686" cy="2028144"/>
+          </a:xfrm>
+          <a:prstGeom prst="rect">
+            <a:avLst/>
+          </a:prstGeom>
+          <a:noFill/>
+          <a:extLst>
+            <a:ext uri="{909E8E84-426E-40DD-AFC4-6F175D3DCCD1}">
+              <a14:hiddenFill xmlns:a14="http://schemas.microsoft.com/office/drawing/2010/main">
+                <a:solidFill>
+                  <a:srgbClr val="FFFFFF"/>
+                </a:solidFill>
+              </a14:hiddenFill>
+            </a:ext>
+          </a:extLst>
+        </p:spPr>
+      </p:pic>
+      <p:sp>
+        <p:nvSpPr>
+          <p:cNvPr id="5" name="TextBox 4">
+            <a:extLst>
+              <a:ext uri="{FF2B5EF4-FFF2-40B4-BE49-F238E27FC236}">
+                <a16:creationId xmlns:a16="http://schemas.microsoft.com/office/drawing/2014/main" id="{1520A1BD-7D5D-5999-0F39-07DA29BC117B}"/>
+              </a:ext>
+            </a:extLst>
+          </p:cNvPr>
+          <p:cNvSpPr txBox="1"/>
+          <p:nvPr/>
+        </p:nvSpPr>
+        <p:spPr>
+          <a:xfrm>
+            <a:off x="336884" y="2008139"/>
+            <a:ext cx="7209322" cy="3108543"/>
+          </a:xfrm>
+          <a:prstGeom prst="rect">
+            <a:avLst/>
+          </a:prstGeom>
+          <a:noFill/>
+        </p:spPr>
+        <p:txBody>
+          <a:bodyPr wrap="square" rtlCol="0">
+            <a:spAutoFit/>
+          </a:bodyPr>
+          <a:lstStyle/>
+          <a:p>
+            <a:pPr marL="457200" indent="-457200">
+              <a:buFont typeface="Arial" panose="020B0604020202020204" pitchFamily="34" charset="0"/>
+              <a:buChar char="•"/>
+            </a:pPr>
+            <a:r>
+              <a:rPr lang="en-US" sz="2800" dirty="0"/>
+              <a:t>Efficiency is traditionally an important objective when developing software</a:t>
+            </a:r>
+          </a:p>
+          <a:p>
+            <a:pPr marL="457200" indent="-457200">
+              <a:buFont typeface="Arial" panose="020B0604020202020204" pitchFamily="34" charset="0"/>
+              <a:buChar char="•"/>
+            </a:pPr>
+            <a:r>
+              <a:rPr lang="en-US" sz="2800" dirty="0"/>
+              <a:t>Particularly in systems software such as OS’s and compilers, or any other software that serves as a “platform” for other code</a:t>
+            </a:r>
+          </a:p>
+          <a:p>
+            <a:pPr marL="457200" indent="-457200">
+              <a:buFont typeface="Arial" panose="020B0604020202020204" pitchFamily="34" charset="0"/>
+              <a:buChar char="•"/>
+            </a:pPr>
+            <a:endParaRPr lang="en-US" sz="2800" dirty="0"/>
+          </a:p>
+          <a:p>
+            <a:endParaRPr lang="en-US" sz="2800" dirty="0"/>
           </a:p>
         </p:txBody>
       </p:sp>
     </p:spTree>
     <p:extLst>
       <p:ext uri="{BB962C8B-B14F-4D97-AF65-F5344CB8AC3E}">
-        <p14:creationId xmlns:p14="http://schemas.microsoft.com/office/powerpoint/2010/main" val="840174021"/>
+        <p14:creationId xmlns:p14="http://schemas.microsoft.com/office/powerpoint/2010/main" val="1299292875"/>
       </p:ext>
     </p:extLst>
   </p:cSld>
@@ -9116,7 +9979,7 @@
 </p:sld>
 </file>
 
-<file path=ppt/slides/slide36.xml><?xml version="1.0" encoding="utf-8"?>
+<file path=ppt/slides/slide40.xml><?xml version="1.0" encoding="utf-8"?>
 <p:sld xmlns:a="http://schemas.openxmlformats.org/drawingml/2006/main" xmlns:r="http://schemas.openxmlformats.org/officeDocument/2006/relationships" xmlns:p="http://schemas.openxmlformats.org/presentationml/2006/main">
   <p:cSld>
     <p:spTree>
@@ -9138,7 +10001,7 @@
           <p:cNvPr id="2" name="Title 1">
             <a:extLst>
               <a:ext uri="{FF2B5EF4-FFF2-40B4-BE49-F238E27FC236}">
-                <a16:creationId xmlns:a16="http://schemas.microsoft.com/office/drawing/2014/main" id="{A6967117-4DE7-96A1-4125-134A7726550C}"/>
+                <a16:creationId xmlns:a16="http://schemas.microsoft.com/office/drawing/2014/main" id="{A2502C66-33C9-C8FF-D740-BD6C47577AA6}"/>
               </a:ext>
             </a:extLst>
           </p:cNvPr>
@@ -9156,7 +10019,7 @@
           <a:p>
             <a:r>
               <a:rPr lang="en-US" dirty="0"/>
-              <a:t>Section: Types</a:t>
+              <a:t>Summary of Language Concepts</a:t>
             </a:r>
           </a:p>
         </p:txBody>
@@ -9166,7 +10029,7 @@
           <p:cNvPr id="3" name="Content Placeholder 2">
             <a:extLst>
               <a:ext uri="{FF2B5EF4-FFF2-40B4-BE49-F238E27FC236}">
-                <a16:creationId xmlns:a16="http://schemas.microsoft.com/office/drawing/2014/main" id="{B3A8919F-5C88-5B73-BB63-9C455BE624F7}"/>
+                <a16:creationId xmlns:a16="http://schemas.microsoft.com/office/drawing/2014/main" id="{EDE32EB2-40B3-2895-E696-765474262A1D}"/>
               </a:ext>
             </a:extLst>
           </p:cNvPr>
@@ -9182,14 +10045,47 @@
           <a:bodyPr/>
           <a:lstStyle/>
           <a:p>
-            <a:endParaRPr lang="en-US"/>
+            <a:r>
+              <a:rPr lang="en-US" dirty="0"/>
+              <a:t>Values: Results, Data</a:t>
+            </a:r>
+          </a:p>
+          <a:p>
+            <a:r>
+              <a:rPr lang="en-US" dirty="0"/>
+              <a:t>References: Indirection, storage locations</a:t>
+            </a:r>
+          </a:p>
+          <a:p>
+            <a:r>
+              <a:rPr lang="en-US" dirty="0"/>
+              <a:t>Expressions: Computations that can be evaluated for a value</a:t>
+            </a:r>
+          </a:p>
+          <a:p>
+            <a:r>
+              <a:rPr lang="en-US" dirty="0"/>
+              <a:t>Patterns: Used to match values in conditional expressions</a:t>
+            </a:r>
+          </a:p>
+          <a:p>
+            <a:r>
+              <a:rPr lang="en-US" dirty="0"/>
+              <a:t>Definitions: Introduce names (variables, functions)</a:t>
+            </a:r>
+          </a:p>
+          <a:p>
+            <a:r>
+              <a:rPr lang="en-US" dirty="0"/>
+              <a:t>Statements: Run for side-effects, not return values</a:t>
+            </a:r>
           </a:p>
         </p:txBody>
       </p:sp>
     </p:spTree>
     <p:extLst>
       <p:ext uri="{BB962C8B-B14F-4D97-AF65-F5344CB8AC3E}">
-        <p14:creationId xmlns:p14="http://schemas.microsoft.com/office/powerpoint/2010/main" val="1825242927"/>
+        <p14:creationId xmlns:p14="http://schemas.microsoft.com/office/powerpoint/2010/main" val="840174021"/>
       </p:ext>
     </p:extLst>
   </p:cSld>
@@ -9199,7 +10095,7 @@
 </p:sld>
 </file>
 
-<file path=ppt/slides/slide37.xml><?xml version="1.0" encoding="utf-8"?>
+<file path=ppt/slides/slide41.xml><?xml version="1.0" encoding="utf-8"?>
 <p:sld xmlns:a="http://schemas.openxmlformats.org/drawingml/2006/main" xmlns:r="http://schemas.openxmlformats.org/officeDocument/2006/relationships" xmlns:p="http://schemas.openxmlformats.org/presentationml/2006/main">
   <p:cSld>
     <p:spTree>
@@ -9239,6 +10135,89 @@
           <a:p>
             <a:r>
               <a:rPr lang="en-US" dirty="0"/>
+              <a:t>Section: Types</a:t>
+            </a:r>
+          </a:p>
+        </p:txBody>
+      </p:sp>
+      <p:sp>
+        <p:nvSpPr>
+          <p:cNvPr id="3" name="Content Placeholder 2">
+            <a:extLst>
+              <a:ext uri="{FF2B5EF4-FFF2-40B4-BE49-F238E27FC236}">
+                <a16:creationId xmlns:a16="http://schemas.microsoft.com/office/drawing/2014/main" id="{B3A8919F-5C88-5B73-BB63-9C455BE624F7}"/>
+              </a:ext>
+            </a:extLst>
+          </p:cNvPr>
+          <p:cNvSpPr>
+            <a:spLocks noGrp="1"/>
+          </p:cNvSpPr>
+          <p:nvPr>
+            <p:ph idx="1"/>
+          </p:nvPr>
+        </p:nvSpPr>
+        <p:spPr/>
+        <p:txBody>
+          <a:bodyPr/>
+          <a:lstStyle/>
+          <a:p>
+            <a:endParaRPr lang="en-US"/>
+          </a:p>
+        </p:txBody>
+      </p:sp>
+    </p:spTree>
+    <p:extLst>
+      <p:ext uri="{BB962C8B-B14F-4D97-AF65-F5344CB8AC3E}">
+        <p14:creationId xmlns:p14="http://schemas.microsoft.com/office/powerpoint/2010/main" val="1825242927"/>
+      </p:ext>
+    </p:extLst>
+  </p:cSld>
+  <p:clrMapOvr>
+    <a:masterClrMapping/>
+  </p:clrMapOvr>
+</p:sld>
+</file>
+
+<file path=ppt/slides/slide42.xml><?xml version="1.0" encoding="utf-8"?>
+<p:sld xmlns:a="http://schemas.openxmlformats.org/drawingml/2006/main" xmlns:r="http://schemas.openxmlformats.org/officeDocument/2006/relationships" xmlns:p="http://schemas.openxmlformats.org/presentationml/2006/main">
+  <p:cSld>
+    <p:spTree>
+      <p:nvGrpSpPr>
+        <p:cNvPr id="1" name=""/>
+        <p:cNvGrpSpPr/>
+        <p:nvPr/>
+      </p:nvGrpSpPr>
+      <p:grpSpPr>
+        <a:xfrm>
+          <a:off x="0" y="0"/>
+          <a:ext cx="0" cy="0"/>
+          <a:chOff x="0" y="0"/>
+          <a:chExt cx="0" cy="0"/>
+        </a:xfrm>
+      </p:grpSpPr>
+      <p:sp>
+        <p:nvSpPr>
+          <p:cNvPr id="2" name="Title 1">
+            <a:extLst>
+              <a:ext uri="{FF2B5EF4-FFF2-40B4-BE49-F238E27FC236}">
+                <a16:creationId xmlns:a16="http://schemas.microsoft.com/office/drawing/2014/main" id="{A6967117-4DE7-96A1-4125-134A7726550C}"/>
+              </a:ext>
+            </a:extLst>
+          </p:cNvPr>
+          <p:cNvSpPr>
+            <a:spLocks noGrp="1"/>
+          </p:cNvSpPr>
+          <p:nvPr>
+            <p:ph type="title"/>
+          </p:nvPr>
+        </p:nvSpPr>
+        <p:spPr/>
+        <p:txBody>
+          <a:bodyPr/>
+          <a:lstStyle/>
+          <a:p>
+            <a:r>
+              <a:rPr lang="en-US" dirty="0"/>
               <a:t>Why Care About Types</a:t>
             </a:r>
           </a:p>
@@ -9316,7 +10295,7 @@
 </p:sld>
 </file>
 
-<file path=ppt/slides/slide38.xml><?xml version="1.0" encoding="utf-8"?>
+<file path=ppt/slides/slide43.xml><?xml version="1.0" encoding="utf-8"?>
 <p:sld xmlns:a="http://schemas.openxmlformats.org/drawingml/2006/main" xmlns:r="http://schemas.openxmlformats.org/officeDocument/2006/relationships" xmlns:p="http://schemas.openxmlformats.org/presentationml/2006/main">
   <p:cSld>
     <p:spTree>
@@ -9868,7 +10847,7 @@
 </p:sld>
 </file>
 
-<file path=ppt/slides/slide39.xml><?xml version="1.0" encoding="utf-8"?>
+<file path=ppt/slides/slide44.xml><?xml version="1.0" encoding="utf-8"?>
 <p:sld xmlns:a="http://schemas.openxmlformats.org/drawingml/2006/main" xmlns:r="http://schemas.openxmlformats.org/officeDocument/2006/relationships" xmlns:p="http://schemas.openxmlformats.org/presentationml/2006/main">
   <p:cSld>
     <p:spTree>
@@ -10139,1512 +11118,6 @@
 </p:sld>
 </file>
 
-<file path=ppt/slides/slide4.xml><?xml version="1.0" encoding="utf-8"?>
-<p:sld xmlns:a="http://schemas.openxmlformats.org/drawingml/2006/main" xmlns:r="http://schemas.openxmlformats.org/officeDocument/2006/relationships" xmlns:p="http://schemas.openxmlformats.org/presentationml/2006/main">
-  <p:cSld>
-    <p:spTree>
-      <p:nvGrpSpPr>
-        <p:cNvPr id="1" name=""/>
-        <p:cNvGrpSpPr/>
-        <p:nvPr/>
-      </p:nvGrpSpPr>
-      <p:grpSpPr>
-        <a:xfrm>
-          <a:off x="0" y="0"/>
-          <a:ext cx="0" cy="0"/>
-          <a:chOff x="0" y="0"/>
-          <a:chExt cx="0" cy="0"/>
-        </a:xfrm>
-      </p:grpSpPr>
-      <p:sp>
-        <p:nvSpPr>
-          <p:cNvPr id="2" name="Title 1">
-            <a:extLst>
-              <a:ext uri="{FF2B5EF4-FFF2-40B4-BE49-F238E27FC236}">
-                <a16:creationId xmlns:a16="http://schemas.microsoft.com/office/drawing/2014/main" id="{9A7A7201-B3CD-9DF1-77CA-2C650963BC49}"/>
-              </a:ext>
-            </a:extLst>
-          </p:cNvPr>
-          <p:cNvSpPr>
-            <a:spLocks noGrp="1"/>
-          </p:cNvSpPr>
-          <p:nvPr>
-            <p:ph type="title"/>
-          </p:nvPr>
-        </p:nvSpPr>
-        <p:spPr/>
-        <p:txBody>
-          <a:bodyPr/>
-          <a:lstStyle/>
-          <a:p>
-            <a:r>
-              <a:rPr lang="en-US" dirty="0"/>
-              <a:t>Motivation: Speed + Safety</a:t>
-            </a:r>
-          </a:p>
-        </p:txBody>
-      </p:sp>
-      <p:pic>
-        <p:nvPicPr>
-          <p:cNvPr id="1026" name="Picture 2" descr="Sonic: Gotta Go Fast - YouTube">
-            <a:extLst>
-              <a:ext uri="{FF2B5EF4-FFF2-40B4-BE49-F238E27FC236}">
-                <a16:creationId xmlns:a16="http://schemas.microsoft.com/office/drawing/2014/main" id="{E18EE4D9-9526-2F8F-63B2-4F475E1266E1}"/>
-              </a:ext>
-            </a:extLst>
-          </p:cNvPr>
-          <p:cNvPicPr>
-            <a:picLocks noGrp="1" noChangeAspect="1" noChangeArrowheads="1"/>
-          </p:cNvPicPr>
-          <p:nvPr>
-            <p:ph idx="1"/>
-          </p:nvPr>
-        </p:nvPicPr>
-        <p:blipFill>
-          <a:blip r:embed="rId2">
-            <a:extLst>
-              <a:ext uri="{28A0092B-C50C-407E-A947-70E740481C1C}">
-                <a14:useLocalDpi xmlns:a14="http://schemas.microsoft.com/office/drawing/2010/main" val="0"/>
-              </a:ext>
-            </a:extLst>
-          </a:blip>
-          <a:srcRect/>
-          <a:stretch>
-            <a:fillRect/>
-          </a:stretch>
-        </p:blipFill>
-        <p:spPr bwMode="auto">
-          <a:xfrm>
-            <a:off x="7842002" y="2008139"/>
-            <a:ext cx="3621686" cy="2028144"/>
-          </a:xfrm>
-          <a:prstGeom prst="rect">
-            <a:avLst/>
-          </a:prstGeom>
-          <a:noFill/>
-          <a:extLst>
-            <a:ext uri="{909E8E84-426E-40DD-AFC4-6F175D3DCCD1}">
-              <a14:hiddenFill xmlns:a14="http://schemas.microsoft.com/office/drawing/2010/main">
-                <a:solidFill>
-                  <a:srgbClr val="FFFFFF"/>
-                </a:solidFill>
-              </a14:hiddenFill>
-            </a:ext>
-          </a:extLst>
-        </p:spPr>
-      </p:pic>
-      <p:sp>
-        <p:nvSpPr>
-          <p:cNvPr id="5" name="TextBox 4">
-            <a:extLst>
-              <a:ext uri="{FF2B5EF4-FFF2-40B4-BE49-F238E27FC236}">
-                <a16:creationId xmlns:a16="http://schemas.microsoft.com/office/drawing/2014/main" id="{1520A1BD-7D5D-5999-0F39-07DA29BC117B}"/>
-              </a:ext>
-            </a:extLst>
-          </p:cNvPr>
-          <p:cNvSpPr txBox="1"/>
-          <p:nvPr/>
-        </p:nvSpPr>
-        <p:spPr>
-          <a:xfrm>
-            <a:off x="336884" y="2008139"/>
-            <a:ext cx="7209322" cy="3108543"/>
-          </a:xfrm>
-          <a:prstGeom prst="rect">
-            <a:avLst/>
-          </a:prstGeom>
-          <a:noFill/>
-        </p:spPr>
-        <p:txBody>
-          <a:bodyPr wrap="square" rtlCol="0">
-            <a:spAutoFit/>
-          </a:bodyPr>
-          <a:lstStyle/>
-          <a:p>
-            <a:pPr marL="457200" indent="-457200">
-              <a:buFont typeface="Arial" panose="020B0604020202020204" pitchFamily="34" charset="0"/>
-              <a:buChar char="•"/>
-            </a:pPr>
-            <a:r>
-              <a:rPr lang="en-US" sz="2800" dirty="0"/>
-              <a:t>Efficiency is traditionally an important objective when developing software</a:t>
-            </a:r>
-          </a:p>
-          <a:p>
-            <a:pPr marL="457200" indent="-457200">
-              <a:buFont typeface="Arial" panose="020B0604020202020204" pitchFamily="34" charset="0"/>
-              <a:buChar char="•"/>
-            </a:pPr>
-            <a:r>
-              <a:rPr lang="en-US" sz="2800" dirty="0"/>
-              <a:t>Particularly in systems software such as OS’s and compilers, or any other software that serves as a “platform” for other code</a:t>
-            </a:r>
-          </a:p>
-          <a:p>
-            <a:pPr marL="457200" indent="-457200">
-              <a:buFont typeface="Arial" panose="020B0604020202020204" pitchFamily="34" charset="0"/>
-              <a:buChar char="•"/>
-            </a:pPr>
-            <a:endParaRPr lang="en-US" sz="2800" dirty="0"/>
-          </a:p>
-          <a:p>
-            <a:endParaRPr lang="en-US" sz="2800" dirty="0"/>
-          </a:p>
-        </p:txBody>
-      </p:sp>
-    </p:spTree>
-    <p:extLst>
-      <p:ext uri="{BB962C8B-B14F-4D97-AF65-F5344CB8AC3E}">
-        <p14:creationId xmlns:p14="http://schemas.microsoft.com/office/powerpoint/2010/main" val="1299292875"/>
-      </p:ext>
-    </p:extLst>
-  </p:cSld>
-  <p:clrMapOvr>
-    <a:masterClrMapping/>
-  </p:clrMapOvr>
-</p:sld>
-</file>
-
-<file path=ppt/slides/slide40.xml><?xml version="1.0" encoding="utf-8"?>
-<p:sld xmlns:a="http://schemas.openxmlformats.org/drawingml/2006/main" xmlns:r="http://schemas.openxmlformats.org/officeDocument/2006/relationships" xmlns:p="http://schemas.openxmlformats.org/presentationml/2006/main">
-  <p:cSld>
-    <p:spTree>
-      <p:nvGrpSpPr>
-        <p:cNvPr id="1" name=""/>
-        <p:cNvGrpSpPr/>
-        <p:nvPr/>
-      </p:nvGrpSpPr>
-      <p:grpSpPr>
-        <a:xfrm>
-          <a:off x="0" y="0"/>
-          <a:ext cx="0" cy="0"/>
-          <a:chOff x="0" y="0"/>
-          <a:chExt cx="0" cy="0"/>
-        </a:xfrm>
-      </p:grpSpPr>
-      <p:sp>
-        <p:nvSpPr>
-          <p:cNvPr id="2" name="Title 1">
-            <a:extLst>
-              <a:ext uri="{FF2B5EF4-FFF2-40B4-BE49-F238E27FC236}">
-                <a16:creationId xmlns:a16="http://schemas.microsoft.com/office/drawing/2014/main" id="{A000E8E4-E8FF-BB77-9EC3-039CB10B31EE}"/>
-              </a:ext>
-            </a:extLst>
-          </p:cNvPr>
-          <p:cNvSpPr>
-            <a:spLocks noGrp="1"/>
-          </p:cNvSpPr>
-          <p:nvPr>
-            <p:ph type="title"/>
-          </p:nvPr>
-        </p:nvSpPr>
-        <p:spPr/>
-        <p:txBody>
-          <a:bodyPr/>
-          <a:lstStyle/>
-          <a:p>
-            <a:r>
-              <a:rPr lang="en-US" dirty="0"/>
-              <a:t>Compound Types: Tuples</a:t>
-            </a:r>
-          </a:p>
-        </p:txBody>
-      </p:sp>
-      <p:sp>
-        <p:nvSpPr>
-          <p:cNvPr id="3" name="Content Placeholder 2">
-            <a:extLst>
-              <a:ext uri="{FF2B5EF4-FFF2-40B4-BE49-F238E27FC236}">
-                <a16:creationId xmlns:a16="http://schemas.microsoft.com/office/drawing/2014/main" id="{225A148C-93F0-AB68-CECE-04E5CDE79EC5}"/>
-              </a:ext>
-            </a:extLst>
-          </p:cNvPr>
-          <p:cNvSpPr>
-            <a:spLocks noGrp="1"/>
-          </p:cNvSpPr>
-          <p:nvPr>
-            <p:ph idx="1"/>
-          </p:nvPr>
-        </p:nvSpPr>
-        <p:spPr/>
-        <p:txBody>
-          <a:bodyPr/>
-          <a:lstStyle/>
-          <a:p>
-            <a:r>
-              <a:rPr lang="en-US" dirty="0"/>
-              <a:t>Tuple types use the same syntax as tuple expressions</a:t>
-            </a:r>
-          </a:p>
-          <a:p>
-            <a:r>
-              <a:rPr lang="en-US" dirty="0"/>
-              <a:t>Tuple expression (e1, …, </a:t>
-            </a:r>
-            <a:r>
-              <a:rPr lang="en-US" dirty="0" err="1"/>
-              <a:t>eN</a:t>
-            </a:r>
-            <a:r>
-              <a:rPr lang="en-US" dirty="0"/>
-              <a:t>) has type (t1, …, </a:t>
-            </a:r>
-            <a:r>
-              <a:rPr lang="en-US" dirty="0" err="1"/>
-              <a:t>tN</a:t>
-            </a:r>
-            <a:r>
-              <a:rPr lang="en-US" dirty="0"/>
-              <a:t>) if each </a:t>
-            </a:r>
-            <a:r>
-              <a:rPr lang="en-US" dirty="0" err="1"/>
-              <a:t>eI</a:t>
-            </a:r>
-            <a:r>
-              <a:rPr lang="en-US" dirty="0"/>
-              <a:t> has type </a:t>
-            </a:r>
-            <a:r>
-              <a:rPr lang="en-US" dirty="0" err="1"/>
-              <a:t>tI</a:t>
-            </a:r>
-            <a:endParaRPr lang="en-US" dirty="0"/>
-          </a:p>
-        </p:txBody>
-      </p:sp>
-    </p:spTree>
-    <p:extLst>
-      <p:ext uri="{BB962C8B-B14F-4D97-AF65-F5344CB8AC3E}">
-        <p14:creationId xmlns:p14="http://schemas.microsoft.com/office/powerpoint/2010/main" val="1393741523"/>
-      </p:ext>
-    </p:extLst>
-  </p:cSld>
-  <p:clrMapOvr>
-    <a:masterClrMapping/>
-  </p:clrMapOvr>
-</p:sld>
-</file>
-
-<file path=ppt/slides/slide41.xml><?xml version="1.0" encoding="utf-8"?>
-<p:sld xmlns:a="http://schemas.openxmlformats.org/drawingml/2006/main" xmlns:r="http://schemas.openxmlformats.org/officeDocument/2006/relationships" xmlns:p="http://schemas.openxmlformats.org/presentationml/2006/main">
-  <p:cSld>
-    <p:spTree>
-      <p:nvGrpSpPr>
-        <p:cNvPr id="1" name=""/>
-        <p:cNvGrpSpPr/>
-        <p:nvPr/>
-      </p:nvGrpSpPr>
-      <p:grpSpPr>
-        <a:xfrm>
-          <a:off x="0" y="0"/>
-          <a:ext cx="0" cy="0"/>
-          <a:chOff x="0" y="0"/>
-          <a:chExt cx="0" cy="0"/>
-        </a:xfrm>
-      </p:grpSpPr>
-      <p:sp>
-        <p:nvSpPr>
-          <p:cNvPr id="2" name="Title 1">
-            <a:extLst>
-              <a:ext uri="{FF2B5EF4-FFF2-40B4-BE49-F238E27FC236}">
-                <a16:creationId xmlns:a16="http://schemas.microsoft.com/office/drawing/2014/main" id="{011E52C3-3A59-3505-CE12-E62765BF6AE3}"/>
-              </a:ext>
-            </a:extLst>
-          </p:cNvPr>
-          <p:cNvSpPr>
-            <a:spLocks noGrp="1"/>
-          </p:cNvSpPr>
-          <p:nvPr>
-            <p:ph type="title"/>
-          </p:nvPr>
-        </p:nvSpPr>
-        <p:spPr/>
-        <p:txBody>
-          <a:bodyPr/>
-          <a:lstStyle/>
-          <a:p>
-            <a:r>
-              <a:rPr lang="en-US" dirty="0"/>
-              <a:t>Compound Types: Arrays + Slices</a:t>
-            </a:r>
-          </a:p>
-        </p:txBody>
-      </p:sp>
-      <p:sp>
-        <p:nvSpPr>
-          <p:cNvPr id="3" name="Content Placeholder 2">
-            <a:extLst>
-              <a:ext uri="{FF2B5EF4-FFF2-40B4-BE49-F238E27FC236}">
-                <a16:creationId xmlns:a16="http://schemas.microsoft.com/office/drawing/2014/main" id="{6CF0DBE1-5401-D48B-EE21-575399F28A79}"/>
-              </a:ext>
-            </a:extLst>
-          </p:cNvPr>
-          <p:cNvSpPr>
-            <a:spLocks noGrp="1"/>
-          </p:cNvSpPr>
-          <p:nvPr>
-            <p:ph idx="1"/>
-          </p:nvPr>
-        </p:nvSpPr>
-        <p:spPr/>
-        <p:txBody>
-          <a:bodyPr>
-            <a:normAutofit lnSpcReduction="10000"/>
-          </a:bodyPr>
-          <a:lstStyle/>
-          <a:p>
-            <a:r>
-              <a:rPr lang="en-US" dirty="0"/>
-              <a:t>Affine typing challenge: How do you ensure each array element has one user at a time? Different elements could have different users</a:t>
-            </a:r>
-          </a:p>
-          <a:p>
-            <a:r>
-              <a:rPr lang="en-US" dirty="0"/>
-              <a:t>Typing challenge: What is an array anyway?</a:t>
-            </a:r>
-          </a:p>
-          <a:p>
-            <a:r>
-              <a:rPr lang="en-US" dirty="0"/>
-              <a:t>Many different array types. We often use:</a:t>
-            </a:r>
-          </a:p>
-          <a:p>
-            <a:pPr lvl="1"/>
-            <a:r>
-              <a:rPr lang="en-US" dirty="0" err="1">
-                <a:latin typeface="Consolas" panose="020B0609020204030204" pitchFamily="49" charset="0"/>
-              </a:rPr>
-              <a:t>Vec</a:t>
-            </a:r>
-            <a:r>
-              <a:rPr lang="en-US" dirty="0">
-                <a:latin typeface="Consolas" panose="020B0609020204030204" pitchFamily="49" charset="0"/>
-              </a:rPr>
-              <a:t>&lt;t&gt;</a:t>
-            </a:r>
-            <a:r>
-              <a:rPr lang="en-US" dirty="0"/>
-              <a:t> a dynamic-length array of elements of type t</a:t>
-            </a:r>
-          </a:p>
-          <a:p>
-            <a:pPr lvl="1"/>
-            <a:r>
-              <a:rPr lang="en-US" dirty="0">
-                <a:latin typeface="Consolas" panose="020B0609020204030204" pitchFamily="49" charset="0"/>
-              </a:rPr>
-              <a:t>&amp;[t]</a:t>
-            </a:r>
-            <a:r>
-              <a:rPr lang="en-US" dirty="0"/>
-              <a:t> a </a:t>
-            </a:r>
-            <a:r>
-              <a:rPr lang="en-US" b="1" i="1" dirty="0"/>
-              <a:t>slice</a:t>
-            </a:r>
-            <a:r>
-              <a:rPr lang="en-US" dirty="0"/>
-              <a:t> of elements of type t</a:t>
-            </a:r>
-            <a:endParaRPr lang="en-US" i="1" dirty="0"/>
-          </a:p>
-          <a:p>
-            <a:pPr lvl="2"/>
-            <a:r>
-              <a:rPr lang="en-US" dirty="0"/>
-              <a:t>A slice is less powerful than an array. It just lets us access elements</a:t>
-            </a:r>
-          </a:p>
-          <a:p>
-            <a:pPr lvl="2"/>
-            <a:r>
-              <a:rPr lang="en-US" dirty="0"/>
-              <a:t>Idea: An array can be divided into multiple slices with separate users</a:t>
-            </a:r>
-          </a:p>
-          <a:p>
-            <a:r>
-              <a:rPr lang="en-US" dirty="0"/>
-              <a:t>We don’t really use: </a:t>
-            </a:r>
-            <a:r>
-              <a:rPr lang="en-US" dirty="0">
-                <a:latin typeface="Consolas" panose="020B0609020204030204" pitchFamily="49" charset="0"/>
-              </a:rPr>
-              <a:t>[</a:t>
-            </a:r>
-            <a:r>
-              <a:rPr lang="en-US" dirty="0" err="1">
-                <a:latin typeface="Consolas" panose="020B0609020204030204" pitchFamily="49" charset="0"/>
-              </a:rPr>
-              <a:t>t;N</a:t>
-            </a:r>
-            <a:r>
-              <a:rPr lang="en-US" dirty="0">
-                <a:latin typeface="Consolas" panose="020B0609020204030204" pitchFamily="49" charset="0"/>
-              </a:rPr>
-              <a:t>]</a:t>
-            </a:r>
-            <a:r>
-              <a:rPr lang="en-US" dirty="0"/>
-              <a:t> fixed-length array of N elements</a:t>
-            </a:r>
-          </a:p>
-          <a:p>
-            <a:endParaRPr lang="en-US" dirty="0"/>
-          </a:p>
-          <a:p>
-            <a:endParaRPr lang="en-US" dirty="0"/>
-          </a:p>
-        </p:txBody>
-      </p:sp>
-    </p:spTree>
-    <p:extLst>
-      <p:ext uri="{BB962C8B-B14F-4D97-AF65-F5344CB8AC3E}">
-        <p14:creationId xmlns:p14="http://schemas.microsoft.com/office/powerpoint/2010/main" val="922336173"/>
-      </p:ext>
-    </p:extLst>
-  </p:cSld>
-  <p:clrMapOvr>
-    <a:masterClrMapping/>
-  </p:clrMapOvr>
-</p:sld>
-</file>
-
-<file path=ppt/slides/slide42.xml><?xml version="1.0" encoding="utf-8"?>
-<p:sld xmlns:a="http://schemas.openxmlformats.org/drawingml/2006/main" xmlns:r="http://schemas.openxmlformats.org/officeDocument/2006/relationships" xmlns:p="http://schemas.openxmlformats.org/presentationml/2006/main">
-  <p:cSld>
-    <p:spTree>
-      <p:nvGrpSpPr>
-        <p:cNvPr id="1" name=""/>
-        <p:cNvGrpSpPr/>
-        <p:nvPr/>
-      </p:nvGrpSpPr>
-      <p:grpSpPr>
-        <a:xfrm>
-          <a:off x="0" y="0"/>
-          <a:ext cx="0" cy="0"/>
-          <a:chOff x="0" y="0"/>
-          <a:chExt cx="0" cy="0"/>
-        </a:xfrm>
-      </p:grpSpPr>
-      <p:sp>
-        <p:nvSpPr>
-          <p:cNvPr id="2" name="Title 1">
-            <a:extLst>
-              <a:ext uri="{FF2B5EF4-FFF2-40B4-BE49-F238E27FC236}">
-                <a16:creationId xmlns:a16="http://schemas.microsoft.com/office/drawing/2014/main" id="{928D2BAE-76D9-C9BD-0B2F-9CDFA1B94CFE}"/>
-              </a:ext>
-            </a:extLst>
-          </p:cNvPr>
-          <p:cNvSpPr>
-            <a:spLocks noGrp="1"/>
-          </p:cNvSpPr>
-          <p:nvPr>
-            <p:ph type="title"/>
-          </p:nvPr>
-        </p:nvSpPr>
-        <p:spPr/>
-        <p:txBody>
-          <a:bodyPr/>
-          <a:lstStyle/>
-          <a:p>
-            <a:r>
-              <a:rPr lang="en-US" dirty="0"/>
-              <a:t>Reference Types &amp; Borrowing</a:t>
-            </a:r>
-          </a:p>
-        </p:txBody>
-      </p:sp>
-      <p:sp>
-        <p:nvSpPr>
-          <p:cNvPr id="3" name="Content Placeholder 2">
-            <a:extLst>
-              <a:ext uri="{FF2B5EF4-FFF2-40B4-BE49-F238E27FC236}">
-                <a16:creationId xmlns:a16="http://schemas.microsoft.com/office/drawing/2014/main" id="{47F6390D-1108-C895-3FCF-35D34744850A}"/>
-              </a:ext>
-            </a:extLst>
-          </p:cNvPr>
-          <p:cNvSpPr>
-            <a:spLocks noGrp="1"/>
-          </p:cNvSpPr>
-          <p:nvPr>
-            <p:ph idx="1"/>
-          </p:nvPr>
-        </p:nvSpPr>
-        <p:spPr/>
-        <p:txBody>
-          <a:bodyPr/>
-          <a:lstStyle/>
-          <a:p>
-            <a:r>
-              <a:rPr lang="en-US" dirty="0"/>
-              <a:t>Affine types seem much too strict: “Can only use variable once”</a:t>
-            </a:r>
-          </a:p>
-          <a:p>
-            <a:pPr marL="0" indent="0">
-              <a:buNone/>
-            </a:pPr>
-            <a:r>
-              <a:rPr lang="en-US" dirty="0"/>
-              <a:t>What Rust actually does:</a:t>
-            </a:r>
-          </a:p>
-          <a:p>
-            <a:pPr lvl="1"/>
-            <a:r>
-              <a:rPr lang="en-US" dirty="0"/>
-              <a:t>Depends on the type – some types support automatic copying</a:t>
-            </a:r>
-          </a:p>
-          <a:p>
-            <a:pPr lvl="1"/>
-            <a:r>
-              <a:rPr lang="en-US" dirty="0"/>
-              <a:t>References allow reusing variables</a:t>
-            </a:r>
-          </a:p>
-          <a:p>
-            <a:pPr lvl="1"/>
-            <a:r>
-              <a:rPr lang="en-US" dirty="0"/>
-              <a:t>As long as the borrowing rules are followed</a:t>
-            </a:r>
-          </a:p>
-          <a:p>
-            <a:pPr lvl="1"/>
-            <a:r>
-              <a:rPr lang="en-US" dirty="0"/>
-              <a:t>The borrow-checker, which implements these rules, is known for being the hardest part of Rust to learn</a:t>
-            </a:r>
-          </a:p>
-          <a:p>
-            <a:pPr lvl="1"/>
-            <a:r>
-              <a:rPr lang="en-US" dirty="0"/>
-              <a:t>But there is a simple rule that covers most cases!</a:t>
-            </a:r>
-          </a:p>
-        </p:txBody>
-      </p:sp>
-    </p:spTree>
-    <p:extLst>
-      <p:ext uri="{BB962C8B-B14F-4D97-AF65-F5344CB8AC3E}">
-        <p14:creationId xmlns:p14="http://schemas.microsoft.com/office/powerpoint/2010/main" val="1742182927"/>
-      </p:ext>
-    </p:extLst>
-  </p:cSld>
-  <p:clrMapOvr>
-    <a:masterClrMapping/>
-  </p:clrMapOvr>
-</p:sld>
-</file>
-
-<file path=ppt/slides/slide43.xml><?xml version="1.0" encoding="utf-8"?>
-<p:sld xmlns:a="http://schemas.openxmlformats.org/drawingml/2006/main" xmlns:r="http://schemas.openxmlformats.org/officeDocument/2006/relationships" xmlns:p="http://schemas.openxmlformats.org/presentationml/2006/main">
-  <p:cSld>
-    <p:spTree>
-      <p:nvGrpSpPr>
-        <p:cNvPr id="1" name=""/>
-        <p:cNvGrpSpPr/>
-        <p:nvPr/>
-      </p:nvGrpSpPr>
-      <p:grpSpPr>
-        <a:xfrm>
-          <a:off x="0" y="0"/>
-          <a:ext cx="0" cy="0"/>
-          <a:chOff x="0" y="0"/>
-          <a:chExt cx="0" cy="0"/>
-        </a:xfrm>
-      </p:grpSpPr>
-      <p:sp>
-        <p:nvSpPr>
-          <p:cNvPr id="2" name="Title 1">
-            <a:extLst>
-              <a:ext uri="{FF2B5EF4-FFF2-40B4-BE49-F238E27FC236}">
-                <a16:creationId xmlns:a16="http://schemas.microsoft.com/office/drawing/2014/main" id="{47CCAEDE-D0BB-3332-AA41-101525A3C24B}"/>
-              </a:ext>
-            </a:extLst>
-          </p:cNvPr>
-          <p:cNvSpPr>
-            <a:spLocks noGrp="1"/>
-          </p:cNvSpPr>
-          <p:nvPr>
-            <p:ph type="title"/>
-          </p:nvPr>
-        </p:nvSpPr>
-        <p:spPr/>
-        <p:txBody>
-          <a:bodyPr/>
-          <a:lstStyle/>
-          <a:p>
-            <a:r>
-              <a:rPr lang="en-US" dirty="0"/>
-              <a:t>The </a:t>
-            </a:r>
-            <a:r>
-              <a:rPr lang="en-US" dirty="0" err="1"/>
-              <a:t>WOoRM</a:t>
-            </a:r>
-            <a:r>
-              <a:rPr lang="en-US" dirty="0"/>
-              <a:t> Rule</a:t>
-            </a:r>
-          </a:p>
-        </p:txBody>
-      </p:sp>
-      <p:sp>
-        <p:nvSpPr>
-          <p:cNvPr id="3" name="Content Placeholder 2">
-            <a:extLst>
-              <a:ext uri="{FF2B5EF4-FFF2-40B4-BE49-F238E27FC236}">
-                <a16:creationId xmlns:a16="http://schemas.microsoft.com/office/drawing/2014/main" id="{B7EE811B-83C4-1D8A-E29D-628C3480C470}"/>
-              </a:ext>
-            </a:extLst>
-          </p:cNvPr>
-          <p:cNvSpPr>
-            <a:spLocks noGrp="1"/>
-          </p:cNvSpPr>
-          <p:nvPr>
-            <p:ph idx="1"/>
-          </p:nvPr>
-        </p:nvSpPr>
-        <p:spPr/>
-        <p:txBody>
-          <a:bodyPr/>
-          <a:lstStyle/>
-          <a:p>
-            <a:r>
-              <a:rPr lang="en-US" b="1" dirty="0"/>
-              <a:t>Rule:</a:t>
-            </a:r>
-            <a:r>
-              <a:rPr lang="en-US" dirty="0"/>
-              <a:t> Write Once, or Read Many</a:t>
-            </a:r>
-            <a:endParaRPr lang="en-US" b="1" dirty="0"/>
-          </a:p>
-        </p:txBody>
-      </p:sp>
-      <p:sp>
-        <p:nvSpPr>
-          <p:cNvPr id="5" name="TextBox 4">
-            <a:extLst>
-              <a:ext uri="{FF2B5EF4-FFF2-40B4-BE49-F238E27FC236}">
-                <a16:creationId xmlns:a16="http://schemas.microsoft.com/office/drawing/2014/main" id="{35CD8B22-F0F6-371F-44FF-C1AD1D641059}"/>
-              </a:ext>
-            </a:extLst>
-          </p:cNvPr>
-          <p:cNvSpPr txBox="1"/>
-          <p:nvPr/>
-        </p:nvSpPr>
-        <p:spPr>
-          <a:xfrm>
-            <a:off x="1097280" y="6456713"/>
-            <a:ext cx="9473665" cy="369332"/>
-          </a:xfrm>
-          <a:prstGeom prst="rect">
-            <a:avLst/>
-          </a:prstGeom>
-          <a:noFill/>
-        </p:spPr>
-        <p:txBody>
-          <a:bodyPr wrap="square">
-            <a:spAutoFit/>
-          </a:bodyPr>
-          <a:lstStyle/>
-          <a:p>
-            <a:r>
-              <a:rPr lang="en-US" dirty="0"/>
-              <a:t>https://www.vecteezy.com/vector-art/7528312-worm-cartoon-colored-clipart-illustration</a:t>
-            </a:r>
-          </a:p>
-        </p:txBody>
-      </p:sp>
-      <p:pic>
-        <p:nvPicPr>
-          <p:cNvPr id="7" name="Picture 6">
-            <a:extLst>
-              <a:ext uri="{FF2B5EF4-FFF2-40B4-BE49-F238E27FC236}">
-                <a16:creationId xmlns:a16="http://schemas.microsoft.com/office/drawing/2014/main" id="{10268DEF-7DF7-3E9C-EBE7-520EFFAE1681}"/>
-              </a:ext>
-            </a:extLst>
-          </p:cNvPr>
-          <p:cNvPicPr>
-            <a:picLocks noChangeAspect="1"/>
-          </p:cNvPicPr>
-          <p:nvPr/>
-        </p:nvPicPr>
-        <p:blipFill>
-          <a:blip r:embed="rId2"/>
-          <a:stretch>
-            <a:fillRect/>
-          </a:stretch>
-        </p:blipFill>
-        <p:spPr>
-          <a:xfrm>
-            <a:off x="9980762" y="1936955"/>
-            <a:ext cx="1885754" cy="1666568"/>
-          </a:xfrm>
-          <a:prstGeom prst="rect">
-            <a:avLst/>
-          </a:prstGeom>
-        </p:spPr>
-      </p:pic>
-      <p:sp>
-        <p:nvSpPr>
-          <p:cNvPr id="8" name="TextBox 7">
-            <a:extLst>
-              <a:ext uri="{FF2B5EF4-FFF2-40B4-BE49-F238E27FC236}">
-                <a16:creationId xmlns:a16="http://schemas.microsoft.com/office/drawing/2014/main" id="{7AFB0329-B78D-06FF-65EA-86583EC759C3}"/>
-              </a:ext>
-            </a:extLst>
-          </p:cNvPr>
-          <p:cNvSpPr txBox="1"/>
-          <p:nvPr/>
-        </p:nvSpPr>
-        <p:spPr>
-          <a:xfrm>
-            <a:off x="434851" y="3508440"/>
-            <a:ext cx="2310581" cy="1200329"/>
-          </a:xfrm>
-          <a:prstGeom prst="rect">
-            <a:avLst/>
-          </a:prstGeom>
-          <a:noFill/>
-        </p:spPr>
-        <p:txBody>
-          <a:bodyPr wrap="square" rtlCol="0">
-            <a:spAutoFit/>
-          </a:bodyPr>
-          <a:lstStyle/>
-          <a:p>
-            <a:r>
-              <a:rPr lang="en-US" dirty="0">
-                <a:latin typeface="Consolas" panose="020B0609020204030204" pitchFamily="49" charset="0"/>
-              </a:rPr>
-              <a:t>let mut x = 5;</a:t>
-            </a:r>
-          </a:p>
-          <a:p>
-            <a:r>
-              <a:rPr lang="en-US" dirty="0">
-                <a:latin typeface="Consolas" panose="020B0609020204030204" pitchFamily="49" charset="0"/>
-              </a:rPr>
-              <a:t>let r1 = &amp;mut x;</a:t>
-            </a:r>
-          </a:p>
-          <a:p>
-            <a:r>
-              <a:rPr lang="en-US" dirty="0">
-                <a:latin typeface="Consolas" panose="020B0609020204030204" pitchFamily="49" charset="0"/>
-              </a:rPr>
-              <a:t>let r2 = &amp;mut x;</a:t>
-            </a:r>
-          </a:p>
-          <a:p>
-            <a:r>
-              <a:rPr lang="en-US" dirty="0">
-                <a:latin typeface="Consolas" panose="020B0609020204030204" pitchFamily="49" charset="0"/>
-              </a:rPr>
-              <a:t>*r1 = *r2 + 1;</a:t>
-            </a:r>
-          </a:p>
-        </p:txBody>
-      </p:sp>
-      <p:sp>
-        <p:nvSpPr>
-          <p:cNvPr id="9" name="TextBox 8">
-            <a:extLst>
-              <a:ext uri="{FF2B5EF4-FFF2-40B4-BE49-F238E27FC236}">
-                <a16:creationId xmlns:a16="http://schemas.microsoft.com/office/drawing/2014/main" id="{0F1CBEB0-32E1-7644-A986-0D0286899707}"/>
-              </a:ext>
-            </a:extLst>
-          </p:cNvPr>
-          <p:cNvSpPr txBox="1"/>
-          <p:nvPr/>
-        </p:nvSpPr>
-        <p:spPr>
-          <a:xfrm>
-            <a:off x="3131884" y="3029493"/>
-            <a:ext cx="2164114" cy="1754326"/>
-          </a:xfrm>
-          <a:prstGeom prst="rect">
-            <a:avLst/>
-          </a:prstGeom>
-          <a:noFill/>
-        </p:spPr>
-        <p:txBody>
-          <a:bodyPr wrap="square" rtlCol="0">
-            <a:spAutoFit/>
-          </a:bodyPr>
-          <a:lstStyle/>
-          <a:p>
-            <a:r>
-              <a:rPr lang="en-US" dirty="0">
-                <a:latin typeface="Consolas" panose="020B0609020204030204" pitchFamily="49" charset="0"/>
-              </a:rPr>
-              <a:t>let mut x = 5;</a:t>
-            </a:r>
-          </a:p>
-          <a:p>
-            <a:r>
-              <a:rPr lang="en-US" dirty="0">
-                <a:latin typeface="Consolas" panose="020B0609020204030204" pitchFamily="49" charset="0"/>
-              </a:rPr>
-              <a:t>let </a:t>
-            </a:r>
-            <a:r>
-              <a:rPr lang="en-US" dirty="0" err="1">
-                <a:latin typeface="Consolas" panose="020B0609020204030204" pitchFamily="49" charset="0"/>
-              </a:rPr>
-              <a:t>imm</a:t>
-            </a:r>
-            <a:r>
-              <a:rPr lang="en-US" dirty="0">
-                <a:latin typeface="Consolas" panose="020B0609020204030204" pitchFamily="49" charset="0"/>
-              </a:rPr>
-              <a:t> = &amp;x;</a:t>
-            </a:r>
-          </a:p>
-          <a:p>
-            <a:r>
-              <a:rPr lang="en-US" dirty="0">
-                <a:latin typeface="Consolas" panose="020B0609020204030204" pitchFamily="49" charset="0"/>
-              </a:rPr>
-              <a:t>let r = &amp;mut x;</a:t>
-            </a:r>
-          </a:p>
-          <a:p>
-            <a:r>
-              <a:rPr lang="en-US" dirty="0">
-                <a:latin typeface="Consolas" panose="020B0609020204030204" pitchFamily="49" charset="0"/>
-              </a:rPr>
-              <a:t>let x1 = &amp;</a:t>
-            </a:r>
-            <a:r>
-              <a:rPr lang="en-US" dirty="0" err="1">
-                <a:latin typeface="Consolas" panose="020B0609020204030204" pitchFamily="49" charset="0"/>
-              </a:rPr>
-              <a:t>imm</a:t>
-            </a:r>
-            <a:r>
-              <a:rPr lang="en-US" dirty="0">
-                <a:latin typeface="Consolas" panose="020B0609020204030204" pitchFamily="49" charset="0"/>
-              </a:rPr>
-              <a:t>;</a:t>
-            </a:r>
-          </a:p>
-          <a:p>
-            <a:r>
-              <a:rPr lang="en-US" dirty="0">
-                <a:latin typeface="Consolas" panose="020B0609020204030204" pitchFamily="49" charset="0"/>
-              </a:rPr>
-              <a:t>r = x + 1;</a:t>
-            </a:r>
-          </a:p>
-          <a:p>
-            <a:r>
-              <a:rPr lang="en-US" dirty="0">
-                <a:latin typeface="Consolas" panose="020B0609020204030204" pitchFamily="49" charset="0"/>
-              </a:rPr>
-              <a:t>let x2 = *</a:t>
-            </a:r>
-            <a:r>
-              <a:rPr lang="en-US" dirty="0" err="1">
-                <a:latin typeface="Consolas" panose="020B0609020204030204" pitchFamily="49" charset="0"/>
-              </a:rPr>
-              <a:t>imm</a:t>
-            </a:r>
-            <a:r>
-              <a:rPr lang="en-US" dirty="0">
-                <a:latin typeface="Consolas" panose="020B0609020204030204" pitchFamily="49" charset="0"/>
-              </a:rPr>
-              <a:t>;</a:t>
-            </a:r>
-          </a:p>
-        </p:txBody>
-      </p:sp>
-      <p:sp>
-        <p:nvSpPr>
-          <p:cNvPr id="10" name="TextBox 9">
-            <a:extLst>
-              <a:ext uri="{FF2B5EF4-FFF2-40B4-BE49-F238E27FC236}">
-                <a16:creationId xmlns:a16="http://schemas.microsoft.com/office/drawing/2014/main" id="{15F2E18F-507F-45D9-9CCD-1BE87A97BA37}"/>
-              </a:ext>
-            </a:extLst>
-          </p:cNvPr>
-          <p:cNvSpPr txBox="1"/>
-          <p:nvPr/>
-        </p:nvSpPr>
-        <p:spPr>
-          <a:xfrm>
-            <a:off x="6068902" y="3540333"/>
-            <a:ext cx="1885754" cy="1200329"/>
-          </a:xfrm>
-          <a:prstGeom prst="rect">
-            <a:avLst/>
-          </a:prstGeom>
-          <a:noFill/>
-        </p:spPr>
-        <p:txBody>
-          <a:bodyPr wrap="square" rtlCol="0">
-            <a:spAutoFit/>
-          </a:bodyPr>
-          <a:lstStyle/>
-          <a:p>
-            <a:r>
-              <a:rPr lang="en-US" dirty="0">
-                <a:latin typeface="Consolas" panose="020B0609020204030204" pitchFamily="49" charset="0"/>
-              </a:rPr>
-              <a:t>let x = 5;</a:t>
-            </a:r>
-          </a:p>
-          <a:p>
-            <a:r>
-              <a:rPr lang="en-US" dirty="0">
-                <a:latin typeface="Consolas" panose="020B0609020204030204" pitchFamily="49" charset="0"/>
-              </a:rPr>
-              <a:t>let ir1 = &amp;x;</a:t>
-            </a:r>
-          </a:p>
-          <a:p>
-            <a:r>
-              <a:rPr lang="en-US" dirty="0">
-                <a:latin typeface="Consolas" panose="020B0609020204030204" pitchFamily="49" charset="0"/>
-              </a:rPr>
-              <a:t>let ir2 = &amp;x;</a:t>
-            </a:r>
-          </a:p>
-          <a:p>
-            <a:r>
-              <a:rPr lang="en-US" dirty="0">
-                <a:latin typeface="Consolas" panose="020B0609020204030204" pitchFamily="49" charset="0"/>
-              </a:rPr>
-              <a:t>f(ir1,ir2);</a:t>
-            </a:r>
-          </a:p>
-        </p:txBody>
-      </p:sp>
-      <p:sp>
-        <p:nvSpPr>
-          <p:cNvPr id="11" name="TextBox 10">
-            <a:extLst>
-              <a:ext uri="{FF2B5EF4-FFF2-40B4-BE49-F238E27FC236}">
-                <a16:creationId xmlns:a16="http://schemas.microsoft.com/office/drawing/2014/main" id="{D8FB04D1-7010-D246-30E5-63935B629304}"/>
-              </a:ext>
-            </a:extLst>
-          </p:cNvPr>
-          <p:cNvSpPr txBox="1"/>
-          <p:nvPr/>
-        </p:nvSpPr>
-        <p:spPr>
-          <a:xfrm>
-            <a:off x="7941807" y="3711897"/>
-            <a:ext cx="2283997" cy="923330"/>
-          </a:xfrm>
-          <a:prstGeom prst="rect">
-            <a:avLst/>
-          </a:prstGeom>
-          <a:noFill/>
-        </p:spPr>
-        <p:txBody>
-          <a:bodyPr wrap="square" rtlCol="0">
-            <a:spAutoFit/>
-          </a:bodyPr>
-          <a:lstStyle/>
-          <a:p>
-            <a:r>
-              <a:rPr lang="en-US" dirty="0">
-                <a:latin typeface="Consolas" panose="020B0609020204030204" pitchFamily="49" charset="0"/>
-              </a:rPr>
-              <a:t>let mut x = 5;</a:t>
-            </a:r>
-          </a:p>
-          <a:p>
-            <a:r>
-              <a:rPr lang="en-US" dirty="0">
-                <a:latin typeface="Consolas" panose="020B0609020204030204" pitchFamily="49" charset="0"/>
-              </a:rPr>
-              <a:t>let r1 = &amp;mut x;</a:t>
-            </a:r>
-          </a:p>
-          <a:p>
-            <a:r>
-              <a:rPr lang="en-US" dirty="0">
-                <a:latin typeface="Consolas" panose="020B0609020204030204" pitchFamily="49" charset="0"/>
-              </a:rPr>
-              <a:t>*r1 = *r1 + 2</a:t>
-            </a:r>
-          </a:p>
-        </p:txBody>
-      </p:sp>
-      <p:pic>
-        <p:nvPicPr>
-          <p:cNvPr id="13" name="Picture 12">
-            <a:extLst>
-              <a:ext uri="{FF2B5EF4-FFF2-40B4-BE49-F238E27FC236}">
-                <a16:creationId xmlns:a16="http://schemas.microsoft.com/office/drawing/2014/main" id="{12B79BD5-5EDD-308A-4D7A-BBB3A61DC47A}"/>
-              </a:ext>
-            </a:extLst>
-          </p:cNvPr>
-          <p:cNvPicPr>
-            <a:picLocks noChangeAspect="1"/>
-          </p:cNvPicPr>
-          <p:nvPr/>
-        </p:nvPicPr>
-        <p:blipFill>
-          <a:blip r:embed="rId3"/>
-          <a:stretch>
-            <a:fillRect/>
-          </a:stretch>
-        </p:blipFill>
-        <p:spPr>
-          <a:xfrm>
-            <a:off x="5574616" y="4740662"/>
-            <a:ext cx="747688" cy="620564"/>
-          </a:xfrm>
-          <a:prstGeom prst="rect">
-            <a:avLst/>
-          </a:prstGeom>
-        </p:spPr>
-      </p:pic>
-      <p:pic>
-        <p:nvPicPr>
-          <p:cNvPr id="16" name="Picture 15">
-            <a:extLst>
-              <a:ext uri="{FF2B5EF4-FFF2-40B4-BE49-F238E27FC236}">
-                <a16:creationId xmlns:a16="http://schemas.microsoft.com/office/drawing/2014/main" id="{871F519D-4CC0-F427-BE1A-1AD5AB57CB71}"/>
-              </a:ext>
-            </a:extLst>
-          </p:cNvPr>
-          <p:cNvPicPr>
-            <a:picLocks noChangeAspect="1"/>
-          </p:cNvPicPr>
-          <p:nvPr/>
-        </p:nvPicPr>
-        <p:blipFill>
-          <a:blip r:embed="rId3"/>
-          <a:stretch>
-            <a:fillRect/>
-          </a:stretch>
-        </p:blipFill>
-        <p:spPr>
-          <a:xfrm>
-            <a:off x="7764269" y="4715432"/>
-            <a:ext cx="747688" cy="620564"/>
-          </a:xfrm>
-          <a:prstGeom prst="rect">
-            <a:avLst/>
-          </a:prstGeom>
-        </p:spPr>
-      </p:pic>
-      <p:pic>
-        <p:nvPicPr>
-          <p:cNvPr id="18" name="Picture 17">
-            <a:extLst>
-              <a:ext uri="{FF2B5EF4-FFF2-40B4-BE49-F238E27FC236}">
-                <a16:creationId xmlns:a16="http://schemas.microsoft.com/office/drawing/2014/main" id="{2E65903B-06F9-C786-8675-942EACC4F552}"/>
-              </a:ext>
-            </a:extLst>
-          </p:cNvPr>
-          <p:cNvPicPr>
-            <a:picLocks noChangeAspect="1"/>
-          </p:cNvPicPr>
-          <p:nvPr/>
-        </p:nvPicPr>
-        <p:blipFill>
-          <a:blip r:embed="rId4"/>
-          <a:stretch>
-            <a:fillRect/>
-          </a:stretch>
-        </p:blipFill>
-        <p:spPr>
-          <a:xfrm>
-            <a:off x="179263" y="4838006"/>
-            <a:ext cx="585370" cy="529140"/>
-          </a:xfrm>
-          <a:prstGeom prst="rect">
-            <a:avLst/>
-          </a:prstGeom>
-        </p:spPr>
-      </p:pic>
-      <p:pic>
-        <p:nvPicPr>
-          <p:cNvPr id="19" name="Picture 18">
-            <a:extLst>
-              <a:ext uri="{FF2B5EF4-FFF2-40B4-BE49-F238E27FC236}">
-                <a16:creationId xmlns:a16="http://schemas.microsoft.com/office/drawing/2014/main" id="{B0A4F256-063C-5DE7-8F21-1B4DF94260F5}"/>
-              </a:ext>
-            </a:extLst>
-          </p:cNvPr>
-          <p:cNvPicPr>
-            <a:picLocks noChangeAspect="1"/>
-          </p:cNvPicPr>
-          <p:nvPr/>
-        </p:nvPicPr>
-        <p:blipFill>
-          <a:blip r:embed="rId4"/>
-          <a:stretch>
-            <a:fillRect/>
-          </a:stretch>
-        </p:blipFill>
-        <p:spPr>
-          <a:xfrm>
-            <a:off x="2799593" y="4806856"/>
-            <a:ext cx="585370" cy="529140"/>
-          </a:xfrm>
-          <a:prstGeom prst="rect">
-            <a:avLst/>
-          </a:prstGeom>
-        </p:spPr>
-      </p:pic>
-      <p:sp>
-        <p:nvSpPr>
-          <p:cNvPr id="20" name="TextBox 19">
-            <a:extLst>
-              <a:ext uri="{FF2B5EF4-FFF2-40B4-BE49-F238E27FC236}">
-                <a16:creationId xmlns:a16="http://schemas.microsoft.com/office/drawing/2014/main" id="{24FC2EF8-204B-C751-3249-AB79FA8631A0}"/>
-              </a:ext>
-            </a:extLst>
-          </p:cNvPr>
-          <p:cNvSpPr txBox="1"/>
-          <p:nvPr/>
-        </p:nvSpPr>
-        <p:spPr>
-          <a:xfrm>
-            <a:off x="752628" y="4843926"/>
-            <a:ext cx="1399807" cy="523220"/>
-          </a:xfrm>
-          <a:prstGeom prst="rect">
-            <a:avLst/>
-          </a:prstGeom>
-          <a:noFill/>
-        </p:spPr>
-        <p:txBody>
-          <a:bodyPr wrap="none" rtlCol="0">
-            <a:spAutoFit/>
-          </a:bodyPr>
-          <a:lstStyle/>
-          <a:p>
-            <a:r>
-              <a:rPr lang="en-US" sz="2800" dirty="0"/>
-              <a:t>2 Writes</a:t>
-            </a:r>
-          </a:p>
-        </p:txBody>
-      </p:sp>
-      <p:sp>
-        <p:nvSpPr>
-          <p:cNvPr id="21" name="TextBox 20">
-            <a:extLst>
-              <a:ext uri="{FF2B5EF4-FFF2-40B4-BE49-F238E27FC236}">
-                <a16:creationId xmlns:a16="http://schemas.microsoft.com/office/drawing/2014/main" id="{9B2BD837-D505-05A7-7EEA-55A9345EA7A7}"/>
-              </a:ext>
-            </a:extLst>
-          </p:cNvPr>
-          <p:cNvSpPr txBox="1"/>
-          <p:nvPr/>
-        </p:nvSpPr>
-        <p:spPr>
-          <a:xfrm>
-            <a:off x="3394324" y="4838006"/>
-            <a:ext cx="1901674" cy="523220"/>
-          </a:xfrm>
-          <a:prstGeom prst="rect">
-            <a:avLst/>
-          </a:prstGeom>
-          <a:noFill/>
-        </p:spPr>
-        <p:txBody>
-          <a:bodyPr wrap="none" rtlCol="0">
-            <a:spAutoFit/>
-          </a:bodyPr>
-          <a:lstStyle/>
-          <a:p>
-            <a:r>
-              <a:rPr lang="en-US" sz="2800" dirty="0" err="1"/>
-              <a:t>Write+Read</a:t>
-            </a:r>
-            <a:endParaRPr lang="en-US" sz="2800" dirty="0"/>
-          </a:p>
-        </p:txBody>
-      </p:sp>
-      <p:sp>
-        <p:nvSpPr>
-          <p:cNvPr id="22" name="TextBox 21">
-            <a:extLst>
-              <a:ext uri="{FF2B5EF4-FFF2-40B4-BE49-F238E27FC236}">
-                <a16:creationId xmlns:a16="http://schemas.microsoft.com/office/drawing/2014/main" id="{3D9645F7-73E9-6777-F8A1-5DF89AD27B0F}"/>
-              </a:ext>
-            </a:extLst>
-          </p:cNvPr>
-          <p:cNvSpPr txBox="1"/>
-          <p:nvPr/>
-        </p:nvSpPr>
-        <p:spPr>
-          <a:xfrm>
-            <a:off x="6073166" y="4838006"/>
-            <a:ext cx="1817998" cy="523220"/>
-          </a:xfrm>
-          <a:prstGeom prst="rect">
-            <a:avLst/>
-          </a:prstGeom>
-          <a:noFill/>
-        </p:spPr>
-        <p:txBody>
-          <a:bodyPr wrap="none" rtlCol="0">
-            <a:spAutoFit/>
-          </a:bodyPr>
-          <a:lstStyle/>
-          <a:p>
-            <a:r>
-              <a:rPr lang="en-US" sz="2800" dirty="0"/>
-              <a:t>Read Many</a:t>
-            </a:r>
-          </a:p>
-        </p:txBody>
-      </p:sp>
-      <p:sp>
-        <p:nvSpPr>
-          <p:cNvPr id="23" name="TextBox 22">
-            <a:extLst>
-              <a:ext uri="{FF2B5EF4-FFF2-40B4-BE49-F238E27FC236}">
-                <a16:creationId xmlns:a16="http://schemas.microsoft.com/office/drawing/2014/main" id="{D2BE884E-51D3-443F-1F1C-CE97DFC50E2A}"/>
-              </a:ext>
-            </a:extLst>
-          </p:cNvPr>
-          <p:cNvSpPr txBox="1"/>
-          <p:nvPr/>
-        </p:nvSpPr>
-        <p:spPr>
-          <a:xfrm>
-            <a:off x="8259557" y="4844975"/>
-            <a:ext cx="1832618" cy="523220"/>
-          </a:xfrm>
-          <a:prstGeom prst="rect">
-            <a:avLst/>
-          </a:prstGeom>
-          <a:noFill/>
-        </p:spPr>
-        <p:txBody>
-          <a:bodyPr wrap="none" rtlCol="0">
-            <a:spAutoFit/>
-          </a:bodyPr>
-          <a:lstStyle/>
-          <a:p>
-            <a:r>
-              <a:rPr lang="en-US" sz="2800" dirty="0"/>
-              <a:t>Write Once</a:t>
-            </a:r>
-          </a:p>
-        </p:txBody>
-      </p:sp>
-    </p:spTree>
-    <p:extLst>
-      <p:ext uri="{BB962C8B-B14F-4D97-AF65-F5344CB8AC3E}">
-        <p14:creationId xmlns:p14="http://schemas.microsoft.com/office/powerpoint/2010/main" val="2611251127"/>
-      </p:ext>
-    </p:extLst>
-  </p:cSld>
-  <p:clrMapOvr>
-    <a:masterClrMapping/>
-  </p:clrMapOvr>
-</p:sld>
-</file>
-
-<file path=ppt/slides/slide44.xml><?xml version="1.0" encoding="utf-8"?>
-<p:sld xmlns:a="http://schemas.openxmlformats.org/drawingml/2006/main" xmlns:r="http://schemas.openxmlformats.org/officeDocument/2006/relationships" xmlns:p="http://schemas.openxmlformats.org/presentationml/2006/main">
-  <p:cSld>
-    <p:spTree>
-      <p:nvGrpSpPr>
-        <p:cNvPr id="1" name=""/>
-        <p:cNvGrpSpPr/>
-        <p:nvPr/>
-      </p:nvGrpSpPr>
-      <p:grpSpPr>
-        <a:xfrm>
-          <a:off x="0" y="0"/>
-          <a:ext cx="0" cy="0"/>
-          <a:chOff x="0" y="0"/>
-          <a:chExt cx="0" cy="0"/>
-        </a:xfrm>
-      </p:grpSpPr>
-      <p:sp>
-        <p:nvSpPr>
-          <p:cNvPr id="2" name="Title 1">
-            <a:extLst>
-              <a:ext uri="{FF2B5EF4-FFF2-40B4-BE49-F238E27FC236}">
-                <a16:creationId xmlns:a16="http://schemas.microsoft.com/office/drawing/2014/main" id="{011E52C3-3A59-3505-CE12-E62765BF6AE3}"/>
-              </a:ext>
-            </a:extLst>
-          </p:cNvPr>
-          <p:cNvSpPr>
-            <a:spLocks noGrp="1"/>
-          </p:cNvSpPr>
-          <p:nvPr>
-            <p:ph type="title"/>
-          </p:nvPr>
-        </p:nvSpPr>
-        <p:spPr/>
-        <p:txBody>
-          <a:bodyPr/>
-          <a:lstStyle/>
-          <a:p>
-            <a:r>
-              <a:rPr lang="en-US" dirty="0"/>
-              <a:t>Match: Redundancy Checking</a:t>
-            </a:r>
-          </a:p>
-        </p:txBody>
-      </p:sp>
-      <p:sp>
-        <p:nvSpPr>
-          <p:cNvPr id="3" name="Content Placeholder 2">
-            <a:extLst>
-              <a:ext uri="{FF2B5EF4-FFF2-40B4-BE49-F238E27FC236}">
-                <a16:creationId xmlns:a16="http://schemas.microsoft.com/office/drawing/2014/main" id="{6CF0DBE1-5401-D48B-EE21-575399F28A79}"/>
-              </a:ext>
-            </a:extLst>
-          </p:cNvPr>
-          <p:cNvSpPr>
-            <a:spLocks noGrp="1"/>
-          </p:cNvSpPr>
-          <p:nvPr>
-            <p:ph idx="1"/>
-          </p:nvPr>
-        </p:nvSpPr>
-        <p:spPr/>
-        <p:txBody>
-          <a:bodyPr>
-            <a:normAutofit lnSpcReduction="10000"/>
-          </a:bodyPr>
-          <a:lstStyle/>
-          <a:p>
-            <a:r>
-              <a:rPr lang="en-US" dirty="0"/>
-              <a:t>The match expression checks redundancy and exhaustiveness</a:t>
-            </a:r>
-          </a:p>
-          <a:p>
-            <a:r>
-              <a:rPr lang="en-US" dirty="0"/>
-              <a:t>Consider the expression:</a:t>
-            </a:r>
-          </a:p>
-          <a:p>
-            <a:r>
-              <a:rPr lang="en-US" dirty="0"/>
-              <a:t>match e0 {</a:t>
-            </a:r>
-            <a:br>
-              <a:rPr lang="en-US" dirty="0"/>
-            </a:br>
-            <a:r>
-              <a:rPr lang="en-US" dirty="0"/>
-              <a:t>  pat1 =&gt; e1,</a:t>
-            </a:r>
-            <a:br>
-              <a:rPr lang="en-US" dirty="0"/>
-            </a:br>
-            <a:r>
-              <a:rPr lang="en-US" dirty="0"/>
-              <a:t>  …</a:t>
-            </a:r>
-            <a:br>
-              <a:rPr lang="en-US" dirty="0"/>
-            </a:br>
-            <a:r>
-              <a:rPr lang="en-US" dirty="0"/>
-              <a:t>  </a:t>
-            </a:r>
-            <a:r>
-              <a:rPr lang="en-US" dirty="0" err="1"/>
-              <a:t>patN</a:t>
-            </a:r>
-            <a:r>
-              <a:rPr lang="en-US" dirty="0"/>
-              <a:t> =&gt; </a:t>
-            </a:r>
-            <a:r>
-              <a:rPr lang="en-US" dirty="0" err="1"/>
-              <a:t>eN</a:t>
-            </a:r>
-            <a:r>
-              <a:rPr lang="en-US" dirty="0"/>
-              <a:t>,</a:t>
-            </a:r>
-            <a:br>
-              <a:rPr lang="en-US" dirty="0"/>
-            </a:br>
-            <a:r>
-              <a:rPr lang="en-US" dirty="0"/>
-              <a:t>}</a:t>
-            </a:r>
-          </a:p>
-          <a:p>
-            <a:r>
-              <a:rPr lang="en-US" b="1" dirty="0"/>
-              <a:t>Definition:</a:t>
-            </a:r>
-            <a:r>
-              <a:rPr lang="en-US" dirty="0"/>
-              <a:t> Pattern </a:t>
-            </a:r>
-            <a:r>
-              <a:rPr lang="en-US" dirty="0" err="1"/>
-              <a:t>patI</a:t>
-            </a:r>
-            <a:r>
-              <a:rPr lang="en-US" dirty="0"/>
-              <a:t> is </a:t>
-            </a:r>
-            <a:r>
-              <a:rPr lang="en-US" i="1" dirty="0"/>
-              <a:t>redundant</a:t>
-            </a:r>
-            <a:r>
-              <a:rPr lang="en-US" dirty="0"/>
-              <a:t> if for every value v that matches pattern </a:t>
-            </a:r>
-            <a:r>
-              <a:rPr lang="en-US" dirty="0" err="1"/>
-              <a:t>patI</a:t>
-            </a:r>
-            <a:r>
-              <a:rPr lang="en-US" dirty="0"/>
-              <a:t>, there exists a prior pattern </a:t>
-            </a:r>
-            <a:r>
-              <a:rPr lang="en-US" dirty="0" err="1"/>
-              <a:t>patJ</a:t>
-            </a:r>
-            <a:r>
-              <a:rPr lang="en-US" dirty="0"/>
-              <a:t> for J &lt; I that matches v</a:t>
-            </a:r>
-            <a:endParaRPr lang="en-US" b="1" dirty="0"/>
-          </a:p>
-        </p:txBody>
-      </p:sp>
-    </p:spTree>
-    <p:extLst>
-      <p:ext uri="{BB962C8B-B14F-4D97-AF65-F5344CB8AC3E}">
-        <p14:creationId xmlns:p14="http://schemas.microsoft.com/office/powerpoint/2010/main" val="2813789328"/>
-      </p:ext>
-    </p:extLst>
-  </p:cSld>
-  <p:clrMapOvr>
-    <a:masterClrMapping/>
-  </p:clrMapOvr>
-</p:sld>
-</file>
-
 <file path=ppt/slides/slide45.xml><?xml version="1.0" encoding="utf-8"?>
 <p:sld xmlns:a="http://schemas.openxmlformats.org/drawingml/2006/main" xmlns:r="http://schemas.openxmlformats.org/officeDocument/2006/relationships" xmlns:p="http://schemas.openxmlformats.org/presentationml/2006/main">
   <p:cSld>
@@ -11667,7 +11140,7 @@
           <p:cNvPr id="2" name="Title 1">
             <a:extLst>
               <a:ext uri="{FF2B5EF4-FFF2-40B4-BE49-F238E27FC236}">
-                <a16:creationId xmlns:a16="http://schemas.microsoft.com/office/drawing/2014/main" id="{011E52C3-3A59-3505-CE12-E62765BF6AE3}"/>
+                <a16:creationId xmlns:a16="http://schemas.microsoft.com/office/drawing/2014/main" id="{A000E8E4-E8FF-BB77-9EC3-039CB10B31EE}"/>
               </a:ext>
             </a:extLst>
           </p:cNvPr>
@@ -11685,7 +11158,7 @@
           <a:p>
             <a:r>
               <a:rPr lang="en-US" dirty="0"/>
-              <a:t>Match: Exhaustiveness Checking</a:t>
+              <a:t>Compound Types: Tuples</a:t>
             </a:r>
           </a:p>
         </p:txBody>
@@ -11695,7 +11168,7 @@
           <p:cNvPr id="3" name="Content Placeholder 2">
             <a:extLst>
               <a:ext uri="{FF2B5EF4-FFF2-40B4-BE49-F238E27FC236}">
-                <a16:creationId xmlns:a16="http://schemas.microsoft.com/office/drawing/2014/main" id="{6CF0DBE1-5401-D48B-EE21-575399F28A79}"/>
+                <a16:creationId xmlns:a16="http://schemas.microsoft.com/office/drawing/2014/main" id="{225A148C-93F0-AB68-CECE-04E5CDE79EC5}"/>
               </a:ext>
             </a:extLst>
           </p:cNvPr>
@@ -11708,49 +11181,18 @@
         </p:nvSpPr>
         <p:spPr/>
         <p:txBody>
-          <a:bodyPr>
-            <a:normAutofit/>
-          </a:bodyPr>
-          <a:lstStyle/>
-          <a:p>
-            <a:r>
-              <a:rPr lang="en-US" dirty="0"/>
-              <a:t>Consider the expression:</a:t>
-            </a:r>
-          </a:p>
-          <a:p>
-            <a:r>
-              <a:rPr lang="en-US" dirty="0"/>
-              <a:t>match e0 {</a:t>
-            </a:r>
-            <a:br>
-              <a:rPr lang="en-US" dirty="0"/>
-            </a:br>
-            <a:r>
-              <a:rPr lang="en-US" dirty="0"/>
-              <a:t>  pat1 =&gt; e1,</a:t>
-            </a:r>
-            <a:br>
-              <a:rPr lang="en-US" dirty="0"/>
-            </a:br>
-            <a:r>
-              <a:rPr lang="en-US" dirty="0"/>
-              <a:t>  …</a:t>
-            </a:r>
-            <a:br>
-              <a:rPr lang="en-US" dirty="0"/>
-            </a:br>
-            <a:r>
-              <a:rPr lang="en-US" dirty="0"/>
-              <a:t>  </a:t>
-            </a:r>
-            <a:r>
-              <a:rPr lang="en-US" dirty="0" err="1"/>
-              <a:t>patN</a:t>
-            </a:r>
-            <a:r>
-              <a:rPr lang="en-US" dirty="0"/>
-              <a:t> =&gt; </a:t>
+          <a:bodyPr/>
+          <a:lstStyle/>
+          <a:p>
+            <a:r>
+              <a:rPr lang="en-US" dirty="0"/>
+              <a:t>Tuple types use the same syntax as tuple expressions</a:t>
+            </a:r>
+          </a:p>
+          <a:p>
+            <a:r>
+              <a:rPr lang="en-US" dirty="0"/>
+              <a:t>Tuple expression (e1, …, </a:t>
             </a:r>
             <a:r>
               <a:rPr lang="en-US" dirty="0" err="1"/>
@@ -11758,80 +11200,36 @@
             </a:r>
             <a:r>
               <a:rPr lang="en-US" dirty="0"/>
-              <a:t>,</a:t>
-            </a:r>
-            <a:br>
-              <a:rPr lang="en-US" dirty="0"/>
-            </a:br>
-            <a:r>
-              <a:rPr lang="en-US" dirty="0"/>
-              <a:t>}</a:t>
-            </a:r>
-          </a:p>
-          <a:p>
-            <a:r>
-              <a:rPr lang="en-US" b="1" dirty="0"/>
-              <a:t>Definition:</a:t>
-            </a:r>
-            <a:r>
-              <a:rPr lang="en-US" dirty="0"/>
-              <a:t> Pattern </a:t>
+              <a:t>) has type (t1, …, </a:t>
             </a:r>
             <a:r>
               <a:rPr lang="en-US" dirty="0" err="1"/>
-              <a:t>patI</a:t>
-            </a:r>
-            <a:r>
-              <a:rPr lang="en-US" dirty="0"/>
-              <a:t> is </a:t>
-            </a:r>
-            <a:r>
-              <a:rPr lang="en-US" i="1" dirty="0"/>
-              <a:t>exhaustive</a:t>
-            </a:r>
-            <a:r>
-              <a:rPr lang="en-US" dirty="0"/>
-              <a:t> if for every well-typed value </a:t>
-            </a:r>
-            <a:r>
-              <a:rPr lang="en-US" i="1" dirty="0"/>
-              <a:t>v0</a:t>
-            </a:r>
-            <a:r>
-              <a:rPr lang="en-US" dirty="0"/>
-              <a:t> of e0’s type, there exists pattern </a:t>
+              <a:t>tN</a:t>
+            </a:r>
+            <a:r>
+              <a:rPr lang="en-US" dirty="0"/>
+              <a:t>) if each </a:t>
             </a:r>
             <a:r>
               <a:rPr lang="en-US" dirty="0" err="1"/>
-              <a:t>patI</a:t>
-            </a:r>
-            <a:r>
-              <a:rPr lang="en-US" dirty="0"/>
-              <a:t> that matches v0</a:t>
-            </a:r>
-            <a:br>
-              <a:rPr lang="en-US" dirty="0"/>
-            </a:br>
-            <a:r>
-              <a:rPr lang="en-US" dirty="0"/>
-              <a:t>Rust warns the programmer if the patterns are </a:t>
-            </a:r>
-            <a:r>
-              <a:rPr lang="en-US" i="1" dirty="0"/>
-              <a:t>not</a:t>
-            </a:r>
-            <a:r>
-              <a:rPr lang="en-US" dirty="0"/>
-              <a:t> exhaustive.</a:t>
-            </a:r>
-            <a:endParaRPr lang="en-US" b="1" dirty="0"/>
+              <a:t>eI</a:t>
+            </a:r>
+            <a:r>
+              <a:rPr lang="en-US" dirty="0"/>
+              <a:t> has type </a:t>
+            </a:r>
+            <a:r>
+              <a:rPr lang="en-US" dirty="0" err="1"/>
+              <a:t>tI</a:t>
+            </a:r>
+            <a:endParaRPr lang="en-US" dirty="0"/>
           </a:p>
         </p:txBody>
       </p:sp>
     </p:spTree>
     <p:extLst>
       <p:ext uri="{BB962C8B-B14F-4D97-AF65-F5344CB8AC3E}">
-        <p14:creationId xmlns:p14="http://schemas.microsoft.com/office/powerpoint/2010/main" val="3023124263"/>
+        <p14:creationId xmlns:p14="http://schemas.microsoft.com/office/powerpoint/2010/main" val="1393741523"/>
       </p:ext>
     </p:extLst>
   </p:cSld>
@@ -11863,7 +11261,7 @@
           <p:cNvPr id="2" name="Title 1">
             <a:extLst>
               <a:ext uri="{FF2B5EF4-FFF2-40B4-BE49-F238E27FC236}">
-                <a16:creationId xmlns:a16="http://schemas.microsoft.com/office/drawing/2014/main" id="{7AE18351-4975-A4E0-80B7-AB98A92D38BF}"/>
+                <a16:creationId xmlns:a16="http://schemas.microsoft.com/office/drawing/2014/main" id="{011E52C3-3A59-3505-CE12-E62765BF6AE3}"/>
               </a:ext>
             </a:extLst>
           </p:cNvPr>
@@ -11881,7 +11279,7 @@
           <a:p>
             <a:r>
               <a:rPr lang="en-US" dirty="0"/>
-              <a:t>Section: Complete Programs</a:t>
+              <a:t>Compound Types: Arrays + Slices</a:t>
             </a:r>
           </a:p>
         </p:txBody>
@@ -11891,7 +11289,7 @@
           <p:cNvPr id="3" name="Content Placeholder 2">
             <a:extLst>
               <a:ext uri="{FF2B5EF4-FFF2-40B4-BE49-F238E27FC236}">
-                <a16:creationId xmlns:a16="http://schemas.microsoft.com/office/drawing/2014/main" id="{7C2D2D98-362E-C158-FF52-3BB272E4E5C8}"/>
+                <a16:creationId xmlns:a16="http://schemas.microsoft.com/office/drawing/2014/main" id="{6CF0DBE1-5401-D48B-EE21-575399F28A79}"/>
               </a:ext>
             </a:extLst>
           </p:cNvPr>
@@ -11904,17 +11302,123 @@
         </p:nvSpPr>
         <p:spPr/>
         <p:txBody>
-          <a:bodyPr/>
-          <a:lstStyle/>
-          <a:p>
-            <a:endParaRPr lang="en-US"/>
+          <a:bodyPr>
+            <a:normAutofit lnSpcReduction="10000"/>
+          </a:bodyPr>
+          <a:lstStyle/>
+          <a:p>
+            <a:r>
+              <a:rPr lang="en-US" dirty="0"/>
+              <a:t>Affine typing challenge: How do you ensure each array element has one user at a time? Different elements could have different users</a:t>
+            </a:r>
+          </a:p>
+          <a:p>
+            <a:r>
+              <a:rPr lang="en-US" dirty="0"/>
+              <a:t>Typing challenge: What is an array anyway?</a:t>
+            </a:r>
+          </a:p>
+          <a:p>
+            <a:r>
+              <a:rPr lang="en-US" dirty="0"/>
+              <a:t>Many different array types. We often use:</a:t>
+            </a:r>
+          </a:p>
+          <a:p>
+            <a:pPr lvl="1"/>
+            <a:r>
+              <a:rPr lang="en-US" dirty="0" err="1">
+                <a:latin typeface="Consolas" panose="020B0609020204030204" pitchFamily="49" charset="0"/>
+              </a:rPr>
+              <a:t>Vec</a:t>
+            </a:r>
+            <a:r>
+              <a:rPr lang="en-US" dirty="0">
+                <a:latin typeface="Consolas" panose="020B0609020204030204" pitchFamily="49" charset="0"/>
+              </a:rPr>
+              <a:t>&lt;t&gt;</a:t>
+            </a:r>
+            <a:r>
+              <a:rPr lang="en-US" dirty="0"/>
+              <a:t> a dynamic-length array of elements of type t</a:t>
+            </a:r>
+          </a:p>
+          <a:p>
+            <a:pPr lvl="1"/>
+            <a:r>
+              <a:rPr lang="en-US" dirty="0">
+                <a:latin typeface="Consolas" panose="020B0609020204030204" pitchFamily="49" charset="0"/>
+              </a:rPr>
+              <a:t>&amp;[t]</a:t>
+            </a:r>
+            <a:r>
+              <a:rPr lang="en-US" dirty="0"/>
+              <a:t> a </a:t>
+            </a:r>
+            <a:r>
+              <a:rPr lang="en-US" b="1" i="1" dirty="0"/>
+              <a:t>slice</a:t>
+            </a:r>
+            <a:r>
+              <a:rPr lang="en-US" dirty="0"/>
+              <a:t> of elements of type t</a:t>
+            </a:r>
+            <a:endParaRPr lang="en-US" i="1" dirty="0"/>
+          </a:p>
+          <a:p>
+            <a:pPr lvl="2"/>
+            <a:r>
+              <a:rPr lang="en-US" dirty="0"/>
+              <a:t>A slice is less powerful than an array. It just lets us access elements</a:t>
+            </a:r>
+          </a:p>
+          <a:p>
+            <a:pPr lvl="2"/>
+            <a:r>
+              <a:rPr lang="en-US" dirty="0"/>
+              <a:t>Idea: An array can be divided into multiple slices with separate users</a:t>
+            </a:r>
+          </a:p>
+          <a:p>
+            <a:r>
+              <a:rPr lang="en-US" dirty="0"/>
+              <a:t>We don’t really use: </a:t>
+            </a:r>
+            <a:r>
+              <a:rPr lang="en-US" dirty="0">
+                <a:latin typeface="Consolas" panose="020B0609020204030204" pitchFamily="49" charset="0"/>
+              </a:rPr>
+              <a:t>[</a:t>
+            </a:r>
+            <a:r>
+              <a:rPr lang="en-US" dirty="0" err="1">
+                <a:latin typeface="Consolas" panose="020B0609020204030204" pitchFamily="49" charset="0"/>
+              </a:rPr>
+              <a:t>t;N</a:t>
+            </a:r>
+            <a:r>
+              <a:rPr lang="en-US" dirty="0">
+                <a:latin typeface="Consolas" panose="020B0609020204030204" pitchFamily="49" charset="0"/>
+              </a:rPr>
+              <a:t>]</a:t>
+            </a:r>
+            <a:r>
+              <a:rPr lang="en-US" dirty="0"/>
+              <a:t> fixed-length array of N elements</a:t>
+            </a:r>
+          </a:p>
+          <a:p>
+            <a:endParaRPr lang="en-US" dirty="0"/>
+          </a:p>
+          <a:p>
+            <a:endParaRPr lang="en-US" dirty="0"/>
           </a:p>
         </p:txBody>
       </p:sp>
     </p:spTree>
     <p:extLst>
       <p:ext uri="{BB962C8B-B14F-4D97-AF65-F5344CB8AC3E}">
-        <p14:creationId xmlns:p14="http://schemas.microsoft.com/office/powerpoint/2010/main" val="3551181496"/>
+        <p14:creationId xmlns:p14="http://schemas.microsoft.com/office/powerpoint/2010/main" val="922336173"/>
       </p:ext>
     </p:extLst>
   </p:cSld>
@@ -11946,7 +11450,7 @@
           <p:cNvPr id="2" name="Title 1">
             <a:extLst>
               <a:ext uri="{FF2B5EF4-FFF2-40B4-BE49-F238E27FC236}">
-                <a16:creationId xmlns:a16="http://schemas.microsoft.com/office/drawing/2014/main" id="{7AE18351-4975-A4E0-80B7-AB98A92D38BF}"/>
+                <a16:creationId xmlns:a16="http://schemas.microsoft.com/office/drawing/2014/main" id="{928D2BAE-76D9-C9BD-0B2F-9CDFA1B94CFE}"/>
               </a:ext>
             </a:extLst>
           </p:cNvPr>
@@ -11964,7 +11468,7 @@
           <a:p>
             <a:r>
               <a:rPr lang="en-US" dirty="0"/>
-              <a:t>Using Libraries</a:t>
+              <a:t>Reference Types &amp; Borrowing</a:t>
             </a:r>
           </a:p>
         </p:txBody>
@@ -11974,7 +11478,7 @@
           <p:cNvPr id="3" name="Content Placeholder 2">
             <a:extLst>
               <a:ext uri="{FF2B5EF4-FFF2-40B4-BE49-F238E27FC236}">
-                <a16:creationId xmlns:a16="http://schemas.microsoft.com/office/drawing/2014/main" id="{7C2D2D98-362E-C158-FF52-3BB272E4E5C8}"/>
+                <a16:creationId xmlns:a16="http://schemas.microsoft.com/office/drawing/2014/main" id="{47F6390D-1108-C895-3FCF-35D34744850A}"/>
               </a:ext>
             </a:extLst>
           </p:cNvPr>
@@ -11992,96 +11496,51 @@
           <a:p>
             <a:r>
               <a:rPr lang="en-US" dirty="0"/>
-              <a:t>Libraries are organized into modules. For our purposes, modules will correspond to files of code. Module names can have multiple parts separated by double colons ::</a:t>
-            </a:r>
-          </a:p>
-          <a:p>
-            <a:r>
-              <a:rPr lang="en-US" dirty="0"/>
-              <a:t>The use keyword allows you to call functions from a given module</a:t>
-            </a:r>
-          </a:p>
-          <a:p>
-            <a:r>
-              <a:rPr lang="en-US" dirty="0">
-                <a:latin typeface="Consolas" panose="020B0609020204030204" pitchFamily="49" charset="0"/>
-              </a:rPr>
-              <a:t>use </a:t>
-            </a:r>
-            <a:r>
-              <a:rPr lang="en-US" dirty="0" err="1">
-                <a:latin typeface="Consolas" panose="020B0609020204030204" pitchFamily="49" charset="0"/>
-              </a:rPr>
-              <a:t>stdhash</a:t>
-            </a:r>
-            <a:r>
-              <a:rPr lang="en-US" dirty="0">
-                <a:latin typeface="Consolas" panose="020B0609020204030204" pitchFamily="49" charset="0"/>
-              </a:rPr>
-              <a:t>::Hash;</a:t>
-            </a:r>
-            <a:br>
-              <a:rPr lang="en-US" dirty="0"/>
-            </a:br>
-            <a:r>
-              <a:rPr lang="en-US" dirty="0">
-                <a:latin typeface="Consolas" panose="020B0609020204030204" pitchFamily="49" charset="0"/>
-              </a:rPr>
-              <a:t>use </a:t>
-            </a:r>
-            <a:r>
-              <a:rPr lang="en-US" dirty="0" err="1">
-                <a:latin typeface="Consolas" panose="020B0609020204030204" pitchFamily="49" charset="0"/>
-              </a:rPr>
-              <a:t>rpds</a:t>
-            </a:r>
-            <a:r>
-              <a:rPr lang="en-US" dirty="0">
-                <a:latin typeface="Consolas" panose="020B0609020204030204" pitchFamily="49" charset="0"/>
-              </a:rPr>
-              <a:t>::</a:t>
-            </a:r>
-            <a:r>
-              <a:rPr lang="en-US" dirty="0" err="1">
-                <a:latin typeface="Consolas" panose="020B0609020204030204" pitchFamily="49" charset="0"/>
-              </a:rPr>
-              <a:t>HashTrieMap</a:t>
-            </a:r>
-            <a:r>
-              <a:rPr lang="en-US" dirty="0">
-                <a:latin typeface="Consolas" panose="020B0609020204030204" pitchFamily="49" charset="0"/>
-              </a:rPr>
-              <a:t>;</a:t>
-            </a:r>
-          </a:p>
-          <a:p>
-            <a:r>
-              <a:rPr lang="en-US" dirty="0"/>
-              <a:t>for example, lets your program use Hash from the </a:t>
-            </a:r>
-            <a:r>
-              <a:rPr lang="en-US" dirty="0" err="1"/>
-              <a:t>stdhash</a:t>
-            </a:r>
-            <a:r>
-              <a:rPr lang="en-US" dirty="0"/>
-              <a:t> module and </a:t>
-            </a:r>
-            <a:r>
-              <a:rPr lang="en-US" dirty="0" err="1"/>
-              <a:t>HashTrieMap</a:t>
-            </a:r>
-            <a:r>
-              <a:rPr lang="en-US" dirty="0"/>
-              <a:t> from the non-standard </a:t>
-            </a:r>
-            <a:r>
-              <a:rPr lang="en-US" dirty="0" err="1"/>
-              <a:t>rpds</a:t>
-            </a:r>
-            <a:r>
-              <a:rPr lang="en-US" dirty="0"/>
-              <a:t> module.</a:t>
+              <a:t>Affine types seem much too strict: “Can only use variable once”</a:t>
+            </a:r>
+          </a:p>
+          <a:p>
+            <a:pPr marL="0" indent="0">
+              <a:buNone/>
+            </a:pPr>
+            <a:r>
+              <a:rPr lang="en-US" dirty="0"/>
+              <a:t>What Rust actually does:</a:t>
+            </a:r>
+          </a:p>
+          <a:p>
+            <a:pPr lvl="1"/>
+            <a:r>
+              <a:rPr lang="en-US" dirty="0"/>
+              <a:t>Depends on the type – some types support automatic copying</a:t>
+            </a:r>
+          </a:p>
+          <a:p>
+            <a:pPr lvl="1"/>
+            <a:r>
+              <a:rPr lang="en-US" dirty="0"/>
+              <a:t>References allow reusing variables</a:t>
+            </a:r>
+          </a:p>
+          <a:p>
+            <a:pPr lvl="1"/>
+            <a:r>
+              <a:rPr lang="en-US" dirty="0"/>
+              <a:t>As long as the borrowing rules are followed</a:t>
+            </a:r>
+          </a:p>
+          <a:p>
+            <a:pPr lvl="1"/>
+            <a:r>
+              <a:rPr lang="en-US" dirty="0"/>
+              <a:t>The borrow-checker, which implements these rules, is known for being the hardest part of Rust to learn</a:t>
+            </a:r>
+          </a:p>
+          <a:p>
+            <a:pPr lvl="1"/>
+            <a:r>
+              <a:rPr lang="en-US" dirty="0"/>
+              <a:t>But there is a simple rule that covers most cases!</a:t>
             </a:r>
           </a:p>
         </p:txBody>
@@ -12089,7 +11548,7 @@
     </p:spTree>
     <p:extLst>
       <p:ext uri="{BB962C8B-B14F-4D97-AF65-F5344CB8AC3E}">
-        <p14:creationId xmlns:p14="http://schemas.microsoft.com/office/powerpoint/2010/main" val="799150681"/>
+        <p14:creationId xmlns:p14="http://schemas.microsoft.com/office/powerpoint/2010/main" val="1742182927"/>
       </p:ext>
     </p:extLst>
   </p:cSld>
@@ -12121,7 +11580,7 @@
           <p:cNvPr id="2" name="Title 1">
             <a:extLst>
               <a:ext uri="{FF2B5EF4-FFF2-40B4-BE49-F238E27FC236}">
-                <a16:creationId xmlns:a16="http://schemas.microsoft.com/office/drawing/2014/main" id="{9367EF7F-F871-EDDA-3B3F-1AF001ADA136}"/>
+                <a16:creationId xmlns:a16="http://schemas.microsoft.com/office/drawing/2014/main" id="{47CCAEDE-D0BB-3332-AA41-101525A3C24B}"/>
               </a:ext>
             </a:extLst>
           </p:cNvPr>
@@ -12139,7 +11598,15 @@
           <a:p>
             <a:r>
               <a:rPr lang="en-US" dirty="0"/>
-              <a:t>Main Function</a:t>
+              <a:t>The </a:t>
+            </a:r>
+            <a:r>
+              <a:rPr lang="en-US" dirty="0" err="1"/>
+              <a:t>WOoRM</a:t>
+            </a:r>
+            <a:r>
+              <a:rPr lang="en-US" dirty="0"/>
+              <a:t> Rule</a:t>
             </a:r>
           </a:p>
         </p:txBody>
@@ -12149,7 +11616,7 @@
           <p:cNvPr id="3" name="Content Placeholder 2">
             <a:extLst>
               <a:ext uri="{FF2B5EF4-FFF2-40B4-BE49-F238E27FC236}">
-                <a16:creationId xmlns:a16="http://schemas.microsoft.com/office/drawing/2014/main" id="{267C03B7-4E50-597A-F00B-53538362EF27}"/>
+                <a16:creationId xmlns:a16="http://schemas.microsoft.com/office/drawing/2014/main" id="{B7EE811B-83C4-1D8A-E29D-628C3480C470}"/>
               </a:ext>
             </a:extLst>
           </p:cNvPr>
@@ -12162,97 +11629,639 @@
         </p:nvSpPr>
         <p:spPr/>
         <p:txBody>
-          <a:bodyPr>
-            <a:normAutofit fontScale="92500" lnSpcReduction="10000"/>
+          <a:bodyPr/>
+          <a:lstStyle/>
+          <a:p>
+            <a:r>
+              <a:rPr lang="en-US" b="1" dirty="0"/>
+              <a:t>Rule:</a:t>
+            </a:r>
+            <a:r>
+              <a:rPr lang="en-US" dirty="0"/>
+              <a:t> Write Once, or Read Many</a:t>
+            </a:r>
+            <a:endParaRPr lang="en-US" b="1" dirty="0"/>
+          </a:p>
+        </p:txBody>
+      </p:sp>
+      <p:sp>
+        <p:nvSpPr>
+          <p:cNvPr id="5" name="TextBox 4">
+            <a:extLst>
+              <a:ext uri="{FF2B5EF4-FFF2-40B4-BE49-F238E27FC236}">
+                <a16:creationId xmlns:a16="http://schemas.microsoft.com/office/drawing/2014/main" id="{35CD8B22-F0F6-371F-44FF-C1AD1D641059}"/>
+              </a:ext>
+            </a:extLst>
+          </p:cNvPr>
+          <p:cNvSpPr txBox="1"/>
+          <p:nvPr/>
+        </p:nvSpPr>
+        <p:spPr>
+          <a:xfrm>
+            <a:off x="1097280" y="6456713"/>
+            <a:ext cx="9473665" cy="369332"/>
+          </a:xfrm>
+          <a:prstGeom prst="rect">
+            <a:avLst/>
+          </a:prstGeom>
+          <a:noFill/>
+        </p:spPr>
+        <p:txBody>
+          <a:bodyPr wrap="square">
+            <a:spAutoFit/>
           </a:bodyPr>
           <a:lstStyle/>
           <a:p>
             <a:r>
               <a:rPr lang="en-US" dirty="0"/>
-              <a:t>A complete Rust program must have a function named main with no arguments and no return type annotation:</a:t>
-            </a:r>
-          </a:p>
-          <a:p>
-            <a:pPr marL="0" indent="0">
-              <a:buNone/>
-            </a:pPr>
+              <a:t>https://www.vecteezy.com/vector-art/7528312-worm-cartoon-colored-clipart-illustration</a:t>
+            </a:r>
+          </a:p>
+        </p:txBody>
+      </p:sp>
+      <p:pic>
+        <p:nvPicPr>
+          <p:cNvPr id="7" name="Picture 6">
+            <a:extLst>
+              <a:ext uri="{FF2B5EF4-FFF2-40B4-BE49-F238E27FC236}">
+                <a16:creationId xmlns:a16="http://schemas.microsoft.com/office/drawing/2014/main" id="{10268DEF-7DF7-3E9C-EBE7-520EFFAE1681}"/>
+              </a:ext>
+            </a:extLst>
+          </p:cNvPr>
+          <p:cNvPicPr>
+            <a:picLocks noChangeAspect="1"/>
+          </p:cNvPicPr>
+          <p:nvPr/>
+        </p:nvPicPr>
+        <p:blipFill>
+          <a:blip r:embed="rId2"/>
+          <a:stretch>
+            <a:fillRect/>
+          </a:stretch>
+        </p:blipFill>
+        <p:spPr>
+          <a:xfrm>
+            <a:off x="9980762" y="1936955"/>
+            <a:ext cx="1885754" cy="1666568"/>
+          </a:xfrm>
+          <a:prstGeom prst="rect">
+            <a:avLst/>
+          </a:prstGeom>
+        </p:spPr>
+      </p:pic>
+      <p:sp>
+        <p:nvSpPr>
+          <p:cNvPr id="8" name="TextBox 7">
+            <a:extLst>
+              <a:ext uri="{FF2B5EF4-FFF2-40B4-BE49-F238E27FC236}">
+                <a16:creationId xmlns:a16="http://schemas.microsoft.com/office/drawing/2014/main" id="{7AFB0329-B78D-06FF-65EA-86583EC759C3}"/>
+              </a:ext>
+            </a:extLst>
+          </p:cNvPr>
+          <p:cNvSpPr txBox="1"/>
+          <p:nvPr/>
+        </p:nvSpPr>
+        <p:spPr>
+          <a:xfrm>
+            <a:off x="434851" y="3508440"/>
+            <a:ext cx="2310581" cy="1200329"/>
+          </a:xfrm>
+          <a:prstGeom prst="rect">
+            <a:avLst/>
+          </a:prstGeom>
+          <a:noFill/>
+        </p:spPr>
+        <p:txBody>
+          <a:bodyPr wrap="square" rtlCol="0">
+            <a:spAutoFit/>
+          </a:bodyPr>
+          <a:lstStyle/>
+          <a:p>
+            <a:r>
+              <a:rPr lang="en-US" dirty="0">
+                <a:latin typeface="Consolas" panose="020B0609020204030204" pitchFamily="49" charset="0"/>
+              </a:rPr>
+              <a:t>let mut x = 5;</a:t>
+            </a:r>
+          </a:p>
+          <a:p>
+            <a:r>
+              <a:rPr lang="en-US" dirty="0">
+                <a:latin typeface="Consolas" panose="020B0609020204030204" pitchFamily="49" charset="0"/>
+              </a:rPr>
+              <a:t>let r1 = &amp;mut x;</a:t>
+            </a:r>
+          </a:p>
+          <a:p>
+            <a:r>
+              <a:rPr lang="en-US" dirty="0">
+                <a:latin typeface="Consolas" panose="020B0609020204030204" pitchFamily="49" charset="0"/>
+              </a:rPr>
+              <a:t>let r2 = &amp;mut x;</a:t>
+            </a:r>
+          </a:p>
+          <a:p>
+            <a:r>
+              <a:rPr lang="en-US" dirty="0">
+                <a:latin typeface="Consolas" panose="020B0609020204030204" pitchFamily="49" charset="0"/>
+              </a:rPr>
+              <a:t>*r1 = *r2 + 1;</a:t>
+            </a:r>
+          </a:p>
+        </p:txBody>
+      </p:sp>
+      <p:sp>
+        <p:nvSpPr>
+          <p:cNvPr id="9" name="TextBox 8">
+            <a:extLst>
+              <a:ext uri="{FF2B5EF4-FFF2-40B4-BE49-F238E27FC236}">
+                <a16:creationId xmlns:a16="http://schemas.microsoft.com/office/drawing/2014/main" id="{0F1CBEB0-32E1-7644-A986-0D0286899707}"/>
+              </a:ext>
+            </a:extLst>
+          </p:cNvPr>
+          <p:cNvSpPr txBox="1"/>
+          <p:nvPr/>
+        </p:nvSpPr>
+        <p:spPr>
+          <a:xfrm>
+            <a:off x="3131884" y="3029493"/>
+            <a:ext cx="2164114" cy="1754326"/>
+          </a:xfrm>
+          <a:prstGeom prst="rect">
+            <a:avLst/>
+          </a:prstGeom>
+          <a:noFill/>
+        </p:spPr>
+        <p:txBody>
+          <a:bodyPr wrap="square" rtlCol="0">
+            <a:spAutoFit/>
+          </a:bodyPr>
+          <a:lstStyle/>
+          <a:p>
+            <a:r>
+              <a:rPr lang="en-US" dirty="0">
+                <a:latin typeface="Consolas" panose="020B0609020204030204" pitchFamily="49" charset="0"/>
+              </a:rPr>
+              <a:t>let mut x = 5;</a:t>
+            </a:r>
+          </a:p>
+          <a:p>
+            <a:r>
+              <a:rPr lang="en-US" dirty="0">
+                <a:latin typeface="Consolas" panose="020B0609020204030204" pitchFamily="49" charset="0"/>
+              </a:rPr>
+              <a:t>let </a:t>
+            </a:r>
             <a:r>
               <a:rPr lang="en-US" dirty="0" err="1">
                 <a:latin typeface="Consolas" panose="020B0609020204030204" pitchFamily="49" charset="0"/>
               </a:rPr>
-              <a:t>fn</a:t>
-            </a:r>
-            <a:r>
-              <a:rPr lang="en-US" dirty="0">
-                <a:latin typeface="Consolas" panose="020B0609020204030204" pitchFamily="49" charset="0"/>
-              </a:rPr>
-              <a:t> main () {</a:t>
-            </a:r>
-            <a:br>
-              <a:rPr lang="en-US" dirty="0">
-                <a:latin typeface="Consolas" panose="020B0609020204030204" pitchFamily="49" charset="0"/>
-              </a:rPr>
-            </a:br>
-            <a:r>
-              <a:rPr lang="en-US" dirty="0">
-                <a:latin typeface="Consolas" panose="020B0609020204030204" pitchFamily="49" charset="0"/>
-              </a:rPr>
-              <a:t>  body</a:t>
-            </a:r>
-            <a:br>
-              <a:rPr lang="en-US" dirty="0">
-                <a:latin typeface="Consolas" panose="020B0609020204030204" pitchFamily="49" charset="0"/>
-              </a:rPr>
-            </a:br>
-            <a:r>
-              <a:rPr lang="en-US" dirty="0">
-                <a:latin typeface="Consolas" panose="020B0609020204030204" pitchFamily="49" charset="0"/>
-              </a:rPr>
-              <a:t>}</a:t>
-            </a:r>
-          </a:p>
-          <a:p>
-            <a:pPr marL="0" indent="0">
-              <a:buNone/>
-            </a:pPr>
-            <a:r>
-              <a:rPr lang="en-US" dirty="0"/>
-              <a:t>The body expression typically performs input and output, for any non-trivial program.</a:t>
-            </a:r>
-          </a:p>
-          <a:p>
-            <a:pPr marL="0" indent="0">
-              <a:buNone/>
-            </a:pPr>
-            <a:r>
-              <a:rPr lang="en-US" dirty="0"/>
-              <a:t>If you wish to access command-line arguments, you must use a standard library module called </a:t>
+              <a:t>imm</a:t>
+            </a:r>
+            <a:r>
+              <a:rPr lang="en-US" dirty="0">
+                <a:latin typeface="Consolas" panose="020B0609020204030204" pitchFamily="49" charset="0"/>
+              </a:rPr>
+              <a:t> = &amp;x;</a:t>
+            </a:r>
+          </a:p>
+          <a:p>
+            <a:r>
+              <a:rPr lang="en-US" dirty="0">
+                <a:latin typeface="Consolas" panose="020B0609020204030204" pitchFamily="49" charset="0"/>
+              </a:rPr>
+              <a:t>let r = &amp;mut x;</a:t>
+            </a:r>
+          </a:p>
+          <a:p>
+            <a:r>
+              <a:rPr lang="en-US" dirty="0">
+                <a:latin typeface="Consolas" panose="020B0609020204030204" pitchFamily="49" charset="0"/>
+              </a:rPr>
+              <a:t>let x1 = &amp;</a:t>
             </a:r>
             <a:r>
               <a:rPr lang="en-US" dirty="0" err="1">
                 <a:latin typeface="Consolas" panose="020B0609020204030204" pitchFamily="49" charset="0"/>
               </a:rPr>
-              <a:t>stdenv</a:t>
-            </a:r>
-            <a:r>
-              <a:rPr lang="en-US" dirty="0"/>
-              <a:t>; command-line arguments are not passed to the main function</a:t>
-            </a:r>
-          </a:p>
-          <a:p>
-            <a:pPr marL="0" indent="0">
-              <a:buNone/>
-            </a:pPr>
-            <a:endParaRPr lang="en-US" dirty="0">
-              <a:latin typeface="Consolas" panose="020B0609020204030204" pitchFamily="49" charset="0"/>
-            </a:endParaRPr>
+              <a:t>imm</a:t>
+            </a:r>
+            <a:r>
+              <a:rPr lang="en-US" dirty="0">
+                <a:latin typeface="Consolas" panose="020B0609020204030204" pitchFamily="49" charset="0"/>
+              </a:rPr>
+              <a:t>;</a:t>
+            </a:r>
+          </a:p>
+          <a:p>
+            <a:r>
+              <a:rPr lang="en-US" dirty="0">
+                <a:latin typeface="Consolas" panose="020B0609020204030204" pitchFamily="49" charset="0"/>
+              </a:rPr>
+              <a:t>r = x + 1;</a:t>
+            </a:r>
+          </a:p>
+          <a:p>
+            <a:r>
+              <a:rPr lang="en-US" dirty="0">
+                <a:latin typeface="Consolas" panose="020B0609020204030204" pitchFamily="49" charset="0"/>
+              </a:rPr>
+              <a:t>let x2 = *</a:t>
+            </a:r>
+            <a:r>
+              <a:rPr lang="en-US" dirty="0" err="1">
+                <a:latin typeface="Consolas" panose="020B0609020204030204" pitchFamily="49" charset="0"/>
+              </a:rPr>
+              <a:t>imm</a:t>
+            </a:r>
+            <a:r>
+              <a:rPr lang="en-US" dirty="0">
+                <a:latin typeface="Consolas" panose="020B0609020204030204" pitchFamily="49" charset="0"/>
+              </a:rPr>
+              <a:t>;</a:t>
+            </a:r>
+          </a:p>
+        </p:txBody>
+      </p:sp>
+      <p:sp>
+        <p:nvSpPr>
+          <p:cNvPr id="10" name="TextBox 9">
+            <a:extLst>
+              <a:ext uri="{FF2B5EF4-FFF2-40B4-BE49-F238E27FC236}">
+                <a16:creationId xmlns:a16="http://schemas.microsoft.com/office/drawing/2014/main" id="{15F2E18F-507F-45D9-9CCD-1BE87A97BA37}"/>
+              </a:ext>
+            </a:extLst>
+          </p:cNvPr>
+          <p:cNvSpPr txBox="1"/>
+          <p:nvPr/>
+        </p:nvSpPr>
+        <p:spPr>
+          <a:xfrm>
+            <a:off x="6068902" y="3540333"/>
+            <a:ext cx="1885754" cy="1200329"/>
+          </a:xfrm>
+          <a:prstGeom prst="rect">
+            <a:avLst/>
+          </a:prstGeom>
+          <a:noFill/>
+        </p:spPr>
+        <p:txBody>
+          <a:bodyPr wrap="square" rtlCol="0">
+            <a:spAutoFit/>
+          </a:bodyPr>
+          <a:lstStyle/>
+          <a:p>
+            <a:r>
+              <a:rPr lang="en-US" dirty="0">
+                <a:latin typeface="Consolas" panose="020B0609020204030204" pitchFamily="49" charset="0"/>
+              </a:rPr>
+              <a:t>let x = 5;</a:t>
+            </a:r>
+          </a:p>
+          <a:p>
+            <a:r>
+              <a:rPr lang="en-US" dirty="0">
+                <a:latin typeface="Consolas" panose="020B0609020204030204" pitchFamily="49" charset="0"/>
+              </a:rPr>
+              <a:t>let ir1 = &amp;x;</a:t>
+            </a:r>
+          </a:p>
+          <a:p>
+            <a:r>
+              <a:rPr lang="en-US" dirty="0">
+                <a:latin typeface="Consolas" panose="020B0609020204030204" pitchFamily="49" charset="0"/>
+              </a:rPr>
+              <a:t>let ir2 = &amp;x;</a:t>
+            </a:r>
+          </a:p>
+          <a:p>
+            <a:r>
+              <a:rPr lang="en-US" dirty="0">
+                <a:latin typeface="Consolas" panose="020B0609020204030204" pitchFamily="49" charset="0"/>
+              </a:rPr>
+              <a:t>f(ir1,ir2);</a:t>
+            </a:r>
+          </a:p>
+        </p:txBody>
+      </p:sp>
+      <p:sp>
+        <p:nvSpPr>
+          <p:cNvPr id="11" name="TextBox 10">
+            <a:extLst>
+              <a:ext uri="{FF2B5EF4-FFF2-40B4-BE49-F238E27FC236}">
+                <a16:creationId xmlns:a16="http://schemas.microsoft.com/office/drawing/2014/main" id="{D8FB04D1-7010-D246-30E5-63935B629304}"/>
+              </a:ext>
+            </a:extLst>
+          </p:cNvPr>
+          <p:cNvSpPr txBox="1"/>
+          <p:nvPr/>
+        </p:nvSpPr>
+        <p:spPr>
+          <a:xfrm>
+            <a:off x="7941807" y="3711897"/>
+            <a:ext cx="2283997" cy="923330"/>
+          </a:xfrm>
+          <a:prstGeom prst="rect">
+            <a:avLst/>
+          </a:prstGeom>
+          <a:noFill/>
+        </p:spPr>
+        <p:txBody>
+          <a:bodyPr wrap="square" rtlCol="0">
+            <a:spAutoFit/>
+          </a:bodyPr>
+          <a:lstStyle/>
+          <a:p>
+            <a:r>
+              <a:rPr lang="en-US" dirty="0">
+                <a:latin typeface="Consolas" panose="020B0609020204030204" pitchFamily="49" charset="0"/>
+              </a:rPr>
+              <a:t>let mut x = 5;</a:t>
+            </a:r>
+          </a:p>
+          <a:p>
+            <a:r>
+              <a:rPr lang="en-US" dirty="0">
+                <a:latin typeface="Consolas" panose="020B0609020204030204" pitchFamily="49" charset="0"/>
+              </a:rPr>
+              <a:t>let r1 = &amp;mut x;</a:t>
+            </a:r>
+          </a:p>
+          <a:p>
+            <a:r>
+              <a:rPr lang="en-US" dirty="0">
+                <a:latin typeface="Consolas" panose="020B0609020204030204" pitchFamily="49" charset="0"/>
+              </a:rPr>
+              <a:t>*r1 = *r1 + 2</a:t>
+            </a:r>
+          </a:p>
+        </p:txBody>
+      </p:sp>
+      <p:pic>
+        <p:nvPicPr>
+          <p:cNvPr id="13" name="Picture 12">
+            <a:extLst>
+              <a:ext uri="{FF2B5EF4-FFF2-40B4-BE49-F238E27FC236}">
+                <a16:creationId xmlns:a16="http://schemas.microsoft.com/office/drawing/2014/main" id="{12B79BD5-5EDD-308A-4D7A-BBB3A61DC47A}"/>
+              </a:ext>
+            </a:extLst>
+          </p:cNvPr>
+          <p:cNvPicPr>
+            <a:picLocks noChangeAspect="1"/>
+          </p:cNvPicPr>
+          <p:nvPr/>
+        </p:nvPicPr>
+        <p:blipFill>
+          <a:blip r:embed="rId3"/>
+          <a:stretch>
+            <a:fillRect/>
+          </a:stretch>
+        </p:blipFill>
+        <p:spPr>
+          <a:xfrm>
+            <a:off x="5574616" y="4740662"/>
+            <a:ext cx="747688" cy="620564"/>
+          </a:xfrm>
+          <a:prstGeom prst="rect">
+            <a:avLst/>
+          </a:prstGeom>
+        </p:spPr>
+      </p:pic>
+      <p:pic>
+        <p:nvPicPr>
+          <p:cNvPr id="16" name="Picture 15">
+            <a:extLst>
+              <a:ext uri="{FF2B5EF4-FFF2-40B4-BE49-F238E27FC236}">
+                <a16:creationId xmlns:a16="http://schemas.microsoft.com/office/drawing/2014/main" id="{871F519D-4CC0-F427-BE1A-1AD5AB57CB71}"/>
+              </a:ext>
+            </a:extLst>
+          </p:cNvPr>
+          <p:cNvPicPr>
+            <a:picLocks noChangeAspect="1"/>
+          </p:cNvPicPr>
+          <p:nvPr/>
+        </p:nvPicPr>
+        <p:blipFill>
+          <a:blip r:embed="rId3"/>
+          <a:stretch>
+            <a:fillRect/>
+          </a:stretch>
+        </p:blipFill>
+        <p:spPr>
+          <a:xfrm>
+            <a:off x="7764269" y="4715432"/>
+            <a:ext cx="747688" cy="620564"/>
+          </a:xfrm>
+          <a:prstGeom prst="rect">
+            <a:avLst/>
+          </a:prstGeom>
+        </p:spPr>
+      </p:pic>
+      <p:pic>
+        <p:nvPicPr>
+          <p:cNvPr id="18" name="Picture 17">
+            <a:extLst>
+              <a:ext uri="{FF2B5EF4-FFF2-40B4-BE49-F238E27FC236}">
+                <a16:creationId xmlns:a16="http://schemas.microsoft.com/office/drawing/2014/main" id="{2E65903B-06F9-C786-8675-942EACC4F552}"/>
+              </a:ext>
+            </a:extLst>
+          </p:cNvPr>
+          <p:cNvPicPr>
+            <a:picLocks noChangeAspect="1"/>
+          </p:cNvPicPr>
+          <p:nvPr/>
+        </p:nvPicPr>
+        <p:blipFill>
+          <a:blip r:embed="rId4"/>
+          <a:stretch>
+            <a:fillRect/>
+          </a:stretch>
+        </p:blipFill>
+        <p:spPr>
+          <a:xfrm>
+            <a:off x="179263" y="4838006"/>
+            <a:ext cx="585370" cy="529140"/>
+          </a:xfrm>
+          <a:prstGeom prst="rect">
+            <a:avLst/>
+          </a:prstGeom>
+        </p:spPr>
+      </p:pic>
+      <p:pic>
+        <p:nvPicPr>
+          <p:cNvPr id="19" name="Picture 18">
+            <a:extLst>
+              <a:ext uri="{FF2B5EF4-FFF2-40B4-BE49-F238E27FC236}">
+                <a16:creationId xmlns:a16="http://schemas.microsoft.com/office/drawing/2014/main" id="{B0A4F256-063C-5DE7-8F21-1B4DF94260F5}"/>
+              </a:ext>
+            </a:extLst>
+          </p:cNvPr>
+          <p:cNvPicPr>
+            <a:picLocks noChangeAspect="1"/>
+          </p:cNvPicPr>
+          <p:nvPr/>
+        </p:nvPicPr>
+        <p:blipFill>
+          <a:blip r:embed="rId4"/>
+          <a:stretch>
+            <a:fillRect/>
+          </a:stretch>
+        </p:blipFill>
+        <p:spPr>
+          <a:xfrm>
+            <a:off x="2799593" y="4806856"/>
+            <a:ext cx="585370" cy="529140"/>
+          </a:xfrm>
+          <a:prstGeom prst="rect">
+            <a:avLst/>
+          </a:prstGeom>
+        </p:spPr>
+      </p:pic>
+      <p:sp>
+        <p:nvSpPr>
+          <p:cNvPr id="20" name="TextBox 19">
+            <a:extLst>
+              <a:ext uri="{FF2B5EF4-FFF2-40B4-BE49-F238E27FC236}">
+                <a16:creationId xmlns:a16="http://schemas.microsoft.com/office/drawing/2014/main" id="{24FC2EF8-204B-C751-3249-AB79FA8631A0}"/>
+              </a:ext>
+            </a:extLst>
+          </p:cNvPr>
+          <p:cNvSpPr txBox="1"/>
+          <p:nvPr/>
+        </p:nvSpPr>
+        <p:spPr>
+          <a:xfrm>
+            <a:off x="752628" y="4843926"/>
+            <a:ext cx="1399807" cy="523220"/>
+          </a:xfrm>
+          <a:prstGeom prst="rect">
+            <a:avLst/>
+          </a:prstGeom>
+          <a:noFill/>
+        </p:spPr>
+        <p:txBody>
+          <a:bodyPr wrap="none" rtlCol="0">
+            <a:spAutoFit/>
+          </a:bodyPr>
+          <a:lstStyle/>
+          <a:p>
+            <a:r>
+              <a:rPr lang="en-US" sz="2800" dirty="0"/>
+              <a:t>2 Writes</a:t>
+            </a:r>
+          </a:p>
+        </p:txBody>
+      </p:sp>
+      <p:sp>
+        <p:nvSpPr>
+          <p:cNvPr id="21" name="TextBox 20">
+            <a:extLst>
+              <a:ext uri="{FF2B5EF4-FFF2-40B4-BE49-F238E27FC236}">
+                <a16:creationId xmlns:a16="http://schemas.microsoft.com/office/drawing/2014/main" id="{9B2BD837-D505-05A7-7EEA-55A9345EA7A7}"/>
+              </a:ext>
+            </a:extLst>
+          </p:cNvPr>
+          <p:cNvSpPr txBox="1"/>
+          <p:nvPr/>
+        </p:nvSpPr>
+        <p:spPr>
+          <a:xfrm>
+            <a:off x="3394324" y="4838006"/>
+            <a:ext cx="1901674" cy="523220"/>
+          </a:xfrm>
+          <a:prstGeom prst="rect">
+            <a:avLst/>
+          </a:prstGeom>
+          <a:noFill/>
+        </p:spPr>
+        <p:txBody>
+          <a:bodyPr wrap="none" rtlCol="0">
+            <a:spAutoFit/>
+          </a:bodyPr>
+          <a:lstStyle/>
+          <a:p>
+            <a:r>
+              <a:rPr lang="en-US" sz="2800" dirty="0" err="1"/>
+              <a:t>Write+Read</a:t>
+            </a:r>
+            <a:endParaRPr lang="en-US" sz="2800" dirty="0"/>
+          </a:p>
+        </p:txBody>
+      </p:sp>
+      <p:sp>
+        <p:nvSpPr>
+          <p:cNvPr id="22" name="TextBox 21">
+            <a:extLst>
+              <a:ext uri="{FF2B5EF4-FFF2-40B4-BE49-F238E27FC236}">
+                <a16:creationId xmlns:a16="http://schemas.microsoft.com/office/drawing/2014/main" id="{3D9645F7-73E9-6777-F8A1-5DF89AD27B0F}"/>
+              </a:ext>
+            </a:extLst>
+          </p:cNvPr>
+          <p:cNvSpPr txBox="1"/>
+          <p:nvPr/>
+        </p:nvSpPr>
+        <p:spPr>
+          <a:xfrm>
+            <a:off x="6073166" y="4838006"/>
+            <a:ext cx="1817998" cy="523220"/>
+          </a:xfrm>
+          <a:prstGeom prst="rect">
+            <a:avLst/>
+          </a:prstGeom>
+          <a:noFill/>
+        </p:spPr>
+        <p:txBody>
+          <a:bodyPr wrap="none" rtlCol="0">
+            <a:spAutoFit/>
+          </a:bodyPr>
+          <a:lstStyle/>
+          <a:p>
+            <a:r>
+              <a:rPr lang="en-US" sz="2800" dirty="0"/>
+              <a:t>Read Many</a:t>
+            </a:r>
+          </a:p>
+        </p:txBody>
+      </p:sp>
+      <p:sp>
+        <p:nvSpPr>
+          <p:cNvPr id="23" name="TextBox 22">
+            <a:extLst>
+              <a:ext uri="{FF2B5EF4-FFF2-40B4-BE49-F238E27FC236}">
+                <a16:creationId xmlns:a16="http://schemas.microsoft.com/office/drawing/2014/main" id="{D2BE884E-51D3-443F-1F1C-CE97DFC50E2A}"/>
+              </a:ext>
+            </a:extLst>
+          </p:cNvPr>
+          <p:cNvSpPr txBox="1"/>
+          <p:nvPr/>
+        </p:nvSpPr>
+        <p:spPr>
+          <a:xfrm>
+            <a:off x="8259557" y="4844975"/>
+            <a:ext cx="1832618" cy="523220"/>
+          </a:xfrm>
+          <a:prstGeom prst="rect">
+            <a:avLst/>
+          </a:prstGeom>
+          <a:noFill/>
+        </p:spPr>
+        <p:txBody>
+          <a:bodyPr wrap="none" rtlCol="0">
+            <a:spAutoFit/>
+          </a:bodyPr>
+          <a:lstStyle/>
+          <a:p>
+            <a:r>
+              <a:rPr lang="en-US" sz="2800" dirty="0"/>
+              <a:t>Write Once</a:t>
+            </a:r>
           </a:p>
         </p:txBody>
       </p:sp>
     </p:spTree>
     <p:extLst>
       <p:ext uri="{BB962C8B-B14F-4D97-AF65-F5344CB8AC3E}">
-        <p14:creationId xmlns:p14="http://schemas.microsoft.com/office/powerpoint/2010/main" val="4066411414"/>
+        <p14:creationId xmlns:p14="http://schemas.microsoft.com/office/powerpoint/2010/main" val="2611251127"/>
       </p:ext>
     </p:extLst>
   </p:cSld>
@@ -12284,7 +12293,7 @@
           <p:cNvPr id="2" name="Title 1">
             <a:extLst>
               <a:ext uri="{FF2B5EF4-FFF2-40B4-BE49-F238E27FC236}">
-                <a16:creationId xmlns:a16="http://schemas.microsoft.com/office/drawing/2014/main" id="{B9DB7FEE-CEA2-CD77-5580-0EF28384D850}"/>
+                <a16:creationId xmlns:a16="http://schemas.microsoft.com/office/drawing/2014/main" id="{011E52C3-3A59-3505-CE12-E62765BF6AE3}"/>
               </a:ext>
             </a:extLst>
           </p:cNvPr>
@@ -12302,7 +12311,7 @@
           <a:p>
             <a:r>
               <a:rPr lang="en-US" dirty="0"/>
-              <a:t>Exercise: Code in Class</a:t>
+              <a:t>Match: Redundancy Checking</a:t>
             </a:r>
           </a:p>
         </p:txBody>
@@ -12312,7 +12321,7 @@
           <p:cNvPr id="3" name="Content Placeholder 2">
             <a:extLst>
               <a:ext uri="{FF2B5EF4-FFF2-40B4-BE49-F238E27FC236}">
-                <a16:creationId xmlns:a16="http://schemas.microsoft.com/office/drawing/2014/main" id="{8AC6FAFF-9956-647E-A163-4F0F492129DA}"/>
+                <a16:creationId xmlns:a16="http://schemas.microsoft.com/office/drawing/2014/main" id="{6CF0DBE1-5401-D48B-EE21-575399F28A79}"/>
               </a:ext>
             </a:extLst>
           </p:cNvPr>
@@ -12325,78 +12334,121 @@
         </p:nvSpPr>
         <p:spPr/>
         <p:txBody>
-          <a:bodyPr/>
-          <a:lstStyle/>
-          <a:p>
-            <a:r>
-              <a:rPr lang="en-US" dirty="0"/>
-              <a:t>Let’s spend a few minutes coding as many of the following textbook exercises as you have time for. Ask questions at any time. We will discuss as a class at the end.</a:t>
-            </a:r>
-          </a:p>
-          <a:p>
-            <a:r>
-              <a:rPr lang="en-US" dirty="0"/>
-              <a:t>Exercise 9a (nor)</a:t>
+          <a:bodyPr>
+            <a:normAutofit lnSpcReduction="10000"/>
+          </a:bodyPr>
+          <a:lstStyle/>
+          <a:p>
+            <a:r>
+              <a:rPr lang="en-US" dirty="0"/>
+              <a:t>The match expression checks redundancy and exhaustiveness</a:t>
+            </a:r>
+          </a:p>
+          <a:p>
+            <a:r>
+              <a:rPr lang="en-US" dirty="0"/>
+              <a:t>Consider the expression:</a:t>
+            </a:r>
+          </a:p>
+          <a:p>
+            <a:r>
+              <a:rPr lang="en-US" dirty="0"/>
+              <a:t>match e0 {</a:t>
             </a:r>
             <a:br>
               <a:rPr lang="en-US" dirty="0"/>
             </a:br>
             <a:r>
               <a:rPr lang="en-US" dirty="0"/>
-              <a:t>Exercise 9c (reverse)</a:t>
+              <a:t>  pat1 =&gt; e1,</a:t>
             </a:r>
             <a:br>
               <a:rPr lang="en-US" dirty="0"/>
             </a:br>
             <a:r>
               <a:rPr lang="en-US" dirty="0"/>
-              <a:t>Exercise 9d (</a:t>
+              <a:t>  …</a:t>
+            </a:r>
+            <a:br>
+              <a:rPr lang="en-US" dirty="0"/>
+            </a:br>
+            <a:r>
+              <a:rPr lang="en-US" dirty="0"/>
+              <a:t>  </a:t>
             </a:r>
             <a:r>
               <a:rPr lang="en-US" dirty="0" err="1"/>
-              <a:t>concat_all</a:t>
-            </a:r>
-            <a:r>
-              <a:rPr lang="en-US" dirty="0"/>
-              <a:t>)</a:t>
+              <a:t>patN</a:t>
+            </a:r>
+            <a:r>
+              <a:rPr lang="en-US" dirty="0"/>
+              <a:t> =&gt; </a:t>
+            </a:r>
+            <a:r>
+              <a:rPr lang="en-US" dirty="0" err="1"/>
+              <a:t>eN</a:t>
+            </a:r>
+            <a:r>
+              <a:rPr lang="en-US" dirty="0"/>
+              <a:t>,</a:t>
             </a:r>
             <a:br>
               <a:rPr lang="en-US" dirty="0"/>
             </a:br>
             <a:r>
               <a:rPr lang="en-US" dirty="0"/>
-              <a:t>Exercise 9e (</a:t>
+              <a:t>}</a:t>
+            </a:r>
+          </a:p>
+          <a:p>
+            <a:r>
+              <a:rPr lang="en-US" b="1" dirty="0"/>
+              <a:t>Definition:</a:t>
+            </a:r>
+            <a:r>
+              <a:rPr lang="en-US" dirty="0"/>
+              <a:t> Pattern </a:t>
             </a:r>
             <a:r>
               <a:rPr lang="en-US" dirty="0" err="1"/>
-              <a:t>day_name_string</a:t>
-            </a:r>
-            <a:r>
-              <a:rPr lang="en-US" dirty="0"/>
-              <a:t>)</a:t>
-            </a:r>
-            <a:br>
-              <a:rPr lang="en-US" dirty="0"/>
-            </a:br>
-            <a:r>
-              <a:rPr lang="en-US" dirty="0"/>
-              <a:t>Exercise 9g (</a:t>
+              <a:t>patI</a:t>
+            </a:r>
+            <a:r>
+              <a:rPr lang="en-US" dirty="0"/>
+              <a:t> is </a:t>
+            </a:r>
+            <a:r>
+              <a:rPr lang="en-US" i="1" dirty="0"/>
+              <a:t>redundant</a:t>
+            </a:r>
+            <a:r>
+              <a:rPr lang="en-US" dirty="0"/>
+              <a:t> if for every value v that matches pattern </a:t>
             </a:r>
             <a:r>
               <a:rPr lang="en-US" dirty="0" err="1"/>
-              <a:t>tree_size</a:t>
-            </a:r>
-            <a:r>
-              <a:rPr lang="en-US" dirty="0"/>
-              <a:t>)</a:t>
-            </a:r>
+              <a:t>patI</a:t>
+            </a:r>
+            <a:r>
+              <a:rPr lang="en-US" dirty="0"/>
+              <a:t>, there exists a prior pattern </a:t>
+            </a:r>
+            <a:r>
+              <a:rPr lang="en-US" dirty="0" err="1"/>
+              <a:t>patJ</a:t>
+            </a:r>
+            <a:r>
+              <a:rPr lang="en-US" dirty="0"/>
+              <a:t> for J &lt; I that matches v</a:t>
+            </a:r>
+            <a:endParaRPr lang="en-US" b="1" dirty="0"/>
           </a:p>
         </p:txBody>
       </p:sp>
     </p:spTree>
     <p:extLst>
       <p:ext uri="{BB962C8B-B14F-4D97-AF65-F5344CB8AC3E}">
-        <p14:creationId xmlns:p14="http://schemas.microsoft.com/office/powerpoint/2010/main" val="1966329221"/>
+        <p14:creationId xmlns:p14="http://schemas.microsoft.com/office/powerpoint/2010/main" val="2813789328"/>
       </p:ext>
     </p:extLst>
   </p:cSld>
@@ -12672,7 +12724,7 @@
           <p:cNvPr id="2" name="Title 1">
             <a:extLst>
               <a:ext uri="{FF2B5EF4-FFF2-40B4-BE49-F238E27FC236}">
-                <a16:creationId xmlns:a16="http://schemas.microsoft.com/office/drawing/2014/main" id="{47409C7D-E6CA-7CC7-1F89-45EE00C3EA4A}"/>
+                <a16:creationId xmlns:a16="http://schemas.microsoft.com/office/drawing/2014/main" id="{011E52C3-3A59-3505-CE12-E62765BF6AE3}"/>
               </a:ext>
             </a:extLst>
           </p:cNvPr>
@@ -12690,7 +12742,7 @@
           <a:p>
             <a:r>
               <a:rPr lang="en-US" dirty="0"/>
-              <a:t>Section: Reflecting on User Experience</a:t>
+              <a:t>Match: Exhaustiveness Checking</a:t>
             </a:r>
           </a:p>
         </p:txBody>
@@ -12700,7 +12752,7 @@
           <p:cNvPr id="3" name="Content Placeholder 2">
             <a:extLst>
               <a:ext uri="{FF2B5EF4-FFF2-40B4-BE49-F238E27FC236}">
-                <a16:creationId xmlns:a16="http://schemas.microsoft.com/office/drawing/2014/main" id="{95889976-92CA-FCE9-54EE-55C1C5064479}"/>
+                <a16:creationId xmlns:a16="http://schemas.microsoft.com/office/drawing/2014/main" id="{6CF0DBE1-5401-D48B-EE21-575399F28A79}"/>
               </a:ext>
             </a:extLst>
           </p:cNvPr>
@@ -12713,17 +12765,130 @@
         </p:nvSpPr>
         <p:spPr/>
         <p:txBody>
-          <a:bodyPr/>
-          <a:lstStyle/>
-          <a:p>
-            <a:endParaRPr lang="en-US"/>
+          <a:bodyPr>
+            <a:normAutofit/>
+          </a:bodyPr>
+          <a:lstStyle/>
+          <a:p>
+            <a:r>
+              <a:rPr lang="en-US" dirty="0"/>
+              <a:t>Consider the expression:</a:t>
+            </a:r>
+          </a:p>
+          <a:p>
+            <a:r>
+              <a:rPr lang="en-US" dirty="0"/>
+              <a:t>match e0 {</a:t>
+            </a:r>
+            <a:br>
+              <a:rPr lang="en-US" dirty="0"/>
+            </a:br>
+            <a:r>
+              <a:rPr lang="en-US" dirty="0"/>
+              <a:t>  pat1 =&gt; e1,</a:t>
+            </a:r>
+            <a:br>
+              <a:rPr lang="en-US" dirty="0"/>
+            </a:br>
+            <a:r>
+              <a:rPr lang="en-US" dirty="0"/>
+              <a:t>  …</a:t>
+            </a:r>
+            <a:br>
+              <a:rPr lang="en-US" dirty="0"/>
+            </a:br>
+            <a:r>
+              <a:rPr lang="en-US" dirty="0"/>
+              <a:t>  </a:t>
+            </a:r>
+            <a:r>
+              <a:rPr lang="en-US" dirty="0" err="1"/>
+              <a:t>patN</a:t>
+            </a:r>
+            <a:r>
+              <a:rPr lang="en-US" dirty="0"/>
+              <a:t> =&gt; </a:t>
+            </a:r>
+            <a:r>
+              <a:rPr lang="en-US" dirty="0" err="1"/>
+              <a:t>eN</a:t>
+            </a:r>
+            <a:r>
+              <a:rPr lang="en-US" dirty="0"/>
+              <a:t>,</a:t>
+            </a:r>
+            <a:br>
+              <a:rPr lang="en-US" dirty="0"/>
+            </a:br>
+            <a:r>
+              <a:rPr lang="en-US" dirty="0"/>
+              <a:t>}</a:t>
+            </a:r>
+          </a:p>
+          <a:p>
+            <a:r>
+              <a:rPr lang="en-US" b="1" dirty="0"/>
+              <a:t>Definition:</a:t>
+            </a:r>
+            <a:r>
+              <a:rPr lang="en-US" dirty="0"/>
+              <a:t> Pattern </a:t>
+            </a:r>
+            <a:r>
+              <a:rPr lang="en-US" dirty="0" err="1"/>
+              <a:t>patI</a:t>
+            </a:r>
+            <a:r>
+              <a:rPr lang="en-US" dirty="0"/>
+              <a:t> is </a:t>
+            </a:r>
+            <a:r>
+              <a:rPr lang="en-US" i="1" dirty="0"/>
+              <a:t>exhaustive</a:t>
+            </a:r>
+            <a:r>
+              <a:rPr lang="en-US" dirty="0"/>
+              <a:t> if for every well-typed value </a:t>
+            </a:r>
+            <a:r>
+              <a:rPr lang="en-US" i="1" dirty="0"/>
+              <a:t>v0</a:t>
+            </a:r>
+            <a:r>
+              <a:rPr lang="en-US" dirty="0"/>
+              <a:t> of e0’s type, there exists pattern </a:t>
+            </a:r>
+            <a:r>
+              <a:rPr lang="en-US" dirty="0" err="1"/>
+              <a:t>patI</a:t>
+            </a:r>
+            <a:r>
+              <a:rPr lang="en-US" dirty="0"/>
+              <a:t> that matches v0</a:t>
+            </a:r>
+            <a:br>
+              <a:rPr lang="en-US" dirty="0"/>
+            </a:br>
+            <a:r>
+              <a:rPr lang="en-US" dirty="0"/>
+              <a:t>Rust warns the programmer if the patterns are </a:t>
+            </a:r>
+            <a:r>
+              <a:rPr lang="en-US" i="1" dirty="0"/>
+              <a:t>not</a:t>
+            </a:r>
+            <a:r>
+              <a:rPr lang="en-US" dirty="0"/>
+              <a:t> exhaustive.</a:t>
+            </a:r>
+            <a:endParaRPr lang="en-US" b="1" dirty="0"/>
           </a:p>
         </p:txBody>
       </p:sp>
     </p:spTree>
     <p:extLst>
       <p:ext uri="{BB962C8B-B14F-4D97-AF65-F5344CB8AC3E}">
-        <p14:creationId xmlns:p14="http://schemas.microsoft.com/office/powerpoint/2010/main" val="2115848509"/>
+        <p14:creationId xmlns:p14="http://schemas.microsoft.com/office/powerpoint/2010/main" val="3023124263"/>
       </p:ext>
     </p:extLst>
   </p:cSld>
@@ -12755,7 +12920,7 @@
           <p:cNvPr id="2" name="Title 1">
             <a:extLst>
               <a:ext uri="{FF2B5EF4-FFF2-40B4-BE49-F238E27FC236}">
-                <a16:creationId xmlns:a16="http://schemas.microsoft.com/office/drawing/2014/main" id="{AC6C73A7-0D3A-E6C4-EC6B-2490977B38D4}"/>
+                <a16:creationId xmlns:a16="http://schemas.microsoft.com/office/drawing/2014/main" id="{7AE18351-4975-A4E0-80B7-AB98A92D38BF}"/>
               </a:ext>
             </a:extLst>
           </p:cNvPr>
@@ -12773,7 +12938,7 @@
           <a:p>
             <a:r>
               <a:rPr lang="en-US" dirty="0"/>
-              <a:t>Error Messages Matter</a:t>
+              <a:t>Section: Complete Programs</a:t>
             </a:r>
           </a:p>
         </p:txBody>
@@ -12783,7 +12948,7 @@
           <p:cNvPr id="3" name="Content Placeholder 2">
             <a:extLst>
               <a:ext uri="{FF2B5EF4-FFF2-40B4-BE49-F238E27FC236}">
-                <a16:creationId xmlns:a16="http://schemas.microsoft.com/office/drawing/2014/main" id="{5F5C4DA9-C5B9-67DE-85D2-82B9519954DF}"/>
+                <a16:creationId xmlns:a16="http://schemas.microsoft.com/office/drawing/2014/main" id="{7C2D2D98-362E-C158-FF52-3BB272E4E5C8}"/>
               </a:ext>
             </a:extLst>
           </p:cNvPr>
@@ -12799,54 +12964,14 @@
           <a:bodyPr/>
           <a:lstStyle/>
           <a:p>
-            <a:r>
-              <a:rPr lang="en-US" dirty="0"/>
-              <a:t>In Human-Centered Programming Languages, the programmer is a computer user and a PL is the user interface</a:t>
-            </a:r>
-          </a:p>
-          <a:p>
-            <a:r>
-              <a:rPr lang="en-US" dirty="0"/>
-              <a:t>If syntax is the input of the interface, compiler errors are output</a:t>
-            </a:r>
-            <a:br>
-              <a:rPr lang="en-US" dirty="0"/>
-            </a:br>
-            <a:r>
-              <a:rPr lang="en-US" dirty="0"/>
-              <a:t>To achieve programmers’ goals, error messages should be intentionally designed, e.g., to be:</a:t>
-            </a:r>
-          </a:p>
-          <a:p>
-            <a:pPr lvl="1"/>
-            <a:r>
-              <a:rPr lang="en-US" dirty="0"/>
-              <a:t>Actionable: Tell the programmer what to try next to resolve error</a:t>
-            </a:r>
-          </a:p>
-          <a:p>
-            <a:pPr lvl="1"/>
-            <a:r>
-              <a:rPr lang="en-US" dirty="0"/>
-              <a:t>Justified: If the error did not exist, something bad might happen</a:t>
-            </a:r>
-          </a:p>
-          <a:p>
-            <a:pPr lvl="1"/>
-            <a:r>
-              <a:rPr lang="en-US" dirty="0"/>
-              <a:t>Specific: The nature and location of the error should be provided with as much precision as is practical</a:t>
-            </a:r>
-          </a:p>
-          <a:p>
-            <a:endParaRPr lang="en-US" dirty="0"/>
+            <a:endParaRPr lang="en-US"/>
           </a:p>
         </p:txBody>
       </p:sp>
     </p:spTree>
     <p:extLst>
       <p:ext uri="{BB962C8B-B14F-4D97-AF65-F5344CB8AC3E}">
-        <p14:creationId xmlns:p14="http://schemas.microsoft.com/office/powerpoint/2010/main" val="1985136942"/>
+        <p14:creationId xmlns:p14="http://schemas.microsoft.com/office/powerpoint/2010/main" val="3551181496"/>
       </p:ext>
     </p:extLst>
   </p:cSld>
@@ -12878,7 +13003,7 @@
           <p:cNvPr id="2" name="Title 1">
             <a:extLst>
               <a:ext uri="{FF2B5EF4-FFF2-40B4-BE49-F238E27FC236}">
-                <a16:creationId xmlns:a16="http://schemas.microsoft.com/office/drawing/2014/main" id="{98CEB055-93B9-F250-BDE0-26C7CE926236}"/>
+                <a16:creationId xmlns:a16="http://schemas.microsoft.com/office/drawing/2014/main" id="{7AE18351-4975-A4E0-80B7-AB98A92D38BF}"/>
               </a:ext>
             </a:extLst>
           </p:cNvPr>
@@ -12896,7 +13021,7 @@
           <a:p>
             <a:r>
               <a:rPr lang="en-US" dirty="0"/>
-              <a:t>Understanding Error Messages</a:t>
+              <a:t>Using Libraries</a:t>
             </a:r>
           </a:p>
         </p:txBody>
@@ -12906,7 +13031,7 @@
           <p:cNvPr id="3" name="Content Placeholder 2">
             <a:extLst>
               <a:ext uri="{FF2B5EF4-FFF2-40B4-BE49-F238E27FC236}">
-                <a16:creationId xmlns:a16="http://schemas.microsoft.com/office/drawing/2014/main" id="{B213ED99-2FA2-0B05-94B8-D8D236CE3A78}"/>
+                <a16:creationId xmlns:a16="http://schemas.microsoft.com/office/drawing/2014/main" id="{7C2D2D98-362E-C158-FF52-3BB272E4E5C8}"/>
               </a:ext>
             </a:extLst>
           </p:cNvPr>
@@ -12917,183 +13042,106 @@
             <p:ph idx="1"/>
           </p:nvPr>
         </p:nvSpPr>
-        <p:spPr>
-          <a:xfrm>
-            <a:off x="1097280" y="1845734"/>
-            <a:ext cx="7272997" cy="4023360"/>
-          </a:xfrm>
-        </p:spPr>
-        <p:txBody>
-          <a:bodyPr>
-            <a:normAutofit fontScale="92500" lnSpcReduction="10000"/>
-          </a:bodyPr>
-          <a:lstStyle/>
-          <a:p>
-            <a:r>
-              <a:rPr lang="en-US" dirty="0"/>
-              <a:t>Learning error messages is part of learning a programming language. The textbook explains some of the most common error messages, e.g.,</a:t>
-            </a:r>
-          </a:p>
-          <a:p>
-            <a:r>
-              <a:rPr lang="en-US" dirty="0"/>
-              <a:t>Borrows which violate the </a:t>
+        <p:spPr/>
+        <p:txBody>
+          <a:bodyPr/>
+          <a:lstStyle/>
+          <a:p>
+            <a:r>
+              <a:rPr lang="en-US" dirty="0"/>
+              <a:t>Libraries are organized into modules. For our purposes, modules will correspond to files of code. Module names can have multiple parts separated by double colons ::</a:t>
+            </a:r>
+          </a:p>
+          <a:p>
+            <a:r>
+              <a:rPr lang="en-US" dirty="0"/>
+              <a:t>The use keyword allows you to call functions from a given module</a:t>
+            </a:r>
+          </a:p>
+          <a:p>
+            <a:pPr marL="0" indent="0">
+              <a:buNone/>
+            </a:pPr>
+            <a:r>
+              <a:rPr lang="en-US" dirty="0">
+                <a:latin typeface="Consolas" panose="020B0609020204030204" pitchFamily="49" charset="0"/>
+              </a:rPr>
+              <a:t>use </a:t>
+            </a:r>
+            <a:r>
+              <a:rPr lang="en-US" dirty="0" err="1">
+                <a:latin typeface="Consolas" panose="020B0609020204030204" pitchFamily="49" charset="0"/>
+              </a:rPr>
+              <a:t>stdhash</a:t>
+            </a:r>
+            <a:r>
+              <a:rPr lang="en-US" dirty="0">
+                <a:latin typeface="Consolas" panose="020B0609020204030204" pitchFamily="49" charset="0"/>
+              </a:rPr>
+              <a:t>::Hash;</a:t>
+            </a:r>
+            <a:br>
+              <a:rPr lang="en-US" dirty="0"/>
+            </a:br>
+            <a:r>
+              <a:rPr lang="en-US" dirty="0">
+                <a:latin typeface="Consolas" panose="020B0609020204030204" pitchFamily="49" charset="0"/>
+              </a:rPr>
+              <a:t>use </a:t>
+            </a:r>
+            <a:r>
+              <a:rPr lang="en-US" dirty="0" err="1">
+                <a:latin typeface="Consolas" panose="020B0609020204030204" pitchFamily="49" charset="0"/>
+              </a:rPr>
+              <a:t>rpds</a:t>
+            </a:r>
+            <a:r>
+              <a:rPr lang="en-US" dirty="0">
+                <a:latin typeface="Consolas" panose="020B0609020204030204" pitchFamily="49" charset="0"/>
+              </a:rPr>
+              <a:t>::</a:t>
+            </a:r>
+            <a:r>
+              <a:rPr lang="en-US" dirty="0" err="1">
+                <a:latin typeface="Consolas" panose="020B0609020204030204" pitchFamily="49" charset="0"/>
+              </a:rPr>
+              <a:t>HashTrieMap</a:t>
+            </a:r>
+            <a:r>
+              <a:rPr lang="en-US" dirty="0">
+                <a:latin typeface="Consolas" panose="020B0609020204030204" pitchFamily="49" charset="0"/>
+              </a:rPr>
+              <a:t>;</a:t>
+            </a:r>
+          </a:p>
+          <a:p>
+            <a:r>
+              <a:rPr lang="en-US" dirty="0"/>
+              <a:t>for example, lets your program use Hash from the </a:t>
             </a:r>
             <a:r>
               <a:rPr lang="en-US" dirty="0" err="1"/>
-              <a:t>WOoRM</a:t>
-            </a:r>
-            <a:r>
-              <a:rPr lang="en-US" dirty="0"/>
-              <a:t> rule result in error messages. The example on the right gives:</a:t>
-            </a:r>
-          </a:p>
-          <a:p>
-            <a:r>
-              <a:rPr lang="en-US" dirty="0"/>
-              <a:t>" cannot borrow `x` as mutable more than once at a time, second mutable borrow occurs here“</a:t>
-            </a:r>
-          </a:p>
-          <a:p>
-            <a:r>
-              <a:rPr lang="en-US" dirty="0"/>
-              <a:t>This message is specific and justified but not actionable. Recommended actions: make one reference immutable if possible, else </a:t>
-            </a:r>
-            <a:r>
-              <a:rPr lang="en-US" dirty="0">
-                <a:latin typeface="Consolas" panose="020B0609020204030204" pitchFamily="49" charset="0"/>
-              </a:rPr>
-              <a:t>.clone()</a:t>
-            </a:r>
-            <a:r>
-              <a:rPr lang="en-US" dirty="0"/>
-              <a:t> data</a:t>
-            </a:r>
-          </a:p>
-        </p:txBody>
-      </p:sp>
-      <p:sp>
-        <p:nvSpPr>
-          <p:cNvPr id="4" name="TextBox 3">
-            <a:extLst>
-              <a:ext uri="{FF2B5EF4-FFF2-40B4-BE49-F238E27FC236}">
-                <a16:creationId xmlns:a16="http://schemas.microsoft.com/office/drawing/2014/main" id="{D2CAD768-65D3-0EE4-C2C3-190DD21273E7}"/>
-              </a:ext>
-            </a:extLst>
-          </p:cNvPr>
-          <p:cNvSpPr txBox="1"/>
-          <p:nvPr/>
-        </p:nvSpPr>
-        <p:spPr>
-          <a:xfrm>
-            <a:off x="8784139" y="2453363"/>
-            <a:ext cx="2310581" cy="1200329"/>
-          </a:xfrm>
-          <a:prstGeom prst="rect">
-            <a:avLst/>
-          </a:prstGeom>
-          <a:noFill/>
-        </p:spPr>
-        <p:txBody>
-          <a:bodyPr wrap="square" rtlCol="0">
-            <a:spAutoFit/>
-          </a:bodyPr>
-          <a:lstStyle/>
-          <a:p>
-            <a:r>
-              <a:rPr lang="en-US" dirty="0">
-                <a:latin typeface="Consolas" panose="020B0609020204030204" pitchFamily="49" charset="0"/>
-              </a:rPr>
-              <a:t>let mut x = 5;</a:t>
-            </a:r>
-          </a:p>
-          <a:p>
-            <a:r>
-              <a:rPr lang="en-US" dirty="0">
-                <a:latin typeface="Consolas" panose="020B0609020204030204" pitchFamily="49" charset="0"/>
-              </a:rPr>
-              <a:t>let r1 = &amp;mut x;</a:t>
-            </a:r>
-          </a:p>
-          <a:p>
-            <a:r>
-              <a:rPr lang="en-US" dirty="0">
-                <a:latin typeface="Consolas" panose="020B0609020204030204" pitchFamily="49" charset="0"/>
-              </a:rPr>
-              <a:t>let r2 = &amp;mut x;</a:t>
-            </a:r>
-          </a:p>
-          <a:p>
-            <a:r>
-              <a:rPr lang="en-US" dirty="0">
-                <a:latin typeface="Consolas" panose="020B0609020204030204" pitchFamily="49" charset="0"/>
-              </a:rPr>
-              <a:t>*r1 = *r2 + 1;</a:t>
-            </a:r>
-          </a:p>
-        </p:txBody>
-      </p:sp>
-      <p:pic>
-        <p:nvPicPr>
-          <p:cNvPr id="5" name="Picture 4">
-            <a:extLst>
-              <a:ext uri="{FF2B5EF4-FFF2-40B4-BE49-F238E27FC236}">
-                <a16:creationId xmlns:a16="http://schemas.microsoft.com/office/drawing/2014/main" id="{004ACB54-9DF7-58A6-19EA-ACE6D17629FB}"/>
-              </a:ext>
-            </a:extLst>
-          </p:cNvPr>
-          <p:cNvPicPr>
-            <a:picLocks noChangeAspect="1"/>
-          </p:cNvPicPr>
-          <p:nvPr/>
-        </p:nvPicPr>
-        <p:blipFill>
-          <a:blip r:embed="rId2"/>
-          <a:stretch>
-            <a:fillRect/>
-          </a:stretch>
-        </p:blipFill>
-        <p:spPr>
-          <a:xfrm>
-            <a:off x="8528551" y="3782929"/>
-            <a:ext cx="585370" cy="529140"/>
-          </a:xfrm>
-          <a:prstGeom prst="rect">
-            <a:avLst/>
-          </a:prstGeom>
-        </p:spPr>
-      </p:pic>
-      <p:sp>
-        <p:nvSpPr>
-          <p:cNvPr id="6" name="TextBox 5">
-            <a:extLst>
-              <a:ext uri="{FF2B5EF4-FFF2-40B4-BE49-F238E27FC236}">
-                <a16:creationId xmlns:a16="http://schemas.microsoft.com/office/drawing/2014/main" id="{26320677-DDDD-7E38-ECA2-F8F8DDC75C59}"/>
-              </a:ext>
-            </a:extLst>
-          </p:cNvPr>
-          <p:cNvSpPr txBox="1"/>
-          <p:nvPr/>
-        </p:nvSpPr>
-        <p:spPr>
-          <a:xfrm>
-            <a:off x="9101916" y="3788849"/>
-            <a:ext cx="1399807" cy="523220"/>
-          </a:xfrm>
-          <a:prstGeom prst="rect">
-            <a:avLst/>
-          </a:prstGeom>
-          <a:noFill/>
-        </p:spPr>
-        <p:txBody>
-          <a:bodyPr wrap="none" rtlCol="0">
-            <a:spAutoFit/>
-          </a:bodyPr>
-          <a:lstStyle/>
-          <a:p>
-            <a:r>
-              <a:rPr lang="en-US" sz="2800" dirty="0"/>
-              <a:t>2 Writes</a:t>
+              <a:t>stdhash</a:t>
+            </a:r>
+            <a:r>
+              <a:rPr lang="en-US" dirty="0"/>
+              <a:t> module and </a:t>
+            </a:r>
+            <a:r>
+              <a:rPr lang="en-US" dirty="0" err="1"/>
+              <a:t>HashTrieMap</a:t>
+            </a:r>
+            <a:r>
+              <a:rPr lang="en-US" dirty="0"/>
+              <a:t> from the non-standard </a:t>
+            </a:r>
+            <a:r>
+              <a:rPr lang="en-US" dirty="0" err="1"/>
+              <a:t>rpds</a:t>
+            </a:r>
+            <a:r>
+              <a:rPr lang="en-US" dirty="0"/>
+              <a:t> module.</a:t>
             </a:r>
           </a:p>
         </p:txBody>
@@ -13101,7 +13149,7 @@
     </p:spTree>
     <p:extLst>
       <p:ext uri="{BB962C8B-B14F-4D97-AF65-F5344CB8AC3E}">
-        <p14:creationId xmlns:p14="http://schemas.microsoft.com/office/powerpoint/2010/main" val="2442107253"/>
+        <p14:creationId xmlns:p14="http://schemas.microsoft.com/office/powerpoint/2010/main" val="799150681"/>
       </p:ext>
     </p:extLst>
   </p:cSld>
@@ -13133,7 +13181,7 @@
           <p:cNvPr id="2" name="Title 1">
             <a:extLst>
               <a:ext uri="{FF2B5EF4-FFF2-40B4-BE49-F238E27FC236}">
-                <a16:creationId xmlns:a16="http://schemas.microsoft.com/office/drawing/2014/main" id="{98CEB055-93B9-F250-BDE0-26C7CE926236}"/>
+                <a16:creationId xmlns:a16="http://schemas.microsoft.com/office/drawing/2014/main" id="{9367EF7F-F871-EDDA-3B3F-1AF001ADA136}"/>
               </a:ext>
             </a:extLst>
           </p:cNvPr>
@@ -13151,7 +13199,7 @@
           <a:p>
             <a:r>
               <a:rPr lang="en-US" dirty="0"/>
-              <a:t>Understanding Error Messages</a:t>
+              <a:t>Main Function</a:t>
             </a:r>
           </a:p>
         </p:txBody>
@@ -13161,7 +13209,7 @@
           <p:cNvPr id="3" name="Content Placeholder 2">
             <a:extLst>
               <a:ext uri="{FF2B5EF4-FFF2-40B4-BE49-F238E27FC236}">
-                <a16:creationId xmlns:a16="http://schemas.microsoft.com/office/drawing/2014/main" id="{B213ED99-2FA2-0B05-94B8-D8D236CE3A78}"/>
+                <a16:creationId xmlns:a16="http://schemas.microsoft.com/office/drawing/2014/main" id="{267C03B7-4E50-597A-F00B-53538362EF27}"/>
               </a:ext>
             </a:extLst>
           </p:cNvPr>
@@ -13172,339 +13220,99 @@
             <p:ph idx="1"/>
           </p:nvPr>
         </p:nvSpPr>
-        <p:spPr>
-          <a:xfrm>
-            <a:off x="639097" y="1845734"/>
-            <a:ext cx="6984112" cy="4006426"/>
-          </a:xfrm>
-        </p:spPr>
+        <p:spPr/>
         <p:txBody>
           <a:bodyPr>
-            <a:normAutofit/>
+            <a:normAutofit fontScale="92500" lnSpcReduction="10000"/>
           </a:bodyPr>
           <a:lstStyle/>
           <a:p>
             <a:r>
               <a:rPr lang="en-US" dirty="0"/>
-              <a:t>Many errors have the form “I expected one type but got another.” The messages for these errors are usually actionable, but there is a fundamental limitation: the compiler cannot tell whether you </a:t>
-            </a:r>
-            <a:r>
-              <a:rPr lang="en-US" i="1" dirty="0"/>
-              <a:t>provided</a:t>
-            </a:r>
-            <a:r>
-              <a:rPr lang="en-US" dirty="0"/>
-              <a:t> the wrong type vs. </a:t>
-            </a:r>
-            <a:r>
-              <a:rPr lang="en-US" i="1" dirty="0"/>
-              <a:t>expected</a:t>
-            </a:r>
-            <a:r>
-              <a:rPr lang="en-US" dirty="0"/>
-              <a:t> the wrong type.</a:t>
-            </a:r>
-          </a:p>
-          <a:p>
-            <a:r>
-              <a:rPr lang="en-US" sz="2200" dirty="0">
-                <a:latin typeface="Consolas" panose="020B0609020204030204" pitchFamily="49" charset="0"/>
-              </a:rPr>
-              <a:t>mismatched types, expected struct Box&lt;</a:t>
-            </a:r>
-            <a:r>
-              <a:rPr lang="en-US" sz="2200" dirty="0" err="1">
-                <a:latin typeface="Consolas" panose="020B0609020204030204" pitchFamily="49" charset="0"/>
-              </a:rPr>
-              <a:t>IntListList</a:t>
-            </a:r>
-            <a:r>
-              <a:rPr lang="en-US" sz="2200" dirty="0">
-                <a:latin typeface="Consolas" panose="020B0609020204030204" pitchFamily="49" charset="0"/>
-              </a:rPr>
-              <a:t>&gt;, found </a:t>
-            </a:r>
-            <a:r>
-              <a:rPr lang="en-US" sz="2200" dirty="0" err="1">
-                <a:latin typeface="Consolas" panose="020B0609020204030204" pitchFamily="49" charset="0"/>
-              </a:rPr>
-              <a:t>enum</a:t>
-            </a:r>
-            <a:r>
-              <a:rPr lang="en-US" sz="2200" dirty="0">
-                <a:latin typeface="Consolas" panose="020B0609020204030204" pitchFamily="49" charset="0"/>
-              </a:rPr>
-              <a:t> </a:t>
-            </a:r>
-            <a:r>
-              <a:rPr lang="en-US" sz="2200" dirty="0" err="1">
-                <a:latin typeface="Consolas" panose="020B0609020204030204" pitchFamily="49" charset="0"/>
-              </a:rPr>
-              <a:t>IntListList</a:t>
+              <a:t>A complete Rust program must have a function named main with no arguments and no return type annotation:</a:t>
+            </a:r>
+          </a:p>
+          <a:p>
+            <a:pPr marL="0" indent="0">
+              <a:buNone/>
+            </a:pPr>
+            <a:r>
+              <a:rPr lang="en-US" dirty="0" err="1">
+                <a:latin typeface="Consolas" panose="020B0609020204030204" pitchFamily="49" charset="0"/>
+              </a:rPr>
+              <a:t>fn</a:t>
+            </a:r>
+            <a:r>
+              <a:rPr lang="en-US" dirty="0">
+                <a:latin typeface="Consolas" panose="020B0609020204030204" pitchFamily="49" charset="0"/>
+              </a:rPr>
+              <a:t> main () {</a:t>
             </a:r>
             <a:br>
-              <a:rPr lang="en-US" sz="2200" dirty="0">
+              <a:rPr lang="en-US" dirty="0">
                 <a:latin typeface="Consolas" panose="020B0609020204030204" pitchFamily="49" charset="0"/>
               </a:rPr>
             </a:br>
             <a:r>
-              <a:rPr lang="en-US" sz="2200" dirty="0">
-                <a:latin typeface="Consolas" panose="020B0609020204030204" pitchFamily="49" charset="0"/>
-              </a:rPr>
-              <a:t>consider dereferencing the boxed value: *ill</a:t>
-            </a:r>
-          </a:p>
-        </p:txBody>
-      </p:sp>
-      <p:sp>
-        <p:nvSpPr>
-          <p:cNvPr id="4" name="TextBox 3">
-            <a:extLst>
-              <a:ext uri="{FF2B5EF4-FFF2-40B4-BE49-F238E27FC236}">
-                <a16:creationId xmlns:a16="http://schemas.microsoft.com/office/drawing/2014/main" id="{D2CAD768-65D3-0EE4-C2C3-190DD21273E7}"/>
-              </a:ext>
-            </a:extLst>
-          </p:cNvPr>
-          <p:cNvSpPr txBox="1"/>
-          <p:nvPr/>
-        </p:nvSpPr>
-        <p:spPr>
-          <a:xfrm>
-            <a:off x="7623209" y="2453363"/>
-            <a:ext cx="4446872" cy="2308324"/>
-          </a:xfrm>
-          <a:prstGeom prst="rect">
-            <a:avLst/>
-          </a:prstGeom>
-          <a:noFill/>
-        </p:spPr>
-        <p:txBody>
-          <a:bodyPr wrap="square" rtlCol="0">
-            <a:spAutoFit/>
-          </a:bodyPr>
-          <a:lstStyle/>
-          <a:p>
+              <a:rPr lang="en-US" dirty="0">
+                <a:latin typeface="Consolas" panose="020B0609020204030204" pitchFamily="49" charset="0"/>
+              </a:rPr>
+              <a:t>  body</a:t>
+            </a:r>
+            <a:br>
+              <a:rPr lang="en-US" dirty="0">
+                <a:latin typeface="Consolas" panose="020B0609020204030204" pitchFamily="49" charset="0"/>
+              </a:rPr>
+            </a:br>
+            <a:r>
+              <a:rPr lang="en-US" dirty="0">
+                <a:latin typeface="Consolas" panose="020B0609020204030204" pitchFamily="49" charset="0"/>
+              </a:rPr>
+              <a:t>}</a:t>
+            </a:r>
+          </a:p>
+          <a:p>
+            <a:pPr marL="0" indent="0">
+              <a:buNone/>
+            </a:pPr>
+            <a:r>
+              <a:rPr lang="en-US" dirty="0"/>
+              <a:t>The body expression typically performs input and output, for any non-trivial program.</a:t>
+            </a:r>
+          </a:p>
+          <a:p>
+            <a:pPr marL="0" indent="0">
+              <a:buNone/>
+            </a:pPr>
+            <a:r>
+              <a:rPr lang="en-US" dirty="0"/>
+              <a:t>If you wish to access command-line arguments, you must use a standard library module called </a:t>
+            </a:r>
             <a:r>
               <a:rPr lang="en-US" dirty="0" err="1">
                 <a:latin typeface="Consolas" panose="020B0609020204030204" pitchFamily="49" charset="0"/>
               </a:rPr>
-              <a:t>fn</a:t>
-            </a:r>
-            <a:r>
-              <a:rPr lang="en-US" dirty="0">
-                <a:latin typeface="Consolas" panose="020B0609020204030204" pitchFamily="49" charset="0"/>
-              </a:rPr>
-              <a:t> </a:t>
-            </a:r>
-            <a:r>
-              <a:rPr lang="en-US" dirty="0" err="1">
-                <a:latin typeface="Consolas" panose="020B0609020204030204" pitchFamily="49" charset="0"/>
-              </a:rPr>
-              <a:t>ill_length</a:t>
-            </a:r>
-            <a:br>
-              <a:rPr lang="en-US" dirty="0">
-                <a:latin typeface="Consolas" panose="020B0609020204030204" pitchFamily="49" charset="0"/>
-              </a:rPr>
-            </a:br>
-            <a:r>
-              <a:rPr lang="en-US" dirty="0">
-                <a:latin typeface="Consolas" panose="020B0609020204030204" pitchFamily="49" charset="0"/>
-              </a:rPr>
-              <a:t>(L: Box&lt;</a:t>
-            </a:r>
-            <a:r>
-              <a:rPr lang="en-US" dirty="0" err="1">
-                <a:latin typeface="Consolas" panose="020B0609020204030204" pitchFamily="49" charset="0"/>
-              </a:rPr>
-              <a:t>IntLinkedList</a:t>
-            </a:r>
-            <a:r>
-              <a:rPr lang="en-US" dirty="0">
-                <a:latin typeface="Consolas" panose="020B0609020204030204" pitchFamily="49" charset="0"/>
-              </a:rPr>
-              <a:t>&gt;)-&gt;i32 {</a:t>
-            </a:r>
-          </a:p>
-          <a:p>
-            <a:r>
-              <a:rPr lang="en-US" dirty="0">
-                <a:latin typeface="Consolas" panose="020B0609020204030204" pitchFamily="49" charset="0"/>
-              </a:rPr>
-              <a:t>  match L {</a:t>
-            </a:r>
-          </a:p>
-          <a:p>
-            <a:r>
-              <a:rPr lang="en-US" dirty="0">
-                <a:latin typeface="Consolas" panose="020B0609020204030204" pitchFamily="49" charset="0"/>
-              </a:rPr>
-              <a:t>    </a:t>
-            </a:r>
-            <a:r>
-              <a:rPr lang="en-US" dirty="0" err="1">
-                <a:latin typeface="Consolas" panose="020B0609020204030204" pitchFamily="49" charset="0"/>
-              </a:rPr>
-              <a:t>IntLinkedList</a:t>
-            </a:r>
-            <a:r>
-              <a:rPr lang="en-US" dirty="0">
-                <a:latin typeface="Consolas" panose="020B0609020204030204" pitchFamily="49" charset="0"/>
-              </a:rPr>
-              <a:t>::Empty =&gt; 0,</a:t>
-            </a:r>
-          </a:p>
-          <a:p>
-            <a:r>
-              <a:rPr lang="en-US" dirty="0">
-                <a:latin typeface="Consolas" panose="020B0609020204030204" pitchFamily="49" charset="0"/>
-              </a:rPr>
-              <a:t>    </a:t>
-            </a:r>
-            <a:r>
-              <a:rPr lang="en-US" dirty="0" err="1">
-                <a:latin typeface="Consolas" panose="020B0609020204030204" pitchFamily="49" charset="0"/>
-              </a:rPr>
-              <a:t>IntLinkedList</a:t>
-            </a:r>
-            <a:r>
-              <a:rPr lang="en-US" dirty="0">
-                <a:latin typeface="Consolas" panose="020B0609020204030204" pitchFamily="49" charset="0"/>
-              </a:rPr>
-              <a:t>::Cons(x, </a:t>
-            </a:r>
-            <a:r>
-              <a:rPr lang="en-US" dirty="0" err="1">
-                <a:latin typeface="Consolas" panose="020B0609020204030204" pitchFamily="49" charset="0"/>
-              </a:rPr>
-              <a:t>xs</a:t>
-            </a:r>
-            <a:r>
-              <a:rPr lang="en-US" dirty="0">
-                <a:latin typeface="Consolas" panose="020B0609020204030204" pitchFamily="49" charset="0"/>
-              </a:rPr>
-              <a:t>) =&gt;</a:t>
-            </a:r>
-          </a:p>
-          <a:p>
-            <a:r>
-              <a:rPr lang="en-US" dirty="0">
-                <a:latin typeface="Consolas" panose="020B0609020204030204" pitchFamily="49" charset="0"/>
-              </a:rPr>
-              <a:t>     1 + </a:t>
-            </a:r>
-            <a:r>
-              <a:rPr lang="en-US" dirty="0" err="1">
-                <a:latin typeface="Consolas" panose="020B0609020204030204" pitchFamily="49" charset="0"/>
-              </a:rPr>
-              <a:t>ill_length</a:t>
-            </a:r>
-            <a:r>
-              <a:rPr lang="en-US" dirty="0">
-                <a:latin typeface="Consolas" panose="020B0609020204030204" pitchFamily="49" charset="0"/>
-              </a:rPr>
-              <a:t>(</a:t>
-            </a:r>
-            <a:r>
-              <a:rPr lang="en-US" dirty="0" err="1">
-                <a:latin typeface="Consolas" panose="020B0609020204030204" pitchFamily="49" charset="0"/>
-              </a:rPr>
-              <a:t>xs</a:t>
-            </a:r>
-            <a:r>
-              <a:rPr lang="en-US" dirty="0">
-                <a:latin typeface="Consolas" panose="020B0609020204030204" pitchFamily="49" charset="0"/>
-              </a:rPr>
-              <a:t>),</a:t>
-            </a:r>
-          </a:p>
-          <a:p>
-            <a:r>
-              <a:rPr lang="en-US" dirty="0">
-                <a:latin typeface="Consolas" panose="020B0609020204030204" pitchFamily="49" charset="0"/>
-              </a:rPr>
-              <a:t>  }</a:t>
-            </a:r>
-          </a:p>
-          <a:p>
-            <a:r>
-              <a:rPr lang="en-US" dirty="0">
-                <a:latin typeface="Consolas" panose="020B0609020204030204" pitchFamily="49" charset="0"/>
-              </a:rPr>
-              <a:t>}</a:t>
-            </a:r>
-          </a:p>
-        </p:txBody>
-      </p:sp>
-      <p:pic>
-        <p:nvPicPr>
-          <p:cNvPr id="5" name="Picture 4">
-            <a:extLst>
-              <a:ext uri="{FF2B5EF4-FFF2-40B4-BE49-F238E27FC236}">
-                <a16:creationId xmlns:a16="http://schemas.microsoft.com/office/drawing/2014/main" id="{004ACB54-9DF7-58A6-19EA-ACE6D17629FB}"/>
-              </a:ext>
-            </a:extLst>
-          </p:cNvPr>
-          <p:cNvPicPr>
-            <a:picLocks noChangeAspect="1"/>
-          </p:cNvPicPr>
-          <p:nvPr/>
-        </p:nvPicPr>
-        <p:blipFill>
-          <a:blip r:embed="rId2"/>
-          <a:stretch>
-            <a:fillRect/>
-          </a:stretch>
-        </p:blipFill>
-        <p:spPr>
-          <a:xfrm>
-            <a:off x="7902909" y="4851334"/>
-            <a:ext cx="585370" cy="529140"/>
-          </a:xfrm>
-          <a:prstGeom prst="rect">
-            <a:avLst/>
-          </a:prstGeom>
-        </p:spPr>
-      </p:pic>
-      <p:sp>
-        <p:nvSpPr>
-          <p:cNvPr id="6" name="TextBox 5">
-            <a:extLst>
-              <a:ext uri="{FF2B5EF4-FFF2-40B4-BE49-F238E27FC236}">
-                <a16:creationId xmlns:a16="http://schemas.microsoft.com/office/drawing/2014/main" id="{26320677-DDDD-7E38-ECA2-F8F8DDC75C59}"/>
-              </a:ext>
-            </a:extLst>
-          </p:cNvPr>
-          <p:cNvSpPr txBox="1"/>
-          <p:nvPr/>
-        </p:nvSpPr>
-        <p:spPr>
-          <a:xfrm>
-            <a:off x="8476274" y="4857254"/>
-            <a:ext cx="2396875" cy="523220"/>
-          </a:xfrm>
-          <a:prstGeom prst="rect">
-            <a:avLst/>
-          </a:prstGeom>
-          <a:noFill/>
-        </p:spPr>
-        <p:txBody>
-          <a:bodyPr wrap="none" rtlCol="0">
-            <a:spAutoFit/>
-          </a:bodyPr>
-          <a:lstStyle/>
-          <a:p>
-            <a:r>
-              <a:rPr lang="en-US" sz="2800" dirty="0"/>
-              <a:t>Type Mismatch</a:t>
-            </a:r>
+              <a:t>stdenv</a:t>
+            </a:r>
+            <a:r>
+              <a:rPr lang="en-US" dirty="0"/>
+              <a:t>; command-line arguments are not passed to the main function</a:t>
+            </a:r>
+          </a:p>
+          <a:p>
+            <a:pPr marL="0" indent="0">
+              <a:buNone/>
+            </a:pPr>
+            <a:endParaRPr lang="en-US" dirty="0">
+              <a:latin typeface="Consolas" panose="020B0609020204030204" pitchFamily="49" charset="0"/>
+            </a:endParaRPr>
           </a:p>
         </p:txBody>
       </p:sp>
     </p:spTree>
     <p:extLst>
       <p:ext uri="{BB962C8B-B14F-4D97-AF65-F5344CB8AC3E}">
-        <p14:creationId xmlns:p14="http://schemas.microsoft.com/office/powerpoint/2010/main" val="779664718"/>
+        <p14:creationId xmlns:p14="http://schemas.microsoft.com/office/powerpoint/2010/main" val="4066411414"/>
       </p:ext>
     </p:extLst>
   </p:cSld>
@@ -13536,7 +13344,7 @@
           <p:cNvPr id="2" name="Title 1">
             <a:extLst>
               <a:ext uri="{FF2B5EF4-FFF2-40B4-BE49-F238E27FC236}">
-                <a16:creationId xmlns:a16="http://schemas.microsoft.com/office/drawing/2014/main" id="{C0BF21B0-CA8E-E295-6564-53BB6C9310A5}"/>
+                <a16:creationId xmlns:a16="http://schemas.microsoft.com/office/drawing/2014/main" id="{B9DB7FEE-CEA2-CD77-5580-0EF28384D850}"/>
               </a:ext>
             </a:extLst>
           </p:cNvPr>
@@ -13554,7 +13362,7 @@
           <a:p>
             <a:r>
               <a:rPr lang="en-US" dirty="0"/>
-              <a:t>Cargo and Why It Is Popular</a:t>
+              <a:t>Exercise: Code in Class</a:t>
             </a:r>
           </a:p>
         </p:txBody>
@@ -13564,7 +13372,7 @@
           <p:cNvPr id="3" name="Content Placeholder 2">
             <a:extLst>
               <a:ext uri="{FF2B5EF4-FFF2-40B4-BE49-F238E27FC236}">
-                <a16:creationId xmlns:a16="http://schemas.microsoft.com/office/drawing/2014/main" id="{05D00F42-4A4A-90AA-BAD9-CEAEF70947FC}"/>
+                <a16:creationId xmlns:a16="http://schemas.microsoft.com/office/drawing/2014/main" id="{8AC6FAFF-9956-647E-A163-4F0F492129DA}"/>
               </a:ext>
             </a:extLst>
           </p:cNvPr>
@@ -13577,95 +13385,78 @@
         </p:nvSpPr>
         <p:spPr/>
         <p:txBody>
-          <a:bodyPr>
-            <a:normAutofit fontScale="92500" lnSpcReduction="10000"/>
-          </a:bodyPr>
-          <a:lstStyle/>
-          <a:p>
-            <a:r>
-              <a:rPr lang="en-US" dirty="0"/>
-              <a:t>Cargo is Rust’s tool for managing compilation and packages (crates)</a:t>
-            </a:r>
-          </a:p>
-          <a:p>
-            <a:r>
-              <a:rPr lang="en-US" dirty="0"/>
-              <a:t>Every Rust project has a file </a:t>
+          <a:bodyPr/>
+          <a:lstStyle/>
+          <a:p>
+            <a:r>
+              <a:rPr lang="en-US" dirty="0"/>
+              <a:t>Let’s spend a few minutes coding as many of the following textbook exercises as you have time for. Ask questions at any time. We will discuss as a class at the end.</a:t>
+            </a:r>
+          </a:p>
+          <a:p>
+            <a:r>
+              <a:rPr lang="en-US" dirty="0"/>
+              <a:t>Exercise 9a (nor)</a:t>
+            </a:r>
+            <a:br>
+              <a:rPr lang="en-US" dirty="0"/>
+            </a:br>
+            <a:r>
+              <a:rPr lang="en-US" dirty="0"/>
+              <a:t>Exercise 9c (reverse)</a:t>
+            </a:r>
+            <a:br>
+              <a:rPr lang="en-US" dirty="0"/>
+            </a:br>
+            <a:r>
+              <a:rPr lang="en-US" dirty="0"/>
+              <a:t>Exercise 9d (</a:t>
             </a:r>
             <a:r>
               <a:rPr lang="en-US" dirty="0" err="1"/>
-              <a:t>Cargo.toml</a:t>
-            </a:r>
-            <a:r>
-              <a:rPr lang="en-US" dirty="0"/>
-              <a:t> explaining which packages are required. We provide it for homework; for your own projects, you would have to write it</a:t>
-            </a:r>
-          </a:p>
-          <a:p>
-            <a:r>
-              <a:rPr lang="en-US" b="1" dirty="0"/>
-              <a:t>Pro:</a:t>
-            </a:r>
-            <a:r>
-              <a:rPr lang="en-US" dirty="0"/>
-              <a:t> Cargo files have a reputation for being very short, e.g.</a:t>
+              <a:t>concat_all</a:t>
+            </a:r>
+            <a:r>
+              <a:rPr lang="en-US" dirty="0"/>
+              <a:t>)</a:t>
             </a:r>
             <a:br>
               <a:rPr lang="en-US" dirty="0"/>
             </a:br>
             <a:r>
               <a:rPr lang="en-US" dirty="0"/>
-              <a:t>[package]</a:t>
+              <a:t>Exercise 9e (</a:t>
+            </a:r>
+            <a:r>
+              <a:rPr lang="en-US" dirty="0" err="1"/>
+              <a:t>day_name_string</a:t>
+            </a:r>
+            <a:r>
+              <a:rPr lang="en-US" dirty="0"/>
+              <a:t>)</a:t>
             </a:r>
             <a:br>
               <a:rPr lang="en-US" dirty="0"/>
             </a:br>
             <a:r>
               <a:rPr lang="en-US" dirty="0"/>
-              <a:t>name = "asgn3“</a:t>
-            </a:r>
-            <a:br>
-              <a:rPr lang="en-US" dirty="0"/>
-            </a:br>
-            <a:r>
-              <a:rPr lang="en-US" dirty="0"/>
-              <a:t>version = "0.1.0“</a:t>
-            </a:r>
-            <a:br>
-              <a:rPr lang="en-US" dirty="0"/>
-            </a:br>
-            <a:r>
-              <a:rPr lang="en-US" dirty="0"/>
-              <a:t>edition = "2023“</a:t>
-            </a:r>
-            <a:br>
-              <a:rPr lang="en-US" dirty="0"/>
-            </a:br>
-            <a:r>
-              <a:rPr lang="en-US" dirty="0"/>
-              <a:t>[dependencies]</a:t>
-            </a:r>
-            <a:br>
-              <a:rPr lang="en-US" dirty="0"/>
-            </a:br>
+              <a:t>Exercise 9g (</a:t>
+            </a:r>
             <a:r>
               <a:rPr lang="en-US" dirty="0" err="1"/>
-              <a:t>rpds</a:t>
-            </a:r>
-            <a:r>
-              <a:rPr lang="en-US" dirty="0"/>
-              <a:t> = "0.13.0"</a:t>
-            </a:r>
-          </a:p>
-          <a:p>
-            <a:endParaRPr lang="en-US" b="1" dirty="0"/>
+              <a:t>tree_size</a:t>
+            </a:r>
+            <a:r>
+              <a:rPr lang="en-US" dirty="0"/>
+              <a:t>)</a:t>
+            </a:r>
           </a:p>
         </p:txBody>
       </p:sp>
     </p:spTree>
     <p:extLst>
       <p:ext uri="{BB962C8B-B14F-4D97-AF65-F5344CB8AC3E}">
-        <p14:creationId xmlns:p14="http://schemas.microsoft.com/office/powerpoint/2010/main" val="340229880"/>
+        <p14:creationId xmlns:p14="http://schemas.microsoft.com/office/powerpoint/2010/main" val="1966329221"/>
       </p:ext>
     </p:extLst>
   </p:cSld>
@@ -13697,7 +13488,7 @@
           <p:cNvPr id="2" name="Title 1">
             <a:extLst>
               <a:ext uri="{FF2B5EF4-FFF2-40B4-BE49-F238E27FC236}">
-                <a16:creationId xmlns:a16="http://schemas.microsoft.com/office/drawing/2014/main" id="{B56F33E7-9DE7-16B7-AEC4-E7A39E7EC864}"/>
+                <a16:creationId xmlns:a16="http://schemas.microsoft.com/office/drawing/2014/main" id="{47409C7D-E6CA-7CC7-1F89-45EE00C3EA4A}"/>
               </a:ext>
             </a:extLst>
           </p:cNvPr>
@@ -13715,7 +13506,7 @@
           <a:p>
             <a:r>
               <a:rPr lang="en-US" dirty="0"/>
-              <a:t>Summary</a:t>
+              <a:t>Section: Reflecting on User Experience</a:t>
             </a:r>
           </a:p>
         </p:txBody>
@@ -13725,7 +13516,7 @@
           <p:cNvPr id="3" name="Content Placeholder 2">
             <a:extLst>
               <a:ext uri="{FF2B5EF4-FFF2-40B4-BE49-F238E27FC236}">
-                <a16:creationId xmlns:a16="http://schemas.microsoft.com/office/drawing/2014/main" id="{79E8AF76-4F12-B74D-C83E-0652128B8622}"/>
+                <a16:creationId xmlns:a16="http://schemas.microsoft.com/office/drawing/2014/main" id="{95889976-92CA-FCE9-54EE-55C1C5064479}"/>
               </a:ext>
             </a:extLst>
           </p:cNvPr>
@@ -13738,81 +13529,959 @@
         </p:nvSpPr>
         <p:spPr/>
         <p:txBody>
-          <a:bodyPr>
-            <a:normAutofit lnSpcReduction="10000"/>
-          </a:bodyPr>
-          <a:lstStyle/>
-          <a:p>
-            <a:r>
-              <a:rPr lang="en-US" dirty="0"/>
-              <a:t>We learned a lot of PL vocabulary today.</a:t>
-            </a:r>
-          </a:p>
-          <a:p>
-            <a:pPr lvl="1"/>
-            <a:r>
-              <a:rPr lang="en-US" b="1" dirty="0"/>
-              <a:t>Tip: </a:t>
-            </a:r>
-            <a:r>
-              <a:rPr lang="en-US" dirty="0"/>
-              <a:t>Vocabulary is a common struggle. Try keeping a glossary of definitions</a:t>
-            </a:r>
-          </a:p>
-          <a:p>
-            <a:r>
-              <a:rPr lang="en-US" dirty="0"/>
-              <a:t>We learned how to write basic Rust programs</a:t>
-            </a:r>
-          </a:p>
-          <a:p>
-            <a:pPr lvl="1"/>
-            <a:r>
-              <a:rPr lang="en-US" dirty="0"/>
-              <a:t>The basic values in Rust are similar to most other languages</a:t>
-            </a:r>
-          </a:p>
-          <a:p>
-            <a:pPr lvl="1"/>
-            <a:r>
-              <a:rPr lang="en-US" dirty="0"/>
-              <a:t>Affine types are the biggest novel feature in Rust. This has substantial implications on how references, arrays, and slices are handled</a:t>
-            </a:r>
-          </a:p>
-          <a:p>
-            <a:pPr lvl="1"/>
-            <a:r>
-              <a:rPr lang="en-US" dirty="0"/>
-              <a:t>The borrow-checking rules (</a:t>
-            </a:r>
-            <a:r>
-              <a:rPr lang="en-US" dirty="0" err="1"/>
-              <a:t>WOoRM</a:t>
-            </a:r>
-            <a:r>
-              <a:rPr lang="en-US" dirty="0"/>
-              <a:t>) explain how to use references</a:t>
-            </a:r>
-          </a:p>
-          <a:p>
-            <a:pPr lvl="1"/>
-            <a:r>
-              <a:rPr lang="en-US" dirty="0"/>
-              <a:t>Rust has pattern-matching, which is common for functional languages but not all imperative languages</a:t>
-            </a:r>
-          </a:p>
-          <a:p>
-            <a:r>
-              <a:rPr lang="en-US" dirty="0"/>
-              <a:t>We learned how to read common error messages</a:t>
-            </a:r>
+          <a:bodyPr/>
+          <a:lstStyle/>
+          <a:p>
+            <a:endParaRPr lang="en-US"/>
           </a:p>
         </p:txBody>
       </p:sp>
     </p:spTree>
     <p:extLst>
       <p:ext uri="{BB962C8B-B14F-4D97-AF65-F5344CB8AC3E}">
-        <p14:creationId xmlns:p14="http://schemas.microsoft.com/office/powerpoint/2010/main" val="2914311607"/>
+        <p14:creationId xmlns:p14="http://schemas.microsoft.com/office/powerpoint/2010/main" val="2115848509"/>
+      </p:ext>
+    </p:extLst>
+  </p:cSld>
+  <p:clrMapOvr>
+    <a:masterClrMapping/>
+  </p:clrMapOvr>
+</p:sld>
+</file>
+
+<file path=ppt/slides/slide56.xml><?xml version="1.0" encoding="utf-8"?>
+<p:sld xmlns:a="http://schemas.openxmlformats.org/drawingml/2006/main" xmlns:r="http://schemas.openxmlformats.org/officeDocument/2006/relationships" xmlns:p="http://schemas.openxmlformats.org/presentationml/2006/main">
+  <p:cSld>
+    <p:spTree>
+      <p:nvGrpSpPr>
+        <p:cNvPr id="1" name=""/>
+        <p:cNvGrpSpPr/>
+        <p:nvPr/>
+      </p:nvGrpSpPr>
+      <p:grpSpPr>
+        <a:xfrm>
+          <a:off x="0" y="0"/>
+          <a:ext cx="0" cy="0"/>
+          <a:chOff x="0" y="0"/>
+          <a:chExt cx="0" cy="0"/>
+        </a:xfrm>
+      </p:grpSpPr>
+      <p:sp>
+        <p:nvSpPr>
+          <p:cNvPr id="2" name="Title 1">
+            <a:extLst>
+              <a:ext uri="{FF2B5EF4-FFF2-40B4-BE49-F238E27FC236}">
+                <a16:creationId xmlns:a16="http://schemas.microsoft.com/office/drawing/2014/main" id="{AC6C73A7-0D3A-E6C4-EC6B-2490977B38D4}"/>
+              </a:ext>
+            </a:extLst>
+          </p:cNvPr>
+          <p:cNvSpPr>
+            <a:spLocks noGrp="1"/>
+          </p:cNvSpPr>
+          <p:nvPr>
+            <p:ph type="title"/>
+          </p:nvPr>
+        </p:nvSpPr>
+        <p:spPr/>
+        <p:txBody>
+          <a:bodyPr/>
+          <a:lstStyle/>
+          <a:p>
+            <a:r>
+              <a:rPr lang="en-US" dirty="0"/>
+              <a:t>Error Messages Matter</a:t>
+            </a:r>
+          </a:p>
+        </p:txBody>
+      </p:sp>
+      <p:sp>
+        <p:nvSpPr>
+          <p:cNvPr id="3" name="Content Placeholder 2">
+            <a:extLst>
+              <a:ext uri="{FF2B5EF4-FFF2-40B4-BE49-F238E27FC236}">
+                <a16:creationId xmlns:a16="http://schemas.microsoft.com/office/drawing/2014/main" id="{5F5C4DA9-C5B9-67DE-85D2-82B9519954DF}"/>
+              </a:ext>
+            </a:extLst>
+          </p:cNvPr>
+          <p:cNvSpPr>
+            <a:spLocks noGrp="1"/>
+          </p:cNvSpPr>
+          <p:nvPr>
+            <p:ph idx="1"/>
+          </p:nvPr>
+        </p:nvSpPr>
+        <p:spPr/>
+        <p:txBody>
+          <a:bodyPr/>
+          <a:lstStyle/>
+          <a:p>
+            <a:r>
+              <a:rPr lang="en-US" dirty="0"/>
+              <a:t>In Human-Centered Programming Languages, the programmer is a computer user and a PL is the user interface</a:t>
+            </a:r>
+          </a:p>
+          <a:p>
+            <a:r>
+              <a:rPr lang="en-US" dirty="0"/>
+              <a:t>If syntax is the input of the interface, compiler errors are output</a:t>
+            </a:r>
+            <a:br>
+              <a:rPr lang="en-US" dirty="0"/>
+            </a:br>
+            <a:r>
+              <a:rPr lang="en-US" dirty="0"/>
+              <a:t>To achieve programmers’ goals, error messages should be intentionally designed, e.g., to be:</a:t>
+            </a:r>
+          </a:p>
+          <a:p>
+            <a:pPr lvl="1"/>
+            <a:r>
+              <a:rPr lang="en-US" dirty="0"/>
+              <a:t>Actionable: Tell the programmer what to try next to resolve error</a:t>
+            </a:r>
+          </a:p>
+          <a:p>
+            <a:pPr lvl="1"/>
+            <a:r>
+              <a:rPr lang="en-US" dirty="0"/>
+              <a:t>Justified: If the error did not exist, something bad might happen</a:t>
+            </a:r>
+          </a:p>
+          <a:p>
+            <a:pPr lvl="1"/>
+            <a:r>
+              <a:rPr lang="en-US" dirty="0"/>
+              <a:t>Specific: The nature and location of the error should be provided with as much precision as is practical</a:t>
+            </a:r>
+          </a:p>
+          <a:p>
+            <a:endParaRPr lang="en-US" dirty="0"/>
+          </a:p>
+        </p:txBody>
+      </p:sp>
+    </p:spTree>
+    <p:extLst>
+      <p:ext uri="{BB962C8B-B14F-4D97-AF65-F5344CB8AC3E}">
+        <p14:creationId xmlns:p14="http://schemas.microsoft.com/office/powerpoint/2010/main" val="1985136942"/>
+      </p:ext>
+    </p:extLst>
+  </p:cSld>
+  <p:clrMapOvr>
+    <a:masterClrMapping/>
+  </p:clrMapOvr>
+</p:sld>
+</file>
+
+<file path=ppt/slides/slide57.xml><?xml version="1.0" encoding="utf-8"?>
+<p:sld xmlns:a="http://schemas.openxmlformats.org/drawingml/2006/main" xmlns:r="http://schemas.openxmlformats.org/officeDocument/2006/relationships" xmlns:p="http://schemas.openxmlformats.org/presentationml/2006/main">
+  <p:cSld>
+    <p:spTree>
+      <p:nvGrpSpPr>
+        <p:cNvPr id="1" name=""/>
+        <p:cNvGrpSpPr/>
+        <p:nvPr/>
+      </p:nvGrpSpPr>
+      <p:grpSpPr>
+        <a:xfrm>
+          <a:off x="0" y="0"/>
+          <a:ext cx="0" cy="0"/>
+          <a:chOff x="0" y="0"/>
+          <a:chExt cx="0" cy="0"/>
+        </a:xfrm>
+      </p:grpSpPr>
+      <p:sp>
+        <p:nvSpPr>
+          <p:cNvPr id="2" name="Title 1">
+            <a:extLst>
+              <a:ext uri="{FF2B5EF4-FFF2-40B4-BE49-F238E27FC236}">
+                <a16:creationId xmlns:a16="http://schemas.microsoft.com/office/drawing/2014/main" id="{98CEB055-93B9-F250-BDE0-26C7CE926236}"/>
+              </a:ext>
+            </a:extLst>
+          </p:cNvPr>
+          <p:cNvSpPr>
+            <a:spLocks noGrp="1"/>
+          </p:cNvSpPr>
+          <p:nvPr>
+            <p:ph type="title"/>
+          </p:nvPr>
+        </p:nvSpPr>
+        <p:spPr/>
+        <p:txBody>
+          <a:bodyPr/>
+          <a:lstStyle/>
+          <a:p>
+            <a:r>
+              <a:rPr lang="en-US" dirty="0"/>
+              <a:t>Understanding Error Messages</a:t>
+            </a:r>
+          </a:p>
+        </p:txBody>
+      </p:sp>
+      <p:sp>
+        <p:nvSpPr>
+          <p:cNvPr id="3" name="Content Placeholder 2">
+            <a:extLst>
+              <a:ext uri="{FF2B5EF4-FFF2-40B4-BE49-F238E27FC236}">
+                <a16:creationId xmlns:a16="http://schemas.microsoft.com/office/drawing/2014/main" id="{B213ED99-2FA2-0B05-94B8-D8D236CE3A78}"/>
+              </a:ext>
+            </a:extLst>
+          </p:cNvPr>
+          <p:cNvSpPr>
+            <a:spLocks noGrp="1"/>
+          </p:cNvSpPr>
+          <p:nvPr>
+            <p:ph idx="1"/>
+          </p:nvPr>
+        </p:nvSpPr>
+        <p:spPr>
+          <a:xfrm>
+            <a:off x="1097280" y="1845734"/>
+            <a:ext cx="7272997" cy="4023360"/>
+          </a:xfrm>
+        </p:spPr>
+        <p:txBody>
+          <a:bodyPr>
+            <a:normAutofit fontScale="92500" lnSpcReduction="10000"/>
+          </a:bodyPr>
+          <a:lstStyle/>
+          <a:p>
+            <a:r>
+              <a:rPr lang="en-US" dirty="0"/>
+              <a:t>Learning error messages is part of learning a programming language. The textbook explains some of the most common error messages, e.g.,</a:t>
+            </a:r>
+          </a:p>
+          <a:p>
+            <a:r>
+              <a:rPr lang="en-US" dirty="0"/>
+              <a:t>Borrows which violate the </a:t>
+            </a:r>
+            <a:r>
+              <a:rPr lang="en-US" dirty="0" err="1"/>
+              <a:t>WOoRM</a:t>
+            </a:r>
+            <a:r>
+              <a:rPr lang="en-US" dirty="0"/>
+              <a:t> rule result in error messages. The example on the right gives:</a:t>
+            </a:r>
+          </a:p>
+          <a:p>
+            <a:r>
+              <a:rPr lang="en-US" dirty="0"/>
+              <a:t>" cannot borrow `x` as mutable more than once at a time, second mutable borrow occurs here“</a:t>
+            </a:r>
+          </a:p>
+          <a:p>
+            <a:r>
+              <a:rPr lang="en-US" dirty="0"/>
+              <a:t>This message is specific and justified but not actionable. Recommended actions: make one reference immutable if possible, else </a:t>
+            </a:r>
+            <a:r>
+              <a:rPr lang="en-US" dirty="0">
+                <a:latin typeface="Consolas" panose="020B0609020204030204" pitchFamily="49" charset="0"/>
+              </a:rPr>
+              <a:t>.clone()</a:t>
+            </a:r>
+            <a:r>
+              <a:rPr lang="en-US" dirty="0"/>
+              <a:t> data</a:t>
+            </a:r>
+          </a:p>
+        </p:txBody>
+      </p:sp>
+      <p:sp>
+        <p:nvSpPr>
+          <p:cNvPr id="4" name="TextBox 3">
+            <a:extLst>
+              <a:ext uri="{FF2B5EF4-FFF2-40B4-BE49-F238E27FC236}">
+                <a16:creationId xmlns:a16="http://schemas.microsoft.com/office/drawing/2014/main" id="{D2CAD768-65D3-0EE4-C2C3-190DD21273E7}"/>
+              </a:ext>
+            </a:extLst>
+          </p:cNvPr>
+          <p:cNvSpPr txBox="1"/>
+          <p:nvPr/>
+        </p:nvSpPr>
+        <p:spPr>
+          <a:xfrm>
+            <a:off x="8784139" y="2453363"/>
+            <a:ext cx="2310581" cy="1200329"/>
+          </a:xfrm>
+          <a:prstGeom prst="rect">
+            <a:avLst/>
+          </a:prstGeom>
+          <a:noFill/>
+        </p:spPr>
+        <p:txBody>
+          <a:bodyPr wrap="square" rtlCol="0">
+            <a:spAutoFit/>
+          </a:bodyPr>
+          <a:lstStyle/>
+          <a:p>
+            <a:r>
+              <a:rPr lang="en-US" dirty="0">
+                <a:latin typeface="Consolas" panose="020B0609020204030204" pitchFamily="49" charset="0"/>
+              </a:rPr>
+              <a:t>let mut x = 5;</a:t>
+            </a:r>
+          </a:p>
+          <a:p>
+            <a:r>
+              <a:rPr lang="en-US" dirty="0">
+                <a:latin typeface="Consolas" panose="020B0609020204030204" pitchFamily="49" charset="0"/>
+              </a:rPr>
+              <a:t>let r1 = &amp;mut x;</a:t>
+            </a:r>
+          </a:p>
+          <a:p>
+            <a:r>
+              <a:rPr lang="en-US" dirty="0">
+                <a:latin typeface="Consolas" panose="020B0609020204030204" pitchFamily="49" charset="0"/>
+              </a:rPr>
+              <a:t>let r2 = &amp;mut x;</a:t>
+            </a:r>
+          </a:p>
+          <a:p>
+            <a:r>
+              <a:rPr lang="en-US" dirty="0">
+                <a:latin typeface="Consolas" panose="020B0609020204030204" pitchFamily="49" charset="0"/>
+              </a:rPr>
+              <a:t>*r1 = *r2 + 1;</a:t>
+            </a:r>
+          </a:p>
+        </p:txBody>
+      </p:sp>
+      <p:pic>
+        <p:nvPicPr>
+          <p:cNvPr id="5" name="Picture 4">
+            <a:extLst>
+              <a:ext uri="{FF2B5EF4-FFF2-40B4-BE49-F238E27FC236}">
+                <a16:creationId xmlns:a16="http://schemas.microsoft.com/office/drawing/2014/main" id="{004ACB54-9DF7-58A6-19EA-ACE6D17629FB}"/>
+              </a:ext>
+            </a:extLst>
+          </p:cNvPr>
+          <p:cNvPicPr>
+            <a:picLocks noChangeAspect="1"/>
+          </p:cNvPicPr>
+          <p:nvPr/>
+        </p:nvPicPr>
+        <p:blipFill>
+          <a:blip r:embed="rId2"/>
+          <a:stretch>
+            <a:fillRect/>
+          </a:stretch>
+        </p:blipFill>
+        <p:spPr>
+          <a:xfrm>
+            <a:off x="8528551" y="3782929"/>
+            <a:ext cx="585370" cy="529140"/>
+          </a:xfrm>
+          <a:prstGeom prst="rect">
+            <a:avLst/>
+          </a:prstGeom>
+        </p:spPr>
+      </p:pic>
+      <p:sp>
+        <p:nvSpPr>
+          <p:cNvPr id="6" name="TextBox 5">
+            <a:extLst>
+              <a:ext uri="{FF2B5EF4-FFF2-40B4-BE49-F238E27FC236}">
+                <a16:creationId xmlns:a16="http://schemas.microsoft.com/office/drawing/2014/main" id="{26320677-DDDD-7E38-ECA2-F8F8DDC75C59}"/>
+              </a:ext>
+            </a:extLst>
+          </p:cNvPr>
+          <p:cNvSpPr txBox="1"/>
+          <p:nvPr/>
+        </p:nvSpPr>
+        <p:spPr>
+          <a:xfrm>
+            <a:off x="9101916" y="3788849"/>
+            <a:ext cx="1399807" cy="523220"/>
+          </a:xfrm>
+          <a:prstGeom prst="rect">
+            <a:avLst/>
+          </a:prstGeom>
+          <a:noFill/>
+        </p:spPr>
+        <p:txBody>
+          <a:bodyPr wrap="none" rtlCol="0">
+            <a:spAutoFit/>
+          </a:bodyPr>
+          <a:lstStyle/>
+          <a:p>
+            <a:r>
+              <a:rPr lang="en-US" sz="2800" dirty="0"/>
+              <a:t>2 Writes</a:t>
+            </a:r>
+          </a:p>
+        </p:txBody>
+      </p:sp>
+    </p:spTree>
+    <p:extLst>
+      <p:ext uri="{BB962C8B-B14F-4D97-AF65-F5344CB8AC3E}">
+        <p14:creationId xmlns:p14="http://schemas.microsoft.com/office/powerpoint/2010/main" val="2442107253"/>
+      </p:ext>
+    </p:extLst>
+  </p:cSld>
+  <p:clrMapOvr>
+    <a:masterClrMapping/>
+  </p:clrMapOvr>
+</p:sld>
+</file>
+
+<file path=ppt/slides/slide58.xml><?xml version="1.0" encoding="utf-8"?>
+<p:sld xmlns:a="http://schemas.openxmlformats.org/drawingml/2006/main" xmlns:r="http://schemas.openxmlformats.org/officeDocument/2006/relationships" xmlns:p="http://schemas.openxmlformats.org/presentationml/2006/main">
+  <p:cSld>
+    <p:spTree>
+      <p:nvGrpSpPr>
+        <p:cNvPr id="1" name=""/>
+        <p:cNvGrpSpPr/>
+        <p:nvPr/>
+      </p:nvGrpSpPr>
+      <p:grpSpPr>
+        <a:xfrm>
+          <a:off x="0" y="0"/>
+          <a:ext cx="0" cy="0"/>
+          <a:chOff x="0" y="0"/>
+          <a:chExt cx="0" cy="0"/>
+        </a:xfrm>
+      </p:grpSpPr>
+      <p:sp>
+        <p:nvSpPr>
+          <p:cNvPr id="2" name="Title 1">
+            <a:extLst>
+              <a:ext uri="{FF2B5EF4-FFF2-40B4-BE49-F238E27FC236}">
+                <a16:creationId xmlns:a16="http://schemas.microsoft.com/office/drawing/2014/main" id="{98CEB055-93B9-F250-BDE0-26C7CE926236}"/>
+              </a:ext>
+            </a:extLst>
+          </p:cNvPr>
+          <p:cNvSpPr>
+            <a:spLocks noGrp="1"/>
+          </p:cNvSpPr>
+          <p:nvPr>
+            <p:ph type="title"/>
+          </p:nvPr>
+        </p:nvSpPr>
+        <p:spPr/>
+        <p:txBody>
+          <a:bodyPr/>
+          <a:lstStyle/>
+          <a:p>
+            <a:r>
+              <a:rPr lang="en-US" dirty="0"/>
+              <a:t>Understanding Error Messages</a:t>
+            </a:r>
+          </a:p>
+        </p:txBody>
+      </p:sp>
+      <p:sp>
+        <p:nvSpPr>
+          <p:cNvPr id="3" name="Content Placeholder 2">
+            <a:extLst>
+              <a:ext uri="{FF2B5EF4-FFF2-40B4-BE49-F238E27FC236}">
+                <a16:creationId xmlns:a16="http://schemas.microsoft.com/office/drawing/2014/main" id="{B213ED99-2FA2-0B05-94B8-D8D236CE3A78}"/>
+              </a:ext>
+            </a:extLst>
+          </p:cNvPr>
+          <p:cNvSpPr>
+            <a:spLocks noGrp="1"/>
+          </p:cNvSpPr>
+          <p:nvPr>
+            <p:ph idx="1"/>
+          </p:nvPr>
+        </p:nvSpPr>
+        <p:spPr>
+          <a:xfrm>
+            <a:off x="639097" y="1845734"/>
+            <a:ext cx="6984112" cy="4006426"/>
+          </a:xfrm>
+        </p:spPr>
+        <p:txBody>
+          <a:bodyPr>
+            <a:normAutofit/>
+          </a:bodyPr>
+          <a:lstStyle/>
+          <a:p>
+            <a:r>
+              <a:rPr lang="en-US" dirty="0"/>
+              <a:t>Many errors have the form “I expected one type but got another.” The messages for these errors are usually actionable, but there is a fundamental limitation: the compiler cannot tell whether you </a:t>
+            </a:r>
+            <a:r>
+              <a:rPr lang="en-US" i="1" dirty="0"/>
+              <a:t>provided</a:t>
+            </a:r>
+            <a:r>
+              <a:rPr lang="en-US" dirty="0"/>
+              <a:t> the wrong type vs. </a:t>
+            </a:r>
+            <a:r>
+              <a:rPr lang="en-US" i="1" dirty="0"/>
+              <a:t>expected</a:t>
+            </a:r>
+            <a:r>
+              <a:rPr lang="en-US" dirty="0"/>
+              <a:t> the wrong type.</a:t>
+            </a:r>
+          </a:p>
+          <a:p>
+            <a:r>
+              <a:rPr lang="en-US" sz="2200" dirty="0">
+                <a:latin typeface="Consolas" panose="020B0609020204030204" pitchFamily="49" charset="0"/>
+              </a:rPr>
+              <a:t>mismatched types, expected struct Box&lt;</a:t>
+            </a:r>
+            <a:r>
+              <a:rPr lang="en-US" sz="2200" dirty="0" err="1">
+                <a:latin typeface="Consolas" panose="020B0609020204030204" pitchFamily="49" charset="0"/>
+              </a:rPr>
+              <a:t>IntListList</a:t>
+            </a:r>
+            <a:r>
+              <a:rPr lang="en-US" sz="2200" dirty="0">
+                <a:latin typeface="Consolas" panose="020B0609020204030204" pitchFamily="49" charset="0"/>
+              </a:rPr>
+              <a:t>&gt;, found </a:t>
+            </a:r>
+            <a:r>
+              <a:rPr lang="en-US" sz="2200" dirty="0" err="1">
+                <a:latin typeface="Consolas" panose="020B0609020204030204" pitchFamily="49" charset="0"/>
+              </a:rPr>
+              <a:t>enum</a:t>
+            </a:r>
+            <a:r>
+              <a:rPr lang="en-US" sz="2200" dirty="0">
+                <a:latin typeface="Consolas" panose="020B0609020204030204" pitchFamily="49" charset="0"/>
+              </a:rPr>
+              <a:t> </a:t>
+            </a:r>
+            <a:r>
+              <a:rPr lang="en-US" sz="2200" dirty="0" err="1">
+                <a:latin typeface="Consolas" panose="020B0609020204030204" pitchFamily="49" charset="0"/>
+              </a:rPr>
+              <a:t>IntListList</a:t>
+            </a:r>
+            <a:br>
+              <a:rPr lang="en-US" sz="2200" dirty="0">
+                <a:latin typeface="Consolas" panose="020B0609020204030204" pitchFamily="49" charset="0"/>
+              </a:rPr>
+            </a:br>
+            <a:r>
+              <a:rPr lang="en-US" sz="2200" dirty="0">
+                <a:latin typeface="Consolas" panose="020B0609020204030204" pitchFamily="49" charset="0"/>
+              </a:rPr>
+              <a:t>consider dereferencing the boxed value: *ill</a:t>
+            </a:r>
+          </a:p>
+        </p:txBody>
+      </p:sp>
+      <p:sp>
+        <p:nvSpPr>
+          <p:cNvPr id="4" name="TextBox 3">
+            <a:extLst>
+              <a:ext uri="{FF2B5EF4-FFF2-40B4-BE49-F238E27FC236}">
+                <a16:creationId xmlns:a16="http://schemas.microsoft.com/office/drawing/2014/main" id="{D2CAD768-65D3-0EE4-C2C3-190DD21273E7}"/>
+              </a:ext>
+            </a:extLst>
+          </p:cNvPr>
+          <p:cNvSpPr txBox="1"/>
+          <p:nvPr/>
+        </p:nvSpPr>
+        <p:spPr>
+          <a:xfrm>
+            <a:off x="7623209" y="2453363"/>
+            <a:ext cx="4446872" cy="2308324"/>
+          </a:xfrm>
+          <a:prstGeom prst="rect">
+            <a:avLst/>
+          </a:prstGeom>
+          <a:noFill/>
+        </p:spPr>
+        <p:txBody>
+          <a:bodyPr wrap="square" rtlCol="0">
+            <a:spAutoFit/>
+          </a:bodyPr>
+          <a:lstStyle/>
+          <a:p>
+            <a:r>
+              <a:rPr lang="en-US" dirty="0" err="1">
+                <a:latin typeface="Consolas" panose="020B0609020204030204" pitchFamily="49" charset="0"/>
+              </a:rPr>
+              <a:t>fn</a:t>
+            </a:r>
+            <a:r>
+              <a:rPr lang="en-US" dirty="0">
+                <a:latin typeface="Consolas" panose="020B0609020204030204" pitchFamily="49" charset="0"/>
+              </a:rPr>
+              <a:t> </a:t>
+            </a:r>
+            <a:r>
+              <a:rPr lang="en-US" dirty="0" err="1">
+                <a:latin typeface="Consolas" panose="020B0609020204030204" pitchFamily="49" charset="0"/>
+              </a:rPr>
+              <a:t>ill_length</a:t>
+            </a:r>
+            <a:br>
+              <a:rPr lang="en-US" dirty="0">
+                <a:latin typeface="Consolas" panose="020B0609020204030204" pitchFamily="49" charset="0"/>
+              </a:rPr>
+            </a:br>
+            <a:r>
+              <a:rPr lang="en-US" dirty="0">
+                <a:latin typeface="Consolas" panose="020B0609020204030204" pitchFamily="49" charset="0"/>
+              </a:rPr>
+              <a:t>(L: Box&lt;</a:t>
+            </a:r>
+            <a:r>
+              <a:rPr lang="en-US" dirty="0" err="1">
+                <a:latin typeface="Consolas" panose="020B0609020204030204" pitchFamily="49" charset="0"/>
+              </a:rPr>
+              <a:t>IntLinkedList</a:t>
+            </a:r>
+            <a:r>
+              <a:rPr lang="en-US" dirty="0">
+                <a:latin typeface="Consolas" panose="020B0609020204030204" pitchFamily="49" charset="0"/>
+              </a:rPr>
+              <a:t>&gt;)-&gt;i32 {</a:t>
+            </a:r>
+          </a:p>
+          <a:p>
+            <a:r>
+              <a:rPr lang="en-US" dirty="0">
+                <a:latin typeface="Consolas" panose="020B0609020204030204" pitchFamily="49" charset="0"/>
+              </a:rPr>
+              <a:t>  match L {</a:t>
+            </a:r>
+          </a:p>
+          <a:p>
+            <a:r>
+              <a:rPr lang="en-US" dirty="0">
+                <a:latin typeface="Consolas" panose="020B0609020204030204" pitchFamily="49" charset="0"/>
+              </a:rPr>
+              <a:t>    </a:t>
+            </a:r>
+            <a:r>
+              <a:rPr lang="en-US" dirty="0" err="1">
+                <a:latin typeface="Consolas" panose="020B0609020204030204" pitchFamily="49" charset="0"/>
+              </a:rPr>
+              <a:t>IntLinkedList</a:t>
+            </a:r>
+            <a:r>
+              <a:rPr lang="en-US" dirty="0">
+                <a:latin typeface="Consolas" panose="020B0609020204030204" pitchFamily="49" charset="0"/>
+              </a:rPr>
+              <a:t>::Empty =&gt; 0,</a:t>
+            </a:r>
+          </a:p>
+          <a:p>
+            <a:r>
+              <a:rPr lang="en-US" dirty="0">
+                <a:latin typeface="Consolas" panose="020B0609020204030204" pitchFamily="49" charset="0"/>
+              </a:rPr>
+              <a:t>    </a:t>
+            </a:r>
+            <a:r>
+              <a:rPr lang="en-US" dirty="0" err="1">
+                <a:latin typeface="Consolas" panose="020B0609020204030204" pitchFamily="49" charset="0"/>
+              </a:rPr>
+              <a:t>IntLinkedList</a:t>
+            </a:r>
+            <a:r>
+              <a:rPr lang="en-US" dirty="0">
+                <a:latin typeface="Consolas" panose="020B0609020204030204" pitchFamily="49" charset="0"/>
+              </a:rPr>
+              <a:t>::Cons(x, </a:t>
+            </a:r>
+            <a:r>
+              <a:rPr lang="en-US" dirty="0" err="1">
+                <a:latin typeface="Consolas" panose="020B0609020204030204" pitchFamily="49" charset="0"/>
+              </a:rPr>
+              <a:t>xs</a:t>
+            </a:r>
+            <a:r>
+              <a:rPr lang="en-US" dirty="0">
+                <a:latin typeface="Consolas" panose="020B0609020204030204" pitchFamily="49" charset="0"/>
+              </a:rPr>
+              <a:t>) =&gt;</a:t>
+            </a:r>
+          </a:p>
+          <a:p>
+            <a:r>
+              <a:rPr lang="en-US" dirty="0">
+                <a:latin typeface="Consolas" panose="020B0609020204030204" pitchFamily="49" charset="0"/>
+              </a:rPr>
+              <a:t>     1 + </a:t>
+            </a:r>
+            <a:r>
+              <a:rPr lang="en-US" dirty="0" err="1">
+                <a:latin typeface="Consolas" panose="020B0609020204030204" pitchFamily="49" charset="0"/>
+              </a:rPr>
+              <a:t>ill_length</a:t>
+            </a:r>
+            <a:r>
+              <a:rPr lang="en-US" dirty="0">
+                <a:latin typeface="Consolas" panose="020B0609020204030204" pitchFamily="49" charset="0"/>
+              </a:rPr>
+              <a:t>(</a:t>
+            </a:r>
+            <a:r>
+              <a:rPr lang="en-US" dirty="0" err="1">
+                <a:latin typeface="Consolas" panose="020B0609020204030204" pitchFamily="49" charset="0"/>
+              </a:rPr>
+              <a:t>xs</a:t>
+            </a:r>
+            <a:r>
+              <a:rPr lang="en-US" dirty="0">
+                <a:latin typeface="Consolas" panose="020B0609020204030204" pitchFamily="49" charset="0"/>
+              </a:rPr>
+              <a:t>),</a:t>
+            </a:r>
+          </a:p>
+          <a:p>
+            <a:r>
+              <a:rPr lang="en-US" dirty="0">
+                <a:latin typeface="Consolas" panose="020B0609020204030204" pitchFamily="49" charset="0"/>
+              </a:rPr>
+              <a:t>  }</a:t>
+            </a:r>
+          </a:p>
+          <a:p>
+            <a:r>
+              <a:rPr lang="en-US" dirty="0">
+                <a:latin typeface="Consolas" panose="020B0609020204030204" pitchFamily="49" charset="0"/>
+              </a:rPr>
+              <a:t>}</a:t>
+            </a:r>
+          </a:p>
+        </p:txBody>
+      </p:sp>
+      <p:pic>
+        <p:nvPicPr>
+          <p:cNvPr id="5" name="Picture 4">
+            <a:extLst>
+              <a:ext uri="{FF2B5EF4-FFF2-40B4-BE49-F238E27FC236}">
+                <a16:creationId xmlns:a16="http://schemas.microsoft.com/office/drawing/2014/main" id="{004ACB54-9DF7-58A6-19EA-ACE6D17629FB}"/>
+              </a:ext>
+            </a:extLst>
+          </p:cNvPr>
+          <p:cNvPicPr>
+            <a:picLocks noChangeAspect="1"/>
+          </p:cNvPicPr>
+          <p:nvPr/>
+        </p:nvPicPr>
+        <p:blipFill>
+          <a:blip r:embed="rId2"/>
+          <a:stretch>
+            <a:fillRect/>
+          </a:stretch>
+        </p:blipFill>
+        <p:spPr>
+          <a:xfrm>
+            <a:off x="7902909" y="4851334"/>
+            <a:ext cx="585370" cy="529140"/>
+          </a:xfrm>
+          <a:prstGeom prst="rect">
+            <a:avLst/>
+          </a:prstGeom>
+        </p:spPr>
+      </p:pic>
+      <p:sp>
+        <p:nvSpPr>
+          <p:cNvPr id="6" name="TextBox 5">
+            <a:extLst>
+              <a:ext uri="{FF2B5EF4-FFF2-40B4-BE49-F238E27FC236}">
+                <a16:creationId xmlns:a16="http://schemas.microsoft.com/office/drawing/2014/main" id="{26320677-DDDD-7E38-ECA2-F8F8DDC75C59}"/>
+              </a:ext>
+            </a:extLst>
+          </p:cNvPr>
+          <p:cNvSpPr txBox="1"/>
+          <p:nvPr/>
+        </p:nvSpPr>
+        <p:spPr>
+          <a:xfrm>
+            <a:off x="8476274" y="4857254"/>
+            <a:ext cx="2396875" cy="523220"/>
+          </a:xfrm>
+          <a:prstGeom prst="rect">
+            <a:avLst/>
+          </a:prstGeom>
+          <a:noFill/>
+        </p:spPr>
+        <p:txBody>
+          <a:bodyPr wrap="none" rtlCol="0">
+            <a:spAutoFit/>
+          </a:bodyPr>
+          <a:lstStyle/>
+          <a:p>
+            <a:r>
+              <a:rPr lang="en-US" sz="2800" dirty="0"/>
+              <a:t>Type Mismatch</a:t>
+            </a:r>
+          </a:p>
+        </p:txBody>
+      </p:sp>
+    </p:spTree>
+    <p:extLst>
+      <p:ext uri="{BB962C8B-B14F-4D97-AF65-F5344CB8AC3E}">
+        <p14:creationId xmlns:p14="http://schemas.microsoft.com/office/powerpoint/2010/main" val="779664718"/>
+      </p:ext>
+    </p:extLst>
+  </p:cSld>
+  <p:clrMapOvr>
+    <a:masterClrMapping/>
+  </p:clrMapOvr>
+</p:sld>
+</file>
+
+<file path=ppt/slides/slide59.xml><?xml version="1.0" encoding="utf-8"?>
+<p:sld xmlns:a="http://schemas.openxmlformats.org/drawingml/2006/main" xmlns:r="http://schemas.openxmlformats.org/officeDocument/2006/relationships" xmlns:p="http://schemas.openxmlformats.org/presentationml/2006/main">
+  <p:cSld>
+    <p:spTree>
+      <p:nvGrpSpPr>
+        <p:cNvPr id="1" name=""/>
+        <p:cNvGrpSpPr/>
+        <p:nvPr/>
+      </p:nvGrpSpPr>
+      <p:grpSpPr>
+        <a:xfrm>
+          <a:off x="0" y="0"/>
+          <a:ext cx="0" cy="0"/>
+          <a:chOff x="0" y="0"/>
+          <a:chExt cx="0" cy="0"/>
+        </a:xfrm>
+      </p:grpSpPr>
+      <p:sp>
+        <p:nvSpPr>
+          <p:cNvPr id="2" name="Title 1">
+            <a:extLst>
+              <a:ext uri="{FF2B5EF4-FFF2-40B4-BE49-F238E27FC236}">
+                <a16:creationId xmlns:a16="http://schemas.microsoft.com/office/drawing/2014/main" id="{C0BF21B0-CA8E-E295-6564-53BB6C9310A5}"/>
+              </a:ext>
+            </a:extLst>
+          </p:cNvPr>
+          <p:cNvSpPr>
+            <a:spLocks noGrp="1"/>
+          </p:cNvSpPr>
+          <p:nvPr>
+            <p:ph type="title"/>
+          </p:nvPr>
+        </p:nvSpPr>
+        <p:spPr/>
+        <p:txBody>
+          <a:bodyPr/>
+          <a:lstStyle/>
+          <a:p>
+            <a:r>
+              <a:rPr lang="en-US" dirty="0"/>
+              <a:t>Cargo and Why It Is Popular</a:t>
+            </a:r>
+          </a:p>
+        </p:txBody>
+      </p:sp>
+      <p:sp>
+        <p:nvSpPr>
+          <p:cNvPr id="3" name="Content Placeholder 2">
+            <a:extLst>
+              <a:ext uri="{FF2B5EF4-FFF2-40B4-BE49-F238E27FC236}">
+                <a16:creationId xmlns:a16="http://schemas.microsoft.com/office/drawing/2014/main" id="{05D00F42-4A4A-90AA-BAD9-CEAEF70947FC}"/>
+              </a:ext>
+            </a:extLst>
+          </p:cNvPr>
+          <p:cNvSpPr>
+            <a:spLocks noGrp="1"/>
+          </p:cNvSpPr>
+          <p:nvPr>
+            <p:ph idx="1"/>
+          </p:nvPr>
+        </p:nvSpPr>
+        <p:spPr/>
+        <p:txBody>
+          <a:bodyPr>
+            <a:normAutofit fontScale="92500" lnSpcReduction="10000"/>
+          </a:bodyPr>
+          <a:lstStyle/>
+          <a:p>
+            <a:r>
+              <a:rPr lang="en-US" dirty="0"/>
+              <a:t>Cargo is Rust’s tool for managing compilation and packages (crates)</a:t>
+            </a:r>
+          </a:p>
+          <a:p>
+            <a:r>
+              <a:rPr lang="en-US" dirty="0"/>
+              <a:t>Every Rust project has a file </a:t>
+            </a:r>
+            <a:r>
+              <a:rPr lang="en-US" dirty="0" err="1"/>
+              <a:t>Cargo.toml</a:t>
+            </a:r>
+            <a:r>
+              <a:rPr lang="en-US" dirty="0"/>
+              <a:t> explaining which packages are required. We provide it for homework; for your own projects, you would have to write it</a:t>
+            </a:r>
+          </a:p>
+          <a:p>
+            <a:r>
+              <a:rPr lang="en-US" b="1" dirty="0"/>
+              <a:t>Pro:</a:t>
+            </a:r>
+            <a:r>
+              <a:rPr lang="en-US" dirty="0"/>
+              <a:t> Cargo files have a reputation for being very short, e.g.</a:t>
+            </a:r>
+            <a:br>
+              <a:rPr lang="en-US" dirty="0"/>
+            </a:br>
+            <a:r>
+              <a:rPr lang="en-US" dirty="0"/>
+              <a:t>[package]</a:t>
+            </a:r>
+            <a:br>
+              <a:rPr lang="en-US" dirty="0"/>
+            </a:br>
+            <a:r>
+              <a:rPr lang="en-US" dirty="0"/>
+              <a:t>name = "asgn3“</a:t>
+            </a:r>
+            <a:br>
+              <a:rPr lang="en-US" dirty="0"/>
+            </a:br>
+            <a:r>
+              <a:rPr lang="en-US" dirty="0"/>
+              <a:t>version = "0.1.0“</a:t>
+            </a:r>
+            <a:br>
+              <a:rPr lang="en-US" dirty="0"/>
+            </a:br>
+            <a:r>
+              <a:rPr lang="en-US" dirty="0"/>
+              <a:t>edition = "2023“</a:t>
+            </a:r>
+            <a:br>
+              <a:rPr lang="en-US" dirty="0"/>
+            </a:br>
+            <a:r>
+              <a:rPr lang="en-US" dirty="0"/>
+              <a:t>[dependencies]</a:t>
+            </a:r>
+            <a:br>
+              <a:rPr lang="en-US" dirty="0"/>
+            </a:br>
+            <a:r>
+              <a:rPr lang="en-US" dirty="0" err="1"/>
+              <a:t>rpds</a:t>
+            </a:r>
+            <a:r>
+              <a:rPr lang="en-US" dirty="0"/>
+              <a:t> = "0.13.0"</a:t>
+            </a:r>
+          </a:p>
+          <a:p>
+            <a:endParaRPr lang="en-US" b="1" dirty="0"/>
+          </a:p>
+        </p:txBody>
+      </p:sp>
+    </p:spTree>
+    <p:extLst>
+      <p:ext uri="{BB962C8B-B14F-4D97-AF65-F5344CB8AC3E}">
+        <p14:creationId xmlns:p14="http://schemas.microsoft.com/office/powerpoint/2010/main" val="340229880"/>
       </p:ext>
     </p:extLst>
   </p:cSld>
@@ -13935,6 +14604,153 @@
     <p:extLst>
       <p:ext uri="{BB962C8B-B14F-4D97-AF65-F5344CB8AC3E}">
         <p14:creationId xmlns:p14="http://schemas.microsoft.com/office/powerpoint/2010/main" val="2210777780"/>
+      </p:ext>
+    </p:extLst>
+  </p:cSld>
+  <p:clrMapOvr>
+    <a:masterClrMapping/>
+  </p:clrMapOvr>
+</p:sld>
+</file>
+
+<file path=ppt/slides/slide60.xml><?xml version="1.0" encoding="utf-8"?>
+<p:sld xmlns:a="http://schemas.openxmlformats.org/drawingml/2006/main" xmlns:r="http://schemas.openxmlformats.org/officeDocument/2006/relationships" xmlns:p="http://schemas.openxmlformats.org/presentationml/2006/main">
+  <p:cSld>
+    <p:spTree>
+      <p:nvGrpSpPr>
+        <p:cNvPr id="1" name=""/>
+        <p:cNvGrpSpPr/>
+        <p:nvPr/>
+      </p:nvGrpSpPr>
+      <p:grpSpPr>
+        <a:xfrm>
+          <a:off x="0" y="0"/>
+          <a:ext cx="0" cy="0"/>
+          <a:chOff x="0" y="0"/>
+          <a:chExt cx="0" cy="0"/>
+        </a:xfrm>
+      </p:grpSpPr>
+      <p:sp>
+        <p:nvSpPr>
+          <p:cNvPr id="2" name="Title 1">
+            <a:extLst>
+              <a:ext uri="{FF2B5EF4-FFF2-40B4-BE49-F238E27FC236}">
+                <a16:creationId xmlns:a16="http://schemas.microsoft.com/office/drawing/2014/main" id="{B56F33E7-9DE7-16B7-AEC4-E7A39E7EC864}"/>
+              </a:ext>
+            </a:extLst>
+          </p:cNvPr>
+          <p:cNvSpPr>
+            <a:spLocks noGrp="1"/>
+          </p:cNvSpPr>
+          <p:nvPr>
+            <p:ph type="title"/>
+          </p:nvPr>
+        </p:nvSpPr>
+        <p:spPr/>
+        <p:txBody>
+          <a:bodyPr/>
+          <a:lstStyle/>
+          <a:p>
+            <a:r>
+              <a:rPr lang="en-US" dirty="0"/>
+              <a:t>Summary</a:t>
+            </a:r>
+          </a:p>
+        </p:txBody>
+      </p:sp>
+      <p:sp>
+        <p:nvSpPr>
+          <p:cNvPr id="3" name="Content Placeholder 2">
+            <a:extLst>
+              <a:ext uri="{FF2B5EF4-FFF2-40B4-BE49-F238E27FC236}">
+                <a16:creationId xmlns:a16="http://schemas.microsoft.com/office/drawing/2014/main" id="{79E8AF76-4F12-B74D-C83E-0652128B8622}"/>
+              </a:ext>
+            </a:extLst>
+          </p:cNvPr>
+          <p:cNvSpPr>
+            <a:spLocks noGrp="1"/>
+          </p:cNvSpPr>
+          <p:nvPr>
+            <p:ph idx="1"/>
+          </p:nvPr>
+        </p:nvSpPr>
+        <p:spPr/>
+        <p:txBody>
+          <a:bodyPr>
+            <a:normAutofit lnSpcReduction="10000"/>
+          </a:bodyPr>
+          <a:lstStyle/>
+          <a:p>
+            <a:r>
+              <a:rPr lang="en-US" dirty="0"/>
+              <a:t>We learned a lot of PL vocabulary today.</a:t>
+            </a:r>
+          </a:p>
+          <a:p>
+            <a:pPr lvl="1"/>
+            <a:r>
+              <a:rPr lang="en-US" b="1" dirty="0"/>
+              <a:t>Tip: </a:t>
+            </a:r>
+            <a:r>
+              <a:rPr lang="en-US" dirty="0"/>
+              <a:t>Vocabulary is a common struggle. Try keeping a glossary of definitions</a:t>
+            </a:r>
+          </a:p>
+          <a:p>
+            <a:r>
+              <a:rPr lang="en-US" dirty="0"/>
+              <a:t>We learned how to write basic Rust programs</a:t>
+            </a:r>
+          </a:p>
+          <a:p>
+            <a:pPr lvl="1"/>
+            <a:r>
+              <a:rPr lang="en-US" dirty="0"/>
+              <a:t>The basic values in Rust are similar to most other languages</a:t>
+            </a:r>
+          </a:p>
+          <a:p>
+            <a:pPr lvl="1"/>
+            <a:r>
+              <a:rPr lang="en-US" dirty="0"/>
+              <a:t>Affine types are the biggest novel feature in Rust. This has substantial implications on how references, arrays, and slices are handled</a:t>
+            </a:r>
+          </a:p>
+          <a:p>
+            <a:pPr lvl="1"/>
+            <a:r>
+              <a:rPr lang="en-US" dirty="0"/>
+              <a:t>The borrow-checking rules (</a:t>
+            </a:r>
+            <a:r>
+              <a:rPr lang="en-US" dirty="0" err="1"/>
+              <a:t>WOoRM</a:t>
+            </a:r>
+            <a:r>
+              <a:rPr lang="en-US" dirty="0"/>
+              <a:t>) explain how to use references</a:t>
+            </a:r>
+          </a:p>
+          <a:p>
+            <a:pPr lvl="1"/>
+            <a:r>
+              <a:rPr lang="en-US" dirty="0"/>
+              <a:t>Rust has pattern-matching, which is common for functional languages but not all imperative languages</a:t>
+            </a:r>
+          </a:p>
+          <a:p>
+            <a:r>
+              <a:rPr lang="en-US" dirty="0"/>
+              <a:t>We learned how to read common error messages</a:t>
+            </a:r>
+          </a:p>
+        </p:txBody>
+      </p:sp>
+    </p:spTree>
+    <p:extLst>
+      <p:ext uri="{BB962C8B-B14F-4D97-AF65-F5344CB8AC3E}">
+        <p14:creationId xmlns:p14="http://schemas.microsoft.com/office/powerpoint/2010/main" val="2914311607"/>
       </p:ext>
     </p:extLst>
   </p:cSld>
@@ -14228,7 +15044,7 @@
             </a:r>
             <a:r>
               <a:rPr lang="en-US" dirty="0"/>
-              <a:t>“Only one user at a time, else copy explicitly”</a:t>
+              <a:t>“Only one user (“owner”) at time, else copy explicitly”</a:t>
             </a:r>
           </a:p>
           <a:p>

--- a/LectureSlides/02Rust.pptx
+++ b/LectureSlides/02Rust.pptx
@@ -17,54 +17,55 @@
     <p:sldId id="261" r:id="rId11"/>
     <p:sldId id="262" r:id="rId12"/>
     <p:sldId id="285" r:id="rId13"/>
-    <p:sldId id="263" r:id="rId14"/>
-    <p:sldId id="286" r:id="rId15"/>
-    <p:sldId id="264" r:id="rId16"/>
-    <p:sldId id="287" r:id="rId17"/>
-    <p:sldId id="313" r:id="rId18"/>
-    <p:sldId id="314" r:id="rId19"/>
-    <p:sldId id="292" r:id="rId20"/>
-    <p:sldId id="312" r:id="rId21"/>
-    <p:sldId id="288" r:id="rId22"/>
-    <p:sldId id="315" r:id="rId23"/>
-    <p:sldId id="265" r:id="rId24"/>
-    <p:sldId id="291" r:id="rId25"/>
-    <p:sldId id="293" r:id="rId26"/>
-    <p:sldId id="316" r:id="rId27"/>
-    <p:sldId id="317" r:id="rId28"/>
-    <p:sldId id="266" r:id="rId29"/>
-    <p:sldId id="294" r:id="rId30"/>
-    <p:sldId id="296" r:id="rId31"/>
-    <p:sldId id="299" r:id="rId32"/>
-    <p:sldId id="297" r:id="rId33"/>
-    <p:sldId id="298" r:id="rId34"/>
-    <p:sldId id="267" r:id="rId35"/>
-    <p:sldId id="295" r:id="rId36"/>
-    <p:sldId id="300" r:id="rId37"/>
-    <p:sldId id="301" r:id="rId38"/>
-    <p:sldId id="303" r:id="rId39"/>
-    <p:sldId id="304" r:id="rId40"/>
-    <p:sldId id="268" r:id="rId41"/>
-    <p:sldId id="270" r:id="rId42"/>
-    <p:sldId id="305" r:id="rId43"/>
-    <p:sldId id="271" r:id="rId44"/>
-    <p:sldId id="306" r:id="rId45"/>
-    <p:sldId id="307" r:id="rId46"/>
-    <p:sldId id="272" r:id="rId47"/>
-    <p:sldId id="273" r:id="rId48"/>
-    <p:sldId id="274" r:id="rId49"/>
-    <p:sldId id="289" r:id="rId50"/>
-    <p:sldId id="308" r:id="rId51"/>
-    <p:sldId id="275" r:id="rId52"/>
-    <p:sldId id="309" r:id="rId53"/>
-    <p:sldId id="310" r:id="rId54"/>
-    <p:sldId id="280" r:id="rId55"/>
-    <p:sldId id="276" r:id="rId56"/>
-    <p:sldId id="277" r:id="rId57"/>
-    <p:sldId id="278" r:id="rId58"/>
-    <p:sldId id="311" r:id="rId59"/>
-    <p:sldId id="279" r:id="rId60"/>
-    <p:sldId id="281" r:id="rId61"/>
+    <p:sldId id="318" r:id="rId14"/>
+    <p:sldId id="263" r:id="rId15"/>
+    <p:sldId id="286" r:id="rId16"/>
+    <p:sldId id="264" r:id="rId17"/>
+    <p:sldId id="287" r:id="rId18"/>
+    <p:sldId id="313" r:id="rId19"/>
+    <p:sldId id="314" r:id="rId20"/>
+    <p:sldId id="292" r:id="rId21"/>
+    <p:sldId id="312" r:id="rId22"/>
+    <p:sldId id="288" r:id="rId23"/>
+    <p:sldId id="315" r:id="rId24"/>
+    <p:sldId id="265" r:id="rId25"/>
+    <p:sldId id="291" r:id="rId26"/>
+    <p:sldId id="293" r:id="rId27"/>
+    <p:sldId id="316" r:id="rId28"/>
+    <p:sldId id="317" r:id="rId29"/>
+    <p:sldId id="266" r:id="rId30"/>
+    <p:sldId id="294" r:id="rId31"/>
+    <p:sldId id="296" r:id="rId32"/>
+    <p:sldId id="299" r:id="rId33"/>
+    <p:sldId id="297" r:id="rId34"/>
+    <p:sldId id="298" r:id="rId35"/>
+    <p:sldId id="267" r:id="rId36"/>
+    <p:sldId id="295" r:id="rId37"/>
+    <p:sldId id="300" r:id="rId38"/>
+    <p:sldId id="301" r:id="rId39"/>
+    <p:sldId id="303" r:id="rId40"/>
+    <p:sldId id="304" r:id="rId41"/>
+    <p:sldId id="268" r:id="rId42"/>
+    <p:sldId id="270" r:id="rId43"/>
+    <p:sldId id="305" r:id="rId44"/>
+    <p:sldId id="271" r:id="rId45"/>
+    <p:sldId id="306" r:id="rId46"/>
+    <p:sldId id="307" r:id="rId47"/>
+    <p:sldId id="272" r:id="rId48"/>
+    <p:sldId id="273" r:id="rId49"/>
+    <p:sldId id="274" r:id="rId50"/>
+    <p:sldId id="289" r:id="rId51"/>
+    <p:sldId id="308" r:id="rId52"/>
+    <p:sldId id="275" r:id="rId53"/>
+    <p:sldId id="309" r:id="rId54"/>
+    <p:sldId id="310" r:id="rId55"/>
+    <p:sldId id="280" r:id="rId56"/>
+    <p:sldId id="276" r:id="rId57"/>
+    <p:sldId id="277" r:id="rId58"/>
+    <p:sldId id="278" r:id="rId59"/>
+    <p:sldId id="311" r:id="rId60"/>
+    <p:sldId id="279" r:id="rId61"/>
+    <p:sldId id="281" r:id="rId62"/>
   </p:sldIdLst>
   <p:sldSz cx="12192000" cy="6858000"/>
   <p:notesSz cx="6858000" cy="9144000"/>
@@ -395,7 +396,7 @@
           <a:p>
             <a:fld id="{DF0DA02A-3D36-4521-B995-F6A931B35345}" type="datetimeFigureOut">
               <a:rPr lang="en-US" smtClean="0"/>
-              <a:t>8/14/2023</a:t>
+              <a:t>8/29/2023</a:t>
             </a:fld>
             <a:endParaRPr lang="en-US"/>
           </a:p>
@@ -603,7 +604,7 @@
           <a:p>
             <a:fld id="{DF0DA02A-3D36-4521-B995-F6A931B35345}" type="datetimeFigureOut">
               <a:rPr lang="en-US" smtClean="0"/>
-              <a:t>8/14/2023</a:t>
+              <a:t>8/29/2023</a:t>
             </a:fld>
             <a:endParaRPr lang="en-US"/>
           </a:p>
@@ -859,7 +860,7 @@
           <a:p>
             <a:fld id="{DF0DA02A-3D36-4521-B995-F6A931B35345}" type="datetimeFigureOut">
               <a:rPr lang="en-US" smtClean="0"/>
-              <a:t>8/14/2023</a:t>
+              <a:t>8/29/2023</a:t>
             </a:fld>
             <a:endParaRPr lang="en-US"/>
           </a:p>
@@ -1044,7 +1045,7 @@
           <a:p>
             <a:fld id="{DF0DA02A-3D36-4521-B995-F6A931B35345}" type="datetimeFigureOut">
               <a:rPr lang="en-US" smtClean="0"/>
-              <a:t>8/14/2023</a:t>
+              <a:t>8/29/2023</a:t>
             </a:fld>
             <a:endParaRPr lang="en-US"/>
           </a:p>
@@ -1387,7 +1388,7 @@
           <a:p>
             <a:fld id="{DF0DA02A-3D36-4521-B995-F6A931B35345}" type="datetimeFigureOut">
               <a:rPr lang="en-US" smtClean="0"/>
-              <a:t>8/14/2023</a:t>
+              <a:t>8/29/2023</a:t>
             </a:fld>
             <a:endParaRPr lang="en-US"/>
           </a:p>
@@ -1692,7 +1693,7 @@
           <a:p>
             <a:fld id="{DF0DA02A-3D36-4521-B995-F6A931B35345}" type="datetimeFigureOut">
               <a:rPr lang="en-US" smtClean="0"/>
-              <a:t>8/14/2023</a:t>
+              <a:t>8/29/2023</a:t>
             </a:fld>
             <a:endParaRPr lang="en-US"/>
           </a:p>
@@ -2101,7 +2102,7 @@
           <a:p>
             <a:fld id="{DF0DA02A-3D36-4521-B995-F6A931B35345}" type="datetimeFigureOut">
               <a:rPr lang="en-US" smtClean="0"/>
-              <a:t>8/14/2023</a:t>
+              <a:t>8/29/2023</a:t>
             </a:fld>
             <a:endParaRPr lang="en-US"/>
           </a:p>
@@ -2219,7 +2220,7 @@
           <a:p>
             <a:fld id="{DF0DA02A-3D36-4521-B995-F6A931B35345}" type="datetimeFigureOut">
               <a:rPr lang="en-US" smtClean="0"/>
-              <a:t>8/14/2023</a:t>
+              <a:t>8/29/2023</a:t>
             </a:fld>
             <a:endParaRPr lang="en-US"/>
           </a:p>
@@ -2390,7 +2391,7 @@
           <a:p>
             <a:fld id="{DF0DA02A-3D36-4521-B995-F6A931B35345}" type="datetimeFigureOut">
               <a:rPr lang="en-US" smtClean="0"/>
-              <a:t>8/14/2023</a:t>
+              <a:t>8/29/2023</a:t>
             </a:fld>
             <a:endParaRPr lang="en-US"/>
           </a:p>
@@ -2759,7 +2760,7 @@
           <a:p>
             <a:fld id="{DF0DA02A-3D36-4521-B995-F6A931B35345}" type="datetimeFigureOut">
               <a:rPr lang="en-US" smtClean="0"/>
-              <a:t>8/14/2023</a:t>
+              <a:t>8/29/2023</a:t>
             </a:fld>
             <a:endParaRPr lang="en-US"/>
           </a:p>
@@ -3136,7 +3137,7 @@
           <a:p>
             <a:fld id="{DF0DA02A-3D36-4521-B995-F6A931B35345}" type="datetimeFigureOut">
               <a:rPr lang="en-US" smtClean="0"/>
-              <a:t>8/14/2023</a:t>
+              <a:t>8/29/2023</a:t>
             </a:fld>
             <a:endParaRPr lang="en-US"/>
           </a:p>
@@ -3423,7 +3424,7 @@
           <a:p>
             <a:fld id="{DF0DA02A-3D36-4521-B995-F6A931B35345}" type="datetimeFigureOut">
               <a:rPr lang="en-US" smtClean="0"/>
-              <a:t>8/14/2023</a:t>
+              <a:t>8/29/2023</a:t>
             </a:fld>
             <a:endParaRPr lang="en-US"/>
           </a:p>
@@ -4403,7 +4404,7 @@
         <p:spPr/>
         <p:txBody>
           <a:bodyPr>
-            <a:normAutofit fontScale="92500" lnSpcReduction="10000"/>
+            <a:normAutofit/>
           </a:bodyPr>
           <a:lstStyle/>
           <a:p>
@@ -4430,112 +4431,11 @@
             </a:pPr>
             <a:r>
               <a:rPr lang="en-US" b="1" dirty="0"/>
-              <a:t> Immutable variable </a:t>
-            </a:r>
-            <a:r>
-              <a:rPr lang="en-US" dirty="0"/>
-              <a:t>Cannot be changed after it is defined. It stands for a value. Defined: </a:t>
-            </a:r>
-            <a:r>
-              <a:rPr lang="en-US" dirty="0">
-                <a:latin typeface="Consolas" panose="020B0609020204030204" pitchFamily="49" charset="0"/>
-              </a:rPr>
-              <a:t>let x = …;</a:t>
-            </a:r>
-            <a:r>
-              <a:rPr lang="en-US" dirty="0"/>
-              <a:t> Read:</a:t>
-            </a:r>
-            <a:r>
-              <a:rPr lang="en-US" dirty="0">
-                <a:latin typeface="Consolas" panose="020B0609020204030204" pitchFamily="49" charset="0"/>
-              </a:rPr>
-              <a:t> x</a:t>
-            </a:r>
-            <a:endParaRPr lang="en-US" b="1" dirty="0">
-              <a:latin typeface="Consolas" panose="020B0609020204030204" pitchFamily="49" charset="0"/>
-            </a:endParaRPr>
-          </a:p>
-          <a:p>
-            <a:r>
-              <a:rPr lang="en-US" b="1" dirty="0"/>
-              <a:t>Mutable variable </a:t>
-            </a:r>
-            <a:r>
-              <a:rPr lang="en-US" dirty="0"/>
-              <a:t>Can be changed after it is defined. It represents state. Defined: </a:t>
-            </a:r>
-            <a:r>
-              <a:rPr lang="en-US" dirty="0">
-                <a:latin typeface="Consolas" panose="020B0609020204030204" pitchFamily="49" charset="0"/>
-              </a:rPr>
-              <a:t>let mut x = …;</a:t>
-            </a:r>
-            <a:r>
-              <a:rPr lang="en-US" dirty="0"/>
-              <a:t> Read: </a:t>
-            </a:r>
-            <a:r>
-              <a:rPr lang="en-US" dirty="0">
-                <a:latin typeface="Consolas" panose="020B0609020204030204" pitchFamily="49" charset="0"/>
-              </a:rPr>
-              <a:t>x</a:t>
-            </a:r>
-            <a:r>
-              <a:rPr lang="en-US" dirty="0"/>
-              <a:t> Modified: </a:t>
-            </a:r>
-            <a:r>
-              <a:rPr lang="en-US" dirty="0">
-                <a:latin typeface="Consolas" panose="020B0609020204030204" pitchFamily="49" charset="0"/>
-              </a:rPr>
-              <a:t>x = …;</a:t>
-            </a:r>
-            <a:endParaRPr lang="en-US" b="1" dirty="0">
-              <a:latin typeface="Consolas" panose="020B0609020204030204" pitchFamily="49" charset="0"/>
-            </a:endParaRPr>
-          </a:p>
-          <a:p>
-            <a:r>
-              <a:rPr lang="en-US" b="1" dirty="0"/>
-              <a:t>Math variable* </a:t>
-            </a:r>
-            <a:r>
-              <a:rPr lang="en-US" dirty="0"/>
-              <a:t>The book and slides most often say “any value”, “any type”, and so on. We use variables like </a:t>
-            </a:r>
-            <a:r>
-              <a:rPr lang="en-US" i="1" dirty="0"/>
-              <a:t>v</a:t>
-            </a:r>
-            <a:r>
-              <a:rPr lang="en-US" dirty="0"/>
-              <a:t> or </a:t>
-            </a:r>
-            <a:r>
-              <a:rPr lang="en-US" i="1" dirty="0"/>
-              <a:t>t </a:t>
-            </a:r>
-            <a:r>
-              <a:rPr lang="en-US" dirty="0"/>
-              <a:t>for this purpose. Like in math, these range over any value, any type, etc. They are not Rust code like </a:t>
-            </a:r>
-            <a:r>
-              <a:rPr lang="en-US" dirty="0">
-                <a:latin typeface="Consolas" panose="020B0609020204030204" pitchFamily="49" charset="0"/>
-              </a:rPr>
-              <a:t>x</a:t>
-            </a:r>
-            <a:r>
-              <a:rPr lang="en-US" dirty="0"/>
-              <a:t> </a:t>
-            </a:r>
-            <a:br>
-              <a:rPr lang="en-US" dirty="0"/>
-            </a:br>
-            <a:r>
-              <a:rPr lang="en-US" dirty="0"/>
-              <a:t>*The technical term is a metavariable</a:t>
+              <a:t> Core Insight: </a:t>
+            </a:r>
+            <a:r>
+              <a:rPr lang="en-US" dirty="0"/>
+              <a:t>Variables are one of the most fundamental ideas in PL theory. The simple question: “What do variables mean?” has profound design implications</a:t>
             </a:r>
             <a:endParaRPr lang="en-US" b="1" dirty="0"/>
           </a:p>
@@ -4576,7 +4476,7 @@
           <p:cNvPr id="2" name="Title 1">
             <a:extLst>
               <a:ext uri="{FF2B5EF4-FFF2-40B4-BE49-F238E27FC236}">
-                <a16:creationId xmlns:a16="http://schemas.microsoft.com/office/drawing/2014/main" id="{E30FE60F-1F58-00F4-D870-0C2548691D30}"/>
+                <a16:creationId xmlns:a16="http://schemas.microsoft.com/office/drawing/2014/main" id="{BE838872-A996-EFBA-38BB-7911E564DFC5}"/>
               </a:ext>
             </a:extLst>
           </p:cNvPr>
@@ -4594,7 +4494,7 @@
           <a:p>
             <a:r>
               <a:rPr lang="en-US" dirty="0"/>
-              <a:t>References</a:t>
+              <a:t>Variables</a:t>
             </a:r>
           </a:p>
         </p:txBody>
@@ -4604,7 +4504,7 @@
           <p:cNvPr id="3" name="Content Placeholder 2">
             <a:extLst>
               <a:ext uri="{FF2B5EF4-FFF2-40B4-BE49-F238E27FC236}">
-                <a16:creationId xmlns:a16="http://schemas.microsoft.com/office/drawing/2014/main" id="{47F20988-08C0-0D41-582F-464BBFAE8E2F}"/>
+                <a16:creationId xmlns:a16="http://schemas.microsoft.com/office/drawing/2014/main" id="{83042FF8-9DF0-DF48-76A5-C863BBC789D8}"/>
               </a:ext>
             </a:extLst>
           </p:cNvPr>
@@ -4617,79 +4517,149 @@
         </p:nvSpPr>
         <p:spPr/>
         <p:txBody>
-          <a:bodyPr/>
+          <a:bodyPr>
+            <a:normAutofit fontScale="92500" lnSpcReduction="10000"/>
+          </a:bodyPr>
           <a:lstStyle/>
           <a:p>
             <a:r>
               <a:rPr lang="en-US" b="1" dirty="0"/>
-              <a:t>Core PL Vocab: </a:t>
-            </a:r>
-            <a:r>
-              <a:rPr lang="en-US" dirty="0"/>
-              <a:t>A reference is a PL abstraction which provides indirect access to a storage location, e.g., in memory</a:t>
-            </a:r>
-          </a:p>
-          <a:p>
+              <a:t>Core PL Vocab:</a:t>
+            </a:r>
+            <a:r>
+              <a:rPr lang="en-US" dirty="0"/>
+              <a:t> The term </a:t>
+            </a:r>
             <a:r>
               <a:rPr lang="en-US" b="1" dirty="0"/>
-              <a:t>Indirection </a:t>
-            </a:r>
-            <a:r>
-              <a:rPr lang="en-US" dirty="0"/>
-              <a:t>is a fundamental programming concept across PLs</a:t>
-            </a:r>
-          </a:p>
-          <a:p>
-            <a:pPr lvl="1"/>
+              <a:t>variable</a:t>
+            </a:r>
+            <a:r>
+              <a:rPr lang="en-US" dirty="0"/>
+              <a:t> has many different meanings in different contexts. It is important to be aware of how it is being used</a:t>
+            </a:r>
+          </a:p>
+          <a:p>
+            <a:pPr marL="0" indent="0">
+              <a:buNone/>
+            </a:pPr>
             <a:r>
               <a:rPr lang="en-US" b="1" dirty="0"/>
-              <a:t>Pointers </a:t>
-            </a:r>
-            <a:r>
-              <a:rPr lang="en-US" dirty="0"/>
-              <a:t>(C,C++,etc.): Indirect access is supported through a numeric location represent an address in memory</a:t>
-            </a:r>
-          </a:p>
-          <a:p>
-            <a:pPr lvl="1"/>
+              <a:t> Immutable variable </a:t>
+            </a:r>
+            <a:r>
+              <a:rPr lang="en-US" dirty="0"/>
+              <a:t>Cannot be changed after it is defined. It stands for a value. Defined: </a:t>
+            </a:r>
+            <a:r>
+              <a:rPr lang="en-US" dirty="0">
+                <a:latin typeface="Consolas" panose="020B0609020204030204" pitchFamily="49" charset="0"/>
+              </a:rPr>
+              <a:t>let x = …;</a:t>
+            </a:r>
+            <a:r>
+              <a:rPr lang="en-US" dirty="0"/>
+              <a:t> Read:</a:t>
+            </a:r>
+            <a:r>
+              <a:rPr lang="en-US" dirty="0">
+                <a:latin typeface="Consolas" panose="020B0609020204030204" pitchFamily="49" charset="0"/>
+              </a:rPr>
+              <a:t> x</a:t>
+            </a:r>
+            <a:endParaRPr lang="en-US" b="1" dirty="0">
+              <a:latin typeface="Consolas" panose="020B0609020204030204" pitchFamily="49" charset="0"/>
+            </a:endParaRPr>
+          </a:p>
+          <a:p>
             <a:r>
               <a:rPr lang="en-US" b="1" dirty="0"/>
-              <a:t>References</a:t>
-            </a:r>
-            <a:r>
-              <a:rPr lang="en-US" dirty="0"/>
-              <a:t> (</a:t>
-            </a:r>
-            <a:r>
-              <a:rPr lang="en-US" dirty="0" err="1"/>
-              <a:t>Java,Python,etc</a:t>
-            </a:r>
-            <a:r>
-              <a:rPr lang="en-US" dirty="0"/>
-              <a:t>.): Indirect access is supported through a location, which is not treated as a number</a:t>
-            </a:r>
-          </a:p>
-          <a:p>
-            <a:pPr lvl="1"/>
+              <a:t>Mutable variable </a:t>
+            </a:r>
+            <a:r>
+              <a:rPr lang="en-US" dirty="0"/>
+              <a:t>Can be changed after it is defined. It represents state. Defined: </a:t>
+            </a:r>
+            <a:r>
+              <a:rPr lang="en-US" dirty="0">
+                <a:latin typeface="Consolas" panose="020B0609020204030204" pitchFamily="49" charset="0"/>
+              </a:rPr>
+              <a:t>let mut x = …;</a:t>
+            </a:r>
+            <a:r>
+              <a:rPr lang="en-US" dirty="0"/>
+              <a:t> Read: </a:t>
+            </a:r>
+            <a:r>
+              <a:rPr lang="en-US" dirty="0">
+                <a:latin typeface="Consolas" panose="020B0609020204030204" pitchFamily="49" charset="0"/>
+              </a:rPr>
+              <a:t>x</a:t>
+            </a:r>
+            <a:r>
+              <a:rPr lang="en-US" dirty="0"/>
+              <a:t> Modified: </a:t>
+            </a:r>
+            <a:r>
+              <a:rPr lang="en-US" dirty="0">
+                <a:latin typeface="Consolas" panose="020B0609020204030204" pitchFamily="49" charset="0"/>
+              </a:rPr>
+              <a:t>x = …;</a:t>
+            </a:r>
+            <a:endParaRPr lang="en-US" b="1" dirty="0">
+              <a:latin typeface="Consolas" panose="020B0609020204030204" pitchFamily="49" charset="0"/>
+            </a:endParaRPr>
+          </a:p>
+          <a:p>
             <a:r>
               <a:rPr lang="en-US" b="1" dirty="0"/>
-              <a:t>References </a:t>
-            </a:r>
-            <a:r>
-              <a:rPr lang="en-US" dirty="0"/>
-              <a:t>(Rust): In addition, the type system for references plays an important role in making affine types practical</a:t>
+              <a:t>Math variable* </a:t>
+            </a:r>
+            <a:r>
+              <a:rPr lang="en-US" dirty="0"/>
+              <a:t>The book and slides most often say “any value”, “any type”, and so on. We use variables like </a:t>
+            </a:r>
+            <a:r>
+              <a:rPr lang="en-US" i="1" dirty="0"/>
+              <a:t>v</a:t>
+            </a:r>
+            <a:r>
+              <a:rPr lang="en-US" dirty="0"/>
+              <a:t> or </a:t>
+            </a:r>
+            <a:r>
+              <a:rPr lang="en-US" i="1" dirty="0"/>
+              <a:t>t </a:t>
+            </a:r>
+            <a:r>
+              <a:rPr lang="en-US" dirty="0"/>
+              <a:t>for this purpose. Like in math, these range over any value, any type, etc. They are not Rust code like </a:t>
+            </a:r>
+            <a:r>
+              <a:rPr lang="en-US" dirty="0">
+                <a:latin typeface="Consolas" panose="020B0609020204030204" pitchFamily="49" charset="0"/>
+              </a:rPr>
+              <a:t>x</a:t>
+            </a:r>
+            <a:r>
+              <a:rPr lang="en-US" dirty="0"/>
+              <a:t> </a:t>
+            </a:r>
+            <a:br>
+              <a:rPr lang="en-US" dirty="0"/>
+            </a:br>
+            <a:r>
+              <a:rPr lang="en-US" dirty="0"/>
+              <a:t>*The technical term is a metavariable</a:t>
             </a:r>
             <a:endParaRPr lang="en-US" b="1" dirty="0"/>
-          </a:p>
-          <a:p>
-            <a:endParaRPr lang="en-US" dirty="0"/>
           </a:p>
         </p:txBody>
       </p:sp>
     </p:spTree>
     <p:extLst>
       <p:ext uri="{BB962C8B-B14F-4D97-AF65-F5344CB8AC3E}">
-        <p14:creationId xmlns:p14="http://schemas.microsoft.com/office/powerpoint/2010/main" val="2078402811"/>
+        <p14:creationId xmlns:p14="http://schemas.microsoft.com/office/powerpoint/2010/main" val="1461387713"/>
       </p:ext>
     </p:extLst>
   </p:cSld>
@@ -4762,9 +4732,7 @@
         </p:nvSpPr>
         <p:spPr/>
         <p:txBody>
-          <a:bodyPr>
-            <a:normAutofit/>
-          </a:bodyPr>
+          <a:bodyPr/>
           <a:lstStyle/>
           <a:p>
             <a:r>
@@ -4778,102 +4746,65 @@
           </a:p>
           <a:p>
             <a:r>
-              <a:rPr lang="en-US" dirty="0"/>
-              <a:t>Usually, the first step to creating a reference is creating a variable </a:t>
-            </a:r>
-            <a:r>
-              <a:rPr lang="en-US" dirty="0">
-                <a:latin typeface="Consolas" panose="020B0609020204030204" pitchFamily="49" charset="0"/>
-              </a:rPr>
-              <a:t>x</a:t>
-            </a:r>
-            <a:r>
-              <a:rPr lang="en-US" dirty="0"/>
-              <a:t> which stores a value </a:t>
-            </a:r>
-            <a:r>
-              <a:rPr lang="en-US" i="1" dirty="0"/>
-              <a:t>v</a:t>
-            </a:r>
-          </a:p>
-          <a:p>
-            <a:r>
               <a:rPr lang="en-US" b="1" dirty="0"/>
-              <a:t>Create (Immutable): </a:t>
-            </a:r>
-            <a:r>
-              <a:rPr lang="en-US" dirty="0">
-                <a:latin typeface="Consolas" panose="020B0609020204030204" pitchFamily="49" charset="0"/>
-              </a:rPr>
-              <a:t>&amp;x</a:t>
-            </a:r>
+              <a:t>Indirection </a:t>
+            </a:r>
+            <a:r>
+              <a:rPr lang="en-US" dirty="0"/>
+              <a:t>is a fundamental programming concept across PLs</a:t>
+            </a:r>
+          </a:p>
+          <a:p>
+            <a:pPr lvl="1"/>
             <a:r>
               <a:rPr lang="en-US" b="1" dirty="0"/>
-              <a:t> </a:t>
-            </a:r>
-            <a:r>
-              <a:rPr lang="en-US" dirty="0"/>
-              <a:t> is a reference to x, can be read, not written</a:t>
-            </a:r>
-            <a:br>
-              <a:rPr lang="en-US" dirty="0"/>
-            </a:br>
+              <a:t>Pointers </a:t>
+            </a:r>
+            <a:r>
+              <a:rPr lang="en-US" dirty="0"/>
+              <a:t>(C,C++,etc.): Indirect access is supported through a numeric location represent an address in memory</a:t>
+            </a:r>
+          </a:p>
+          <a:p>
+            <a:pPr lvl="1"/>
             <a:r>
               <a:rPr lang="en-US" b="1" dirty="0"/>
-              <a:t>Create (Mutable): </a:t>
-            </a:r>
-            <a:r>
-              <a:rPr lang="en-US" dirty="0">
-                <a:latin typeface="Consolas" panose="020B0609020204030204" pitchFamily="49" charset="0"/>
-              </a:rPr>
-              <a:t>&amp;mut x</a:t>
-            </a:r>
+              <a:t>References</a:t>
+            </a:r>
+            <a:r>
+              <a:rPr lang="en-US" dirty="0"/>
+              <a:t> (</a:t>
+            </a:r>
+            <a:r>
+              <a:rPr lang="en-US" dirty="0" err="1"/>
+              <a:t>Java,Python,etc</a:t>
+            </a:r>
+            <a:r>
+              <a:rPr lang="en-US" dirty="0"/>
+              <a:t>.): Indirect access is supported through a location, which is not treated as a number</a:t>
+            </a:r>
+          </a:p>
+          <a:p>
+            <a:pPr lvl="1"/>
             <a:r>
               <a:rPr lang="en-US" b="1" dirty="0"/>
-              <a:t> </a:t>
-            </a:r>
-            <a:r>
-              <a:rPr lang="en-US" dirty="0"/>
-              <a:t> is a reference to x, can be read, written</a:t>
-            </a:r>
-            <a:br>
-              <a:rPr lang="en-US" dirty="0"/>
-            </a:br>
-            <a:r>
-              <a:rPr lang="en-US" b="1" dirty="0"/>
-              <a:t>Read: </a:t>
-            </a:r>
-            <a:r>
-              <a:rPr lang="en-US" dirty="0">
-                <a:latin typeface="Consolas" panose="020B0609020204030204" pitchFamily="49" charset="0"/>
-              </a:rPr>
-              <a:t>*r</a:t>
-            </a:r>
-            <a:r>
-              <a:rPr lang="en-US" dirty="0"/>
-              <a:t> returns the value v stored at reference r</a:t>
-            </a:r>
-            <a:br>
-              <a:rPr lang="en-US" dirty="0"/>
-            </a:br>
-            <a:r>
-              <a:rPr lang="en-US" b="1" dirty="0"/>
-              <a:t>Write: </a:t>
-            </a:r>
-            <a:r>
-              <a:rPr lang="en-US" dirty="0"/>
-              <a:t>*r = … modifies stores a new value at mutable reference r</a:t>
-            </a:r>
-          </a:p>
-          <a:p>
+              <a:t>References </a:t>
+            </a:r>
+            <a:r>
+              <a:rPr lang="en-US" dirty="0"/>
+              <a:t>(Rust): In addition, the type system for references plays an important role in making affine types practical</a:t>
+            </a:r>
             <a:endParaRPr lang="en-US" b="1" dirty="0"/>
+          </a:p>
+          <a:p>
+            <a:endParaRPr lang="en-US" dirty="0"/>
           </a:p>
         </p:txBody>
       </p:sp>
     </p:spTree>
     <p:extLst>
       <p:ext uri="{BB962C8B-B14F-4D97-AF65-F5344CB8AC3E}">
-        <p14:creationId xmlns:p14="http://schemas.microsoft.com/office/powerpoint/2010/main" val="118174398"/>
+        <p14:creationId xmlns:p14="http://schemas.microsoft.com/office/powerpoint/2010/main" val="2078402811"/>
       </p:ext>
     </p:extLst>
   </p:cSld>
@@ -4905,7 +4836,7 @@
           <p:cNvPr id="2" name="Title 1">
             <a:extLst>
               <a:ext uri="{FF2B5EF4-FFF2-40B4-BE49-F238E27FC236}">
-                <a16:creationId xmlns:a16="http://schemas.microsoft.com/office/drawing/2014/main" id="{DF22C8BA-1E95-44E0-E5E7-14B26323756E}"/>
+                <a16:creationId xmlns:a16="http://schemas.microsoft.com/office/drawing/2014/main" id="{E30FE60F-1F58-00F4-D870-0C2548691D30}"/>
               </a:ext>
             </a:extLst>
           </p:cNvPr>
@@ -4923,7 +4854,7 @@
           <a:p>
             <a:r>
               <a:rPr lang="en-US" dirty="0"/>
-              <a:t>Expressions</a:t>
+              <a:t>References</a:t>
             </a:r>
           </a:p>
         </p:txBody>
@@ -4933,7 +4864,7 @@
           <p:cNvPr id="3" name="Content Placeholder 2">
             <a:extLst>
               <a:ext uri="{FF2B5EF4-FFF2-40B4-BE49-F238E27FC236}">
-                <a16:creationId xmlns:a16="http://schemas.microsoft.com/office/drawing/2014/main" id="{F0608B81-5C60-CBA2-1A67-241D877871CA}"/>
+                <a16:creationId xmlns:a16="http://schemas.microsoft.com/office/drawing/2014/main" id="{47F20988-08C0-0D41-582F-464BBFAE8E2F}"/>
               </a:ext>
             </a:extLst>
           </p:cNvPr>
@@ -4946,7 +4877,9 @@
         </p:nvSpPr>
         <p:spPr/>
         <p:txBody>
-          <a:bodyPr/>
+          <a:bodyPr>
+            <a:normAutofit/>
+          </a:bodyPr>
           <a:lstStyle/>
           <a:p>
             <a:r>
@@ -4955,88 +4888,107 @@
             </a:r>
             <a:r>
               <a:rPr lang="en-US" dirty="0"/>
-              <a:t>An </a:t>
-            </a:r>
+              <a:t>A reference is a PL abstraction which provides indirect access to a storage location, e.g., in memory</a:t>
+            </a:r>
+          </a:p>
+          <a:p>
+            <a:r>
+              <a:rPr lang="en-US" dirty="0"/>
+              <a:t>Usually, the first step to creating a reference is creating a variable </a:t>
+            </a:r>
+            <a:r>
+              <a:rPr lang="en-US" dirty="0">
+                <a:latin typeface="Consolas" panose="020B0609020204030204" pitchFamily="49" charset="0"/>
+              </a:rPr>
+              <a:t>x</a:t>
+            </a:r>
+            <a:r>
+              <a:rPr lang="en-US" dirty="0"/>
+              <a:t> which stores a value </a:t>
+            </a:r>
+            <a:r>
+              <a:rPr lang="en-US" i="1" dirty="0"/>
+              <a:t>v</a:t>
+            </a:r>
+          </a:p>
+          <a:p>
             <a:r>
               <a:rPr lang="en-US" b="1" dirty="0"/>
-              <a:t>expression</a:t>
-            </a:r>
-            <a:r>
-              <a:rPr lang="en-US" dirty="0"/>
+              <a:t>Create (Immutable): </a:t>
+            </a:r>
+            <a:r>
+              <a:rPr lang="en-US" dirty="0">
+                <a:latin typeface="Consolas" panose="020B0609020204030204" pitchFamily="49" charset="0"/>
+              </a:rPr>
+              <a:t>&amp;x</a:t>
+            </a:r>
+            <a:r>
+              <a:rPr lang="en-US" b="1" dirty="0"/>
               <a:t> </a:t>
             </a:r>
             <a:r>
-              <a:rPr lang="en-US" i="1" dirty="0"/>
-              <a:t>e </a:t>
-            </a:r>
-            <a:r>
-              <a:rPr lang="en-US" dirty="0"/>
-              <a:t>is a program that can be </a:t>
-            </a:r>
+              <a:rPr lang="en-US" dirty="0"/>
+              <a:t> is a reference to x, can be read, not written</a:t>
+            </a:r>
+            <a:br>
+              <a:rPr lang="en-US" dirty="0"/>
+            </a:br>
             <a:r>
               <a:rPr lang="en-US" b="1" dirty="0"/>
-              <a:t>evaluated</a:t>
-            </a:r>
-            <a:endParaRPr lang="en-US" dirty="0"/>
-          </a:p>
-          <a:p>
+              <a:t>Create (Mutable): </a:t>
+            </a:r>
+            <a:r>
+              <a:rPr lang="en-US" dirty="0">
+                <a:latin typeface="Consolas" panose="020B0609020204030204" pitchFamily="49" charset="0"/>
+              </a:rPr>
+              <a:t>&amp;mut x</a:t>
+            </a:r>
             <a:r>
               <a:rPr lang="en-US" b="1" dirty="0"/>
-              <a:t>Core PL Vocab:</a:t>
-            </a:r>
-            <a:r>
-              <a:rPr lang="en-US" dirty="0"/>
-              <a:t> To </a:t>
-            </a:r>
+              <a:t> </a:t>
+            </a:r>
+            <a:r>
+              <a:rPr lang="en-US" dirty="0"/>
+              <a:t> is a reference to x, can be read, written</a:t>
+            </a:r>
+            <a:br>
+              <a:rPr lang="en-US" dirty="0"/>
+            </a:br>
             <a:r>
               <a:rPr lang="en-US" b="1" dirty="0"/>
-              <a:t>evaluate</a:t>
-            </a:r>
-            <a:r>
-              <a:rPr lang="en-US" dirty="0"/>
-              <a:t> an expression is more than just running it. To evaluate an expression is to run it </a:t>
-            </a:r>
+              <a:t>Read: </a:t>
+            </a:r>
+            <a:r>
+              <a:rPr lang="en-US" dirty="0">
+                <a:latin typeface="Consolas" panose="020B0609020204030204" pitchFamily="49" charset="0"/>
+              </a:rPr>
+              <a:t>*r</a:t>
+            </a:r>
+            <a:r>
+              <a:rPr lang="en-US" dirty="0"/>
+              <a:t> returns the value v stored at reference r</a:t>
+            </a:r>
+            <a:br>
+              <a:rPr lang="en-US" dirty="0"/>
+            </a:br>
             <a:r>
               <a:rPr lang="en-US" b="1" dirty="0"/>
-              <a:t>and, if it terminates</a:t>
-            </a:r>
-            <a:r>
-              <a:rPr lang="en-US" dirty="0"/>
-              <a:t> get a value as the result</a:t>
-            </a:r>
-          </a:p>
-          <a:p>
-            <a:r>
-              <a:rPr lang="en-US" b="1" dirty="0"/>
-              <a:t>Understanding check:</a:t>
-            </a:r>
-            <a:r>
-              <a:rPr lang="en-US" dirty="0"/>
-              <a:t> How do values and expressions relate? Fill in the blanks below:</a:t>
-            </a:r>
-          </a:p>
-          <a:p>
-            <a:r>
-              <a:rPr lang="en-US" dirty="0"/>
-              <a:t>Every  _________  is a ___________</a:t>
-            </a:r>
-            <a:br>
-              <a:rPr lang="en-US" dirty="0"/>
-            </a:br>
-            <a:r>
-              <a:rPr lang="en-US" dirty="0"/>
-              <a:t>But not every __________ is a ___________</a:t>
-            </a:r>
-          </a:p>
-          <a:p>
-            <a:endParaRPr lang="en-US" dirty="0"/>
+              <a:t>Write: </a:t>
+            </a:r>
+            <a:r>
+              <a:rPr lang="en-US" dirty="0"/>
+              <a:t>*r = … modifies stores a new value at mutable reference r</a:t>
+            </a:r>
+          </a:p>
+          <a:p>
+            <a:endParaRPr lang="en-US" b="1" dirty="0"/>
           </a:p>
         </p:txBody>
       </p:sp>
     </p:spTree>
     <p:extLst>
       <p:ext uri="{BB962C8B-B14F-4D97-AF65-F5344CB8AC3E}">
-        <p14:creationId xmlns:p14="http://schemas.microsoft.com/office/powerpoint/2010/main" val="2228357614"/>
+        <p14:creationId xmlns:p14="http://schemas.microsoft.com/office/powerpoint/2010/main" val="118174398"/>
       </p:ext>
     </p:extLst>
   </p:cSld>
@@ -5068,7 +5020,7 @@
           <p:cNvPr id="2" name="Title 1">
             <a:extLst>
               <a:ext uri="{FF2B5EF4-FFF2-40B4-BE49-F238E27FC236}">
-                <a16:creationId xmlns:a16="http://schemas.microsoft.com/office/drawing/2014/main" id="{686DEF3E-9ACD-1629-CF5C-ED6F93767C94}"/>
+                <a16:creationId xmlns:a16="http://schemas.microsoft.com/office/drawing/2014/main" id="{DF22C8BA-1E95-44E0-E5E7-14B26323756E}"/>
               </a:ext>
             </a:extLst>
           </p:cNvPr>
@@ -5086,7 +5038,7 @@
           <a:p>
             <a:r>
               <a:rPr lang="en-US" dirty="0"/>
-              <a:t>Basic and Compound Expressions</a:t>
+              <a:t>Expressions</a:t>
             </a:r>
           </a:p>
         </p:txBody>
@@ -5096,7 +5048,7 @@
           <p:cNvPr id="3" name="Content Placeholder 2">
             <a:extLst>
               <a:ext uri="{FF2B5EF4-FFF2-40B4-BE49-F238E27FC236}">
-                <a16:creationId xmlns:a16="http://schemas.microsoft.com/office/drawing/2014/main" id="{47047E08-0FCD-CAC2-B3B3-E767AE678488}"/>
+                <a16:creationId xmlns:a16="http://schemas.microsoft.com/office/drawing/2014/main" id="{F0608B81-5C60-CBA2-1A67-241D877871CA}"/>
               </a:ext>
             </a:extLst>
           </p:cNvPr>
@@ -5109,52 +5061,97 @@
         </p:nvSpPr>
         <p:spPr/>
         <p:txBody>
-          <a:bodyPr>
-            <a:normAutofit/>
-          </a:bodyPr>
-          <a:lstStyle/>
-          <a:p>
-            <a:r>
-              <a:rPr lang="en-US" dirty="0"/>
-              <a:t>The most basic expressions are values. For any expressions e1 and e2, we can write down compound expressions:</a:t>
-            </a:r>
-          </a:p>
-          <a:p>
-            <a:r>
-              <a:rPr lang="en-US" dirty="0"/>
-              <a:t>Arithmetic operations: e1 * e2, e1 – e2, e1*e2 and e1/e2</a:t>
-            </a:r>
-          </a:p>
-          <a:p>
-            <a:r>
-              <a:rPr lang="en-US" dirty="0"/>
-              <a:t>Comparisons: e1 == e2, e1 != e2, e1 &lt; e2, e1 &gt;= e2, ….</a:t>
-            </a:r>
-          </a:p>
-          <a:p>
-            <a:r>
-              <a:rPr lang="en-US" dirty="0"/>
-              <a:t>Short-circuit Boolean operators: e1 &amp;&amp; e2, e1 || e2, and !e1</a:t>
-            </a:r>
-          </a:p>
-          <a:p>
-            <a:r>
-              <a:rPr lang="en-US" dirty="0"/>
-              <a:t>Function calls: f(), f(e1), f(e1,e2)…</a:t>
-            </a:r>
-          </a:p>
-          <a:p>
-            <a:r>
-              <a:rPr lang="en-US" dirty="0"/>
-              <a:t>Check understanding: Which of these could be made into functions?</a:t>
-            </a:r>
+          <a:bodyPr/>
+          <a:lstStyle/>
+          <a:p>
+            <a:r>
+              <a:rPr lang="en-US" b="1" dirty="0"/>
+              <a:t>Core PL Vocab: </a:t>
+            </a:r>
+            <a:r>
+              <a:rPr lang="en-US" dirty="0"/>
+              <a:t>An </a:t>
+            </a:r>
+            <a:r>
+              <a:rPr lang="en-US" b="1" dirty="0"/>
+              <a:t>expression</a:t>
+            </a:r>
+            <a:r>
+              <a:rPr lang="en-US" dirty="0"/>
+              <a:t> </a:t>
+            </a:r>
+            <a:r>
+              <a:rPr lang="en-US" i="1" dirty="0"/>
+              <a:t>e </a:t>
+            </a:r>
+            <a:r>
+              <a:rPr lang="en-US" dirty="0"/>
+              <a:t>is a program that can be </a:t>
+            </a:r>
+            <a:r>
+              <a:rPr lang="en-US" b="1" dirty="0"/>
+              <a:t>evaluated</a:t>
+            </a:r>
+            <a:endParaRPr lang="en-US" dirty="0"/>
+          </a:p>
+          <a:p>
+            <a:r>
+              <a:rPr lang="en-US" b="1" dirty="0"/>
+              <a:t>Core PL Vocab:</a:t>
+            </a:r>
+            <a:r>
+              <a:rPr lang="en-US" dirty="0"/>
+              <a:t> To </a:t>
+            </a:r>
+            <a:r>
+              <a:rPr lang="en-US" b="1" dirty="0"/>
+              <a:t>evaluate</a:t>
+            </a:r>
+            <a:r>
+              <a:rPr lang="en-US" dirty="0"/>
+              <a:t> an expression is more than just running it. To evaluate an expression is to run it </a:t>
+            </a:r>
+            <a:r>
+              <a:rPr lang="en-US" b="1" dirty="0"/>
+              <a:t>and, if it terminates</a:t>
+            </a:r>
+            <a:r>
+              <a:rPr lang="en-US" dirty="0"/>
+              <a:t> get a value as the result</a:t>
+            </a:r>
+          </a:p>
+          <a:p>
+            <a:r>
+              <a:rPr lang="en-US" b="1" dirty="0"/>
+              <a:t>Understanding check:</a:t>
+            </a:r>
+            <a:r>
+              <a:rPr lang="en-US" dirty="0"/>
+              <a:t> How do values and expressions relate? Fill in the blanks below:</a:t>
+            </a:r>
+          </a:p>
+          <a:p>
+            <a:r>
+              <a:rPr lang="en-US" dirty="0"/>
+              <a:t>Every  _________  is a ___________</a:t>
+            </a:r>
+            <a:br>
+              <a:rPr lang="en-US" dirty="0"/>
+            </a:br>
+            <a:r>
+              <a:rPr lang="en-US" dirty="0"/>
+              <a:t>But not every __________ is a ___________</a:t>
+            </a:r>
+          </a:p>
+          <a:p>
+            <a:endParaRPr lang="en-US" dirty="0"/>
           </a:p>
         </p:txBody>
       </p:sp>
     </p:spTree>
     <p:extLst>
       <p:ext uri="{BB962C8B-B14F-4D97-AF65-F5344CB8AC3E}">
-        <p14:creationId xmlns:p14="http://schemas.microsoft.com/office/powerpoint/2010/main" val="1013400720"/>
+        <p14:creationId xmlns:p14="http://schemas.microsoft.com/office/powerpoint/2010/main" val="2228357614"/>
       </p:ext>
     </p:extLst>
   </p:cSld>
@@ -5204,7 +5201,7 @@
           <a:p>
             <a:r>
               <a:rPr lang="en-US" dirty="0"/>
-              <a:t>Compound Expression Examples</a:t>
+              <a:t>Basic and Compound Expressions</a:t>
             </a:r>
           </a:p>
         </p:txBody>
@@ -5234,35 +5231,37 @@
           <a:p>
             <a:r>
               <a:rPr lang="en-US" dirty="0"/>
-              <a:t>What is the value of each following expression?</a:t>
-            </a:r>
-          </a:p>
-          <a:p>
-            <a:pPr lvl="1"/>
-            <a:r>
-              <a:rPr lang="en-US" dirty="0"/>
-              <a:t>Value of 1 * 2 + 3 * 4 is ???</a:t>
-            </a:r>
-          </a:p>
-          <a:p>
-            <a:pPr lvl="1"/>
-            <a:r>
-              <a:rPr lang="en-US" dirty="0"/>
-              <a:t>Value of 1 &gt;= 3 is ???</a:t>
-            </a:r>
-          </a:p>
-          <a:p>
-            <a:pPr lvl="1"/>
-            <a:r>
-              <a:rPr lang="en-US" dirty="0"/>
-              <a:t>Value of 1 &lt; 2 || 3/0 &gt; 1 is ???</a:t>
-            </a:r>
-          </a:p>
-          <a:p>
-            <a:pPr lvl="1"/>
-            <a:r>
-              <a:rPr lang="en-US" dirty="0"/>
-              <a:t>Value of 1 - 2 == 2 – 3 is ???</a:t>
+              <a:t>The most basic expressions are values. For any expressions e1 and e2, we can write down compound expressions:</a:t>
+            </a:r>
+          </a:p>
+          <a:p>
+            <a:r>
+              <a:rPr lang="en-US" dirty="0"/>
+              <a:t>Arithmetic operations: e1 * e2, e1 – e2, e1*e2 and e1/e2</a:t>
+            </a:r>
+          </a:p>
+          <a:p>
+            <a:r>
+              <a:rPr lang="en-US" dirty="0"/>
+              <a:t>Comparisons: e1 == e2, e1 != e2, e1 &lt; e2, e1 &gt;= e2, ….</a:t>
+            </a:r>
+          </a:p>
+          <a:p>
+            <a:r>
+              <a:rPr lang="en-US" dirty="0"/>
+              <a:t>Short-circuit Boolean operators: e1 &amp;&amp; e2, e1 || e2, and !e1</a:t>
+            </a:r>
+          </a:p>
+          <a:p>
+            <a:r>
+              <a:rPr lang="en-US" dirty="0"/>
+              <a:t>Function calls: f(), f(e1), f(e1,e2)…</a:t>
+            </a:r>
+          </a:p>
+          <a:p>
+            <a:r>
+              <a:rPr lang="en-US" dirty="0"/>
+              <a:t>Check understanding: Which of these could be made into functions?</a:t>
             </a:r>
           </a:p>
         </p:txBody>
@@ -5270,7 +5269,7 @@
     </p:spTree>
     <p:extLst>
       <p:ext uri="{BB962C8B-B14F-4D97-AF65-F5344CB8AC3E}">
-        <p14:creationId xmlns:p14="http://schemas.microsoft.com/office/powerpoint/2010/main" val="3784106905"/>
+        <p14:creationId xmlns:p14="http://schemas.microsoft.com/office/powerpoint/2010/main" val="1013400720"/>
       </p:ext>
     </p:extLst>
   </p:cSld>
@@ -5357,52 +5356,28 @@
             <a:pPr lvl="1"/>
             <a:r>
               <a:rPr lang="en-US" dirty="0"/>
-              <a:t>Value of 1 * 2 + 3 * 4 is </a:t>
-            </a:r>
-            <a:r>
-              <a:rPr lang="en-US" dirty="0">
-                <a:latin typeface="Consolas" panose="020B0609020204030204" pitchFamily="49" charset="0"/>
-              </a:rPr>
-              <a:t>14</a:t>
+              <a:t>Value of 1 * 2 + 3 * 4 is ???</a:t>
             </a:r>
           </a:p>
           <a:p>
             <a:pPr lvl="1"/>
             <a:r>
               <a:rPr lang="en-US" dirty="0"/>
-              <a:t>Value of 1 &gt;= 3 is </a:t>
-            </a:r>
-            <a:r>
-              <a:rPr lang="en-US" dirty="0">
-                <a:latin typeface="Consolas" panose="020B0609020204030204" pitchFamily="49" charset="0"/>
-              </a:rPr>
-              <a:t>false</a:t>
+              <a:t>Value of 1 &gt;= 3 is ???</a:t>
             </a:r>
           </a:p>
           <a:p>
             <a:pPr lvl="1"/>
             <a:r>
               <a:rPr lang="en-US" dirty="0"/>
-              <a:t>Value of 1 &lt; 2 || 3/0 &gt; 1 is </a:t>
-            </a:r>
-            <a:r>
-              <a:rPr lang="en-US" dirty="0">
-                <a:latin typeface="Consolas" panose="020B0609020204030204" pitchFamily="49" charset="0"/>
-              </a:rPr>
-              <a:t>true</a:t>
+              <a:t>Value of 1 &lt; 2 || 3/0 &gt; 1 is ???</a:t>
             </a:r>
           </a:p>
           <a:p>
             <a:pPr lvl="1"/>
             <a:r>
               <a:rPr lang="en-US" dirty="0"/>
-              <a:t>Value of 1 - 2 == 2 - 3 is </a:t>
-            </a:r>
-            <a:r>
-              <a:rPr lang="en-US" dirty="0">
-                <a:latin typeface="Consolas" panose="020B0609020204030204" pitchFamily="49" charset="0"/>
-              </a:rPr>
-              <a:t>true</a:t>
+              <a:t>Value of 1 - 2 == 2 – 3 is ???</a:t>
             </a:r>
           </a:p>
         </p:txBody>
@@ -5410,7 +5385,7 @@
     </p:spTree>
     <p:extLst>
       <p:ext uri="{BB962C8B-B14F-4D97-AF65-F5344CB8AC3E}">
-        <p14:creationId xmlns:p14="http://schemas.microsoft.com/office/powerpoint/2010/main" val="3918353608"/>
+        <p14:creationId xmlns:p14="http://schemas.microsoft.com/office/powerpoint/2010/main" val="3784106905"/>
       </p:ext>
     </p:extLst>
   </p:cSld>
@@ -5460,7 +5435,7 @@
           <a:p>
             <a:r>
               <a:rPr lang="en-US" dirty="0"/>
-              <a:t>Tuple Expressions and Tuple Values</a:t>
+              <a:t>Compound Expression Examples</a:t>
             </a:r>
           </a:p>
         </p:txBody>
@@ -5490,42 +5465,59 @@
           <a:p>
             <a:r>
               <a:rPr lang="en-US" dirty="0"/>
-              <a:t>Tuples are compound data. Tuples are called pairs if they contain exactly 2 elements</a:t>
-            </a:r>
-          </a:p>
-          <a:p>
-            <a:r>
-              <a:rPr lang="en-US" dirty="0"/>
-              <a:t>A tuple expression is written (e1, e2, …, </a:t>
-            </a:r>
-            <a:r>
-              <a:rPr lang="en-US" dirty="0" err="1"/>
-              <a:t>eN</a:t>
-            </a:r>
-            <a:r>
-              <a:rPr lang="en-US" dirty="0"/>
-              <a:t>), evaluates left-to-right</a:t>
-            </a:r>
-            <a:br>
-              <a:rPr lang="en-US" dirty="0"/>
-            </a:br>
-            <a:r>
-              <a:rPr lang="en-US" dirty="0"/>
-              <a:t>A tuple value results, written (v1, v2, …, </a:t>
-            </a:r>
-            <a:r>
-              <a:rPr lang="en-US" dirty="0" err="1"/>
-              <a:t>vN</a:t>
-            </a:r>
-            <a:r>
-              <a:rPr lang="en-US" dirty="0"/>
-              <a:t>)</a:t>
-            </a:r>
-          </a:p>
-          <a:p>
-            <a:r>
-              <a:rPr lang="en-US" dirty="0"/>
-              <a:t>Example: Value of (1+2,3*4) is (3, 12)</a:t>
+              <a:t>What is the value of each following expression?</a:t>
+            </a:r>
+          </a:p>
+          <a:p>
+            <a:pPr lvl="1"/>
+            <a:r>
+              <a:rPr lang="en-US" dirty="0"/>
+              <a:t>Value of 1 * 2 + 3 * 4 is </a:t>
+            </a:r>
+            <a:r>
+              <a:rPr lang="en-US" dirty="0">
+                <a:latin typeface="Consolas" panose="020B0609020204030204" pitchFamily="49" charset="0"/>
+              </a:rPr>
+              <a:t>14</a:t>
+            </a:r>
+          </a:p>
+          <a:p>
+            <a:pPr lvl="1"/>
+            <a:r>
+              <a:rPr lang="en-US" dirty="0"/>
+              <a:t>Value of 1 &gt;= 3 is </a:t>
+            </a:r>
+            <a:r>
+              <a:rPr lang="en-US" dirty="0">
+                <a:latin typeface="Consolas" panose="020B0609020204030204" pitchFamily="49" charset="0"/>
+              </a:rPr>
+              <a:t>false</a:t>
+            </a:r>
+          </a:p>
+          <a:p>
+            <a:pPr lvl="1"/>
+            <a:r>
+              <a:rPr lang="en-US" dirty="0"/>
+              <a:t>Value of 1 &lt; 2 || 3/0 &gt; 1 is </a:t>
+            </a:r>
+            <a:r>
+              <a:rPr lang="en-US" dirty="0">
+                <a:latin typeface="Consolas" panose="020B0609020204030204" pitchFamily="49" charset="0"/>
+              </a:rPr>
+              <a:t>true</a:t>
+            </a:r>
+          </a:p>
+          <a:p>
+            <a:pPr lvl="1"/>
+            <a:r>
+              <a:rPr lang="en-US" dirty="0"/>
+              <a:t>Value of 1 - 2 == 2 - 3 is </a:t>
+            </a:r>
+            <a:r>
+              <a:rPr lang="en-US" dirty="0">
+                <a:latin typeface="Consolas" panose="020B0609020204030204" pitchFamily="49" charset="0"/>
+              </a:rPr>
+              <a:t>true</a:t>
             </a:r>
           </a:p>
         </p:txBody>
@@ -5533,7 +5525,7 @@
     </p:spTree>
     <p:extLst>
       <p:ext uri="{BB962C8B-B14F-4D97-AF65-F5344CB8AC3E}">
-        <p14:creationId xmlns:p14="http://schemas.microsoft.com/office/powerpoint/2010/main" val="1586492055"/>
+        <p14:creationId xmlns:p14="http://schemas.microsoft.com/office/powerpoint/2010/main" val="3918353608"/>
       </p:ext>
     </p:extLst>
   </p:cSld>
@@ -5621,6 +5613,22 @@
               <a:rPr lang="en-US" dirty="0"/>
               <a:t>Core vocabulary about programming languages</a:t>
             </a:r>
+          </a:p>
+          <a:p>
+            <a:pPr lvl="2"/>
+            <a:r>
+              <a:rPr lang="en-US" b="1" dirty="0"/>
+              <a:t>Study Tip: </a:t>
+            </a:r>
+            <a:r>
+              <a:rPr lang="en-US" dirty="0"/>
+              <a:t>Keep a glossary of PL </a:t>
+            </a:r>
+            <a:r>
+              <a:rPr lang="en-US"/>
+              <a:t>vocab definitions</a:t>
+            </a:r>
+            <a:endParaRPr lang="en-US" dirty="0"/>
           </a:p>
           <a:p>
             <a:pPr lvl="1"/>
@@ -5684,7 +5692,7 @@
           <a:p>
             <a:r>
               <a:rPr lang="en-US" dirty="0"/>
-              <a:t>Array Expressions</a:t>
+              <a:t>Tuple Expressions and Tuple Values</a:t>
             </a:r>
           </a:p>
         </p:txBody>
@@ -5708,21 +5716,19 @@
         <p:spPr/>
         <p:txBody>
           <a:bodyPr>
-            <a:normAutofit fontScale="92500" lnSpcReduction="10000"/>
+            <a:normAutofit/>
           </a:bodyPr>
           <a:lstStyle/>
           <a:p>
             <a:r>
               <a:rPr lang="en-US" dirty="0"/>
-              <a:t>Rust has many kinds of arrays. A true </a:t>
-            </a:r>
-            <a:r>
-              <a:rPr lang="en-US" i="1" dirty="0"/>
-              <a:t>array</a:t>
-            </a:r>
-            <a:r>
-              <a:rPr lang="en-US" dirty="0"/>
-              <a:t>, written [e1, …, …, </a:t>
+              <a:t>Tuples are compound data. Tuples are called pairs if they contain exactly 2 elements</a:t>
+            </a:r>
+          </a:p>
+          <a:p>
+            <a:r>
+              <a:rPr lang="en-US" dirty="0"/>
+              <a:t>A tuple expression is written (e1, e2, …, </a:t>
             </a:r>
             <a:r>
               <a:rPr lang="en-US" dirty="0" err="1"/>
@@ -5730,72 +5736,28 @@
             </a:r>
             <a:r>
               <a:rPr lang="en-US" dirty="0"/>
-              <a:t>], does not store its length; length must be known at compile time.</a:t>
-            </a:r>
-          </a:p>
-          <a:p>
-            <a:r>
-              <a:rPr lang="en-US" dirty="0"/>
-              <a:t>To avoid this restriction, we almost always use </a:t>
-            </a:r>
-            <a:r>
-              <a:rPr lang="en-US" i="1" dirty="0"/>
-              <a:t>vectors,</a:t>
-            </a:r>
-            <a:r>
-              <a:rPr lang="en-US" dirty="0"/>
-              <a:t> written </a:t>
+              <a:t>), evaluates left-to-right</a:t>
+            </a:r>
+            <a:br>
+              <a:rPr lang="en-US" dirty="0"/>
+            </a:br>
+            <a:r>
+              <a:rPr lang="en-US" dirty="0"/>
+              <a:t>A tuple value results, written (v1, v2, …, </a:t>
             </a:r>
             <a:r>
               <a:rPr lang="en-US" dirty="0" err="1"/>
-              <a:t>vec</a:t>
-            </a:r>
-            <a:r>
-              <a:rPr lang="en-US" dirty="0"/>
-              <a:t>![1,2,3,4], which store their length and can have any length</a:t>
-            </a:r>
-          </a:p>
-          <a:p>
-            <a:pPr lvl="1"/>
-            <a:r>
-              <a:rPr lang="en-US" dirty="0"/>
-              <a:t>The ! Indicates that </a:t>
-            </a:r>
-            <a:r>
-              <a:rPr lang="en-US" dirty="0" err="1"/>
-              <a:t>vec</a:t>
-            </a:r>
-            <a:r>
-              <a:rPr lang="en-US" dirty="0"/>
-              <a:t>! is a macro. Unlike traditional functions, it can preprocess the syntax of its arguments at compile-time, e.g. to support custom syntaxes</a:t>
-            </a:r>
-          </a:p>
-          <a:p>
-            <a:r>
-              <a:rPr lang="en-US" dirty="0"/>
-              <a:t>All array-like types are homogeneous, i.e., all their elements have the same type as each other</a:t>
-            </a:r>
-          </a:p>
-          <a:p>
-            <a:r>
-              <a:rPr lang="en-US" dirty="0"/>
-              <a:t>All array-like types support syntax e[</a:t>
-            </a:r>
-            <a:r>
-              <a:rPr lang="en-US" dirty="0" err="1"/>
-              <a:t>i</a:t>
-            </a:r>
-            <a:r>
-              <a:rPr lang="en-US" dirty="0"/>
-              <a:t>] for reading (or writing) the </a:t>
-            </a:r>
-            <a:r>
-              <a:rPr lang="en-US" dirty="0" err="1"/>
-              <a:t>i’th</a:t>
-            </a:r>
-            <a:r>
-              <a:rPr lang="en-US" dirty="0"/>
-              <a:t> element of array e.</a:t>
+              <a:t>vN</a:t>
+            </a:r>
+            <a:r>
+              <a:rPr lang="en-US" dirty="0"/>
+              <a:t>)</a:t>
+            </a:r>
+          </a:p>
+          <a:p>
+            <a:r>
+              <a:rPr lang="en-US" dirty="0"/>
+              <a:t>Example: Value of (1+2,3*4) is (3, 12)</a:t>
             </a:r>
           </a:p>
         </p:txBody>
@@ -5803,7 +5765,7 @@
     </p:spTree>
     <p:extLst>
       <p:ext uri="{BB962C8B-B14F-4D97-AF65-F5344CB8AC3E}">
-        <p14:creationId xmlns:p14="http://schemas.microsoft.com/office/powerpoint/2010/main" val="729917300"/>
+        <p14:creationId xmlns:p14="http://schemas.microsoft.com/office/powerpoint/2010/main" val="1586492055"/>
       </p:ext>
     </p:extLst>
   </p:cSld>
@@ -5853,7 +5815,7 @@
           <a:p>
             <a:r>
               <a:rPr lang="en-US" dirty="0"/>
-              <a:t>If-Then-Else Conditional Expressions</a:t>
+              <a:t>Array Expressions</a:t>
             </a:r>
           </a:p>
         </p:txBody>
@@ -5877,71 +5839,94 @@
         <p:spPr/>
         <p:txBody>
           <a:bodyPr>
-            <a:normAutofit/>
+            <a:normAutofit fontScale="92500" lnSpcReduction="10000"/>
           </a:bodyPr>
           <a:lstStyle/>
           <a:p>
             <a:r>
               <a:rPr lang="en-US" dirty="0"/>
-              <a:t>In Rust, an “if-then-else” can return a value, it is an expression</a:t>
-            </a:r>
-          </a:p>
-          <a:p>
-            <a:r>
-              <a:rPr lang="en-US" dirty="0"/>
-              <a:t>Parentheses are not required</a:t>
-            </a:r>
-          </a:p>
-          <a:p>
-            <a:r>
-              <a:rPr lang="en-US" dirty="0">
-                <a:latin typeface="Consolas" panose="020B0609020204030204" pitchFamily="49" charset="0"/>
-              </a:rPr>
-              <a:t>if e1 {</a:t>
-            </a:r>
-            <a:br>
-              <a:rPr lang="en-US" dirty="0">
-                <a:latin typeface="Consolas" panose="020B0609020204030204" pitchFamily="49" charset="0"/>
-              </a:rPr>
-            </a:br>
-            <a:r>
-              <a:rPr lang="en-US" dirty="0">
-                <a:latin typeface="Consolas" panose="020B0609020204030204" pitchFamily="49" charset="0"/>
-              </a:rPr>
-              <a:t>  e2</a:t>
-            </a:r>
-            <a:br>
-              <a:rPr lang="en-US" dirty="0">
-                <a:latin typeface="Consolas" panose="020B0609020204030204" pitchFamily="49" charset="0"/>
-              </a:rPr>
-            </a:br>
-            <a:r>
-              <a:rPr lang="en-US" dirty="0">
-                <a:latin typeface="Consolas" panose="020B0609020204030204" pitchFamily="49" charset="0"/>
-              </a:rPr>
-              <a:t>} else {</a:t>
-            </a:r>
-            <a:br>
-              <a:rPr lang="en-US" dirty="0">
-                <a:latin typeface="Consolas" panose="020B0609020204030204" pitchFamily="49" charset="0"/>
-              </a:rPr>
-            </a:br>
-            <a:r>
-              <a:rPr lang="en-US" dirty="0">
-                <a:latin typeface="Consolas" panose="020B0609020204030204" pitchFamily="49" charset="0"/>
-              </a:rPr>
-              <a:t>  e3</a:t>
-            </a:r>
-            <a:br>
-              <a:rPr lang="en-US" dirty="0">
-                <a:latin typeface="Consolas" panose="020B0609020204030204" pitchFamily="49" charset="0"/>
-              </a:rPr>
-            </a:br>
-            <a:r>
-              <a:rPr lang="en-US" dirty="0">
-                <a:latin typeface="Consolas" panose="020B0609020204030204" pitchFamily="49" charset="0"/>
-              </a:rPr>
-              <a:t>}</a:t>
+              <a:t>Rust has many kinds of arrays. A true </a:t>
+            </a:r>
+            <a:r>
+              <a:rPr lang="en-US" i="1" dirty="0"/>
+              <a:t>array</a:t>
+            </a:r>
+            <a:r>
+              <a:rPr lang="en-US" dirty="0"/>
+              <a:t>, written [e1, …, …, </a:t>
+            </a:r>
+            <a:r>
+              <a:rPr lang="en-US" dirty="0" err="1"/>
+              <a:t>eN</a:t>
+            </a:r>
+            <a:r>
+              <a:rPr lang="en-US" dirty="0"/>
+              <a:t>], does not store its length; length must be known at compile time.</a:t>
+            </a:r>
+          </a:p>
+          <a:p>
+            <a:r>
+              <a:rPr lang="en-US" dirty="0"/>
+              <a:t>To avoid this restriction, we almost always use </a:t>
+            </a:r>
+            <a:r>
+              <a:rPr lang="en-US" i="1" dirty="0"/>
+              <a:t>vectors,</a:t>
+            </a:r>
+            <a:r>
+              <a:rPr lang="en-US" dirty="0"/>
+              <a:t> written </a:t>
+            </a:r>
+            <a:r>
+              <a:rPr lang="en-US" dirty="0" err="1"/>
+              <a:t>vec</a:t>
+            </a:r>
+            <a:r>
+              <a:rPr lang="en-US" dirty="0"/>
+              <a:t>![1,2,3,4], which store their length and can have any length</a:t>
+            </a:r>
+          </a:p>
+          <a:p>
+            <a:pPr lvl="1"/>
+            <a:r>
+              <a:rPr lang="en-US" dirty="0"/>
+              <a:t>The ! Indicates that </a:t>
+            </a:r>
+            <a:r>
+              <a:rPr lang="en-US" dirty="0" err="1"/>
+              <a:t>vec</a:t>
+            </a:r>
+            <a:r>
+              <a:rPr lang="en-US" dirty="0"/>
+              <a:t>! is a macro. Unlike traditional functions, it can preprocess the syntax of its arguments at compile-time, e.g. to support custom syntaxes</a:t>
+            </a:r>
+          </a:p>
+          <a:p>
+            <a:r>
+              <a:rPr lang="en-US" dirty="0"/>
+              <a:t>All array-like types are homogeneous, i.e., all their elements have the same type as each other</a:t>
+            </a:r>
+          </a:p>
+          <a:p>
+            <a:r>
+              <a:rPr lang="en-US" dirty="0"/>
+              <a:t>All array-like types support syntax e[</a:t>
+            </a:r>
+            <a:r>
+              <a:rPr lang="en-US" dirty="0" err="1"/>
+              <a:t>i</a:t>
+            </a:r>
+            <a:r>
+              <a:rPr lang="en-US" dirty="0"/>
+              <a:t>] for reading (or writing) the </a:t>
+            </a:r>
+            <a:r>
+              <a:rPr lang="en-US" dirty="0" err="1"/>
+              <a:t>i’th</a:t>
+            </a:r>
+            <a:r>
+              <a:rPr lang="en-US" dirty="0"/>
+              <a:t> element of array e.</a:t>
             </a:r>
           </a:p>
         </p:txBody>
@@ -5949,7 +5934,7 @@
     </p:spTree>
     <p:extLst>
       <p:ext uri="{BB962C8B-B14F-4D97-AF65-F5344CB8AC3E}">
-        <p14:creationId xmlns:p14="http://schemas.microsoft.com/office/powerpoint/2010/main" val="168848525"/>
+        <p14:creationId xmlns:p14="http://schemas.microsoft.com/office/powerpoint/2010/main" val="729917300"/>
       </p:ext>
     </p:extLst>
   </p:cSld>
@@ -6092,6 +6077,152 @@
           </a:p>
         </p:txBody>
       </p:sp>
+    </p:spTree>
+    <p:extLst>
+      <p:ext uri="{BB962C8B-B14F-4D97-AF65-F5344CB8AC3E}">
+        <p14:creationId xmlns:p14="http://schemas.microsoft.com/office/powerpoint/2010/main" val="168848525"/>
+      </p:ext>
+    </p:extLst>
+  </p:cSld>
+  <p:clrMapOvr>
+    <a:masterClrMapping/>
+  </p:clrMapOvr>
+</p:sld>
+</file>
+
+<file path=ppt/slides/slide23.xml><?xml version="1.0" encoding="utf-8"?>
+<p:sld xmlns:a="http://schemas.openxmlformats.org/drawingml/2006/main" xmlns:r="http://schemas.openxmlformats.org/officeDocument/2006/relationships" xmlns:p="http://schemas.openxmlformats.org/presentationml/2006/main">
+  <p:cSld>
+    <p:spTree>
+      <p:nvGrpSpPr>
+        <p:cNvPr id="1" name=""/>
+        <p:cNvGrpSpPr/>
+        <p:nvPr/>
+      </p:nvGrpSpPr>
+      <p:grpSpPr>
+        <a:xfrm>
+          <a:off x="0" y="0"/>
+          <a:ext cx="0" cy="0"/>
+          <a:chOff x="0" y="0"/>
+          <a:chExt cx="0" cy="0"/>
+        </a:xfrm>
+      </p:grpSpPr>
+      <p:sp>
+        <p:nvSpPr>
+          <p:cNvPr id="2" name="Title 1">
+            <a:extLst>
+              <a:ext uri="{FF2B5EF4-FFF2-40B4-BE49-F238E27FC236}">
+                <a16:creationId xmlns:a16="http://schemas.microsoft.com/office/drawing/2014/main" id="{686DEF3E-9ACD-1629-CF5C-ED6F93767C94}"/>
+              </a:ext>
+            </a:extLst>
+          </p:cNvPr>
+          <p:cNvSpPr>
+            <a:spLocks noGrp="1"/>
+          </p:cNvSpPr>
+          <p:nvPr>
+            <p:ph type="title"/>
+          </p:nvPr>
+        </p:nvSpPr>
+        <p:spPr/>
+        <p:txBody>
+          <a:bodyPr/>
+          <a:lstStyle/>
+          <a:p>
+            <a:r>
+              <a:rPr lang="en-US" dirty="0"/>
+              <a:t>If-Then-Else Conditional Expressions</a:t>
+            </a:r>
+          </a:p>
+        </p:txBody>
+      </p:sp>
+      <p:sp>
+        <p:nvSpPr>
+          <p:cNvPr id="3" name="Content Placeholder 2">
+            <a:extLst>
+              <a:ext uri="{FF2B5EF4-FFF2-40B4-BE49-F238E27FC236}">
+                <a16:creationId xmlns:a16="http://schemas.microsoft.com/office/drawing/2014/main" id="{47047E08-0FCD-CAC2-B3B3-E767AE678488}"/>
+              </a:ext>
+            </a:extLst>
+          </p:cNvPr>
+          <p:cNvSpPr>
+            <a:spLocks noGrp="1"/>
+          </p:cNvSpPr>
+          <p:nvPr>
+            <p:ph idx="1"/>
+          </p:nvPr>
+        </p:nvSpPr>
+        <p:spPr/>
+        <p:txBody>
+          <a:bodyPr>
+            <a:normAutofit/>
+          </a:bodyPr>
+          <a:lstStyle/>
+          <a:p>
+            <a:r>
+              <a:rPr lang="en-US" dirty="0"/>
+              <a:t>In Rust, an “if-then-else” can return a value, it is an expression</a:t>
+            </a:r>
+          </a:p>
+          <a:p>
+            <a:r>
+              <a:rPr lang="en-US" dirty="0"/>
+              <a:t>Parentheses are not required</a:t>
+            </a:r>
+          </a:p>
+          <a:p>
+            <a:r>
+              <a:rPr lang="en-US" dirty="0">
+                <a:latin typeface="Consolas" panose="020B0609020204030204" pitchFamily="49" charset="0"/>
+              </a:rPr>
+              <a:t>if e1 {</a:t>
+            </a:r>
+            <a:br>
+              <a:rPr lang="en-US" dirty="0">
+                <a:latin typeface="Consolas" panose="020B0609020204030204" pitchFamily="49" charset="0"/>
+              </a:rPr>
+            </a:br>
+            <a:r>
+              <a:rPr lang="en-US" dirty="0">
+                <a:latin typeface="Consolas" panose="020B0609020204030204" pitchFamily="49" charset="0"/>
+              </a:rPr>
+              <a:t>  e2</a:t>
+            </a:r>
+            <a:br>
+              <a:rPr lang="en-US" dirty="0">
+                <a:latin typeface="Consolas" panose="020B0609020204030204" pitchFamily="49" charset="0"/>
+              </a:rPr>
+            </a:br>
+            <a:r>
+              <a:rPr lang="en-US" dirty="0">
+                <a:latin typeface="Consolas" panose="020B0609020204030204" pitchFamily="49" charset="0"/>
+              </a:rPr>
+              <a:t>} else {</a:t>
+            </a:r>
+            <a:br>
+              <a:rPr lang="en-US" dirty="0">
+                <a:latin typeface="Consolas" panose="020B0609020204030204" pitchFamily="49" charset="0"/>
+              </a:rPr>
+            </a:br>
+            <a:r>
+              <a:rPr lang="en-US" dirty="0">
+                <a:latin typeface="Consolas" panose="020B0609020204030204" pitchFamily="49" charset="0"/>
+              </a:rPr>
+              <a:t>  e3</a:t>
+            </a:r>
+            <a:br>
+              <a:rPr lang="en-US" dirty="0">
+                <a:latin typeface="Consolas" panose="020B0609020204030204" pitchFamily="49" charset="0"/>
+              </a:rPr>
+            </a:br>
+            <a:r>
+              <a:rPr lang="en-US" dirty="0">
+                <a:latin typeface="Consolas" panose="020B0609020204030204" pitchFamily="49" charset="0"/>
+              </a:rPr>
+              <a:t>}</a:t>
+            </a:r>
+          </a:p>
+        </p:txBody>
+      </p:sp>
       <p:sp>
         <p:nvSpPr>
           <p:cNvPr id="4" name="TextBox 3">
@@ -6184,7 +6315,7 @@
 </p:sld>
 </file>
 
-<file path=ppt/slides/slide23.xml><?xml version="1.0" encoding="utf-8"?>
+<file path=ppt/slides/slide24.xml><?xml version="1.0" encoding="utf-8"?>
 <p:sld xmlns:a="http://schemas.openxmlformats.org/drawingml/2006/main" xmlns:r="http://schemas.openxmlformats.org/officeDocument/2006/relationships" xmlns:p="http://schemas.openxmlformats.org/presentationml/2006/main">
   <p:cSld>
     <p:spTree>
@@ -6611,142 +6742,6 @@
 </p:sld>
 </file>
 
-<file path=ppt/slides/slide24.xml><?xml version="1.0" encoding="utf-8"?>
-<p:sld xmlns:a="http://schemas.openxmlformats.org/drawingml/2006/main" xmlns:r="http://schemas.openxmlformats.org/officeDocument/2006/relationships" xmlns:p="http://schemas.openxmlformats.org/presentationml/2006/main">
-  <p:cSld>
-    <p:spTree>
-      <p:nvGrpSpPr>
-        <p:cNvPr id="1" name=""/>
-        <p:cNvGrpSpPr/>
-        <p:nvPr/>
-      </p:nvGrpSpPr>
-      <p:grpSpPr>
-        <a:xfrm>
-          <a:off x="0" y="0"/>
-          <a:ext cx="0" cy="0"/>
-          <a:chOff x="0" y="0"/>
-          <a:chExt cx="0" cy="0"/>
-        </a:xfrm>
-      </p:grpSpPr>
-      <p:sp>
-        <p:nvSpPr>
-          <p:cNvPr id="2" name="Title 1">
-            <a:extLst>
-              <a:ext uri="{FF2B5EF4-FFF2-40B4-BE49-F238E27FC236}">
-                <a16:creationId xmlns:a16="http://schemas.microsoft.com/office/drawing/2014/main" id="{948D8C03-F32D-51AF-179A-32FF02EE9E14}"/>
-              </a:ext>
-            </a:extLst>
-          </p:cNvPr>
-          <p:cNvSpPr>
-            <a:spLocks noGrp="1"/>
-          </p:cNvSpPr>
-          <p:nvPr>
-            <p:ph type="title"/>
-          </p:nvPr>
-        </p:nvSpPr>
-        <p:spPr/>
-        <p:txBody>
-          <a:bodyPr/>
-          <a:lstStyle/>
-          <a:p>
-            <a:r>
-              <a:rPr lang="en-US" dirty="0"/>
-              <a:t>What Patterns are There?</a:t>
-            </a:r>
-          </a:p>
-        </p:txBody>
-      </p:sp>
-      <p:sp>
-        <p:nvSpPr>
-          <p:cNvPr id="3" name="Content Placeholder 2">
-            <a:extLst>
-              <a:ext uri="{FF2B5EF4-FFF2-40B4-BE49-F238E27FC236}">
-                <a16:creationId xmlns:a16="http://schemas.microsoft.com/office/drawing/2014/main" id="{685734A4-9EE8-E82C-A37E-F0D01FE3D48E}"/>
-              </a:ext>
-            </a:extLst>
-          </p:cNvPr>
-          <p:cNvSpPr>
-            <a:spLocks noGrp="1"/>
-          </p:cNvSpPr>
-          <p:nvPr>
-            <p:ph idx="1"/>
-          </p:nvPr>
-        </p:nvSpPr>
-        <p:spPr/>
-        <p:txBody>
-          <a:bodyPr>
-            <a:normAutofit lnSpcReduction="10000"/>
-          </a:bodyPr>
-          <a:lstStyle/>
-          <a:p>
-            <a:r>
-              <a:rPr lang="en-US" dirty="0"/>
-              <a:t>We define each pattern </a:t>
-            </a:r>
-            <a:r>
-              <a:rPr lang="en-US" dirty="0" err="1"/>
-              <a:t>patI</a:t>
-            </a:r>
-            <a:r>
-              <a:rPr lang="en-US" dirty="0"/>
-              <a:t> by which values v0 it matches and which variables it creates</a:t>
-            </a:r>
-          </a:p>
-          <a:p>
-            <a:r>
-              <a:rPr lang="en-US" dirty="0"/>
-              <a:t>Every value v1 is pattern. It matches only v0=v1, binds no variables</a:t>
-            </a:r>
-          </a:p>
-          <a:p>
-            <a:r>
-              <a:rPr lang="en-US" dirty="0"/>
-              <a:t>Every variable x is a pattern. It matches every value, binds it to x</a:t>
-            </a:r>
-          </a:p>
-          <a:p>
-            <a:r>
-              <a:rPr lang="en-US" dirty="0"/>
-              <a:t>Underscore _ is the wildcard pattern. It matches every value but binds no variable</a:t>
-            </a:r>
-          </a:p>
-          <a:p>
-            <a:r>
-              <a:rPr lang="en-US" dirty="0"/>
-              <a:t>A tuple pattern (pat1, …, </a:t>
-            </a:r>
-            <a:r>
-              <a:rPr lang="en-US" dirty="0" err="1"/>
-              <a:t>patN</a:t>
-            </a:r>
-            <a:r>
-              <a:rPr lang="en-US" dirty="0"/>
-              <a:t>) matches a tuple value (v1, …, </a:t>
-            </a:r>
-            <a:r>
-              <a:rPr lang="en-US" dirty="0" err="1"/>
-              <a:t>vN</a:t>
-            </a:r>
-            <a:r>
-              <a:rPr lang="en-US" dirty="0"/>
-              <a:t>) if each value matches the corresponding pattern. Binds the variables of each sub-pattern</a:t>
-            </a:r>
-          </a:p>
-        </p:txBody>
-      </p:sp>
-    </p:spTree>
-    <p:extLst>
-      <p:ext uri="{BB962C8B-B14F-4D97-AF65-F5344CB8AC3E}">
-        <p14:creationId xmlns:p14="http://schemas.microsoft.com/office/powerpoint/2010/main" val="92108392"/>
-      </p:ext>
-    </p:extLst>
-  </p:cSld>
-  <p:clrMapOvr>
-    <a:masterClrMapping/>
-  </p:clrMapOvr>
-</p:sld>
-</file>
-
 <file path=ppt/slides/slide25.xml><?xml version="1.0" encoding="utf-8"?>
 <p:sld xmlns:a="http://schemas.openxmlformats.org/drawingml/2006/main" xmlns:r="http://schemas.openxmlformats.org/officeDocument/2006/relationships" xmlns:p="http://schemas.openxmlformats.org/presentationml/2006/main">
   <p:cSld>
@@ -6787,7 +6782,7 @@
           <a:p>
             <a:r>
               <a:rPr lang="en-US" dirty="0"/>
-              <a:t>What Patterns are There?: “or-patterns”</a:t>
+              <a:t>What Patterns are There?</a:t>
             </a:r>
           </a:p>
         </p:txBody>
@@ -6811,13 +6806,45 @@
         <p:spPr/>
         <p:txBody>
           <a:bodyPr>
-            <a:normAutofit/>
+            <a:normAutofit lnSpcReduction="10000"/>
           </a:bodyPr>
           <a:lstStyle/>
           <a:p>
             <a:r>
               <a:rPr lang="en-US" dirty="0"/>
-              <a:t>Or-pattern (pat1 | … | </a:t>
+              <a:t>We define each pattern </a:t>
+            </a:r>
+            <a:r>
+              <a:rPr lang="en-US" dirty="0" err="1"/>
+              <a:t>patI</a:t>
+            </a:r>
+            <a:r>
+              <a:rPr lang="en-US" dirty="0"/>
+              <a:t> by which values v0 it matches and which variables it creates</a:t>
+            </a:r>
+          </a:p>
+          <a:p>
+            <a:r>
+              <a:rPr lang="en-US" dirty="0"/>
+              <a:t>Every value v1 is pattern. It matches only v0=v1, binds no variables</a:t>
+            </a:r>
+          </a:p>
+          <a:p>
+            <a:r>
+              <a:rPr lang="en-US" dirty="0"/>
+              <a:t>Every variable x is a pattern. It matches every value, binds it to x</a:t>
+            </a:r>
+          </a:p>
+          <a:p>
+            <a:r>
+              <a:rPr lang="en-US" dirty="0"/>
+              <a:t>Underscore _ is the wildcard pattern. It matches every value but binds no variable</a:t>
+            </a:r>
+          </a:p>
+          <a:p>
+            <a:r>
+              <a:rPr lang="en-US" dirty="0"/>
+              <a:t>A tuple pattern (pat1, …, </a:t>
             </a:r>
             <a:r>
               <a:rPr lang="en-US" dirty="0" err="1"/>
@@ -6825,51 +6852,15 @@
             </a:r>
             <a:r>
               <a:rPr lang="en-US" dirty="0"/>
-              <a:t>) matches v0 if it matches some </a:t>
+              <a:t>) matches a tuple value (v1, …, </a:t>
             </a:r>
             <a:r>
               <a:rPr lang="en-US" dirty="0" err="1"/>
-              <a:t>patI</a:t>
-            </a:r>
-            <a:r>
-              <a:rPr lang="en-US" dirty="0"/>
-              <a:t>. The pattern can only introduce variables if each </a:t>
-            </a:r>
-            <a:r>
-              <a:rPr lang="en-US" dirty="0" err="1"/>
-              <a:t>patI</a:t>
-            </a:r>
-            <a:r>
-              <a:rPr lang="en-US" dirty="0"/>
-              <a:t> introduces the same variables with the same types.</a:t>
-            </a:r>
-          </a:p>
-          <a:p>
-            <a:r>
-              <a:rPr lang="en-US" dirty="0"/>
-              <a:t>Let n1, n2 be literal numbers like 0 and 9</a:t>
-            </a:r>
-          </a:p>
-          <a:p>
-            <a:r>
-              <a:rPr lang="en-US" dirty="0"/>
-              <a:t>n1..=n2 is a range pattern matching n where n1 &lt;= n &lt;=  n2</a:t>
-            </a:r>
-          </a:p>
-          <a:p>
-            <a:r>
-              <a:rPr lang="en-US" dirty="0"/>
-              <a:t>n1..n2 is a range pattern matching n where n1 &lt;= n &lt; n2</a:t>
-            </a:r>
-            <a:br>
-              <a:rPr lang="en-US" dirty="0"/>
-            </a:br>
-            <a:endParaRPr lang="en-US" dirty="0"/>
-          </a:p>
-          <a:p>
-            <a:r>
-              <a:rPr lang="en-US" dirty="0"/>
-              <a:t>Check understanding: What does pattern 1..=9 mean?</a:t>
+              <a:t>vN</a:t>
+            </a:r>
+            <a:r>
+              <a:rPr lang="en-US" dirty="0"/>
+              <a:t>) if each value matches the corresponding pattern. Binds the variables of each sub-pattern</a:t>
             </a:r>
           </a:p>
         </p:txBody>
@@ -6877,7 +6868,7 @@
     </p:spTree>
     <p:extLst>
       <p:ext uri="{BB962C8B-B14F-4D97-AF65-F5344CB8AC3E}">
-        <p14:creationId xmlns:p14="http://schemas.microsoft.com/office/powerpoint/2010/main" val="2651078560"/>
+        <p14:creationId xmlns:p14="http://schemas.microsoft.com/office/powerpoint/2010/main" val="92108392"/>
       </p:ext>
     </p:extLst>
   </p:cSld>
@@ -6927,7 +6918,7 @@
           <a:p>
             <a:r>
               <a:rPr lang="en-US" dirty="0"/>
-              <a:t>Pattern-Match Examples</a:t>
+              <a:t>What Patterns are There?: “or-patterns”</a:t>
             </a:r>
           </a:p>
         </p:txBody>
@@ -6955,85 +6946,69 @@
           </a:bodyPr>
           <a:lstStyle/>
           <a:p>
-            <a:pPr marL="0" indent="0">
-              <a:buNone/>
-            </a:pPr>
-            <a:r>
-              <a:rPr lang="pt-BR" dirty="0">
-                <a:latin typeface="Consolas" panose="020B0609020204030204" pitchFamily="49" charset="0"/>
-              </a:rPr>
-              <a:t>fn flip_digit2(n : i32) -&gt; i32 {</a:t>
+            <a:r>
+              <a:rPr lang="en-US" dirty="0"/>
+              <a:t>Or-pattern (pat1 | … | </a:t>
+            </a:r>
+            <a:r>
+              <a:rPr lang="en-US" dirty="0" err="1"/>
+              <a:t>patN</a:t>
+            </a:r>
+            <a:r>
+              <a:rPr lang="en-US" dirty="0"/>
+              <a:t>) matches v0 if it matches some </a:t>
+            </a:r>
+            <a:r>
+              <a:rPr lang="en-US" dirty="0" err="1"/>
+              <a:t>patI</a:t>
+            </a:r>
+            <a:r>
+              <a:rPr lang="en-US" dirty="0"/>
+              <a:t>. The pattern can only introduce variables if each </a:t>
+            </a:r>
+            <a:r>
+              <a:rPr lang="en-US" dirty="0" err="1"/>
+              <a:t>patI</a:t>
+            </a:r>
+            <a:r>
+              <a:rPr lang="en-US" dirty="0"/>
+              <a:t> introduces the same variables with the same types.</a:t>
+            </a:r>
+          </a:p>
+          <a:p>
+            <a:r>
+              <a:rPr lang="en-US" dirty="0"/>
+              <a:t>Let n1, n2 be literal numbers like 0 and 9</a:t>
+            </a:r>
+          </a:p>
+          <a:p>
+            <a:r>
+              <a:rPr lang="en-US" dirty="0"/>
+              <a:t>n1..=n2 is a range pattern matching n where n1 &lt;= n &lt;=  n2</a:t>
+            </a:r>
+          </a:p>
+          <a:p>
+            <a:r>
+              <a:rPr lang="en-US" dirty="0"/>
+              <a:t>n1..n2 is a range pattern matching n where n1 &lt;= n &lt; n2</a:t>
             </a:r>
             <a:br>
-              <a:rPr lang="pt-BR" dirty="0">
-                <a:latin typeface="Consolas" panose="020B0609020204030204" pitchFamily="49" charset="0"/>
-              </a:rPr>
+              <a:rPr lang="en-US" dirty="0"/>
             </a:br>
-            <a:r>
-              <a:rPr lang="pt-BR" dirty="0">
-                <a:latin typeface="Consolas" panose="020B0609020204030204" pitchFamily="49" charset="0"/>
-              </a:rPr>
-              <a:t>  match n {</a:t>
-            </a:r>
-            <a:br>
-              <a:rPr lang="pt-BR" dirty="0">
-                <a:latin typeface="Consolas" panose="020B0609020204030204" pitchFamily="49" charset="0"/>
-              </a:rPr>
-            </a:br>
-            <a:r>
-              <a:rPr lang="pt-BR" dirty="0">
-                <a:latin typeface="Consolas" panose="020B0609020204030204" pitchFamily="49" charset="0"/>
-              </a:rPr>
-              <a:t>    1..=9 =&gt; 9 - n,</a:t>
-            </a:r>
-            <a:br>
-              <a:rPr lang="pt-BR" dirty="0">
-                <a:latin typeface="Consolas" panose="020B0609020204030204" pitchFamily="49" charset="0"/>
-              </a:rPr>
-            </a:br>
-            <a:r>
-              <a:rPr lang="pt-BR" dirty="0">
-                <a:latin typeface="Consolas" panose="020B0609020204030204" pitchFamily="49" charset="0"/>
-              </a:rPr>
-              <a:t>    _ =&gt; n,</a:t>
-            </a:r>
-            <a:br>
-              <a:rPr lang="pt-BR" dirty="0">
-                <a:latin typeface="Consolas" panose="020B0609020204030204" pitchFamily="49" charset="0"/>
-              </a:rPr>
-            </a:br>
-            <a:r>
-              <a:rPr lang="pt-BR" dirty="0">
-                <a:latin typeface="Consolas" panose="020B0609020204030204" pitchFamily="49" charset="0"/>
-              </a:rPr>
-              <a:t>  }</a:t>
-            </a:r>
-            <a:br>
-              <a:rPr lang="pt-BR" dirty="0">
-                <a:latin typeface="Consolas" panose="020B0609020204030204" pitchFamily="49" charset="0"/>
-              </a:rPr>
-            </a:br>
-            <a:r>
-              <a:rPr lang="pt-BR" dirty="0">
-                <a:latin typeface="Consolas" panose="020B0609020204030204" pitchFamily="49" charset="0"/>
-              </a:rPr>
-              <a:t>}</a:t>
-            </a:r>
-            <a:br>
-              <a:rPr lang="pt-BR" dirty="0">
-                <a:latin typeface="Consolas" panose="020B0609020204030204" pitchFamily="49" charset="0"/>
-              </a:rPr>
-            </a:br>
-            <a:endParaRPr lang="en-US" dirty="0">
-              <a:latin typeface="Consolas" panose="020B0609020204030204" pitchFamily="49" charset="0"/>
-            </a:endParaRPr>
+            <a:endParaRPr lang="en-US" dirty="0"/>
+          </a:p>
+          <a:p>
+            <a:r>
+              <a:rPr lang="en-US" dirty="0"/>
+              <a:t>Check understanding: What does pattern 1..=9 mean?</a:t>
+            </a:r>
           </a:p>
         </p:txBody>
       </p:sp>
     </p:spTree>
     <p:extLst>
       <p:ext uri="{BB962C8B-B14F-4D97-AF65-F5344CB8AC3E}">
-        <p14:creationId xmlns:p14="http://schemas.microsoft.com/office/powerpoint/2010/main" val="2920894838"/>
+        <p14:creationId xmlns:p14="http://schemas.microsoft.com/office/powerpoint/2010/main" val="2651078560"/>
       </p:ext>
     </p:extLst>
   </p:cSld>
@@ -7107,7 +7082,7 @@
         <p:spPr/>
         <p:txBody>
           <a:bodyPr>
-            <a:normAutofit lnSpcReduction="10000"/>
+            <a:normAutofit/>
           </a:bodyPr>
           <a:lstStyle/>
           <a:p>
@@ -7118,7 +7093,7 @@
               <a:rPr lang="pt-BR" dirty="0">
                 <a:latin typeface="Consolas" panose="020B0609020204030204" pitchFamily="49" charset="0"/>
               </a:rPr>
-              <a:t>Toy example of tuple syntax</a:t>
+              <a:t>fn flip_digit2(n : i32) -&gt; i32 {</a:t>
             </a:r>
             <a:br>
               <a:rPr lang="pt-BR" dirty="0">
@@ -7129,18 +7104,7 @@
               <a:rPr lang="pt-BR" dirty="0">
                 <a:latin typeface="Consolas" panose="020B0609020204030204" pitchFamily="49" charset="0"/>
               </a:rPr>
-              <a:t>match input {</a:t>
-            </a:r>
-          </a:p>
-          <a:p>
-            <a:pPr marL="0" indent="0">
-              <a:buNone/>
-            </a:pPr>
-            <a:r>
-              <a:rPr lang="pt-BR" dirty="0">
-                <a:latin typeface="Consolas" panose="020B0609020204030204" pitchFamily="49" charset="0"/>
-              </a:rPr>
-              <a:t> (1, _) =&gt; 3,</a:t>
+              <a:t>  match n {</a:t>
             </a:r>
             <a:br>
               <a:rPr lang="pt-BR" dirty="0">
@@ -7151,7 +7115,7 @@
               <a:rPr lang="pt-BR" dirty="0">
                 <a:latin typeface="Consolas" panose="020B0609020204030204" pitchFamily="49" charset="0"/>
               </a:rPr>
-              <a:t> (_, 3) =&gt; 1,</a:t>
+              <a:t>    1..=9 =&gt; 9 - n,</a:t>
             </a:r>
             <a:br>
               <a:rPr lang="pt-BR" dirty="0">
@@ -7162,27 +7126,29 @@
               <a:rPr lang="pt-BR" dirty="0">
                 <a:latin typeface="Consolas" panose="020B0609020204030204" pitchFamily="49" charset="0"/>
               </a:rPr>
-              <a:t> (x, y) =&gt; 3*x + y/3,</a:t>
-            </a:r>
-          </a:p>
-          <a:p>
-            <a:pPr marL="0" indent="0">
-              <a:buNone/>
-            </a:pPr>
-            <a:r>
+              <a:t>    _ =&gt; n,</a:t>
+            </a:r>
+            <a:br>
               <a:rPr lang="pt-BR" dirty="0">
                 <a:latin typeface="Consolas" panose="020B0609020204030204" pitchFamily="49" charset="0"/>
               </a:rPr>
+            </a:br>
+            <a:r>
+              <a:rPr lang="pt-BR" dirty="0">
+                <a:latin typeface="Consolas" panose="020B0609020204030204" pitchFamily="49" charset="0"/>
+              </a:rPr>
+              <a:t>  }</a:t>
+            </a:r>
+            <a:br>
+              <a:rPr lang="pt-BR" dirty="0">
+                <a:latin typeface="Consolas" panose="020B0609020204030204" pitchFamily="49" charset="0"/>
+              </a:rPr>
+            </a:br>
+            <a:r>
+              <a:rPr lang="pt-BR" dirty="0">
+                <a:latin typeface="Consolas" panose="020B0609020204030204" pitchFamily="49" charset="0"/>
+              </a:rPr>
               <a:t>}</a:t>
-            </a:r>
-          </a:p>
-          <a:p>
-            <a:pPr marL="0" indent="0">
-              <a:buNone/>
-            </a:pPr>
-            <a:r>
-              <a:rPr lang="pt-BR" dirty="0"/>
-              <a:t>Check understanding: What does it do for input = (1, 3)? (3,3)? What input would give a result of 4?</a:t>
             </a:r>
             <a:br>
               <a:rPr lang="pt-BR" dirty="0">
@@ -7198,7 +7164,7 @@
     </p:spTree>
     <p:extLst>
       <p:ext uri="{BB962C8B-B14F-4D97-AF65-F5344CB8AC3E}">
-        <p14:creationId xmlns:p14="http://schemas.microsoft.com/office/powerpoint/2010/main" val="2429012607"/>
+        <p14:creationId xmlns:p14="http://schemas.microsoft.com/office/powerpoint/2010/main" val="2920894838"/>
       </p:ext>
     </p:extLst>
   </p:cSld>
@@ -7230,7 +7196,7 @@
           <p:cNvPr id="2" name="Title 1">
             <a:extLst>
               <a:ext uri="{FF2B5EF4-FFF2-40B4-BE49-F238E27FC236}">
-                <a16:creationId xmlns:a16="http://schemas.microsoft.com/office/drawing/2014/main" id="{91502A17-86A2-5C80-74C1-254DC5CEB967}"/>
+                <a16:creationId xmlns:a16="http://schemas.microsoft.com/office/drawing/2014/main" id="{948D8C03-F32D-51AF-179A-32FF02EE9E14}"/>
               </a:ext>
             </a:extLst>
           </p:cNvPr>
@@ -7248,7 +7214,7 @@
           <a:p>
             <a:r>
               <a:rPr lang="en-US" dirty="0"/>
-              <a:t>Definitions</a:t>
+              <a:t>Pattern-Match Examples</a:t>
             </a:r>
           </a:p>
         </p:txBody>
@@ -7258,7 +7224,7 @@
           <p:cNvPr id="3" name="Content Placeholder 2">
             <a:extLst>
               <a:ext uri="{FF2B5EF4-FFF2-40B4-BE49-F238E27FC236}">
-                <a16:creationId xmlns:a16="http://schemas.microsoft.com/office/drawing/2014/main" id="{371A9AE9-B2C2-0BDB-2C9A-558F3D611DC6}"/>
+                <a16:creationId xmlns:a16="http://schemas.microsoft.com/office/drawing/2014/main" id="{685734A4-9EE8-E82C-A37E-F0D01FE3D48E}"/>
               </a:ext>
             </a:extLst>
           </p:cNvPr>
@@ -7271,64 +7237,99 @@
         </p:nvSpPr>
         <p:spPr/>
         <p:txBody>
-          <a:bodyPr/>
-          <a:lstStyle/>
-          <a:p>
-            <a:r>
-              <a:rPr lang="en-US" b="1" dirty="0"/>
-              <a:t>Core PL Vocab:</a:t>
-            </a:r>
-            <a:r>
-              <a:rPr lang="en-US" dirty="0"/>
-              <a:t> A </a:t>
-            </a:r>
-            <a:r>
-              <a:rPr lang="en-US" b="1" dirty="0"/>
-              <a:t>definition </a:t>
-            </a:r>
-            <a:r>
-              <a:rPr lang="en-US" dirty="0"/>
-              <a:t>is a program whose job is to define one or more variables</a:t>
-            </a:r>
-          </a:p>
-          <a:p>
-            <a:r>
-              <a:rPr lang="en-US" b="1" dirty="0"/>
-              <a:t>Core PL Vocab:</a:t>
-            </a:r>
-            <a:r>
-              <a:rPr lang="en-US" dirty="0"/>
-              <a:t> A </a:t>
-            </a:r>
-            <a:r>
-              <a:rPr lang="en-US" b="1" dirty="0"/>
-              <a:t>declaration</a:t>
-            </a:r>
-            <a:r>
-              <a:rPr lang="en-US" dirty="0"/>
-              <a:t> is a program whose job is to assert which variables exist, without defining their values</a:t>
-            </a:r>
-          </a:p>
-          <a:p>
-            <a:r>
-              <a:rPr lang="en-US" b="1" dirty="0"/>
-              <a:t>Check understanding: </a:t>
-            </a:r>
-            <a:r>
-              <a:rPr lang="en-US" dirty="0"/>
-              <a:t>How do definitions relate to expressions?</a:t>
-            </a:r>
-            <a:endParaRPr lang="en-US" b="1" dirty="0"/>
-          </a:p>
-          <a:p>
-            <a:endParaRPr lang="en-US" dirty="0"/>
+          <a:bodyPr>
+            <a:normAutofit lnSpcReduction="10000"/>
+          </a:bodyPr>
+          <a:lstStyle/>
+          <a:p>
+            <a:pPr marL="0" indent="0">
+              <a:buNone/>
+            </a:pPr>
+            <a:r>
+              <a:rPr lang="pt-BR" dirty="0">
+                <a:latin typeface="Consolas" panose="020B0609020204030204" pitchFamily="49" charset="0"/>
+              </a:rPr>
+              <a:t>Toy example of tuple syntax</a:t>
+            </a:r>
+            <a:br>
+              <a:rPr lang="pt-BR" dirty="0">
+                <a:latin typeface="Consolas" panose="020B0609020204030204" pitchFamily="49" charset="0"/>
+              </a:rPr>
+            </a:br>
+            <a:r>
+              <a:rPr lang="pt-BR" dirty="0">
+                <a:latin typeface="Consolas" panose="020B0609020204030204" pitchFamily="49" charset="0"/>
+              </a:rPr>
+              <a:t>match input {</a:t>
+            </a:r>
+          </a:p>
+          <a:p>
+            <a:pPr marL="0" indent="0">
+              <a:buNone/>
+            </a:pPr>
+            <a:r>
+              <a:rPr lang="pt-BR" dirty="0">
+                <a:latin typeface="Consolas" panose="020B0609020204030204" pitchFamily="49" charset="0"/>
+              </a:rPr>
+              <a:t> (1, _) =&gt; 3,</a:t>
+            </a:r>
+            <a:br>
+              <a:rPr lang="pt-BR" dirty="0">
+                <a:latin typeface="Consolas" panose="020B0609020204030204" pitchFamily="49" charset="0"/>
+              </a:rPr>
+            </a:br>
+            <a:r>
+              <a:rPr lang="pt-BR" dirty="0">
+                <a:latin typeface="Consolas" panose="020B0609020204030204" pitchFamily="49" charset="0"/>
+              </a:rPr>
+              <a:t> (_, 3) =&gt; 1,</a:t>
+            </a:r>
+            <a:br>
+              <a:rPr lang="pt-BR" dirty="0">
+                <a:latin typeface="Consolas" panose="020B0609020204030204" pitchFamily="49" charset="0"/>
+              </a:rPr>
+            </a:br>
+            <a:r>
+              <a:rPr lang="pt-BR" dirty="0">
+                <a:latin typeface="Consolas" panose="020B0609020204030204" pitchFamily="49" charset="0"/>
+              </a:rPr>
+              <a:t> (x, y) =&gt; 3*x + y/3,</a:t>
+            </a:r>
+          </a:p>
+          <a:p>
+            <a:pPr marL="0" indent="0">
+              <a:buNone/>
+            </a:pPr>
+            <a:r>
+              <a:rPr lang="pt-BR" dirty="0">
+                <a:latin typeface="Consolas" panose="020B0609020204030204" pitchFamily="49" charset="0"/>
+              </a:rPr>
+              <a:t>}</a:t>
+            </a:r>
+          </a:p>
+          <a:p>
+            <a:pPr marL="0" indent="0">
+              <a:buNone/>
+            </a:pPr>
+            <a:r>
+              <a:rPr lang="pt-BR" dirty="0"/>
+              <a:t>Check understanding: What does it do for input = (1, 3)? (3,3)? What input would give a result of 4?</a:t>
+            </a:r>
+            <a:br>
+              <a:rPr lang="pt-BR" dirty="0">
+                <a:latin typeface="Consolas" panose="020B0609020204030204" pitchFamily="49" charset="0"/>
+              </a:rPr>
+            </a:br>
+            <a:endParaRPr lang="en-US" dirty="0">
+              <a:latin typeface="Consolas" panose="020B0609020204030204" pitchFamily="49" charset="0"/>
+            </a:endParaRPr>
           </a:p>
         </p:txBody>
       </p:sp>
     </p:spTree>
     <p:extLst>
       <p:ext uri="{BB962C8B-B14F-4D97-AF65-F5344CB8AC3E}">
-        <p14:creationId xmlns:p14="http://schemas.microsoft.com/office/powerpoint/2010/main" val="2562295710"/>
+        <p14:creationId xmlns:p14="http://schemas.microsoft.com/office/powerpoint/2010/main" val="2429012607"/>
       </p:ext>
     </p:extLst>
   </p:cSld>
@@ -7401,9 +7402,7 @@
         </p:nvSpPr>
         <p:spPr/>
         <p:txBody>
-          <a:bodyPr>
-            <a:normAutofit/>
-          </a:bodyPr>
+          <a:bodyPr/>
           <a:lstStyle/>
           <a:p>
             <a:r>
@@ -7453,35 +7452,14 @@
             <a:endParaRPr lang="en-US" b="1" dirty="0"/>
           </a:p>
           <a:p>
-            <a:r>
-              <a:rPr lang="en-US" b="1" dirty="0"/>
-              <a:t>Answer:</a:t>
-            </a:r>
-            <a:r>
-              <a:rPr lang="en-US" dirty="0"/>
-              <a:t> You can argue either way</a:t>
-            </a:r>
-            <a:br>
-              <a:rPr lang="en-US" dirty="0"/>
-            </a:br>
-            <a:r>
-              <a:rPr lang="en-US" dirty="0"/>
-              <a:t>In book: Definitions and expressions are separate concepts</a:t>
-            </a:r>
-            <a:br>
-              <a:rPr lang="en-US" dirty="0"/>
-            </a:br>
-            <a:r>
-              <a:rPr lang="en-US" dirty="0"/>
-              <a:t>In Rust: A definition is a statement (see next slide) and expression</a:t>
-            </a:r>
+            <a:endParaRPr lang="en-US" dirty="0"/>
           </a:p>
         </p:txBody>
       </p:sp>
     </p:spTree>
     <p:extLst>
       <p:ext uri="{BB962C8B-B14F-4D97-AF65-F5344CB8AC3E}">
-        <p14:creationId xmlns:p14="http://schemas.microsoft.com/office/powerpoint/2010/main" val="1330267770"/>
+        <p14:creationId xmlns:p14="http://schemas.microsoft.com/office/powerpoint/2010/main" val="2562295710"/>
       </p:ext>
     </p:extLst>
   </p:cSld>
@@ -7645,6 +7623,159 @@
           <a:p>
             <a:r>
               <a:rPr lang="en-US" dirty="0"/>
+              <a:t>Definitions</a:t>
+            </a:r>
+          </a:p>
+        </p:txBody>
+      </p:sp>
+      <p:sp>
+        <p:nvSpPr>
+          <p:cNvPr id="3" name="Content Placeholder 2">
+            <a:extLst>
+              <a:ext uri="{FF2B5EF4-FFF2-40B4-BE49-F238E27FC236}">
+                <a16:creationId xmlns:a16="http://schemas.microsoft.com/office/drawing/2014/main" id="{371A9AE9-B2C2-0BDB-2C9A-558F3D611DC6}"/>
+              </a:ext>
+            </a:extLst>
+          </p:cNvPr>
+          <p:cNvSpPr>
+            <a:spLocks noGrp="1"/>
+          </p:cNvSpPr>
+          <p:nvPr>
+            <p:ph idx="1"/>
+          </p:nvPr>
+        </p:nvSpPr>
+        <p:spPr/>
+        <p:txBody>
+          <a:bodyPr>
+            <a:normAutofit/>
+          </a:bodyPr>
+          <a:lstStyle/>
+          <a:p>
+            <a:r>
+              <a:rPr lang="en-US" b="1" dirty="0"/>
+              <a:t>Core PL Vocab:</a:t>
+            </a:r>
+            <a:r>
+              <a:rPr lang="en-US" dirty="0"/>
+              <a:t> A </a:t>
+            </a:r>
+            <a:r>
+              <a:rPr lang="en-US" b="1" dirty="0"/>
+              <a:t>definition </a:t>
+            </a:r>
+            <a:r>
+              <a:rPr lang="en-US" dirty="0"/>
+              <a:t>is a program whose job is to define one or more variables</a:t>
+            </a:r>
+          </a:p>
+          <a:p>
+            <a:r>
+              <a:rPr lang="en-US" b="1" dirty="0"/>
+              <a:t>Core PL Vocab:</a:t>
+            </a:r>
+            <a:r>
+              <a:rPr lang="en-US" dirty="0"/>
+              <a:t> A </a:t>
+            </a:r>
+            <a:r>
+              <a:rPr lang="en-US" b="1" dirty="0"/>
+              <a:t>declaration</a:t>
+            </a:r>
+            <a:r>
+              <a:rPr lang="en-US" dirty="0"/>
+              <a:t> is a program whose job is to assert which variables exist, without defining their values</a:t>
+            </a:r>
+          </a:p>
+          <a:p>
+            <a:r>
+              <a:rPr lang="en-US" b="1" dirty="0"/>
+              <a:t>Check understanding: </a:t>
+            </a:r>
+            <a:r>
+              <a:rPr lang="en-US" dirty="0"/>
+              <a:t>How do definitions relate to expressions?</a:t>
+            </a:r>
+            <a:endParaRPr lang="en-US" b="1" dirty="0"/>
+          </a:p>
+          <a:p>
+            <a:r>
+              <a:rPr lang="en-US" b="1" dirty="0"/>
+              <a:t>Answer:</a:t>
+            </a:r>
+            <a:r>
+              <a:rPr lang="en-US" dirty="0"/>
+              <a:t> You can argue either way</a:t>
+            </a:r>
+            <a:br>
+              <a:rPr lang="en-US" dirty="0"/>
+            </a:br>
+            <a:r>
+              <a:rPr lang="en-US" dirty="0"/>
+              <a:t>In book: Definitions and expressions are separate concepts</a:t>
+            </a:r>
+            <a:br>
+              <a:rPr lang="en-US" dirty="0"/>
+            </a:br>
+            <a:r>
+              <a:rPr lang="en-US" dirty="0"/>
+              <a:t>In Rust: A definition is a statement (see next slide) and expression</a:t>
+            </a:r>
+          </a:p>
+        </p:txBody>
+      </p:sp>
+    </p:spTree>
+    <p:extLst>
+      <p:ext uri="{BB962C8B-B14F-4D97-AF65-F5344CB8AC3E}">
+        <p14:creationId xmlns:p14="http://schemas.microsoft.com/office/powerpoint/2010/main" val="1330267770"/>
+      </p:ext>
+    </p:extLst>
+  </p:cSld>
+  <p:clrMapOvr>
+    <a:masterClrMapping/>
+  </p:clrMapOvr>
+</p:sld>
+</file>
+
+<file path=ppt/slides/slide31.xml><?xml version="1.0" encoding="utf-8"?>
+<p:sld xmlns:a="http://schemas.openxmlformats.org/drawingml/2006/main" xmlns:r="http://schemas.openxmlformats.org/officeDocument/2006/relationships" xmlns:p="http://schemas.openxmlformats.org/presentationml/2006/main">
+  <p:cSld>
+    <p:spTree>
+      <p:nvGrpSpPr>
+        <p:cNvPr id="1" name=""/>
+        <p:cNvGrpSpPr/>
+        <p:nvPr/>
+      </p:nvGrpSpPr>
+      <p:grpSpPr>
+        <a:xfrm>
+          <a:off x="0" y="0"/>
+          <a:ext cx="0" cy="0"/>
+          <a:chOff x="0" y="0"/>
+          <a:chExt cx="0" cy="0"/>
+        </a:xfrm>
+      </p:grpSpPr>
+      <p:sp>
+        <p:nvSpPr>
+          <p:cNvPr id="2" name="Title 1">
+            <a:extLst>
+              <a:ext uri="{FF2B5EF4-FFF2-40B4-BE49-F238E27FC236}">
+                <a16:creationId xmlns:a16="http://schemas.microsoft.com/office/drawing/2014/main" id="{91502A17-86A2-5C80-74C1-254DC5CEB967}"/>
+              </a:ext>
+            </a:extLst>
+          </p:cNvPr>
+          <p:cNvSpPr>
+            <a:spLocks noGrp="1"/>
+          </p:cNvSpPr>
+          <p:nvPr>
+            <p:ph type="title"/>
+          </p:nvPr>
+        </p:nvSpPr>
+        <p:spPr/>
+        <p:txBody>
+          <a:bodyPr/>
+          <a:lstStyle/>
+          <a:p>
+            <a:r>
+              <a:rPr lang="en-US" dirty="0"/>
               <a:t>Let-definitions</a:t>
             </a:r>
           </a:p>
@@ -7791,7 +7922,7 @@
 </p:sld>
 </file>
 
-<file path=ppt/slides/slide31.xml><?xml version="1.0" encoding="utf-8"?>
+<file path=ppt/slides/slide32.xml><?xml version="1.0" encoding="utf-8"?>
 <p:sld xmlns:a="http://schemas.openxmlformats.org/drawingml/2006/main" xmlns:r="http://schemas.openxmlformats.org/officeDocument/2006/relationships" xmlns:p="http://schemas.openxmlformats.org/presentationml/2006/main">
   <p:cSld>
     <p:spTree>
@@ -8023,7 +8154,7 @@
 </p:sld>
 </file>
 
-<file path=ppt/slides/slide32.xml><?xml version="1.0" encoding="utf-8"?>
+<file path=ppt/slides/slide33.xml><?xml version="1.0" encoding="utf-8"?>
 <p:sld xmlns:a="http://schemas.openxmlformats.org/drawingml/2006/main" xmlns:r="http://schemas.openxmlformats.org/officeDocument/2006/relationships" xmlns:p="http://schemas.openxmlformats.org/presentationml/2006/main">
   <p:cSld>
     <p:spTree>
@@ -8194,7 +8325,7 @@
 </p:sld>
 </file>
 
-<file path=ppt/slides/slide33.xml><?xml version="1.0" encoding="utf-8"?>
+<file path=ppt/slides/slide34.xml><?xml version="1.0" encoding="utf-8"?>
 <p:sld xmlns:a="http://schemas.openxmlformats.org/drawingml/2006/main" xmlns:r="http://schemas.openxmlformats.org/officeDocument/2006/relationships" xmlns:p="http://schemas.openxmlformats.org/presentationml/2006/main">
   <p:cSld>
     <p:spTree>
@@ -8611,159 +8742,6 @@
 </p:sld>
 </file>
 
-<file path=ppt/slides/slide34.xml><?xml version="1.0" encoding="utf-8"?>
-<p:sld xmlns:a="http://schemas.openxmlformats.org/drawingml/2006/main" xmlns:r="http://schemas.openxmlformats.org/officeDocument/2006/relationships" xmlns:p="http://schemas.openxmlformats.org/presentationml/2006/main">
-  <p:cSld>
-    <p:spTree>
-      <p:nvGrpSpPr>
-        <p:cNvPr id="1" name=""/>
-        <p:cNvGrpSpPr/>
-        <p:nvPr/>
-      </p:nvGrpSpPr>
-      <p:grpSpPr>
-        <a:xfrm>
-          <a:off x="0" y="0"/>
-          <a:ext cx="0" cy="0"/>
-          <a:chOff x="0" y="0"/>
-          <a:chExt cx="0" cy="0"/>
-        </a:xfrm>
-      </p:grpSpPr>
-      <p:sp>
-        <p:nvSpPr>
-          <p:cNvPr id="2" name="Title 1">
-            <a:extLst>
-              <a:ext uri="{FF2B5EF4-FFF2-40B4-BE49-F238E27FC236}">
-                <a16:creationId xmlns:a16="http://schemas.microsoft.com/office/drawing/2014/main" id="{7A105EA4-64D2-B034-8364-802D15316167}"/>
-              </a:ext>
-            </a:extLst>
-          </p:cNvPr>
-          <p:cNvSpPr>
-            <a:spLocks noGrp="1"/>
-          </p:cNvSpPr>
-          <p:nvPr>
-            <p:ph type="title"/>
-          </p:nvPr>
-        </p:nvSpPr>
-        <p:spPr/>
-        <p:txBody>
-          <a:bodyPr/>
-          <a:lstStyle/>
-          <a:p>
-            <a:r>
-              <a:rPr lang="en-US" dirty="0"/>
-              <a:t>Statements</a:t>
-            </a:r>
-          </a:p>
-        </p:txBody>
-      </p:sp>
-      <p:sp>
-        <p:nvSpPr>
-          <p:cNvPr id="3" name="Content Placeholder 2">
-            <a:extLst>
-              <a:ext uri="{FF2B5EF4-FFF2-40B4-BE49-F238E27FC236}">
-                <a16:creationId xmlns:a16="http://schemas.microsoft.com/office/drawing/2014/main" id="{8A8749A3-C2CF-2377-2195-835BCA30E2CB}"/>
-              </a:ext>
-            </a:extLst>
-          </p:cNvPr>
-          <p:cNvSpPr>
-            <a:spLocks noGrp="1"/>
-          </p:cNvSpPr>
-          <p:nvPr>
-            <p:ph idx="1"/>
-          </p:nvPr>
-        </p:nvSpPr>
-        <p:spPr/>
-        <p:txBody>
-          <a:bodyPr>
-            <a:normAutofit fontScale="92500" lnSpcReduction="10000"/>
-          </a:bodyPr>
-          <a:lstStyle/>
-          <a:p>
-            <a:r>
-              <a:rPr lang="en-US" b="1" dirty="0"/>
-              <a:t>Core PL Vocab:</a:t>
-            </a:r>
-            <a:r>
-              <a:rPr lang="en-US" dirty="0"/>
-              <a:t> A </a:t>
-            </a:r>
-            <a:r>
-              <a:rPr lang="en-US" b="1" dirty="0"/>
-              <a:t>statement</a:t>
-            </a:r>
-            <a:r>
-              <a:rPr lang="en-US" dirty="0"/>
-              <a:t> is a program whose main job is to </a:t>
-            </a:r>
-            <a:r>
-              <a:rPr lang="en-US" i="1" dirty="0"/>
-              <a:t>do something</a:t>
-            </a:r>
-            <a:r>
-              <a:rPr lang="en-US" dirty="0"/>
-              <a:t> when executed, e.g. modify state or perform output</a:t>
-            </a:r>
-            <a:br>
-              <a:rPr lang="en-US" dirty="0"/>
-            </a:br>
-            <a:r>
-              <a:rPr lang="en-US" b="1" dirty="0"/>
-              <a:t>Core PL Vocab: </a:t>
-            </a:r>
-            <a:r>
-              <a:rPr lang="en-US" dirty="0"/>
-              <a:t>A </a:t>
-            </a:r>
-            <a:r>
-              <a:rPr lang="en-US" b="1" dirty="0"/>
-              <a:t>side effect</a:t>
-            </a:r>
-            <a:r>
-              <a:rPr lang="en-US" dirty="0"/>
-              <a:t> is something a program does other than evaluate to a value</a:t>
-            </a:r>
-            <a:endParaRPr lang="en-US" i="1" dirty="0"/>
-          </a:p>
-          <a:p>
-            <a:r>
-              <a:rPr lang="en-US" dirty="0"/>
-              <a:t>We use separate words “statement” vs. “expression” because modifying state is a different idea from returning a value (the job of an expression)</a:t>
-            </a:r>
-          </a:p>
-          <a:p>
-            <a:r>
-              <a:rPr lang="en-US" dirty="0"/>
-              <a:t>In Rust and many other PLs, however, statements are considered a specific kind of expression.</a:t>
-            </a:r>
-          </a:p>
-          <a:p>
-            <a:r>
-              <a:rPr lang="en-US" b="1" dirty="0"/>
-              <a:t>Justification:</a:t>
-            </a:r>
-            <a:r>
-              <a:rPr lang="en-US" dirty="0"/>
-              <a:t> Invent a value, written (), meaning “no interesting return value”</a:t>
-            </a:r>
-          </a:p>
-          <a:p>
-            <a:endParaRPr lang="en-US" dirty="0"/>
-          </a:p>
-        </p:txBody>
-      </p:sp>
-    </p:spTree>
-    <p:extLst>
-      <p:ext uri="{BB962C8B-B14F-4D97-AF65-F5344CB8AC3E}">
-        <p14:creationId xmlns:p14="http://schemas.microsoft.com/office/powerpoint/2010/main" val="14306705"/>
-      </p:ext>
-    </p:extLst>
-  </p:cSld>
-  <p:clrMapOvr>
-    <a:masterClrMapping/>
-  </p:clrMapOvr>
-</p:sld>
-</file>
-
 <file path=ppt/slides/slide35.xml><?xml version="1.0" encoding="utf-8"?>
 <p:sld xmlns:a="http://schemas.openxmlformats.org/drawingml/2006/main" xmlns:r="http://schemas.openxmlformats.org/officeDocument/2006/relationships" xmlns:p="http://schemas.openxmlformats.org/presentationml/2006/main">
   <p:cSld>
@@ -8804,7 +8782,7 @@
           <a:p>
             <a:r>
               <a:rPr lang="en-US" dirty="0"/>
-              <a:t>Expressions into Statements</a:t>
+              <a:t>Statements</a:t>
             </a:r>
           </a:p>
         </p:txBody>
@@ -8828,90 +8806,76 @@
         <p:spPr/>
         <p:txBody>
           <a:bodyPr>
-            <a:normAutofit/>
+            <a:normAutofit fontScale="92500" lnSpcReduction="10000"/>
           </a:bodyPr>
           <a:lstStyle/>
           <a:p>
             <a:r>
-              <a:rPr lang="en-US" dirty="0"/>
-              <a:t>There are two different simple ways to make a statement </a:t>
+              <a:rPr lang="en-US" b="1" dirty="0"/>
+              <a:t>Core PL Vocab:</a:t>
+            </a:r>
+            <a:r>
+              <a:rPr lang="en-US" dirty="0"/>
+              <a:t> A </a:t>
+            </a:r>
+            <a:r>
+              <a:rPr lang="en-US" b="1" dirty="0"/>
+              <a:t>statement</a:t>
+            </a:r>
+            <a:r>
+              <a:rPr lang="en-US" dirty="0"/>
+              <a:t> is a program whose main job is to </a:t>
             </a:r>
             <a:r>
               <a:rPr lang="en-US" i="1" dirty="0"/>
-              <a:t>s</a:t>
-            </a:r>
-            <a:r>
-              <a:rPr lang="en-US" dirty="0"/>
-              <a:t> out of any expression </a:t>
-            </a:r>
-            <a:r>
-              <a:rPr lang="en-US" i="1" dirty="0"/>
-              <a:t>e</a:t>
-            </a:r>
-          </a:p>
-          <a:p>
-            <a:pPr marL="514350" indent="-514350">
-              <a:buFont typeface="+mj-lt"/>
-              <a:buAutoNum type="arabicPeriod"/>
-            </a:pPr>
-            <a:r>
-              <a:rPr lang="en-US" dirty="0"/>
-              <a:t>Writing a semicolon after an expression (</a:t>
-            </a:r>
-            <a:r>
-              <a:rPr lang="en-US" dirty="0">
-                <a:latin typeface="Consolas" panose="020B0609020204030204" pitchFamily="49" charset="0"/>
-              </a:rPr>
-              <a:t>e;</a:t>
-            </a:r>
-            <a:r>
-              <a:rPr lang="en-US" dirty="0"/>
-              <a:t>) makes it a statement</a:t>
+              <a:t>do something</a:t>
+            </a:r>
+            <a:r>
+              <a:rPr lang="en-US" dirty="0"/>
+              <a:t> when executed, e.g. modify state or perform output</a:t>
             </a:r>
             <a:br>
               <a:rPr lang="en-US" dirty="0"/>
             </a:br>
             <a:r>
-              <a:rPr lang="en-US" dirty="0"/>
-              <a:t>The statement runs the expression and ignores its value</a:t>
-            </a:r>
-          </a:p>
-          <a:p>
-            <a:pPr marL="514350" indent="-514350">
-              <a:buFont typeface="+mj-lt"/>
-              <a:buAutoNum type="arabicPeriod"/>
-            </a:pPr>
-            <a:r>
-              <a:rPr lang="en-US" dirty="0"/>
-              <a:t>Inside a function definition, </a:t>
-            </a:r>
-            <a:r>
-              <a:rPr lang="en-US" dirty="0">
-                <a:latin typeface="Consolas" panose="020B0609020204030204" pitchFamily="49" charset="0"/>
-              </a:rPr>
-              <a:t>return e</a:t>
-            </a:r>
-            <a:r>
-              <a:rPr lang="en-US" dirty="0"/>
-              <a:t> is a statement which runs e and immediately returns its value from the function, skipping any further lines of the function body</a:t>
-            </a:r>
-          </a:p>
-          <a:p>
-            <a:pPr marL="806958" lvl="1" indent="-514350">
-              <a:buFont typeface="+mj-lt"/>
-              <a:buAutoNum type="arabicPeriod"/>
-            </a:pPr>
-            <a:r>
-              <a:rPr lang="en-US" dirty="0"/>
-              <a:t>The return keyword is implied if you write an expression on the last line of a function body </a:t>
-            </a:r>
-          </a:p>
-          <a:p>
-            <a:pPr marL="514350" indent="-514350">
-              <a:buFont typeface="+mj-lt"/>
-              <a:buAutoNum type="arabicPeriod"/>
-            </a:pPr>
-            <a:endParaRPr lang="en-US" dirty="0"/>
+              <a:rPr lang="en-US" b="1" dirty="0"/>
+              <a:t>Core PL Vocab: </a:t>
+            </a:r>
+            <a:r>
+              <a:rPr lang="en-US" dirty="0"/>
+              <a:t>A </a:t>
+            </a:r>
+            <a:r>
+              <a:rPr lang="en-US" b="1" dirty="0"/>
+              <a:t>side effect</a:t>
+            </a:r>
+            <a:r>
+              <a:rPr lang="en-US" dirty="0"/>
+              <a:t> is something a program does other than evaluate to a value</a:t>
+            </a:r>
+            <a:endParaRPr lang="en-US" i="1" dirty="0"/>
+          </a:p>
+          <a:p>
+            <a:r>
+              <a:rPr lang="en-US" dirty="0"/>
+              <a:t>We use separate words “statement” vs. “expression” because modifying state is a different idea from returning a value (the job of an expression)</a:t>
+            </a:r>
+          </a:p>
+          <a:p>
+            <a:r>
+              <a:rPr lang="en-US" dirty="0"/>
+              <a:t>In Rust and many other PLs, however, statements are considered a specific kind of expression.</a:t>
+            </a:r>
+          </a:p>
+          <a:p>
+            <a:r>
+              <a:rPr lang="en-US" b="1" dirty="0"/>
+              <a:t>Justification:</a:t>
+            </a:r>
+            <a:r>
+              <a:rPr lang="en-US" dirty="0"/>
+              <a:t> Invent a value, written (), meaning “no interesting return value”</a:t>
+            </a:r>
           </a:p>
           <a:p>
             <a:endParaRPr lang="en-US" dirty="0"/>
@@ -8921,7 +8885,7 @@
     </p:spTree>
     <p:extLst>
       <p:ext uri="{BB962C8B-B14F-4D97-AF65-F5344CB8AC3E}">
-        <p14:creationId xmlns:p14="http://schemas.microsoft.com/office/powerpoint/2010/main" val="1764426585"/>
+        <p14:creationId xmlns:p14="http://schemas.microsoft.com/office/powerpoint/2010/main" val="14306705"/>
       </p:ext>
     </p:extLst>
   </p:cSld>
@@ -8971,7 +8935,7 @@
           <a:p>
             <a:r>
               <a:rPr lang="en-US" dirty="0"/>
-              <a:t>Assignment Statements</a:t>
+              <a:t>Expressions into Statements</a:t>
             </a:r>
           </a:p>
         </p:txBody>
@@ -9000,98 +8964,85 @@
           <a:lstStyle/>
           <a:p>
             <a:r>
-              <a:rPr lang="en-US" b="1" dirty="0"/>
-              <a:t>PL Vocabulary: </a:t>
-            </a:r>
-            <a:r>
-              <a:rPr lang="en-US" dirty="0"/>
-              <a:t>An </a:t>
-            </a:r>
-            <a:r>
-              <a:rPr lang="en-US" b="1" dirty="0" err="1"/>
-              <a:t>lvalue</a:t>
-            </a:r>
-            <a:r>
-              <a:rPr lang="en-US" dirty="0"/>
-              <a:t> </a:t>
+              <a:rPr lang="en-US" dirty="0"/>
+              <a:t>There are two different simple ways to make a statement </a:t>
             </a:r>
             <a:r>
               <a:rPr lang="en-US" i="1" dirty="0"/>
-              <a:t>lv</a:t>
-            </a:r>
-            <a:r>
-              <a:rPr lang="en-US" dirty="0"/>
-              <a:t> is something we can assign to. The name means “something that appears at the left side of an assignment”.</a:t>
-            </a:r>
-          </a:p>
-          <a:p>
-            <a:r>
-              <a:rPr lang="en-US" dirty="0"/>
-              <a:t>The assignment statement </a:t>
-            </a:r>
-            <a:r>
-              <a:rPr lang="en-US" dirty="0">
-                <a:latin typeface="Consolas" panose="020B0609020204030204" pitchFamily="49" charset="0"/>
-              </a:rPr>
-              <a:t>lv = e;</a:t>
-            </a:r>
-            <a:r>
-              <a:rPr lang="en-US" dirty="0"/>
-              <a:t> assigns the value of e to </a:t>
+              <a:t>s</a:t>
+            </a:r>
+            <a:r>
+              <a:rPr lang="en-US" dirty="0"/>
+              <a:t> out of any expression </a:t>
             </a:r>
             <a:r>
               <a:rPr lang="en-US" i="1" dirty="0"/>
-              <a:t>lv.</a:t>
-            </a:r>
-          </a:p>
-          <a:p>
-            <a:pPr lvl="1"/>
-            <a:r>
-              <a:rPr lang="en-US" dirty="0">
-                <a:latin typeface="Consolas" panose="020B0609020204030204" pitchFamily="49" charset="0"/>
-              </a:rPr>
-              <a:t>x = 3;</a:t>
-            </a:r>
-            <a:r>
-              <a:rPr lang="en-US" dirty="0"/>
-              <a:t>  assigns 3 to (presumably mutable) variable x</a:t>
-            </a:r>
-          </a:p>
-          <a:p>
-            <a:pPr lvl="1"/>
-            <a:r>
-              <a:rPr lang="en-US" dirty="0">
-                <a:latin typeface="Consolas" panose="020B0609020204030204" pitchFamily="49" charset="0"/>
-              </a:rPr>
-              <a:t>*r = 3;</a:t>
-            </a:r>
-            <a:r>
-              <a:rPr lang="en-US" dirty="0"/>
-              <a:t> assigns 3 to reference r</a:t>
-            </a:r>
-          </a:p>
-          <a:p>
-            <a:pPr lvl="1"/>
-            <a:r>
-              <a:rPr lang="en-US" dirty="0"/>
-              <a:t>a[</a:t>
-            </a:r>
-            <a:r>
-              <a:rPr lang="en-US" dirty="0" err="1"/>
-              <a:t>i</a:t>
-            </a:r>
-            <a:r>
-              <a:rPr lang="en-US" dirty="0"/>
-              <a:t>] = 3; assigns 3 to element </a:t>
-            </a:r>
-            <a:r>
-              <a:rPr lang="en-US" dirty="0" err="1"/>
-              <a:t>i</a:t>
-            </a:r>
-            <a:r>
-              <a:rPr lang="en-US" dirty="0"/>
-              <a:t> of array a</a:t>
-            </a:r>
+              <a:t>e</a:t>
+            </a:r>
+          </a:p>
+          <a:p>
+            <a:pPr marL="514350" indent="-514350">
+              <a:buFont typeface="+mj-lt"/>
+              <a:buAutoNum type="arabicPeriod"/>
+            </a:pPr>
+            <a:r>
+              <a:rPr lang="en-US" dirty="0"/>
+              <a:t>Writing a semicolon after an expression (</a:t>
+            </a:r>
+            <a:r>
+              <a:rPr lang="en-US" dirty="0">
+                <a:latin typeface="Consolas" panose="020B0609020204030204" pitchFamily="49" charset="0"/>
+              </a:rPr>
+              <a:t>e;</a:t>
+            </a:r>
+            <a:r>
+              <a:rPr lang="en-US" dirty="0"/>
+              <a:t>) makes it a statement</a:t>
+            </a:r>
+            <a:br>
+              <a:rPr lang="en-US" dirty="0"/>
+            </a:br>
+            <a:r>
+              <a:rPr lang="en-US" dirty="0"/>
+              <a:t>The statement runs the expression and ignores its value</a:t>
+            </a:r>
+          </a:p>
+          <a:p>
+            <a:pPr marL="514350" indent="-514350">
+              <a:buFont typeface="+mj-lt"/>
+              <a:buAutoNum type="arabicPeriod"/>
+            </a:pPr>
+            <a:r>
+              <a:rPr lang="en-US" dirty="0"/>
+              <a:t>Inside a function definition, </a:t>
+            </a:r>
+            <a:r>
+              <a:rPr lang="en-US" dirty="0">
+                <a:latin typeface="Consolas" panose="020B0609020204030204" pitchFamily="49" charset="0"/>
+              </a:rPr>
+              <a:t>return e</a:t>
+            </a:r>
+            <a:r>
+              <a:rPr lang="en-US" dirty="0"/>
+              <a:t> is a statement which runs e and immediately returns its value from the function, skipping any further lines of the function body</a:t>
+            </a:r>
+          </a:p>
+          <a:p>
+            <a:pPr marL="806958" lvl="1" indent="-514350">
+              <a:buFont typeface="+mj-lt"/>
+              <a:buAutoNum type="arabicPeriod"/>
+            </a:pPr>
+            <a:r>
+              <a:rPr lang="en-US" dirty="0"/>
+              <a:t>The return keyword is implied if you write an expression on the last line of a function body </a:t>
+            </a:r>
+          </a:p>
+          <a:p>
+            <a:pPr marL="514350" indent="-514350">
+              <a:buFont typeface="+mj-lt"/>
+              <a:buAutoNum type="arabicPeriod"/>
+            </a:pPr>
+            <a:endParaRPr lang="en-US" dirty="0"/>
           </a:p>
           <a:p>
             <a:endParaRPr lang="en-US" dirty="0"/>
@@ -9101,7 +9052,7 @@
     </p:spTree>
     <p:extLst>
       <p:ext uri="{BB962C8B-B14F-4D97-AF65-F5344CB8AC3E}">
-        <p14:creationId xmlns:p14="http://schemas.microsoft.com/office/powerpoint/2010/main" val="2870999749"/>
+        <p14:creationId xmlns:p14="http://schemas.microsoft.com/office/powerpoint/2010/main" val="1764426585"/>
       </p:ext>
     </p:extLst>
   </p:cSld>
@@ -9151,7 +9102,7 @@
           <a:p>
             <a:r>
               <a:rPr lang="en-US" dirty="0"/>
-              <a:t>While Loop Statements</a:t>
+              <a:t>Assignment Statements</a:t>
             </a:r>
           </a:p>
         </p:txBody>
@@ -9180,57 +9131,98 @@
           <a:lstStyle/>
           <a:p>
             <a:r>
-              <a:rPr lang="en-US" dirty="0"/>
-              <a:t>As long as e1 is </a:t>
-            </a:r>
-            <a:r>
-              <a:rPr lang="en-US" dirty="0">
-                <a:latin typeface="Consolas" panose="020B0609020204030204" pitchFamily="49" charset="0"/>
-              </a:rPr>
-              <a:t>true</a:t>
-            </a:r>
-            <a:r>
-              <a:rPr lang="en-US" dirty="0"/>
-              <a:t>, run e2 repeatedly for its side effects, ignoring its return value</a:t>
-            </a:r>
-          </a:p>
-          <a:p>
-            <a:r>
-              <a:rPr lang="en-US" dirty="0">
-                <a:latin typeface="Consolas" panose="020B0609020204030204" pitchFamily="49" charset="0"/>
-              </a:rPr>
-              <a:t>while e1 {</a:t>
-            </a:r>
-            <a:br>
-              <a:rPr lang="en-US" dirty="0">
-                <a:latin typeface="Consolas" panose="020B0609020204030204" pitchFamily="49" charset="0"/>
-              </a:rPr>
-            </a:br>
-            <a:r>
-              <a:rPr lang="en-US" dirty="0">
-                <a:latin typeface="Consolas" panose="020B0609020204030204" pitchFamily="49" charset="0"/>
-              </a:rPr>
-              <a:t>  e2</a:t>
-            </a:r>
-            <a:br>
-              <a:rPr lang="en-US" dirty="0">
-                <a:latin typeface="Consolas" panose="020B0609020204030204" pitchFamily="49" charset="0"/>
-              </a:rPr>
-            </a:br>
-            <a:r>
-              <a:rPr lang="en-US" dirty="0">
-                <a:latin typeface="Consolas" panose="020B0609020204030204" pitchFamily="49" charset="0"/>
-              </a:rPr>
-              <a:t>}</a:t>
-            </a:r>
-          </a:p>
-          <a:p>
-            <a:pPr marL="0" indent="0">
-              <a:buNone/>
-            </a:pPr>
-            <a:endParaRPr lang="en-US" dirty="0">
-              <a:latin typeface="Consolas" panose="020B0609020204030204" pitchFamily="49" charset="0"/>
-            </a:endParaRPr>
+              <a:rPr lang="en-US" b="1" dirty="0"/>
+              <a:t>PL Vocabulary: </a:t>
+            </a:r>
+            <a:r>
+              <a:rPr lang="en-US" dirty="0"/>
+              <a:t>An </a:t>
+            </a:r>
+            <a:r>
+              <a:rPr lang="en-US" b="1" dirty="0" err="1"/>
+              <a:t>lvalue</a:t>
+            </a:r>
+            <a:r>
+              <a:rPr lang="en-US" dirty="0"/>
+              <a:t> </a:t>
+            </a:r>
+            <a:r>
+              <a:rPr lang="en-US" i="1" dirty="0"/>
+              <a:t>lv</a:t>
+            </a:r>
+            <a:r>
+              <a:rPr lang="en-US" dirty="0"/>
+              <a:t> is something we can assign to. The name means “something that appears at the left side of an assignment”.</a:t>
+            </a:r>
+          </a:p>
+          <a:p>
+            <a:r>
+              <a:rPr lang="en-US" dirty="0"/>
+              <a:t>The assignment statement </a:t>
+            </a:r>
+            <a:r>
+              <a:rPr lang="en-US" dirty="0">
+                <a:latin typeface="Consolas" panose="020B0609020204030204" pitchFamily="49" charset="0"/>
+              </a:rPr>
+              <a:t>lv = e;</a:t>
+            </a:r>
+            <a:r>
+              <a:rPr lang="en-US" dirty="0"/>
+              <a:t> assigns the value of e to </a:t>
+            </a:r>
+            <a:r>
+              <a:rPr lang="en-US" i="1" dirty="0"/>
+              <a:t>lv.</a:t>
+            </a:r>
+          </a:p>
+          <a:p>
+            <a:pPr lvl="1"/>
+            <a:r>
+              <a:rPr lang="en-US" dirty="0">
+                <a:latin typeface="Consolas" panose="020B0609020204030204" pitchFamily="49" charset="0"/>
+              </a:rPr>
+              <a:t>x = 3;</a:t>
+            </a:r>
+            <a:r>
+              <a:rPr lang="en-US" dirty="0"/>
+              <a:t>  assigns 3 to (presumably mutable) variable x</a:t>
+            </a:r>
+          </a:p>
+          <a:p>
+            <a:pPr lvl="1"/>
+            <a:r>
+              <a:rPr lang="en-US" dirty="0">
+                <a:latin typeface="Consolas" panose="020B0609020204030204" pitchFamily="49" charset="0"/>
+              </a:rPr>
+              <a:t>*r = 3;</a:t>
+            </a:r>
+            <a:r>
+              <a:rPr lang="en-US" dirty="0"/>
+              <a:t> assigns 3 to reference r</a:t>
+            </a:r>
+          </a:p>
+          <a:p>
+            <a:pPr lvl="1"/>
+            <a:r>
+              <a:rPr lang="en-US" dirty="0"/>
+              <a:t>a[</a:t>
+            </a:r>
+            <a:r>
+              <a:rPr lang="en-US" dirty="0" err="1"/>
+              <a:t>i</a:t>
+            </a:r>
+            <a:r>
+              <a:rPr lang="en-US" dirty="0"/>
+              <a:t>] = 3; assigns 3 to element </a:t>
+            </a:r>
+            <a:r>
+              <a:rPr lang="en-US" dirty="0" err="1"/>
+              <a:t>i</a:t>
+            </a:r>
+            <a:r>
+              <a:rPr lang="en-US" dirty="0"/>
+              <a:t> of array a</a:t>
+            </a:r>
           </a:p>
           <a:p>
             <a:endParaRPr lang="en-US" dirty="0"/>
@@ -9240,7 +9232,7 @@
     </p:spTree>
     <p:extLst>
       <p:ext uri="{BB962C8B-B14F-4D97-AF65-F5344CB8AC3E}">
-        <p14:creationId xmlns:p14="http://schemas.microsoft.com/office/powerpoint/2010/main" val="1532271734"/>
+        <p14:creationId xmlns:p14="http://schemas.microsoft.com/office/powerpoint/2010/main" val="2870999749"/>
       </p:ext>
     </p:extLst>
   </p:cSld>
@@ -9290,6 +9282,145 @@
           <a:p>
             <a:r>
               <a:rPr lang="en-US" dirty="0"/>
+              <a:t>While Loop Statements</a:t>
+            </a:r>
+          </a:p>
+        </p:txBody>
+      </p:sp>
+      <p:sp>
+        <p:nvSpPr>
+          <p:cNvPr id="3" name="Content Placeholder 2">
+            <a:extLst>
+              <a:ext uri="{FF2B5EF4-FFF2-40B4-BE49-F238E27FC236}">
+                <a16:creationId xmlns:a16="http://schemas.microsoft.com/office/drawing/2014/main" id="{8A8749A3-C2CF-2377-2195-835BCA30E2CB}"/>
+              </a:ext>
+            </a:extLst>
+          </p:cNvPr>
+          <p:cNvSpPr>
+            <a:spLocks noGrp="1"/>
+          </p:cNvSpPr>
+          <p:nvPr>
+            <p:ph idx="1"/>
+          </p:nvPr>
+        </p:nvSpPr>
+        <p:spPr/>
+        <p:txBody>
+          <a:bodyPr>
+            <a:normAutofit/>
+          </a:bodyPr>
+          <a:lstStyle/>
+          <a:p>
+            <a:r>
+              <a:rPr lang="en-US" dirty="0"/>
+              <a:t>As long as e1 is </a:t>
+            </a:r>
+            <a:r>
+              <a:rPr lang="en-US" dirty="0">
+                <a:latin typeface="Consolas" panose="020B0609020204030204" pitchFamily="49" charset="0"/>
+              </a:rPr>
+              <a:t>true</a:t>
+            </a:r>
+            <a:r>
+              <a:rPr lang="en-US" dirty="0"/>
+              <a:t>, run e2 repeatedly for its side effects, ignoring its return value</a:t>
+            </a:r>
+          </a:p>
+          <a:p>
+            <a:r>
+              <a:rPr lang="en-US" dirty="0">
+                <a:latin typeface="Consolas" panose="020B0609020204030204" pitchFamily="49" charset="0"/>
+              </a:rPr>
+              <a:t>while e1 {</a:t>
+            </a:r>
+            <a:br>
+              <a:rPr lang="en-US" dirty="0">
+                <a:latin typeface="Consolas" panose="020B0609020204030204" pitchFamily="49" charset="0"/>
+              </a:rPr>
+            </a:br>
+            <a:r>
+              <a:rPr lang="en-US" dirty="0">
+                <a:latin typeface="Consolas" panose="020B0609020204030204" pitchFamily="49" charset="0"/>
+              </a:rPr>
+              <a:t>  e2</a:t>
+            </a:r>
+            <a:br>
+              <a:rPr lang="en-US" dirty="0">
+                <a:latin typeface="Consolas" panose="020B0609020204030204" pitchFamily="49" charset="0"/>
+              </a:rPr>
+            </a:br>
+            <a:r>
+              <a:rPr lang="en-US" dirty="0">
+                <a:latin typeface="Consolas" panose="020B0609020204030204" pitchFamily="49" charset="0"/>
+              </a:rPr>
+              <a:t>}</a:t>
+            </a:r>
+          </a:p>
+          <a:p>
+            <a:pPr marL="0" indent="0">
+              <a:buNone/>
+            </a:pPr>
+            <a:endParaRPr lang="en-US" dirty="0">
+              <a:latin typeface="Consolas" panose="020B0609020204030204" pitchFamily="49" charset="0"/>
+            </a:endParaRPr>
+          </a:p>
+          <a:p>
+            <a:endParaRPr lang="en-US" dirty="0"/>
+          </a:p>
+        </p:txBody>
+      </p:sp>
+    </p:spTree>
+    <p:extLst>
+      <p:ext uri="{BB962C8B-B14F-4D97-AF65-F5344CB8AC3E}">
+        <p14:creationId xmlns:p14="http://schemas.microsoft.com/office/powerpoint/2010/main" val="1532271734"/>
+      </p:ext>
+    </p:extLst>
+  </p:cSld>
+  <p:clrMapOvr>
+    <a:masterClrMapping/>
+  </p:clrMapOvr>
+</p:sld>
+</file>
+
+<file path=ppt/slides/slide39.xml><?xml version="1.0" encoding="utf-8"?>
+<p:sld xmlns:a="http://schemas.openxmlformats.org/drawingml/2006/main" xmlns:r="http://schemas.openxmlformats.org/officeDocument/2006/relationships" xmlns:p="http://schemas.openxmlformats.org/presentationml/2006/main">
+  <p:cSld>
+    <p:spTree>
+      <p:nvGrpSpPr>
+        <p:cNvPr id="1" name=""/>
+        <p:cNvGrpSpPr/>
+        <p:nvPr/>
+      </p:nvGrpSpPr>
+      <p:grpSpPr>
+        <a:xfrm>
+          <a:off x="0" y="0"/>
+          <a:ext cx="0" cy="0"/>
+          <a:chOff x="0" y="0"/>
+          <a:chExt cx="0" cy="0"/>
+        </a:xfrm>
+      </p:grpSpPr>
+      <p:sp>
+        <p:nvSpPr>
+          <p:cNvPr id="2" name="Title 1">
+            <a:extLst>
+              <a:ext uri="{FF2B5EF4-FFF2-40B4-BE49-F238E27FC236}">
+                <a16:creationId xmlns:a16="http://schemas.microsoft.com/office/drawing/2014/main" id="{7A105EA4-64D2-B034-8364-802D15316167}"/>
+              </a:ext>
+            </a:extLst>
+          </p:cNvPr>
+          <p:cNvSpPr>
+            <a:spLocks noGrp="1"/>
+          </p:cNvSpPr>
+          <p:nvPr>
+            <p:ph type="title"/>
+          </p:nvPr>
+        </p:nvSpPr>
+        <p:spPr/>
+        <p:txBody>
+          <a:bodyPr/>
+          <a:lstStyle/>
+          <a:p>
+            <a:r>
+              <a:rPr lang="en-US" dirty="0"/>
               <a:t>For Loop Statements</a:t>
             </a:r>
           </a:p>
@@ -9430,7 +9561,173 @@
 </p:sld>
 </file>
 
-<file path=ppt/slides/slide39.xml><?xml version="1.0" encoding="utf-8"?>
+<file path=ppt/slides/slide4.xml><?xml version="1.0" encoding="utf-8"?>
+<p:sld xmlns:a="http://schemas.openxmlformats.org/drawingml/2006/main" xmlns:r="http://schemas.openxmlformats.org/officeDocument/2006/relationships" xmlns:p="http://schemas.openxmlformats.org/presentationml/2006/main">
+  <p:cSld>
+    <p:spTree>
+      <p:nvGrpSpPr>
+        <p:cNvPr id="1" name=""/>
+        <p:cNvGrpSpPr/>
+        <p:nvPr/>
+      </p:nvGrpSpPr>
+      <p:grpSpPr>
+        <a:xfrm>
+          <a:off x="0" y="0"/>
+          <a:ext cx="0" cy="0"/>
+          <a:chOff x="0" y="0"/>
+          <a:chExt cx="0" cy="0"/>
+        </a:xfrm>
+      </p:grpSpPr>
+      <p:sp>
+        <p:nvSpPr>
+          <p:cNvPr id="2" name="Title 1">
+            <a:extLst>
+              <a:ext uri="{FF2B5EF4-FFF2-40B4-BE49-F238E27FC236}">
+                <a16:creationId xmlns:a16="http://schemas.microsoft.com/office/drawing/2014/main" id="{9A7A7201-B3CD-9DF1-77CA-2C650963BC49}"/>
+              </a:ext>
+            </a:extLst>
+          </p:cNvPr>
+          <p:cNvSpPr>
+            <a:spLocks noGrp="1"/>
+          </p:cNvSpPr>
+          <p:nvPr>
+            <p:ph type="title"/>
+          </p:nvPr>
+        </p:nvSpPr>
+        <p:spPr/>
+        <p:txBody>
+          <a:bodyPr/>
+          <a:lstStyle/>
+          <a:p>
+            <a:r>
+              <a:rPr lang="en-US" dirty="0"/>
+              <a:t>Motivation: Speed + Safety</a:t>
+            </a:r>
+          </a:p>
+        </p:txBody>
+      </p:sp>
+      <p:pic>
+        <p:nvPicPr>
+          <p:cNvPr id="1026" name="Picture 2" descr="Sonic: Gotta Go Fast - YouTube">
+            <a:extLst>
+              <a:ext uri="{FF2B5EF4-FFF2-40B4-BE49-F238E27FC236}">
+                <a16:creationId xmlns:a16="http://schemas.microsoft.com/office/drawing/2014/main" id="{E18EE4D9-9526-2F8F-63B2-4F475E1266E1}"/>
+              </a:ext>
+            </a:extLst>
+          </p:cNvPr>
+          <p:cNvPicPr>
+            <a:picLocks noGrp="1" noChangeAspect="1" noChangeArrowheads="1"/>
+          </p:cNvPicPr>
+          <p:nvPr>
+            <p:ph idx="1"/>
+          </p:nvPr>
+        </p:nvPicPr>
+        <p:blipFill>
+          <a:blip r:embed="rId2">
+            <a:extLst>
+              <a:ext uri="{28A0092B-C50C-407E-A947-70E740481C1C}">
+                <a14:useLocalDpi xmlns:a14="http://schemas.microsoft.com/office/drawing/2010/main" val="0"/>
+              </a:ext>
+            </a:extLst>
+          </a:blip>
+          <a:srcRect/>
+          <a:stretch>
+            <a:fillRect/>
+          </a:stretch>
+        </p:blipFill>
+        <p:spPr bwMode="auto">
+          <a:xfrm>
+            <a:off x="7842002" y="2008139"/>
+            <a:ext cx="3621686" cy="2028144"/>
+          </a:xfrm>
+          <a:prstGeom prst="rect">
+            <a:avLst/>
+          </a:prstGeom>
+          <a:noFill/>
+          <a:extLst>
+            <a:ext uri="{909E8E84-426E-40DD-AFC4-6F175D3DCCD1}">
+              <a14:hiddenFill xmlns:a14="http://schemas.microsoft.com/office/drawing/2010/main">
+                <a:solidFill>
+                  <a:srgbClr val="FFFFFF"/>
+                </a:solidFill>
+              </a14:hiddenFill>
+            </a:ext>
+          </a:extLst>
+        </p:spPr>
+      </p:pic>
+      <p:sp>
+        <p:nvSpPr>
+          <p:cNvPr id="5" name="TextBox 4">
+            <a:extLst>
+              <a:ext uri="{FF2B5EF4-FFF2-40B4-BE49-F238E27FC236}">
+                <a16:creationId xmlns:a16="http://schemas.microsoft.com/office/drawing/2014/main" id="{1520A1BD-7D5D-5999-0F39-07DA29BC117B}"/>
+              </a:ext>
+            </a:extLst>
+          </p:cNvPr>
+          <p:cNvSpPr txBox="1"/>
+          <p:nvPr/>
+        </p:nvSpPr>
+        <p:spPr>
+          <a:xfrm>
+            <a:off x="336884" y="2008139"/>
+            <a:ext cx="7209322" cy="3108543"/>
+          </a:xfrm>
+          <a:prstGeom prst="rect">
+            <a:avLst/>
+          </a:prstGeom>
+          <a:noFill/>
+        </p:spPr>
+        <p:txBody>
+          <a:bodyPr wrap="square" rtlCol="0">
+            <a:spAutoFit/>
+          </a:bodyPr>
+          <a:lstStyle/>
+          <a:p>
+            <a:pPr marL="457200" indent="-457200">
+              <a:buFont typeface="Arial" panose="020B0604020202020204" pitchFamily="34" charset="0"/>
+              <a:buChar char="•"/>
+            </a:pPr>
+            <a:r>
+              <a:rPr lang="en-US" sz="2800" dirty="0"/>
+              <a:t>Efficiency is traditionally an important objective when developing software</a:t>
+            </a:r>
+          </a:p>
+          <a:p>
+            <a:pPr marL="457200" indent="-457200">
+              <a:buFont typeface="Arial" panose="020B0604020202020204" pitchFamily="34" charset="0"/>
+              <a:buChar char="•"/>
+            </a:pPr>
+            <a:r>
+              <a:rPr lang="en-US" sz="2800" dirty="0"/>
+              <a:t>Particularly in systems software such as OS’s and compilers, or any other software that serves as a “platform” for other code</a:t>
+            </a:r>
+          </a:p>
+          <a:p>
+            <a:pPr marL="457200" indent="-457200">
+              <a:buFont typeface="Arial" panose="020B0604020202020204" pitchFamily="34" charset="0"/>
+              <a:buChar char="•"/>
+            </a:pPr>
+            <a:endParaRPr lang="en-US" sz="2800" dirty="0"/>
+          </a:p>
+          <a:p>
+            <a:endParaRPr lang="en-US" sz="2800" dirty="0"/>
+          </a:p>
+        </p:txBody>
+      </p:sp>
+    </p:spTree>
+    <p:extLst>
+      <p:ext uri="{BB962C8B-B14F-4D97-AF65-F5344CB8AC3E}">
+        <p14:creationId xmlns:p14="http://schemas.microsoft.com/office/powerpoint/2010/main" val="1299292875"/>
+      </p:ext>
+    </p:extLst>
+  </p:cSld>
+  <p:clrMapOvr>
+    <a:masterClrMapping/>
+  </p:clrMapOvr>
+</p:sld>
+</file>
+
+<file path=ppt/slides/slide40.xml><?xml version="1.0" encoding="utf-8"?>
 <p:sld xmlns:a="http://schemas.openxmlformats.org/drawingml/2006/main" xmlns:r="http://schemas.openxmlformats.org/officeDocument/2006/relationships" xmlns:p="http://schemas.openxmlformats.org/presentationml/2006/main">
   <p:cSld>
     <p:spTree>
@@ -9813,288 +10110,6 @@
 </p:sld>
 </file>
 
-<file path=ppt/slides/slide4.xml><?xml version="1.0" encoding="utf-8"?>
-<p:sld xmlns:a="http://schemas.openxmlformats.org/drawingml/2006/main" xmlns:r="http://schemas.openxmlformats.org/officeDocument/2006/relationships" xmlns:p="http://schemas.openxmlformats.org/presentationml/2006/main">
-  <p:cSld>
-    <p:spTree>
-      <p:nvGrpSpPr>
-        <p:cNvPr id="1" name=""/>
-        <p:cNvGrpSpPr/>
-        <p:nvPr/>
-      </p:nvGrpSpPr>
-      <p:grpSpPr>
-        <a:xfrm>
-          <a:off x="0" y="0"/>
-          <a:ext cx="0" cy="0"/>
-          <a:chOff x="0" y="0"/>
-          <a:chExt cx="0" cy="0"/>
-        </a:xfrm>
-      </p:grpSpPr>
-      <p:sp>
-        <p:nvSpPr>
-          <p:cNvPr id="2" name="Title 1">
-            <a:extLst>
-              <a:ext uri="{FF2B5EF4-FFF2-40B4-BE49-F238E27FC236}">
-                <a16:creationId xmlns:a16="http://schemas.microsoft.com/office/drawing/2014/main" id="{9A7A7201-B3CD-9DF1-77CA-2C650963BC49}"/>
-              </a:ext>
-            </a:extLst>
-          </p:cNvPr>
-          <p:cNvSpPr>
-            <a:spLocks noGrp="1"/>
-          </p:cNvSpPr>
-          <p:nvPr>
-            <p:ph type="title"/>
-          </p:nvPr>
-        </p:nvSpPr>
-        <p:spPr/>
-        <p:txBody>
-          <a:bodyPr/>
-          <a:lstStyle/>
-          <a:p>
-            <a:r>
-              <a:rPr lang="en-US" dirty="0"/>
-              <a:t>Motivation: Speed + Safety</a:t>
-            </a:r>
-          </a:p>
-        </p:txBody>
-      </p:sp>
-      <p:pic>
-        <p:nvPicPr>
-          <p:cNvPr id="1026" name="Picture 2" descr="Sonic: Gotta Go Fast - YouTube">
-            <a:extLst>
-              <a:ext uri="{FF2B5EF4-FFF2-40B4-BE49-F238E27FC236}">
-                <a16:creationId xmlns:a16="http://schemas.microsoft.com/office/drawing/2014/main" id="{E18EE4D9-9526-2F8F-63B2-4F475E1266E1}"/>
-              </a:ext>
-            </a:extLst>
-          </p:cNvPr>
-          <p:cNvPicPr>
-            <a:picLocks noGrp="1" noChangeAspect="1" noChangeArrowheads="1"/>
-          </p:cNvPicPr>
-          <p:nvPr>
-            <p:ph idx="1"/>
-          </p:nvPr>
-        </p:nvPicPr>
-        <p:blipFill>
-          <a:blip r:embed="rId2">
-            <a:extLst>
-              <a:ext uri="{28A0092B-C50C-407E-A947-70E740481C1C}">
-                <a14:useLocalDpi xmlns:a14="http://schemas.microsoft.com/office/drawing/2010/main" val="0"/>
-              </a:ext>
-            </a:extLst>
-          </a:blip>
-          <a:srcRect/>
-          <a:stretch>
-            <a:fillRect/>
-          </a:stretch>
-        </p:blipFill>
-        <p:spPr bwMode="auto">
-          <a:xfrm>
-            <a:off x="7842002" y="2008139"/>
-            <a:ext cx="3621686" cy="2028144"/>
-          </a:xfrm>
-          <a:prstGeom prst="rect">
-            <a:avLst/>
-          </a:prstGeom>
-          <a:noFill/>
-          <a:extLst>
-            <a:ext uri="{909E8E84-426E-40DD-AFC4-6F175D3DCCD1}">
-              <a14:hiddenFill xmlns:a14="http://schemas.microsoft.com/office/drawing/2010/main">
-                <a:solidFill>
-                  <a:srgbClr val="FFFFFF"/>
-                </a:solidFill>
-              </a14:hiddenFill>
-            </a:ext>
-          </a:extLst>
-        </p:spPr>
-      </p:pic>
-      <p:sp>
-        <p:nvSpPr>
-          <p:cNvPr id="5" name="TextBox 4">
-            <a:extLst>
-              <a:ext uri="{FF2B5EF4-FFF2-40B4-BE49-F238E27FC236}">
-                <a16:creationId xmlns:a16="http://schemas.microsoft.com/office/drawing/2014/main" id="{1520A1BD-7D5D-5999-0F39-07DA29BC117B}"/>
-              </a:ext>
-            </a:extLst>
-          </p:cNvPr>
-          <p:cNvSpPr txBox="1"/>
-          <p:nvPr/>
-        </p:nvSpPr>
-        <p:spPr>
-          <a:xfrm>
-            <a:off x="336884" y="2008139"/>
-            <a:ext cx="7209322" cy="3108543"/>
-          </a:xfrm>
-          <a:prstGeom prst="rect">
-            <a:avLst/>
-          </a:prstGeom>
-          <a:noFill/>
-        </p:spPr>
-        <p:txBody>
-          <a:bodyPr wrap="square" rtlCol="0">
-            <a:spAutoFit/>
-          </a:bodyPr>
-          <a:lstStyle/>
-          <a:p>
-            <a:pPr marL="457200" indent="-457200">
-              <a:buFont typeface="Arial" panose="020B0604020202020204" pitchFamily="34" charset="0"/>
-              <a:buChar char="•"/>
-            </a:pPr>
-            <a:r>
-              <a:rPr lang="en-US" sz="2800" dirty="0"/>
-              <a:t>Efficiency is traditionally an important objective when developing software</a:t>
-            </a:r>
-          </a:p>
-          <a:p>
-            <a:pPr marL="457200" indent="-457200">
-              <a:buFont typeface="Arial" panose="020B0604020202020204" pitchFamily="34" charset="0"/>
-              <a:buChar char="•"/>
-            </a:pPr>
-            <a:r>
-              <a:rPr lang="en-US" sz="2800" dirty="0"/>
-              <a:t>Particularly in systems software such as OS’s and compilers, or any other software that serves as a “platform” for other code</a:t>
-            </a:r>
-          </a:p>
-          <a:p>
-            <a:pPr marL="457200" indent="-457200">
-              <a:buFont typeface="Arial" panose="020B0604020202020204" pitchFamily="34" charset="0"/>
-              <a:buChar char="•"/>
-            </a:pPr>
-            <a:endParaRPr lang="en-US" sz="2800" dirty="0"/>
-          </a:p>
-          <a:p>
-            <a:endParaRPr lang="en-US" sz="2800" dirty="0"/>
-          </a:p>
-        </p:txBody>
-      </p:sp>
-    </p:spTree>
-    <p:extLst>
-      <p:ext uri="{BB962C8B-B14F-4D97-AF65-F5344CB8AC3E}">
-        <p14:creationId xmlns:p14="http://schemas.microsoft.com/office/powerpoint/2010/main" val="1299292875"/>
-      </p:ext>
-    </p:extLst>
-  </p:cSld>
-  <p:clrMapOvr>
-    <a:masterClrMapping/>
-  </p:clrMapOvr>
-</p:sld>
-</file>
-
-<file path=ppt/slides/slide40.xml><?xml version="1.0" encoding="utf-8"?>
-<p:sld xmlns:a="http://schemas.openxmlformats.org/drawingml/2006/main" xmlns:r="http://schemas.openxmlformats.org/officeDocument/2006/relationships" xmlns:p="http://schemas.openxmlformats.org/presentationml/2006/main">
-  <p:cSld>
-    <p:spTree>
-      <p:nvGrpSpPr>
-        <p:cNvPr id="1" name=""/>
-        <p:cNvGrpSpPr/>
-        <p:nvPr/>
-      </p:nvGrpSpPr>
-      <p:grpSpPr>
-        <a:xfrm>
-          <a:off x="0" y="0"/>
-          <a:ext cx="0" cy="0"/>
-          <a:chOff x="0" y="0"/>
-          <a:chExt cx="0" cy="0"/>
-        </a:xfrm>
-      </p:grpSpPr>
-      <p:sp>
-        <p:nvSpPr>
-          <p:cNvPr id="2" name="Title 1">
-            <a:extLst>
-              <a:ext uri="{FF2B5EF4-FFF2-40B4-BE49-F238E27FC236}">
-                <a16:creationId xmlns:a16="http://schemas.microsoft.com/office/drawing/2014/main" id="{A2502C66-33C9-C8FF-D740-BD6C47577AA6}"/>
-              </a:ext>
-            </a:extLst>
-          </p:cNvPr>
-          <p:cNvSpPr>
-            <a:spLocks noGrp="1"/>
-          </p:cNvSpPr>
-          <p:nvPr>
-            <p:ph type="title"/>
-          </p:nvPr>
-        </p:nvSpPr>
-        <p:spPr/>
-        <p:txBody>
-          <a:bodyPr/>
-          <a:lstStyle/>
-          <a:p>
-            <a:r>
-              <a:rPr lang="en-US" dirty="0"/>
-              <a:t>Summary of Language Concepts</a:t>
-            </a:r>
-          </a:p>
-        </p:txBody>
-      </p:sp>
-      <p:sp>
-        <p:nvSpPr>
-          <p:cNvPr id="3" name="Content Placeholder 2">
-            <a:extLst>
-              <a:ext uri="{FF2B5EF4-FFF2-40B4-BE49-F238E27FC236}">
-                <a16:creationId xmlns:a16="http://schemas.microsoft.com/office/drawing/2014/main" id="{EDE32EB2-40B3-2895-E696-765474262A1D}"/>
-              </a:ext>
-            </a:extLst>
-          </p:cNvPr>
-          <p:cNvSpPr>
-            <a:spLocks noGrp="1"/>
-          </p:cNvSpPr>
-          <p:nvPr>
-            <p:ph idx="1"/>
-          </p:nvPr>
-        </p:nvSpPr>
-        <p:spPr/>
-        <p:txBody>
-          <a:bodyPr/>
-          <a:lstStyle/>
-          <a:p>
-            <a:r>
-              <a:rPr lang="en-US" dirty="0"/>
-              <a:t>Values: Results, Data</a:t>
-            </a:r>
-          </a:p>
-          <a:p>
-            <a:r>
-              <a:rPr lang="en-US" dirty="0"/>
-              <a:t>References: Indirection, storage locations</a:t>
-            </a:r>
-          </a:p>
-          <a:p>
-            <a:r>
-              <a:rPr lang="en-US" dirty="0"/>
-              <a:t>Expressions: Computations that can be evaluated for a value</a:t>
-            </a:r>
-          </a:p>
-          <a:p>
-            <a:r>
-              <a:rPr lang="en-US" dirty="0"/>
-              <a:t>Patterns: Used to match values in conditional expressions</a:t>
-            </a:r>
-          </a:p>
-          <a:p>
-            <a:r>
-              <a:rPr lang="en-US" dirty="0"/>
-              <a:t>Definitions: Introduce names (variables, functions)</a:t>
-            </a:r>
-          </a:p>
-          <a:p>
-            <a:r>
-              <a:rPr lang="en-US" dirty="0"/>
-              <a:t>Statements: Run for side-effects, not return values</a:t>
-            </a:r>
-          </a:p>
-        </p:txBody>
-      </p:sp>
-    </p:spTree>
-    <p:extLst>
-      <p:ext uri="{BB962C8B-B14F-4D97-AF65-F5344CB8AC3E}">
-        <p14:creationId xmlns:p14="http://schemas.microsoft.com/office/powerpoint/2010/main" val="840174021"/>
-      </p:ext>
-    </p:extLst>
-  </p:cSld>
-  <p:clrMapOvr>
-    <a:masterClrMapping/>
-  </p:clrMapOvr>
-</p:sld>
-</file>
-
 <file path=ppt/slides/slide41.xml><?xml version="1.0" encoding="utf-8"?>
 <p:sld xmlns:a="http://schemas.openxmlformats.org/drawingml/2006/main" xmlns:r="http://schemas.openxmlformats.org/officeDocument/2006/relationships" xmlns:p="http://schemas.openxmlformats.org/presentationml/2006/main">
   <p:cSld>
@@ -10117,7 +10132,7 @@
           <p:cNvPr id="2" name="Title 1">
             <a:extLst>
               <a:ext uri="{FF2B5EF4-FFF2-40B4-BE49-F238E27FC236}">
-                <a16:creationId xmlns:a16="http://schemas.microsoft.com/office/drawing/2014/main" id="{A6967117-4DE7-96A1-4125-134A7726550C}"/>
+                <a16:creationId xmlns:a16="http://schemas.microsoft.com/office/drawing/2014/main" id="{A2502C66-33C9-C8FF-D740-BD6C47577AA6}"/>
               </a:ext>
             </a:extLst>
           </p:cNvPr>
@@ -10135,7 +10150,7 @@
           <a:p>
             <a:r>
               <a:rPr lang="en-US" dirty="0"/>
-              <a:t>Section: Types</a:t>
+              <a:t>Summary of Language Concepts</a:t>
             </a:r>
           </a:p>
         </p:txBody>
@@ -10145,7 +10160,7 @@
           <p:cNvPr id="3" name="Content Placeholder 2">
             <a:extLst>
               <a:ext uri="{FF2B5EF4-FFF2-40B4-BE49-F238E27FC236}">
-                <a16:creationId xmlns:a16="http://schemas.microsoft.com/office/drawing/2014/main" id="{B3A8919F-5C88-5B73-BB63-9C455BE624F7}"/>
+                <a16:creationId xmlns:a16="http://schemas.microsoft.com/office/drawing/2014/main" id="{EDE32EB2-40B3-2895-E696-765474262A1D}"/>
               </a:ext>
             </a:extLst>
           </p:cNvPr>
@@ -10161,14 +10176,47 @@
           <a:bodyPr/>
           <a:lstStyle/>
           <a:p>
-            <a:endParaRPr lang="en-US"/>
+            <a:r>
+              <a:rPr lang="en-US" dirty="0"/>
+              <a:t>Values: Results, Data</a:t>
+            </a:r>
+          </a:p>
+          <a:p>
+            <a:r>
+              <a:rPr lang="en-US" dirty="0"/>
+              <a:t>References: Indirection, storage locations</a:t>
+            </a:r>
+          </a:p>
+          <a:p>
+            <a:r>
+              <a:rPr lang="en-US" dirty="0"/>
+              <a:t>Expressions: Computations that can be evaluated for a value</a:t>
+            </a:r>
+          </a:p>
+          <a:p>
+            <a:r>
+              <a:rPr lang="en-US" dirty="0"/>
+              <a:t>Patterns: Used to match values in conditional expressions</a:t>
+            </a:r>
+          </a:p>
+          <a:p>
+            <a:r>
+              <a:rPr lang="en-US" dirty="0"/>
+              <a:t>Definitions: Introduce names (variables, functions)</a:t>
+            </a:r>
+          </a:p>
+          <a:p>
+            <a:r>
+              <a:rPr lang="en-US" dirty="0"/>
+              <a:t>Statements: Run for side-effects, not return values</a:t>
+            </a:r>
           </a:p>
         </p:txBody>
       </p:sp>
     </p:spTree>
     <p:extLst>
       <p:ext uri="{BB962C8B-B14F-4D97-AF65-F5344CB8AC3E}">
-        <p14:creationId xmlns:p14="http://schemas.microsoft.com/office/powerpoint/2010/main" val="1825242927"/>
+        <p14:creationId xmlns:p14="http://schemas.microsoft.com/office/powerpoint/2010/main" val="840174021"/>
       </p:ext>
     </p:extLst>
   </p:cSld>
@@ -10218,6 +10266,89 @@
           <a:p>
             <a:r>
               <a:rPr lang="en-US" dirty="0"/>
+              <a:t>Section: Types</a:t>
+            </a:r>
+          </a:p>
+        </p:txBody>
+      </p:sp>
+      <p:sp>
+        <p:nvSpPr>
+          <p:cNvPr id="3" name="Content Placeholder 2">
+            <a:extLst>
+              <a:ext uri="{FF2B5EF4-FFF2-40B4-BE49-F238E27FC236}">
+                <a16:creationId xmlns:a16="http://schemas.microsoft.com/office/drawing/2014/main" id="{B3A8919F-5C88-5B73-BB63-9C455BE624F7}"/>
+              </a:ext>
+            </a:extLst>
+          </p:cNvPr>
+          <p:cNvSpPr>
+            <a:spLocks noGrp="1"/>
+          </p:cNvSpPr>
+          <p:nvPr>
+            <p:ph idx="1"/>
+          </p:nvPr>
+        </p:nvSpPr>
+        <p:spPr/>
+        <p:txBody>
+          <a:bodyPr/>
+          <a:lstStyle/>
+          <a:p>
+            <a:endParaRPr lang="en-US"/>
+          </a:p>
+        </p:txBody>
+      </p:sp>
+    </p:spTree>
+    <p:extLst>
+      <p:ext uri="{BB962C8B-B14F-4D97-AF65-F5344CB8AC3E}">
+        <p14:creationId xmlns:p14="http://schemas.microsoft.com/office/powerpoint/2010/main" val="1825242927"/>
+      </p:ext>
+    </p:extLst>
+  </p:cSld>
+  <p:clrMapOvr>
+    <a:masterClrMapping/>
+  </p:clrMapOvr>
+</p:sld>
+</file>
+
+<file path=ppt/slides/slide43.xml><?xml version="1.0" encoding="utf-8"?>
+<p:sld xmlns:a="http://schemas.openxmlformats.org/drawingml/2006/main" xmlns:r="http://schemas.openxmlformats.org/officeDocument/2006/relationships" xmlns:p="http://schemas.openxmlformats.org/presentationml/2006/main">
+  <p:cSld>
+    <p:spTree>
+      <p:nvGrpSpPr>
+        <p:cNvPr id="1" name=""/>
+        <p:cNvGrpSpPr/>
+        <p:nvPr/>
+      </p:nvGrpSpPr>
+      <p:grpSpPr>
+        <a:xfrm>
+          <a:off x="0" y="0"/>
+          <a:ext cx="0" cy="0"/>
+          <a:chOff x="0" y="0"/>
+          <a:chExt cx="0" cy="0"/>
+        </a:xfrm>
+      </p:grpSpPr>
+      <p:sp>
+        <p:nvSpPr>
+          <p:cNvPr id="2" name="Title 1">
+            <a:extLst>
+              <a:ext uri="{FF2B5EF4-FFF2-40B4-BE49-F238E27FC236}">
+                <a16:creationId xmlns:a16="http://schemas.microsoft.com/office/drawing/2014/main" id="{A6967117-4DE7-96A1-4125-134A7726550C}"/>
+              </a:ext>
+            </a:extLst>
+          </p:cNvPr>
+          <p:cNvSpPr>
+            <a:spLocks noGrp="1"/>
+          </p:cNvSpPr>
+          <p:nvPr>
+            <p:ph type="title"/>
+          </p:nvPr>
+        </p:nvSpPr>
+        <p:spPr/>
+        <p:txBody>
+          <a:bodyPr/>
+          <a:lstStyle/>
+          <a:p>
+            <a:r>
+              <a:rPr lang="en-US" dirty="0"/>
               <a:t>Why Care About Types</a:t>
             </a:r>
           </a:p>
@@ -10295,7 +10426,7 @@
 </p:sld>
 </file>
 
-<file path=ppt/slides/slide43.xml><?xml version="1.0" encoding="utf-8"?>
+<file path=ppt/slides/slide44.xml><?xml version="1.0" encoding="utf-8"?>
 <p:sld xmlns:a="http://schemas.openxmlformats.org/drawingml/2006/main" xmlns:r="http://schemas.openxmlformats.org/officeDocument/2006/relationships" xmlns:p="http://schemas.openxmlformats.org/presentationml/2006/main">
   <p:cSld>
     <p:spTree>
@@ -10847,7 +10978,7 @@
 </p:sld>
 </file>
 
-<file path=ppt/slides/slide44.xml><?xml version="1.0" encoding="utf-8"?>
+<file path=ppt/slides/slide45.xml><?xml version="1.0" encoding="utf-8"?>
 <p:sld xmlns:a="http://schemas.openxmlformats.org/drawingml/2006/main" xmlns:r="http://schemas.openxmlformats.org/officeDocument/2006/relationships" xmlns:p="http://schemas.openxmlformats.org/presentationml/2006/main">
   <p:cSld>
     <p:spTree>
@@ -11118,127 +11249,6 @@
 </p:sld>
 </file>
 
-<file path=ppt/slides/slide45.xml><?xml version="1.0" encoding="utf-8"?>
-<p:sld xmlns:a="http://schemas.openxmlformats.org/drawingml/2006/main" xmlns:r="http://schemas.openxmlformats.org/officeDocument/2006/relationships" xmlns:p="http://schemas.openxmlformats.org/presentationml/2006/main">
-  <p:cSld>
-    <p:spTree>
-      <p:nvGrpSpPr>
-        <p:cNvPr id="1" name=""/>
-        <p:cNvGrpSpPr/>
-        <p:nvPr/>
-      </p:nvGrpSpPr>
-      <p:grpSpPr>
-        <a:xfrm>
-          <a:off x="0" y="0"/>
-          <a:ext cx="0" cy="0"/>
-          <a:chOff x="0" y="0"/>
-          <a:chExt cx="0" cy="0"/>
-        </a:xfrm>
-      </p:grpSpPr>
-      <p:sp>
-        <p:nvSpPr>
-          <p:cNvPr id="2" name="Title 1">
-            <a:extLst>
-              <a:ext uri="{FF2B5EF4-FFF2-40B4-BE49-F238E27FC236}">
-                <a16:creationId xmlns:a16="http://schemas.microsoft.com/office/drawing/2014/main" id="{A000E8E4-E8FF-BB77-9EC3-039CB10B31EE}"/>
-              </a:ext>
-            </a:extLst>
-          </p:cNvPr>
-          <p:cNvSpPr>
-            <a:spLocks noGrp="1"/>
-          </p:cNvSpPr>
-          <p:nvPr>
-            <p:ph type="title"/>
-          </p:nvPr>
-        </p:nvSpPr>
-        <p:spPr/>
-        <p:txBody>
-          <a:bodyPr/>
-          <a:lstStyle/>
-          <a:p>
-            <a:r>
-              <a:rPr lang="en-US" dirty="0"/>
-              <a:t>Compound Types: Tuples</a:t>
-            </a:r>
-          </a:p>
-        </p:txBody>
-      </p:sp>
-      <p:sp>
-        <p:nvSpPr>
-          <p:cNvPr id="3" name="Content Placeholder 2">
-            <a:extLst>
-              <a:ext uri="{FF2B5EF4-FFF2-40B4-BE49-F238E27FC236}">
-                <a16:creationId xmlns:a16="http://schemas.microsoft.com/office/drawing/2014/main" id="{225A148C-93F0-AB68-CECE-04E5CDE79EC5}"/>
-              </a:ext>
-            </a:extLst>
-          </p:cNvPr>
-          <p:cNvSpPr>
-            <a:spLocks noGrp="1"/>
-          </p:cNvSpPr>
-          <p:nvPr>
-            <p:ph idx="1"/>
-          </p:nvPr>
-        </p:nvSpPr>
-        <p:spPr/>
-        <p:txBody>
-          <a:bodyPr/>
-          <a:lstStyle/>
-          <a:p>
-            <a:r>
-              <a:rPr lang="en-US" dirty="0"/>
-              <a:t>Tuple types use the same syntax as tuple expressions</a:t>
-            </a:r>
-          </a:p>
-          <a:p>
-            <a:r>
-              <a:rPr lang="en-US" dirty="0"/>
-              <a:t>Tuple expression (e1, …, </a:t>
-            </a:r>
-            <a:r>
-              <a:rPr lang="en-US" dirty="0" err="1"/>
-              <a:t>eN</a:t>
-            </a:r>
-            <a:r>
-              <a:rPr lang="en-US" dirty="0"/>
-              <a:t>) has type (t1, …, </a:t>
-            </a:r>
-            <a:r>
-              <a:rPr lang="en-US" dirty="0" err="1"/>
-              <a:t>tN</a:t>
-            </a:r>
-            <a:r>
-              <a:rPr lang="en-US" dirty="0"/>
-              <a:t>) if each </a:t>
-            </a:r>
-            <a:r>
-              <a:rPr lang="en-US" dirty="0" err="1"/>
-              <a:t>eI</a:t>
-            </a:r>
-            <a:r>
-              <a:rPr lang="en-US" dirty="0"/>
-              <a:t> has type </a:t>
-            </a:r>
-            <a:r>
-              <a:rPr lang="en-US" dirty="0" err="1"/>
-              <a:t>tI</a:t>
-            </a:r>
-            <a:endParaRPr lang="en-US" dirty="0"/>
-          </a:p>
-        </p:txBody>
-      </p:sp>
-    </p:spTree>
-    <p:extLst>
-      <p:ext uri="{BB962C8B-B14F-4D97-AF65-F5344CB8AC3E}">
-        <p14:creationId xmlns:p14="http://schemas.microsoft.com/office/powerpoint/2010/main" val="1393741523"/>
-      </p:ext>
-    </p:extLst>
-  </p:cSld>
-  <p:clrMapOvr>
-    <a:masterClrMapping/>
-  </p:clrMapOvr>
-</p:sld>
-</file>
-
 <file path=ppt/slides/slide46.xml><?xml version="1.0" encoding="utf-8"?>
 <p:sld xmlns:a="http://schemas.openxmlformats.org/drawingml/2006/main" xmlns:r="http://schemas.openxmlformats.org/officeDocument/2006/relationships" xmlns:p="http://schemas.openxmlformats.org/presentationml/2006/main">
   <p:cSld>
@@ -11261,7 +11271,7 @@
           <p:cNvPr id="2" name="Title 1">
             <a:extLst>
               <a:ext uri="{FF2B5EF4-FFF2-40B4-BE49-F238E27FC236}">
-                <a16:creationId xmlns:a16="http://schemas.microsoft.com/office/drawing/2014/main" id="{011E52C3-3A59-3505-CE12-E62765BF6AE3}"/>
+                <a16:creationId xmlns:a16="http://schemas.microsoft.com/office/drawing/2014/main" id="{A000E8E4-E8FF-BB77-9EC3-039CB10B31EE}"/>
               </a:ext>
             </a:extLst>
           </p:cNvPr>
@@ -11279,7 +11289,7 @@
           <a:p>
             <a:r>
               <a:rPr lang="en-US" dirty="0"/>
-              <a:t>Compound Types: Arrays + Slices</a:t>
+              <a:t>Compound Types: Tuples</a:t>
             </a:r>
           </a:p>
         </p:txBody>
@@ -11289,7 +11299,7 @@
           <p:cNvPr id="3" name="Content Placeholder 2">
             <a:extLst>
               <a:ext uri="{FF2B5EF4-FFF2-40B4-BE49-F238E27FC236}">
-                <a16:creationId xmlns:a16="http://schemas.microsoft.com/office/drawing/2014/main" id="{6CF0DBE1-5401-D48B-EE21-575399F28A79}"/>
+                <a16:creationId xmlns:a16="http://schemas.microsoft.com/office/drawing/2014/main" id="{225A148C-93F0-AB68-CECE-04E5CDE79EC5}"/>
               </a:ext>
             </a:extLst>
           </p:cNvPr>
@@ -11302,115 +11312,47 @@
         </p:nvSpPr>
         <p:spPr/>
         <p:txBody>
-          <a:bodyPr>
-            <a:normAutofit lnSpcReduction="10000"/>
-          </a:bodyPr>
-          <a:lstStyle/>
-          <a:p>
-            <a:r>
-              <a:rPr lang="en-US" dirty="0"/>
-              <a:t>Affine typing challenge: How do you ensure each array element has one user at a time? Different elements could have different users</a:t>
-            </a:r>
-          </a:p>
-          <a:p>
-            <a:r>
-              <a:rPr lang="en-US" dirty="0"/>
-              <a:t>Typing challenge: What is an array anyway?</a:t>
-            </a:r>
-          </a:p>
-          <a:p>
-            <a:r>
-              <a:rPr lang="en-US" dirty="0"/>
-              <a:t>Many different array types. We often use:</a:t>
-            </a:r>
-          </a:p>
-          <a:p>
-            <a:pPr lvl="1"/>
-            <a:r>
-              <a:rPr lang="en-US" dirty="0" err="1">
-                <a:latin typeface="Consolas" panose="020B0609020204030204" pitchFamily="49" charset="0"/>
-              </a:rPr>
-              <a:t>Vec</a:t>
-            </a:r>
-            <a:r>
-              <a:rPr lang="en-US" dirty="0">
-                <a:latin typeface="Consolas" panose="020B0609020204030204" pitchFamily="49" charset="0"/>
-              </a:rPr>
-              <a:t>&lt;t&gt;</a:t>
-            </a:r>
-            <a:r>
-              <a:rPr lang="en-US" dirty="0"/>
-              <a:t> a dynamic-length array of elements of type t</a:t>
-            </a:r>
-          </a:p>
-          <a:p>
-            <a:pPr lvl="1"/>
-            <a:r>
-              <a:rPr lang="en-US" dirty="0">
-                <a:latin typeface="Consolas" panose="020B0609020204030204" pitchFamily="49" charset="0"/>
-              </a:rPr>
-              <a:t>&amp;[t]</a:t>
-            </a:r>
-            <a:r>
-              <a:rPr lang="en-US" dirty="0"/>
-              <a:t> a </a:t>
-            </a:r>
-            <a:r>
-              <a:rPr lang="en-US" b="1" i="1" dirty="0"/>
-              <a:t>slice</a:t>
-            </a:r>
-            <a:r>
-              <a:rPr lang="en-US" dirty="0"/>
-              <a:t> of elements of type t</a:t>
-            </a:r>
-            <a:endParaRPr lang="en-US" i="1" dirty="0"/>
-          </a:p>
-          <a:p>
-            <a:pPr lvl="2"/>
-            <a:r>
-              <a:rPr lang="en-US" dirty="0"/>
-              <a:t>A slice is less powerful than an array. It just lets us access elements</a:t>
-            </a:r>
-          </a:p>
-          <a:p>
-            <a:pPr lvl="2"/>
-            <a:r>
-              <a:rPr lang="en-US" dirty="0"/>
-              <a:t>Idea: An array can be divided into multiple slices with separate users</a:t>
-            </a:r>
-          </a:p>
-          <a:p>
-            <a:r>
-              <a:rPr lang="en-US" dirty="0"/>
-              <a:t>We don’t really use: </a:t>
-            </a:r>
-            <a:r>
-              <a:rPr lang="en-US" dirty="0">
-                <a:latin typeface="Consolas" panose="020B0609020204030204" pitchFamily="49" charset="0"/>
-              </a:rPr>
-              <a:t>[</a:t>
-            </a:r>
-            <a:r>
-              <a:rPr lang="en-US" dirty="0" err="1">
-                <a:latin typeface="Consolas" panose="020B0609020204030204" pitchFamily="49" charset="0"/>
-              </a:rPr>
-              <a:t>t;N</a:t>
-            </a:r>
-            <a:r>
-              <a:rPr lang="en-US" dirty="0">
-                <a:latin typeface="Consolas" panose="020B0609020204030204" pitchFamily="49" charset="0"/>
-              </a:rPr>
-              <a:t>]</a:t>
-            </a:r>
-            <a:r>
-              <a:rPr lang="en-US" dirty="0"/>
-              <a:t> fixed-length array of N elements</a:t>
-            </a:r>
-          </a:p>
-          <a:p>
-            <a:endParaRPr lang="en-US" dirty="0"/>
-          </a:p>
-          <a:p>
+          <a:bodyPr/>
+          <a:lstStyle/>
+          <a:p>
+            <a:r>
+              <a:rPr lang="en-US" dirty="0"/>
+              <a:t>Tuple types use the same syntax as tuple expressions</a:t>
+            </a:r>
+          </a:p>
+          <a:p>
+            <a:r>
+              <a:rPr lang="en-US" dirty="0"/>
+              <a:t>Tuple expression (e1, …, </a:t>
+            </a:r>
+            <a:r>
+              <a:rPr lang="en-US" dirty="0" err="1"/>
+              <a:t>eN</a:t>
+            </a:r>
+            <a:r>
+              <a:rPr lang="en-US" dirty="0"/>
+              <a:t>) has type (t1, …, </a:t>
+            </a:r>
+            <a:r>
+              <a:rPr lang="en-US" dirty="0" err="1"/>
+              <a:t>tN</a:t>
+            </a:r>
+            <a:r>
+              <a:rPr lang="en-US" dirty="0"/>
+              <a:t>) if each </a:t>
+            </a:r>
+            <a:r>
+              <a:rPr lang="en-US" dirty="0" err="1"/>
+              <a:t>eI</a:t>
+            </a:r>
+            <a:r>
+              <a:rPr lang="en-US" dirty="0"/>
+              <a:t> has type </a:t>
+            </a:r>
+            <a:r>
+              <a:rPr lang="en-US" dirty="0" err="1"/>
+              <a:t>tI</a:t>
+            </a:r>
             <a:endParaRPr lang="en-US" dirty="0"/>
           </a:p>
         </p:txBody>
@@ -11418,7 +11360,7 @@
     </p:spTree>
     <p:extLst>
       <p:ext uri="{BB962C8B-B14F-4D97-AF65-F5344CB8AC3E}">
-        <p14:creationId xmlns:p14="http://schemas.microsoft.com/office/powerpoint/2010/main" val="922336173"/>
+        <p14:creationId xmlns:p14="http://schemas.microsoft.com/office/powerpoint/2010/main" val="1393741523"/>
       </p:ext>
     </p:extLst>
   </p:cSld>
@@ -11450,7 +11392,7 @@
           <p:cNvPr id="2" name="Title 1">
             <a:extLst>
               <a:ext uri="{FF2B5EF4-FFF2-40B4-BE49-F238E27FC236}">
-                <a16:creationId xmlns:a16="http://schemas.microsoft.com/office/drawing/2014/main" id="{928D2BAE-76D9-C9BD-0B2F-9CDFA1B94CFE}"/>
+                <a16:creationId xmlns:a16="http://schemas.microsoft.com/office/drawing/2014/main" id="{011E52C3-3A59-3505-CE12-E62765BF6AE3}"/>
               </a:ext>
             </a:extLst>
           </p:cNvPr>
@@ -11468,7 +11410,7 @@
           <a:p>
             <a:r>
               <a:rPr lang="en-US" dirty="0"/>
-              <a:t>Reference Types &amp; Borrowing</a:t>
+              <a:t>Compound Types: Arrays + Slices</a:t>
             </a:r>
           </a:p>
         </p:txBody>
@@ -11478,7 +11420,7 @@
           <p:cNvPr id="3" name="Content Placeholder 2">
             <a:extLst>
               <a:ext uri="{FF2B5EF4-FFF2-40B4-BE49-F238E27FC236}">
-                <a16:creationId xmlns:a16="http://schemas.microsoft.com/office/drawing/2014/main" id="{47F6390D-1108-C895-3FCF-35D34744850A}"/>
+                <a16:creationId xmlns:a16="http://schemas.microsoft.com/office/drawing/2014/main" id="{6CF0DBE1-5401-D48B-EE21-575399F28A79}"/>
               </a:ext>
             </a:extLst>
           </p:cNvPr>
@@ -11491,64 +11433,123 @@
         </p:nvSpPr>
         <p:spPr/>
         <p:txBody>
-          <a:bodyPr/>
-          <a:lstStyle/>
-          <a:p>
-            <a:r>
-              <a:rPr lang="en-US" dirty="0"/>
-              <a:t>Affine types seem much too strict: “Can only use variable once”</a:t>
-            </a:r>
-          </a:p>
-          <a:p>
-            <a:pPr marL="0" indent="0">
-              <a:buNone/>
-            </a:pPr>
-            <a:r>
-              <a:rPr lang="en-US" dirty="0"/>
-              <a:t>What Rust actually does:</a:t>
+          <a:bodyPr>
+            <a:normAutofit lnSpcReduction="10000"/>
+          </a:bodyPr>
+          <a:lstStyle/>
+          <a:p>
+            <a:r>
+              <a:rPr lang="en-US" dirty="0"/>
+              <a:t>Affine typing challenge: How do you ensure each array element has one user at a time? Different elements could have different users</a:t>
+            </a:r>
+          </a:p>
+          <a:p>
+            <a:r>
+              <a:rPr lang="en-US" dirty="0"/>
+              <a:t>Typing challenge: What is an array anyway?</a:t>
+            </a:r>
+          </a:p>
+          <a:p>
+            <a:r>
+              <a:rPr lang="en-US" dirty="0"/>
+              <a:t>Many different array types. We often use:</a:t>
             </a:r>
           </a:p>
           <a:p>
             <a:pPr lvl="1"/>
             <a:r>
-              <a:rPr lang="en-US" dirty="0"/>
-              <a:t>Depends on the type – some types support automatic copying</a:t>
+              <a:rPr lang="en-US" dirty="0" err="1">
+                <a:latin typeface="Consolas" panose="020B0609020204030204" pitchFamily="49" charset="0"/>
+              </a:rPr>
+              <a:t>Vec</a:t>
+            </a:r>
+            <a:r>
+              <a:rPr lang="en-US" dirty="0">
+                <a:latin typeface="Consolas" panose="020B0609020204030204" pitchFamily="49" charset="0"/>
+              </a:rPr>
+              <a:t>&lt;t&gt;</a:t>
+            </a:r>
+            <a:r>
+              <a:rPr lang="en-US" dirty="0"/>
+              <a:t> a dynamic-length array of elements of type t</a:t>
             </a:r>
           </a:p>
           <a:p>
             <a:pPr lvl="1"/>
             <a:r>
-              <a:rPr lang="en-US" dirty="0"/>
-              <a:t>References allow reusing variables</a:t>
-            </a:r>
-          </a:p>
-          <a:p>
-            <a:pPr lvl="1"/>
-            <a:r>
-              <a:rPr lang="en-US" dirty="0"/>
-              <a:t>As long as the borrowing rules are followed</a:t>
-            </a:r>
-          </a:p>
-          <a:p>
-            <a:pPr lvl="1"/>
-            <a:r>
-              <a:rPr lang="en-US" dirty="0"/>
-              <a:t>The borrow-checker, which implements these rules, is known for being the hardest part of Rust to learn</a:t>
-            </a:r>
-          </a:p>
-          <a:p>
-            <a:pPr lvl="1"/>
-            <a:r>
-              <a:rPr lang="en-US" dirty="0"/>
-              <a:t>But there is a simple rule that covers most cases!</a:t>
-            </a:r>
+              <a:rPr lang="en-US" dirty="0">
+                <a:latin typeface="Consolas" panose="020B0609020204030204" pitchFamily="49" charset="0"/>
+              </a:rPr>
+              <a:t>&amp;[t]</a:t>
+            </a:r>
+            <a:r>
+              <a:rPr lang="en-US" dirty="0"/>
+              <a:t> a </a:t>
+            </a:r>
+            <a:r>
+              <a:rPr lang="en-US" b="1" i="1" dirty="0"/>
+              <a:t>slice</a:t>
+            </a:r>
+            <a:r>
+              <a:rPr lang="en-US" dirty="0"/>
+              <a:t> of elements of type t</a:t>
+            </a:r>
+            <a:endParaRPr lang="en-US" i="1" dirty="0"/>
+          </a:p>
+          <a:p>
+            <a:pPr lvl="2"/>
+            <a:r>
+              <a:rPr lang="en-US" dirty="0"/>
+              <a:t>A slice is less powerful than an array. It just lets us access elements</a:t>
+            </a:r>
+          </a:p>
+          <a:p>
+            <a:pPr lvl="2"/>
+            <a:r>
+              <a:rPr lang="en-US" dirty="0"/>
+              <a:t>Idea: An array can be divided into multiple slices with separate users</a:t>
+            </a:r>
+          </a:p>
+          <a:p>
+            <a:r>
+              <a:rPr lang="en-US" dirty="0"/>
+              <a:t>We don’t really use: </a:t>
+            </a:r>
+            <a:r>
+              <a:rPr lang="en-US" dirty="0">
+                <a:latin typeface="Consolas" panose="020B0609020204030204" pitchFamily="49" charset="0"/>
+              </a:rPr>
+              <a:t>[</a:t>
+            </a:r>
+            <a:r>
+              <a:rPr lang="en-US" dirty="0" err="1">
+                <a:latin typeface="Consolas" panose="020B0609020204030204" pitchFamily="49" charset="0"/>
+              </a:rPr>
+              <a:t>t;N</a:t>
+            </a:r>
+            <a:r>
+              <a:rPr lang="en-US" dirty="0">
+                <a:latin typeface="Consolas" panose="020B0609020204030204" pitchFamily="49" charset="0"/>
+              </a:rPr>
+              <a:t>]</a:t>
+            </a:r>
+            <a:r>
+              <a:rPr lang="en-US" dirty="0"/>
+              <a:t> fixed-length array of N elements</a:t>
+            </a:r>
+          </a:p>
+          <a:p>
+            <a:endParaRPr lang="en-US" dirty="0"/>
+          </a:p>
+          <a:p>
+            <a:endParaRPr lang="en-US" dirty="0"/>
           </a:p>
         </p:txBody>
       </p:sp>
     </p:spTree>
     <p:extLst>
       <p:ext uri="{BB962C8B-B14F-4D97-AF65-F5344CB8AC3E}">
-        <p14:creationId xmlns:p14="http://schemas.microsoft.com/office/powerpoint/2010/main" val="1742182927"/>
+        <p14:creationId xmlns:p14="http://schemas.microsoft.com/office/powerpoint/2010/main" val="922336173"/>
       </p:ext>
     </p:extLst>
   </p:cSld>
@@ -11580,7 +11581,7 @@
           <p:cNvPr id="2" name="Title 1">
             <a:extLst>
               <a:ext uri="{FF2B5EF4-FFF2-40B4-BE49-F238E27FC236}">
-                <a16:creationId xmlns:a16="http://schemas.microsoft.com/office/drawing/2014/main" id="{47CCAEDE-D0BB-3332-AA41-101525A3C24B}"/>
+                <a16:creationId xmlns:a16="http://schemas.microsoft.com/office/drawing/2014/main" id="{928D2BAE-76D9-C9BD-0B2F-9CDFA1B94CFE}"/>
               </a:ext>
             </a:extLst>
           </p:cNvPr>
@@ -11598,15 +11599,7 @@
           <a:p>
             <a:r>
               <a:rPr lang="en-US" dirty="0"/>
-              <a:t>The </a:t>
-            </a:r>
-            <a:r>
-              <a:rPr lang="en-US" dirty="0" err="1"/>
-              <a:t>WOoRM</a:t>
-            </a:r>
-            <a:r>
-              <a:rPr lang="en-US" dirty="0"/>
-              <a:t> Rule</a:t>
+              <a:t>Reference Types &amp; Borrowing</a:t>
             </a:r>
           </a:p>
         </p:txBody>
@@ -11616,7 +11609,7 @@
           <p:cNvPr id="3" name="Content Placeholder 2">
             <a:extLst>
               <a:ext uri="{FF2B5EF4-FFF2-40B4-BE49-F238E27FC236}">
-                <a16:creationId xmlns:a16="http://schemas.microsoft.com/office/drawing/2014/main" id="{B7EE811B-83C4-1D8A-E29D-628C3480C470}"/>
+                <a16:creationId xmlns:a16="http://schemas.microsoft.com/office/drawing/2014/main" id="{47F6390D-1108-C895-3FCF-35D34744850A}"/>
               </a:ext>
             </a:extLst>
           </p:cNvPr>
@@ -11633,627 +11626,52 @@
           <a:lstStyle/>
           <a:p>
             <a:r>
-              <a:rPr lang="en-US" b="1" dirty="0"/>
-              <a:t>Rule:</a:t>
-            </a:r>
-            <a:r>
-              <a:rPr lang="en-US" dirty="0"/>
-              <a:t> Write Once, or Read Many</a:t>
-            </a:r>
-            <a:endParaRPr lang="en-US" b="1" dirty="0"/>
-          </a:p>
-        </p:txBody>
-      </p:sp>
-      <p:sp>
-        <p:nvSpPr>
-          <p:cNvPr id="5" name="TextBox 4">
-            <a:extLst>
-              <a:ext uri="{FF2B5EF4-FFF2-40B4-BE49-F238E27FC236}">
-                <a16:creationId xmlns:a16="http://schemas.microsoft.com/office/drawing/2014/main" id="{35CD8B22-F0F6-371F-44FF-C1AD1D641059}"/>
-              </a:ext>
-            </a:extLst>
-          </p:cNvPr>
-          <p:cNvSpPr txBox="1"/>
-          <p:nvPr/>
-        </p:nvSpPr>
-        <p:spPr>
-          <a:xfrm>
-            <a:off x="1097280" y="6456713"/>
-            <a:ext cx="9473665" cy="369332"/>
-          </a:xfrm>
-          <a:prstGeom prst="rect">
-            <a:avLst/>
-          </a:prstGeom>
-          <a:noFill/>
-        </p:spPr>
-        <p:txBody>
-          <a:bodyPr wrap="square">
-            <a:spAutoFit/>
-          </a:bodyPr>
-          <a:lstStyle/>
-          <a:p>
-            <a:r>
-              <a:rPr lang="en-US" dirty="0"/>
-              <a:t>https://www.vecteezy.com/vector-art/7528312-worm-cartoon-colored-clipart-illustration</a:t>
-            </a:r>
-          </a:p>
-        </p:txBody>
-      </p:sp>
-      <p:pic>
-        <p:nvPicPr>
-          <p:cNvPr id="7" name="Picture 6">
-            <a:extLst>
-              <a:ext uri="{FF2B5EF4-FFF2-40B4-BE49-F238E27FC236}">
-                <a16:creationId xmlns:a16="http://schemas.microsoft.com/office/drawing/2014/main" id="{10268DEF-7DF7-3E9C-EBE7-520EFFAE1681}"/>
-              </a:ext>
-            </a:extLst>
-          </p:cNvPr>
-          <p:cNvPicPr>
-            <a:picLocks noChangeAspect="1"/>
-          </p:cNvPicPr>
-          <p:nvPr/>
-        </p:nvPicPr>
-        <p:blipFill>
-          <a:blip r:embed="rId2"/>
-          <a:stretch>
-            <a:fillRect/>
-          </a:stretch>
-        </p:blipFill>
-        <p:spPr>
-          <a:xfrm>
-            <a:off x="9980762" y="1936955"/>
-            <a:ext cx="1885754" cy="1666568"/>
-          </a:xfrm>
-          <a:prstGeom prst="rect">
-            <a:avLst/>
-          </a:prstGeom>
-        </p:spPr>
-      </p:pic>
-      <p:sp>
-        <p:nvSpPr>
-          <p:cNvPr id="8" name="TextBox 7">
-            <a:extLst>
-              <a:ext uri="{FF2B5EF4-FFF2-40B4-BE49-F238E27FC236}">
-                <a16:creationId xmlns:a16="http://schemas.microsoft.com/office/drawing/2014/main" id="{7AFB0329-B78D-06FF-65EA-86583EC759C3}"/>
-              </a:ext>
-            </a:extLst>
-          </p:cNvPr>
-          <p:cNvSpPr txBox="1"/>
-          <p:nvPr/>
-        </p:nvSpPr>
-        <p:spPr>
-          <a:xfrm>
-            <a:off x="434851" y="3508440"/>
-            <a:ext cx="2310581" cy="1200329"/>
-          </a:xfrm>
-          <a:prstGeom prst="rect">
-            <a:avLst/>
-          </a:prstGeom>
-          <a:noFill/>
-        </p:spPr>
-        <p:txBody>
-          <a:bodyPr wrap="square" rtlCol="0">
-            <a:spAutoFit/>
-          </a:bodyPr>
-          <a:lstStyle/>
-          <a:p>
-            <a:r>
-              <a:rPr lang="en-US" dirty="0">
-                <a:latin typeface="Consolas" panose="020B0609020204030204" pitchFamily="49" charset="0"/>
-              </a:rPr>
-              <a:t>let mut x = 5;</a:t>
-            </a:r>
-          </a:p>
-          <a:p>
-            <a:r>
-              <a:rPr lang="en-US" dirty="0">
-                <a:latin typeface="Consolas" panose="020B0609020204030204" pitchFamily="49" charset="0"/>
-              </a:rPr>
-              <a:t>let r1 = &amp;mut x;</a:t>
-            </a:r>
-          </a:p>
-          <a:p>
-            <a:r>
-              <a:rPr lang="en-US" dirty="0">
-                <a:latin typeface="Consolas" panose="020B0609020204030204" pitchFamily="49" charset="0"/>
-              </a:rPr>
-              <a:t>let r2 = &amp;mut x;</a:t>
-            </a:r>
-          </a:p>
-          <a:p>
-            <a:r>
-              <a:rPr lang="en-US" dirty="0">
-                <a:latin typeface="Consolas" panose="020B0609020204030204" pitchFamily="49" charset="0"/>
-              </a:rPr>
-              <a:t>*r1 = *r2 + 1;</a:t>
-            </a:r>
-          </a:p>
-        </p:txBody>
-      </p:sp>
-      <p:sp>
-        <p:nvSpPr>
-          <p:cNvPr id="9" name="TextBox 8">
-            <a:extLst>
-              <a:ext uri="{FF2B5EF4-FFF2-40B4-BE49-F238E27FC236}">
-                <a16:creationId xmlns:a16="http://schemas.microsoft.com/office/drawing/2014/main" id="{0F1CBEB0-32E1-7644-A986-0D0286899707}"/>
-              </a:ext>
-            </a:extLst>
-          </p:cNvPr>
-          <p:cNvSpPr txBox="1"/>
-          <p:nvPr/>
-        </p:nvSpPr>
-        <p:spPr>
-          <a:xfrm>
-            <a:off x="3131884" y="3029493"/>
-            <a:ext cx="2164114" cy="1754326"/>
-          </a:xfrm>
-          <a:prstGeom prst="rect">
-            <a:avLst/>
-          </a:prstGeom>
-          <a:noFill/>
-        </p:spPr>
-        <p:txBody>
-          <a:bodyPr wrap="square" rtlCol="0">
-            <a:spAutoFit/>
-          </a:bodyPr>
-          <a:lstStyle/>
-          <a:p>
-            <a:r>
-              <a:rPr lang="en-US" dirty="0">
-                <a:latin typeface="Consolas" panose="020B0609020204030204" pitchFamily="49" charset="0"/>
-              </a:rPr>
-              <a:t>let mut x = 5;</a:t>
-            </a:r>
-          </a:p>
-          <a:p>
-            <a:r>
-              <a:rPr lang="en-US" dirty="0">
-                <a:latin typeface="Consolas" panose="020B0609020204030204" pitchFamily="49" charset="0"/>
-              </a:rPr>
-              <a:t>let </a:t>
-            </a:r>
-            <a:r>
-              <a:rPr lang="en-US" dirty="0" err="1">
-                <a:latin typeface="Consolas" panose="020B0609020204030204" pitchFamily="49" charset="0"/>
-              </a:rPr>
-              <a:t>imm</a:t>
-            </a:r>
-            <a:r>
-              <a:rPr lang="en-US" dirty="0">
-                <a:latin typeface="Consolas" panose="020B0609020204030204" pitchFamily="49" charset="0"/>
-              </a:rPr>
-              <a:t> = &amp;x;</a:t>
-            </a:r>
-          </a:p>
-          <a:p>
-            <a:r>
-              <a:rPr lang="en-US" dirty="0">
-                <a:latin typeface="Consolas" panose="020B0609020204030204" pitchFamily="49" charset="0"/>
-              </a:rPr>
-              <a:t>let r = &amp;mut x;</a:t>
-            </a:r>
-          </a:p>
-          <a:p>
-            <a:r>
-              <a:rPr lang="en-US" dirty="0">
-                <a:latin typeface="Consolas" panose="020B0609020204030204" pitchFamily="49" charset="0"/>
-              </a:rPr>
-              <a:t>let x1 = &amp;</a:t>
-            </a:r>
-            <a:r>
-              <a:rPr lang="en-US" dirty="0" err="1">
-                <a:latin typeface="Consolas" panose="020B0609020204030204" pitchFamily="49" charset="0"/>
-              </a:rPr>
-              <a:t>imm</a:t>
-            </a:r>
-            <a:r>
-              <a:rPr lang="en-US" dirty="0">
-                <a:latin typeface="Consolas" panose="020B0609020204030204" pitchFamily="49" charset="0"/>
-              </a:rPr>
-              <a:t>;</a:t>
-            </a:r>
-          </a:p>
-          <a:p>
-            <a:r>
-              <a:rPr lang="en-US" dirty="0">
-                <a:latin typeface="Consolas" panose="020B0609020204030204" pitchFamily="49" charset="0"/>
-              </a:rPr>
-              <a:t>r = x + 1;</a:t>
-            </a:r>
-          </a:p>
-          <a:p>
-            <a:r>
-              <a:rPr lang="en-US" dirty="0">
-                <a:latin typeface="Consolas" panose="020B0609020204030204" pitchFamily="49" charset="0"/>
-              </a:rPr>
-              <a:t>let x2 = *</a:t>
-            </a:r>
-            <a:r>
-              <a:rPr lang="en-US" dirty="0" err="1">
-                <a:latin typeface="Consolas" panose="020B0609020204030204" pitchFamily="49" charset="0"/>
-              </a:rPr>
-              <a:t>imm</a:t>
-            </a:r>
-            <a:r>
-              <a:rPr lang="en-US" dirty="0">
-                <a:latin typeface="Consolas" panose="020B0609020204030204" pitchFamily="49" charset="0"/>
-              </a:rPr>
-              <a:t>;</a:t>
-            </a:r>
-          </a:p>
-        </p:txBody>
-      </p:sp>
-      <p:sp>
-        <p:nvSpPr>
-          <p:cNvPr id="10" name="TextBox 9">
-            <a:extLst>
-              <a:ext uri="{FF2B5EF4-FFF2-40B4-BE49-F238E27FC236}">
-                <a16:creationId xmlns:a16="http://schemas.microsoft.com/office/drawing/2014/main" id="{15F2E18F-507F-45D9-9CCD-1BE87A97BA37}"/>
-              </a:ext>
-            </a:extLst>
-          </p:cNvPr>
-          <p:cNvSpPr txBox="1"/>
-          <p:nvPr/>
-        </p:nvSpPr>
-        <p:spPr>
-          <a:xfrm>
-            <a:off x="6068902" y="3540333"/>
-            <a:ext cx="1885754" cy="1200329"/>
-          </a:xfrm>
-          <a:prstGeom prst="rect">
-            <a:avLst/>
-          </a:prstGeom>
-          <a:noFill/>
-        </p:spPr>
-        <p:txBody>
-          <a:bodyPr wrap="square" rtlCol="0">
-            <a:spAutoFit/>
-          </a:bodyPr>
-          <a:lstStyle/>
-          <a:p>
-            <a:r>
-              <a:rPr lang="en-US" dirty="0">
-                <a:latin typeface="Consolas" panose="020B0609020204030204" pitchFamily="49" charset="0"/>
-              </a:rPr>
-              <a:t>let x = 5;</a:t>
-            </a:r>
-          </a:p>
-          <a:p>
-            <a:r>
-              <a:rPr lang="en-US" dirty="0">
-                <a:latin typeface="Consolas" panose="020B0609020204030204" pitchFamily="49" charset="0"/>
-              </a:rPr>
-              <a:t>let ir1 = &amp;x;</a:t>
-            </a:r>
-          </a:p>
-          <a:p>
-            <a:r>
-              <a:rPr lang="en-US" dirty="0">
-                <a:latin typeface="Consolas" panose="020B0609020204030204" pitchFamily="49" charset="0"/>
-              </a:rPr>
-              <a:t>let ir2 = &amp;x;</a:t>
-            </a:r>
-          </a:p>
-          <a:p>
-            <a:r>
-              <a:rPr lang="en-US" dirty="0">
-                <a:latin typeface="Consolas" panose="020B0609020204030204" pitchFamily="49" charset="0"/>
-              </a:rPr>
-              <a:t>f(ir1,ir2);</a:t>
-            </a:r>
-          </a:p>
-        </p:txBody>
-      </p:sp>
-      <p:sp>
-        <p:nvSpPr>
-          <p:cNvPr id="11" name="TextBox 10">
-            <a:extLst>
-              <a:ext uri="{FF2B5EF4-FFF2-40B4-BE49-F238E27FC236}">
-                <a16:creationId xmlns:a16="http://schemas.microsoft.com/office/drawing/2014/main" id="{D8FB04D1-7010-D246-30E5-63935B629304}"/>
-              </a:ext>
-            </a:extLst>
-          </p:cNvPr>
-          <p:cNvSpPr txBox="1"/>
-          <p:nvPr/>
-        </p:nvSpPr>
-        <p:spPr>
-          <a:xfrm>
-            <a:off x="7941807" y="3711897"/>
-            <a:ext cx="2283997" cy="923330"/>
-          </a:xfrm>
-          <a:prstGeom prst="rect">
-            <a:avLst/>
-          </a:prstGeom>
-          <a:noFill/>
-        </p:spPr>
-        <p:txBody>
-          <a:bodyPr wrap="square" rtlCol="0">
-            <a:spAutoFit/>
-          </a:bodyPr>
-          <a:lstStyle/>
-          <a:p>
-            <a:r>
-              <a:rPr lang="en-US" dirty="0">
-                <a:latin typeface="Consolas" panose="020B0609020204030204" pitchFamily="49" charset="0"/>
-              </a:rPr>
-              <a:t>let mut x = 5;</a:t>
-            </a:r>
-          </a:p>
-          <a:p>
-            <a:r>
-              <a:rPr lang="en-US" dirty="0">
-                <a:latin typeface="Consolas" panose="020B0609020204030204" pitchFamily="49" charset="0"/>
-              </a:rPr>
-              <a:t>let r1 = &amp;mut x;</a:t>
-            </a:r>
-          </a:p>
-          <a:p>
-            <a:r>
-              <a:rPr lang="en-US" dirty="0">
-                <a:latin typeface="Consolas" panose="020B0609020204030204" pitchFamily="49" charset="0"/>
-              </a:rPr>
-              <a:t>*r1 = *r1 + 2</a:t>
-            </a:r>
-          </a:p>
-        </p:txBody>
-      </p:sp>
-      <p:pic>
-        <p:nvPicPr>
-          <p:cNvPr id="13" name="Picture 12">
-            <a:extLst>
-              <a:ext uri="{FF2B5EF4-FFF2-40B4-BE49-F238E27FC236}">
-                <a16:creationId xmlns:a16="http://schemas.microsoft.com/office/drawing/2014/main" id="{12B79BD5-5EDD-308A-4D7A-BBB3A61DC47A}"/>
-              </a:ext>
-            </a:extLst>
-          </p:cNvPr>
-          <p:cNvPicPr>
-            <a:picLocks noChangeAspect="1"/>
-          </p:cNvPicPr>
-          <p:nvPr/>
-        </p:nvPicPr>
-        <p:blipFill>
-          <a:blip r:embed="rId3"/>
-          <a:stretch>
-            <a:fillRect/>
-          </a:stretch>
-        </p:blipFill>
-        <p:spPr>
-          <a:xfrm>
-            <a:off x="5574616" y="4740662"/>
-            <a:ext cx="747688" cy="620564"/>
-          </a:xfrm>
-          <a:prstGeom prst="rect">
-            <a:avLst/>
-          </a:prstGeom>
-        </p:spPr>
-      </p:pic>
-      <p:pic>
-        <p:nvPicPr>
-          <p:cNvPr id="16" name="Picture 15">
-            <a:extLst>
-              <a:ext uri="{FF2B5EF4-FFF2-40B4-BE49-F238E27FC236}">
-                <a16:creationId xmlns:a16="http://schemas.microsoft.com/office/drawing/2014/main" id="{871F519D-4CC0-F427-BE1A-1AD5AB57CB71}"/>
-              </a:ext>
-            </a:extLst>
-          </p:cNvPr>
-          <p:cNvPicPr>
-            <a:picLocks noChangeAspect="1"/>
-          </p:cNvPicPr>
-          <p:nvPr/>
-        </p:nvPicPr>
-        <p:blipFill>
-          <a:blip r:embed="rId3"/>
-          <a:stretch>
-            <a:fillRect/>
-          </a:stretch>
-        </p:blipFill>
-        <p:spPr>
-          <a:xfrm>
-            <a:off x="7764269" y="4715432"/>
-            <a:ext cx="747688" cy="620564"/>
-          </a:xfrm>
-          <a:prstGeom prst="rect">
-            <a:avLst/>
-          </a:prstGeom>
-        </p:spPr>
-      </p:pic>
-      <p:pic>
-        <p:nvPicPr>
-          <p:cNvPr id="18" name="Picture 17">
-            <a:extLst>
-              <a:ext uri="{FF2B5EF4-FFF2-40B4-BE49-F238E27FC236}">
-                <a16:creationId xmlns:a16="http://schemas.microsoft.com/office/drawing/2014/main" id="{2E65903B-06F9-C786-8675-942EACC4F552}"/>
-              </a:ext>
-            </a:extLst>
-          </p:cNvPr>
-          <p:cNvPicPr>
-            <a:picLocks noChangeAspect="1"/>
-          </p:cNvPicPr>
-          <p:nvPr/>
-        </p:nvPicPr>
-        <p:blipFill>
-          <a:blip r:embed="rId4"/>
-          <a:stretch>
-            <a:fillRect/>
-          </a:stretch>
-        </p:blipFill>
-        <p:spPr>
-          <a:xfrm>
-            <a:off x="179263" y="4838006"/>
-            <a:ext cx="585370" cy="529140"/>
-          </a:xfrm>
-          <a:prstGeom prst="rect">
-            <a:avLst/>
-          </a:prstGeom>
-        </p:spPr>
-      </p:pic>
-      <p:pic>
-        <p:nvPicPr>
-          <p:cNvPr id="19" name="Picture 18">
-            <a:extLst>
-              <a:ext uri="{FF2B5EF4-FFF2-40B4-BE49-F238E27FC236}">
-                <a16:creationId xmlns:a16="http://schemas.microsoft.com/office/drawing/2014/main" id="{B0A4F256-063C-5DE7-8F21-1B4DF94260F5}"/>
-              </a:ext>
-            </a:extLst>
-          </p:cNvPr>
-          <p:cNvPicPr>
-            <a:picLocks noChangeAspect="1"/>
-          </p:cNvPicPr>
-          <p:nvPr/>
-        </p:nvPicPr>
-        <p:blipFill>
-          <a:blip r:embed="rId4"/>
-          <a:stretch>
-            <a:fillRect/>
-          </a:stretch>
-        </p:blipFill>
-        <p:spPr>
-          <a:xfrm>
-            <a:off x="2799593" y="4806856"/>
-            <a:ext cx="585370" cy="529140"/>
-          </a:xfrm>
-          <a:prstGeom prst="rect">
-            <a:avLst/>
-          </a:prstGeom>
-        </p:spPr>
-      </p:pic>
-      <p:sp>
-        <p:nvSpPr>
-          <p:cNvPr id="20" name="TextBox 19">
-            <a:extLst>
-              <a:ext uri="{FF2B5EF4-FFF2-40B4-BE49-F238E27FC236}">
-                <a16:creationId xmlns:a16="http://schemas.microsoft.com/office/drawing/2014/main" id="{24FC2EF8-204B-C751-3249-AB79FA8631A0}"/>
-              </a:ext>
-            </a:extLst>
-          </p:cNvPr>
-          <p:cNvSpPr txBox="1"/>
-          <p:nvPr/>
-        </p:nvSpPr>
-        <p:spPr>
-          <a:xfrm>
-            <a:off x="752628" y="4843926"/>
-            <a:ext cx="1399807" cy="523220"/>
-          </a:xfrm>
-          <a:prstGeom prst="rect">
-            <a:avLst/>
-          </a:prstGeom>
-          <a:noFill/>
-        </p:spPr>
-        <p:txBody>
-          <a:bodyPr wrap="none" rtlCol="0">
-            <a:spAutoFit/>
-          </a:bodyPr>
-          <a:lstStyle/>
-          <a:p>
-            <a:r>
-              <a:rPr lang="en-US" sz="2800" dirty="0"/>
-              <a:t>2 Writes</a:t>
-            </a:r>
-          </a:p>
-        </p:txBody>
-      </p:sp>
-      <p:sp>
-        <p:nvSpPr>
-          <p:cNvPr id="21" name="TextBox 20">
-            <a:extLst>
-              <a:ext uri="{FF2B5EF4-FFF2-40B4-BE49-F238E27FC236}">
-                <a16:creationId xmlns:a16="http://schemas.microsoft.com/office/drawing/2014/main" id="{9B2BD837-D505-05A7-7EEA-55A9345EA7A7}"/>
-              </a:ext>
-            </a:extLst>
-          </p:cNvPr>
-          <p:cNvSpPr txBox="1"/>
-          <p:nvPr/>
-        </p:nvSpPr>
-        <p:spPr>
-          <a:xfrm>
-            <a:off x="3394324" y="4838006"/>
-            <a:ext cx="1901674" cy="523220"/>
-          </a:xfrm>
-          <a:prstGeom prst="rect">
-            <a:avLst/>
-          </a:prstGeom>
-          <a:noFill/>
-        </p:spPr>
-        <p:txBody>
-          <a:bodyPr wrap="none" rtlCol="0">
-            <a:spAutoFit/>
-          </a:bodyPr>
-          <a:lstStyle/>
-          <a:p>
-            <a:r>
-              <a:rPr lang="en-US" sz="2800" dirty="0" err="1"/>
-              <a:t>Write+Read</a:t>
-            </a:r>
-            <a:endParaRPr lang="en-US" sz="2800" dirty="0"/>
-          </a:p>
-        </p:txBody>
-      </p:sp>
-      <p:sp>
-        <p:nvSpPr>
-          <p:cNvPr id="22" name="TextBox 21">
-            <a:extLst>
-              <a:ext uri="{FF2B5EF4-FFF2-40B4-BE49-F238E27FC236}">
-                <a16:creationId xmlns:a16="http://schemas.microsoft.com/office/drawing/2014/main" id="{3D9645F7-73E9-6777-F8A1-5DF89AD27B0F}"/>
-              </a:ext>
-            </a:extLst>
-          </p:cNvPr>
-          <p:cNvSpPr txBox="1"/>
-          <p:nvPr/>
-        </p:nvSpPr>
-        <p:spPr>
-          <a:xfrm>
-            <a:off x="6073166" y="4838006"/>
-            <a:ext cx="1817998" cy="523220"/>
-          </a:xfrm>
-          <a:prstGeom prst="rect">
-            <a:avLst/>
-          </a:prstGeom>
-          <a:noFill/>
-        </p:spPr>
-        <p:txBody>
-          <a:bodyPr wrap="none" rtlCol="0">
-            <a:spAutoFit/>
-          </a:bodyPr>
-          <a:lstStyle/>
-          <a:p>
-            <a:r>
-              <a:rPr lang="en-US" sz="2800" dirty="0"/>
-              <a:t>Read Many</a:t>
-            </a:r>
-          </a:p>
-        </p:txBody>
-      </p:sp>
-      <p:sp>
-        <p:nvSpPr>
-          <p:cNvPr id="23" name="TextBox 22">
-            <a:extLst>
-              <a:ext uri="{FF2B5EF4-FFF2-40B4-BE49-F238E27FC236}">
-                <a16:creationId xmlns:a16="http://schemas.microsoft.com/office/drawing/2014/main" id="{D2BE884E-51D3-443F-1F1C-CE97DFC50E2A}"/>
-              </a:ext>
-            </a:extLst>
-          </p:cNvPr>
-          <p:cNvSpPr txBox="1"/>
-          <p:nvPr/>
-        </p:nvSpPr>
-        <p:spPr>
-          <a:xfrm>
-            <a:off x="8259557" y="4844975"/>
-            <a:ext cx="1832618" cy="523220"/>
-          </a:xfrm>
-          <a:prstGeom prst="rect">
-            <a:avLst/>
-          </a:prstGeom>
-          <a:noFill/>
-        </p:spPr>
-        <p:txBody>
-          <a:bodyPr wrap="none" rtlCol="0">
-            <a:spAutoFit/>
-          </a:bodyPr>
-          <a:lstStyle/>
-          <a:p>
-            <a:r>
-              <a:rPr lang="en-US" sz="2800" dirty="0"/>
-              <a:t>Write Once</a:t>
+              <a:rPr lang="en-US" dirty="0"/>
+              <a:t>Affine types seem much too strict: “Can only use variable once”</a:t>
+            </a:r>
+          </a:p>
+          <a:p>
+            <a:pPr marL="0" indent="0">
+              <a:buNone/>
+            </a:pPr>
+            <a:r>
+              <a:rPr lang="en-US" dirty="0"/>
+              <a:t>What Rust actually does:</a:t>
+            </a:r>
+          </a:p>
+          <a:p>
+            <a:pPr lvl="1"/>
+            <a:r>
+              <a:rPr lang="en-US" dirty="0"/>
+              <a:t>Depends on the type – some types support automatic copying</a:t>
+            </a:r>
+          </a:p>
+          <a:p>
+            <a:pPr lvl="1"/>
+            <a:r>
+              <a:rPr lang="en-US" dirty="0"/>
+              <a:t>References allow reusing variables</a:t>
+            </a:r>
+          </a:p>
+          <a:p>
+            <a:pPr lvl="1"/>
+            <a:r>
+              <a:rPr lang="en-US" dirty="0"/>
+              <a:t>As long as the borrowing rules are followed</a:t>
+            </a:r>
+          </a:p>
+          <a:p>
+            <a:pPr lvl="1"/>
+            <a:r>
+              <a:rPr lang="en-US" dirty="0"/>
+              <a:t>The borrow-checker, which implements these rules, is known for being the hardest part of Rust to learn</a:t>
+            </a:r>
+          </a:p>
+          <a:p>
+            <a:pPr lvl="1"/>
+            <a:r>
+              <a:rPr lang="en-US" dirty="0"/>
+              <a:t>But there is a simple rule that covers most cases!</a:t>
             </a:r>
           </a:p>
         </p:txBody>
@@ -12261,7 +11679,7 @@
     </p:spTree>
     <p:extLst>
       <p:ext uri="{BB962C8B-B14F-4D97-AF65-F5344CB8AC3E}">
-        <p14:creationId xmlns:p14="http://schemas.microsoft.com/office/powerpoint/2010/main" val="2611251127"/>
+        <p14:creationId xmlns:p14="http://schemas.microsoft.com/office/powerpoint/2010/main" val="1742182927"/>
       </p:ext>
     </p:extLst>
   </p:cSld>
@@ -12293,7 +11711,7 @@
           <p:cNvPr id="2" name="Title 1">
             <a:extLst>
               <a:ext uri="{FF2B5EF4-FFF2-40B4-BE49-F238E27FC236}">
-                <a16:creationId xmlns:a16="http://schemas.microsoft.com/office/drawing/2014/main" id="{011E52C3-3A59-3505-CE12-E62765BF6AE3}"/>
+                <a16:creationId xmlns:a16="http://schemas.microsoft.com/office/drawing/2014/main" id="{47CCAEDE-D0BB-3332-AA41-101525A3C24B}"/>
               </a:ext>
             </a:extLst>
           </p:cNvPr>
@@ -12311,7 +11729,15 @@
           <a:p>
             <a:r>
               <a:rPr lang="en-US" dirty="0"/>
-              <a:t>Match: Redundancy Checking</a:t>
+              <a:t>The </a:t>
+            </a:r>
+            <a:r>
+              <a:rPr lang="en-US" dirty="0" err="1"/>
+              <a:t>WOoRM</a:t>
+            </a:r>
+            <a:r>
+              <a:rPr lang="en-US" dirty="0"/>
+              <a:t> Rule</a:t>
             </a:r>
           </a:p>
         </p:txBody>
@@ -12321,7 +11747,7 @@
           <p:cNvPr id="3" name="Content Placeholder 2">
             <a:extLst>
               <a:ext uri="{FF2B5EF4-FFF2-40B4-BE49-F238E27FC236}">
-                <a16:creationId xmlns:a16="http://schemas.microsoft.com/office/drawing/2014/main" id="{6CF0DBE1-5401-D48B-EE21-575399F28A79}"/>
+                <a16:creationId xmlns:a16="http://schemas.microsoft.com/office/drawing/2014/main" id="{B7EE811B-83C4-1D8A-E29D-628C3480C470}"/>
               </a:ext>
             </a:extLst>
           </p:cNvPr>
@@ -12334,121 +11760,603 @@
         </p:nvSpPr>
         <p:spPr/>
         <p:txBody>
-          <a:bodyPr>
-            <a:normAutofit lnSpcReduction="10000"/>
+          <a:bodyPr/>
+          <a:lstStyle/>
+          <a:p>
+            <a:r>
+              <a:rPr lang="en-US" b="1" dirty="0"/>
+              <a:t>Rule:</a:t>
+            </a:r>
+            <a:r>
+              <a:rPr lang="en-US" dirty="0"/>
+              <a:t> Write Once, or Read Many</a:t>
+            </a:r>
+            <a:endParaRPr lang="en-US" b="1" dirty="0"/>
+          </a:p>
+        </p:txBody>
+      </p:sp>
+      <p:sp>
+        <p:nvSpPr>
+          <p:cNvPr id="5" name="TextBox 4">
+            <a:extLst>
+              <a:ext uri="{FF2B5EF4-FFF2-40B4-BE49-F238E27FC236}">
+                <a16:creationId xmlns:a16="http://schemas.microsoft.com/office/drawing/2014/main" id="{35CD8B22-F0F6-371F-44FF-C1AD1D641059}"/>
+              </a:ext>
+            </a:extLst>
+          </p:cNvPr>
+          <p:cNvSpPr txBox="1"/>
+          <p:nvPr/>
+        </p:nvSpPr>
+        <p:spPr>
+          <a:xfrm>
+            <a:off x="1097280" y="6456713"/>
+            <a:ext cx="9473665" cy="369332"/>
+          </a:xfrm>
+          <a:prstGeom prst="rect">
+            <a:avLst/>
+          </a:prstGeom>
+          <a:noFill/>
+        </p:spPr>
+        <p:txBody>
+          <a:bodyPr wrap="square">
+            <a:spAutoFit/>
           </a:bodyPr>
           <a:lstStyle/>
           <a:p>
             <a:r>
               <a:rPr lang="en-US" dirty="0"/>
-              <a:t>The match expression checks redundancy and exhaustiveness</a:t>
-            </a:r>
-          </a:p>
-          <a:p>
-            <a:r>
-              <a:rPr lang="en-US" dirty="0"/>
-              <a:t>Consider the expression:</a:t>
-            </a:r>
-          </a:p>
-          <a:p>
-            <a:r>
-              <a:rPr lang="en-US" dirty="0"/>
-              <a:t>match e0 {</a:t>
-            </a:r>
-            <a:br>
-              <a:rPr lang="en-US" dirty="0"/>
-            </a:br>
-            <a:r>
-              <a:rPr lang="en-US" dirty="0"/>
-              <a:t>  pat1 =&gt; e1,</a:t>
-            </a:r>
-            <a:br>
-              <a:rPr lang="en-US" dirty="0"/>
-            </a:br>
-            <a:r>
-              <a:rPr lang="en-US" dirty="0"/>
-              <a:t>  …</a:t>
-            </a:r>
-            <a:br>
-              <a:rPr lang="en-US" dirty="0"/>
-            </a:br>
-            <a:r>
-              <a:rPr lang="en-US" dirty="0"/>
-              <a:t>  </a:t>
-            </a:r>
-            <a:r>
-              <a:rPr lang="en-US" dirty="0" err="1"/>
-              <a:t>patN</a:t>
-            </a:r>
-            <a:r>
-              <a:rPr lang="en-US" dirty="0"/>
-              <a:t> =&gt; </a:t>
-            </a:r>
-            <a:r>
-              <a:rPr lang="en-US" dirty="0" err="1"/>
-              <a:t>eN</a:t>
-            </a:r>
-            <a:r>
-              <a:rPr lang="en-US" dirty="0"/>
-              <a:t>,</a:t>
-            </a:r>
-            <a:br>
-              <a:rPr lang="en-US" dirty="0"/>
-            </a:br>
-            <a:r>
-              <a:rPr lang="en-US" dirty="0"/>
-              <a:t>}</a:t>
-            </a:r>
-          </a:p>
-          <a:p>
-            <a:r>
-              <a:rPr lang="en-US" b="1" dirty="0"/>
-              <a:t>Definition:</a:t>
-            </a:r>
-            <a:r>
-              <a:rPr lang="en-US" dirty="0"/>
-              <a:t> Pattern </a:t>
-            </a:r>
-            <a:r>
-              <a:rPr lang="en-US" dirty="0" err="1"/>
-              <a:t>patI</a:t>
-            </a:r>
-            <a:r>
-              <a:rPr lang="en-US" dirty="0"/>
-              <a:t> is </a:t>
-            </a:r>
-            <a:r>
-              <a:rPr lang="en-US" i="1" dirty="0"/>
-              <a:t>redundant</a:t>
-            </a:r>
-            <a:r>
-              <a:rPr lang="en-US" dirty="0"/>
-              <a:t> if for every value v that matches pattern </a:t>
-            </a:r>
-            <a:r>
-              <a:rPr lang="en-US" dirty="0" err="1"/>
-              <a:t>patI</a:t>
-            </a:r>
-            <a:r>
-              <a:rPr lang="en-US" dirty="0"/>
-              <a:t>, there exists a prior pattern </a:t>
-            </a:r>
-            <a:r>
-              <a:rPr lang="en-US" dirty="0" err="1"/>
-              <a:t>patJ</a:t>
-            </a:r>
-            <a:r>
-              <a:rPr lang="en-US" dirty="0"/>
-              <a:t> for J &lt; I that matches v</a:t>
-            </a:r>
-            <a:endParaRPr lang="en-US" b="1" dirty="0"/>
+              <a:t>https://www.vecteezy.com/vector-art/7528312-worm-cartoon-colored-clipart-illustration</a:t>
+            </a:r>
+          </a:p>
+        </p:txBody>
+      </p:sp>
+      <p:pic>
+        <p:nvPicPr>
+          <p:cNvPr id="7" name="Picture 6">
+            <a:extLst>
+              <a:ext uri="{FF2B5EF4-FFF2-40B4-BE49-F238E27FC236}">
+                <a16:creationId xmlns:a16="http://schemas.microsoft.com/office/drawing/2014/main" id="{10268DEF-7DF7-3E9C-EBE7-520EFFAE1681}"/>
+              </a:ext>
+            </a:extLst>
+          </p:cNvPr>
+          <p:cNvPicPr>
+            <a:picLocks noChangeAspect="1"/>
+          </p:cNvPicPr>
+          <p:nvPr/>
+        </p:nvPicPr>
+        <p:blipFill>
+          <a:blip r:embed="rId2"/>
+          <a:stretch>
+            <a:fillRect/>
+          </a:stretch>
+        </p:blipFill>
+        <p:spPr>
+          <a:xfrm>
+            <a:off x="9980762" y="1936955"/>
+            <a:ext cx="1885754" cy="1666568"/>
+          </a:xfrm>
+          <a:prstGeom prst="rect">
+            <a:avLst/>
+          </a:prstGeom>
+        </p:spPr>
+      </p:pic>
+      <p:sp>
+        <p:nvSpPr>
+          <p:cNvPr id="8" name="TextBox 7">
+            <a:extLst>
+              <a:ext uri="{FF2B5EF4-FFF2-40B4-BE49-F238E27FC236}">
+                <a16:creationId xmlns:a16="http://schemas.microsoft.com/office/drawing/2014/main" id="{7AFB0329-B78D-06FF-65EA-86583EC759C3}"/>
+              </a:ext>
+            </a:extLst>
+          </p:cNvPr>
+          <p:cNvSpPr txBox="1"/>
+          <p:nvPr/>
+        </p:nvSpPr>
+        <p:spPr>
+          <a:xfrm>
+            <a:off x="434851" y="3508440"/>
+            <a:ext cx="2310581" cy="1200329"/>
+          </a:xfrm>
+          <a:prstGeom prst="rect">
+            <a:avLst/>
+          </a:prstGeom>
+          <a:noFill/>
+        </p:spPr>
+        <p:txBody>
+          <a:bodyPr wrap="square" rtlCol="0">
+            <a:spAutoFit/>
+          </a:bodyPr>
+          <a:lstStyle/>
+          <a:p>
+            <a:r>
+              <a:rPr lang="en-US" dirty="0">
+                <a:latin typeface="Consolas" panose="020B0609020204030204" pitchFamily="49" charset="0"/>
+              </a:rPr>
+              <a:t>let mut x = 5;</a:t>
+            </a:r>
+          </a:p>
+          <a:p>
+            <a:r>
+              <a:rPr lang="en-US" dirty="0">
+                <a:latin typeface="Consolas" panose="020B0609020204030204" pitchFamily="49" charset="0"/>
+              </a:rPr>
+              <a:t>let r1 = &amp;mut x;</a:t>
+            </a:r>
+          </a:p>
+          <a:p>
+            <a:r>
+              <a:rPr lang="en-US" dirty="0">
+                <a:latin typeface="Consolas" panose="020B0609020204030204" pitchFamily="49" charset="0"/>
+              </a:rPr>
+              <a:t>let r2 = &amp;mut x;</a:t>
+            </a:r>
+          </a:p>
+          <a:p>
+            <a:r>
+              <a:rPr lang="en-US" dirty="0">
+                <a:latin typeface="Consolas" panose="020B0609020204030204" pitchFamily="49" charset="0"/>
+              </a:rPr>
+              <a:t>*r1 = *r2 + 1;</a:t>
+            </a:r>
+          </a:p>
+        </p:txBody>
+      </p:sp>
+      <p:sp>
+        <p:nvSpPr>
+          <p:cNvPr id="9" name="TextBox 8">
+            <a:extLst>
+              <a:ext uri="{FF2B5EF4-FFF2-40B4-BE49-F238E27FC236}">
+                <a16:creationId xmlns:a16="http://schemas.microsoft.com/office/drawing/2014/main" id="{0F1CBEB0-32E1-7644-A986-0D0286899707}"/>
+              </a:ext>
+            </a:extLst>
+          </p:cNvPr>
+          <p:cNvSpPr txBox="1"/>
+          <p:nvPr/>
+        </p:nvSpPr>
+        <p:spPr>
+          <a:xfrm>
+            <a:off x="3131883" y="3029493"/>
+            <a:ext cx="2320489" cy="1754326"/>
+          </a:xfrm>
+          <a:prstGeom prst="rect">
+            <a:avLst/>
+          </a:prstGeom>
+          <a:noFill/>
+        </p:spPr>
+        <p:txBody>
+          <a:bodyPr wrap="square" rtlCol="0">
+            <a:spAutoFit/>
+          </a:bodyPr>
+          <a:lstStyle/>
+          <a:p>
+            <a:r>
+              <a:rPr lang="en-US" dirty="0">
+                <a:latin typeface="Consolas" panose="020B0609020204030204" pitchFamily="49" charset="0"/>
+              </a:rPr>
+              <a:t>let mut x = 5;</a:t>
+            </a:r>
+          </a:p>
+          <a:p>
+            <a:r>
+              <a:rPr lang="en-US" dirty="0">
+                <a:latin typeface="Consolas" panose="020B0609020204030204" pitchFamily="49" charset="0"/>
+              </a:rPr>
+              <a:t>let r1 = &amp;x;</a:t>
+            </a:r>
+          </a:p>
+          <a:p>
+            <a:r>
+              <a:rPr lang="en-US" dirty="0">
+                <a:latin typeface="Consolas" panose="020B0609020204030204" pitchFamily="49" charset="0"/>
+              </a:rPr>
+              <a:t>let r2 = &amp;mut x;</a:t>
+            </a:r>
+          </a:p>
+          <a:p>
+            <a:r>
+              <a:rPr lang="en-US" dirty="0">
+                <a:latin typeface="Consolas" panose="020B0609020204030204" pitchFamily="49" charset="0"/>
+              </a:rPr>
+              <a:t>let x1 = *r1;</a:t>
+            </a:r>
+          </a:p>
+          <a:p>
+            <a:r>
+              <a:rPr lang="en-US" dirty="0">
+                <a:latin typeface="Consolas" panose="020B0609020204030204" pitchFamily="49" charset="0"/>
+              </a:rPr>
+              <a:t>*r2 = x + 1;</a:t>
+            </a:r>
+          </a:p>
+          <a:p>
+            <a:r>
+              <a:rPr lang="en-US" dirty="0">
+                <a:latin typeface="Consolas" panose="020B0609020204030204" pitchFamily="49" charset="0"/>
+              </a:rPr>
+              <a:t>let x2 = *r1;</a:t>
+            </a:r>
+          </a:p>
+        </p:txBody>
+      </p:sp>
+      <p:sp>
+        <p:nvSpPr>
+          <p:cNvPr id="10" name="TextBox 9">
+            <a:extLst>
+              <a:ext uri="{FF2B5EF4-FFF2-40B4-BE49-F238E27FC236}">
+                <a16:creationId xmlns:a16="http://schemas.microsoft.com/office/drawing/2014/main" id="{15F2E18F-507F-45D9-9CCD-1BE87A97BA37}"/>
+              </a:ext>
+            </a:extLst>
+          </p:cNvPr>
+          <p:cNvSpPr txBox="1"/>
+          <p:nvPr/>
+        </p:nvSpPr>
+        <p:spPr>
+          <a:xfrm>
+            <a:off x="6068902" y="3540333"/>
+            <a:ext cx="1885754" cy="1200329"/>
+          </a:xfrm>
+          <a:prstGeom prst="rect">
+            <a:avLst/>
+          </a:prstGeom>
+          <a:noFill/>
+        </p:spPr>
+        <p:txBody>
+          <a:bodyPr wrap="square" rtlCol="0">
+            <a:spAutoFit/>
+          </a:bodyPr>
+          <a:lstStyle/>
+          <a:p>
+            <a:r>
+              <a:rPr lang="en-US" dirty="0">
+                <a:latin typeface="Consolas" panose="020B0609020204030204" pitchFamily="49" charset="0"/>
+              </a:rPr>
+              <a:t>let x = 5;</a:t>
+            </a:r>
+          </a:p>
+          <a:p>
+            <a:r>
+              <a:rPr lang="en-US" dirty="0">
+                <a:latin typeface="Consolas" panose="020B0609020204030204" pitchFamily="49" charset="0"/>
+              </a:rPr>
+              <a:t>let ir1 = &amp;x;</a:t>
+            </a:r>
+          </a:p>
+          <a:p>
+            <a:r>
+              <a:rPr lang="en-US" dirty="0">
+                <a:latin typeface="Consolas" panose="020B0609020204030204" pitchFamily="49" charset="0"/>
+              </a:rPr>
+              <a:t>let ir2 = &amp;x;</a:t>
+            </a:r>
+          </a:p>
+          <a:p>
+            <a:r>
+              <a:rPr lang="en-US" dirty="0">
+                <a:latin typeface="Consolas" panose="020B0609020204030204" pitchFamily="49" charset="0"/>
+              </a:rPr>
+              <a:t>f(ir1,ir2);</a:t>
+            </a:r>
+          </a:p>
+        </p:txBody>
+      </p:sp>
+      <p:sp>
+        <p:nvSpPr>
+          <p:cNvPr id="11" name="TextBox 10">
+            <a:extLst>
+              <a:ext uri="{FF2B5EF4-FFF2-40B4-BE49-F238E27FC236}">
+                <a16:creationId xmlns:a16="http://schemas.microsoft.com/office/drawing/2014/main" id="{D8FB04D1-7010-D246-30E5-63935B629304}"/>
+              </a:ext>
+            </a:extLst>
+          </p:cNvPr>
+          <p:cNvSpPr txBox="1"/>
+          <p:nvPr/>
+        </p:nvSpPr>
+        <p:spPr>
+          <a:xfrm>
+            <a:off x="7941807" y="3711897"/>
+            <a:ext cx="2283997" cy="923330"/>
+          </a:xfrm>
+          <a:prstGeom prst="rect">
+            <a:avLst/>
+          </a:prstGeom>
+          <a:noFill/>
+        </p:spPr>
+        <p:txBody>
+          <a:bodyPr wrap="square" rtlCol="0">
+            <a:spAutoFit/>
+          </a:bodyPr>
+          <a:lstStyle/>
+          <a:p>
+            <a:r>
+              <a:rPr lang="en-US" dirty="0">
+                <a:latin typeface="Consolas" panose="020B0609020204030204" pitchFamily="49" charset="0"/>
+              </a:rPr>
+              <a:t>let mut x = 5;</a:t>
+            </a:r>
+          </a:p>
+          <a:p>
+            <a:r>
+              <a:rPr lang="en-US" dirty="0">
+                <a:latin typeface="Consolas" panose="020B0609020204030204" pitchFamily="49" charset="0"/>
+              </a:rPr>
+              <a:t>let r1 = &amp;mut x;</a:t>
+            </a:r>
+          </a:p>
+          <a:p>
+            <a:r>
+              <a:rPr lang="en-US" dirty="0">
+                <a:latin typeface="Consolas" panose="020B0609020204030204" pitchFamily="49" charset="0"/>
+              </a:rPr>
+              <a:t>*r1 = *r1 + 2</a:t>
+            </a:r>
+          </a:p>
+        </p:txBody>
+      </p:sp>
+      <p:pic>
+        <p:nvPicPr>
+          <p:cNvPr id="13" name="Picture 12">
+            <a:extLst>
+              <a:ext uri="{FF2B5EF4-FFF2-40B4-BE49-F238E27FC236}">
+                <a16:creationId xmlns:a16="http://schemas.microsoft.com/office/drawing/2014/main" id="{12B79BD5-5EDD-308A-4D7A-BBB3A61DC47A}"/>
+              </a:ext>
+            </a:extLst>
+          </p:cNvPr>
+          <p:cNvPicPr>
+            <a:picLocks noChangeAspect="1"/>
+          </p:cNvPicPr>
+          <p:nvPr/>
+        </p:nvPicPr>
+        <p:blipFill>
+          <a:blip r:embed="rId3"/>
+          <a:stretch>
+            <a:fillRect/>
+          </a:stretch>
+        </p:blipFill>
+        <p:spPr>
+          <a:xfrm>
+            <a:off x="5574616" y="4740662"/>
+            <a:ext cx="747688" cy="620564"/>
+          </a:xfrm>
+          <a:prstGeom prst="rect">
+            <a:avLst/>
+          </a:prstGeom>
+        </p:spPr>
+      </p:pic>
+      <p:pic>
+        <p:nvPicPr>
+          <p:cNvPr id="16" name="Picture 15">
+            <a:extLst>
+              <a:ext uri="{FF2B5EF4-FFF2-40B4-BE49-F238E27FC236}">
+                <a16:creationId xmlns:a16="http://schemas.microsoft.com/office/drawing/2014/main" id="{871F519D-4CC0-F427-BE1A-1AD5AB57CB71}"/>
+              </a:ext>
+            </a:extLst>
+          </p:cNvPr>
+          <p:cNvPicPr>
+            <a:picLocks noChangeAspect="1"/>
+          </p:cNvPicPr>
+          <p:nvPr/>
+        </p:nvPicPr>
+        <p:blipFill>
+          <a:blip r:embed="rId3"/>
+          <a:stretch>
+            <a:fillRect/>
+          </a:stretch>
+        </p:blipFill>
+        <p:spPr>
+          <a:xfrm>
+            <a:off x="7764269" y="4715432"/>
+            <a:ext cx="747688" cy="620564"/>
+          </a:xfrm>
+          <a:prstGeom prst="rect">
+            <a:avLst/>
+          </a:prstGeom>
+        </p:spPr>
+      </p:pic>
+      <p:pic>
+        <p:nvPicPr>
+          <p:cNvPr id="18" name="Picture 17">
+            <a:extLst>
+              <a:ext uri="{FF2B5EF4-FFF2-40B4-BE49-F238E27FC236}">
+                <a16:creationId xmlns:a16="http://schemas.microsoft.com/office/drawing/2014/main" id="{2E65903B-06F9-C786-8675-942EACC4F552}"/>
+              </a:ext>
+            </a:extLst>
+          </p:cNvPr>
+          <p:cNvPicPr>
+            <a:picLocks noChangeAspect="1"/>
+          </p:cNvPicPr>
+          <p:nvPr/>
+        </p:nvPicPr>
+        <p:blipFill>
+          <a:blip r:embed="rId4"/>
+          <a:stretch>
+            <a:fillRect/>
+          </a:stretch>
+        </p:blipFill>
+        <p:spPr>
+          <a:xfrm>
+            <a:off x="179263" y="4838006"/>
+            <a:ext cx="585370" cy="529140"/>
+          </a:xfrm>
+          <a:prstGeom prst="rect">
+            <a:avLst/>
+          </a:prstGeom>
+        </p:spPr>
+      </p:pic>
+      <p:pic>
+        <p:nvPicPr>
+          <p:cNvPr id="19" name="Picture 18">
+            <a:extLst>
+              <a:ext uri="{FF2B5EF4-FFF2-40B4-BE49-F238E27FC236}">
+                <a16:creationId xmlns:a16="http://schemas.microsoft.com/office/drawing/2014/main" id="{B0A4F256-063C-5DE7-8F21-1B4DF94260F5}"/>
+              </a:ext>
+            </a:extLst>
+          </p:cNvPr>
+          <p:cNvPicPr>
+            <a:picLocks noChangeAspect="1"/>
+          </p:cNvPicPr>
+          <p:nvPr/>
+        </p:nvPicPr>
+        <p:blipFill>
+          <a:blip r:embed="rId4"/>
+          <a:stretch>
+            <a:fillRect/>
+          </a:stretch>
+        </p:blipFill>
+        <p:spPr>
+          <a:xfrm>
+            <a:off x="2799593" y="4806856"/>
+            <a:ext cx="585370" cy="529140"/>
+          </a:xfrm>
+          <a:prstGeom prst="rect">
+            <a:avLst/>
+          </a:prstGeom>
+        </p:spPr>
+      </p:pic>
+      <p:sp>
+        <p:nvSpPr>
+          <p:cNvPr id="20" name="TextBox 19">
+            <a:extLst>
+              <a:ext uri="{FF2B5EF4-FFF2-40B4-BE49-F238E27FC236}">
+                <a16:creationId xmlns:a16="http://schemas.microsoft.com/office/drawing/2014/main" id="{24FC2EF8-204B-C751-3249-AB79FA8631A0}"/>
+              </a:ext>
+            </a:extLst>
+          </p:cNvPr>
+          <p:cNvSpPr txBox="1"/>
+          <p:nvPr/>
+        </p:nvSpPr>
+        <p:spPr>
+          <a:xfrm>
+            <a:off x="752628" y="4843926"/>
+            <a:ext cx="1399807" cy="523220"/>
+          </a:xfrm>
+          <a:prstGeom prst="rect">
+            <a:avLst/>
+          </a:prstGeom>
+          <a:noFill/>
+        </p:spPr>
+        <p:txBody>
+          <a:bodyPr wrap="none" rtlCol="0">
+            <a:spAutoFit/>
+          </a:bodyPr>
+          <a:lstStyle/>
+          <a:p>
+            <a:r>
+              <a:rPr lang="en-US" sz="2800" dirty="0"/>
+              <a:t>2 Writes</a:t>
+            </a:r>
+          </a:p>
+        </p:txBody>
+      </p:sp>
+      <p:sp>
+        <p:nvSpPr>
+          <p:cNvPr id="21" name="TextBox 20">
+            <a:extLst>
+              <a:ext uri="{FF2B5EF4-FFF2-40B4-BE49-F238E27FC236}">
+                <a16:creationId xmlns:a16="http://schemas.microsoft.com/office/drawing/2014/main" id="{9B2BD837-D505-05A7-7EEA-55A9345EA7A7}"/>
+              </a:ext>
+            </a:extLst>
+          </p:cNvPr>
+          <p:cNvSpPr txBox="1"/>
+          <p:nvPr/>
+        </p:nvSpPr>
+        <p:spPr>
+          <a:xfrm>
+            <a:off x="3394324" y="4838006"/>
+            <a:ext cx="1901674" cy="523220"/>
+          </a:xfrm>
+          <a:prstGeom prst="rect">
+            <a:avLst/>
+          </a:prstGeom>
+          <a:noFill/>
+        </p:spPr>
+        <p:txBody>
+          <a:bodyPr wrap="none" rtlCol="0">
+            <a:spAutoFit/>
+          </a:bodyPr>
+          <a:lstStyle/>
+          <a:p>
+            <a:r>
+              <a:rPr lang="en-US" sz="2800" dirty="0" err="1"/>
+              <a:t>Write+Read</a:t>
+            </a:r>
+            <a:endParaRPr lang="en-US" sz="2800" dirty="0"/>
+          </a:p>
+        </p:txBody>
+      </p:sp>
+      <p:sp>
+        <p:nvSpPr>
+          <p:cNvPr id="22" name="TextBox 21">
+            <a:extLst>
+              <a:ext uri="{FF2B5EF4-FFF2-40B4-BE49-F238E27FC236}">
+                <a16:creationId xmlns:a16="http://schemas.microsoft.com/office/drawing/2014/main" id="{3D9645F7-73E9-6777-F8A1-5DF89AD27B0F}"/>
+              </a:ext>
+            </a:extLst>
+          </p:cNvPr>
+          <p:cNvSpPr txBox="1"/>
+          <p:nvPr/>
+        </p:nvSpPr>
+        <p:spPr>
+          <a:xfrm>
+            <a:off x="6073166" y="4838006"/>
+            <a:ext cx="1817998" cy="523220"/>
+          </a:xfrm>
+          <a:prstGeom prst="rect">
+            <a:avLst/>
+          </a:prstGeom>
+          <a:noFill/>
+        </p:spPr>
+        <p:txBody>
+          <a:bodyPr wrap="none" rtlCol="0">
+            <a:spAutoFit/>
+          </a:bodyPr>
+          <a:lstStyle/>
+          <a:p>
+            <a:r>
+              <a:rPr lang="en-US" sz="2800" dirty="0"/>
+              <a:t>Read Many</a:t>
+            </a:r>
+          </a:p>
+        </p:txBody>
+      </p:sp>
+      <p:sp>
+        <p:nvSpPr>
+          <p:cNvPr id="23" name="TextBox 22">
+            <a:extLst>
+              <a:ext uri="{FF2B5EF4-FFF2-40B4-BE49-F238E27FC236}">
+                <a16:creationId xmlns:a16="http://schemas.microsoft.com/office/drawing/2014/main" id="{D2BE884E-51D3-443F-1F1C-CE97DFC50E2A}"/>
+              </a:ext>
+            </a:extLst>
+          </p:cNvPr>
+          <p:cNvSpPr txBox="1"/>
+          <p:nvPr/>
+        </p:nvSpPr>
+        <p:spPr>
+          <a:xfrm>
+            <a:off x="8259557" y="4844975"/>
+            <a:ext cx="1832618" cy="523220"/>
+          </a:xfrm>
+          <a:prstGeom prst="rect">
+            <a:avLst/>
+          </a:prstGeom>
+          <a:noFill/>
+        </p:spPr>
+        <p:txBody>
+          <a:bodyPr wrap="none" rtlCol="0">
+            <a:spAutoFit/>
+          </a:bodyPr>
+          <a:lstStyle/>
+          <a:p>
+            <a:r>
+              <a:rPr lang="en-US" sz="2800" dirty="0"/>
+              <a:t>Write Once</a:t>
+            </a:r>
           </a:p>
         </p:txBody>
       </p:sp>
     </p:spTree>
     <p:extLst>
       <p:ext uri="{BB962C8B-B14F-4D97-AF65-F5344CB8AC3E}">
-        <p14:creationId xmlns:p14="http://schemas.microsoft.com/office/powerpoint/2010/main" val="2813789328"/>
+        <p14:creationId xmlns:p14="http://schemas.microsoft.com/office/powerpoint/2010/main" val="2611251127"/>
       </p:ext>
     </p:extLst>
   </p:cSld>
@@ -12742,7 +12650,7 @@
           <a:p>
             <a:r>
               <a:rPr lang="en-US" dirty="0"/>
-              <a:t>Match: Exhaustiveness Checking</a:t>
+              <a:t>Match: Redundancy Checking</a:t>
             </a:r>
           </a:p>
         </p:txBody>
@@ -12766,9 +12674,15 @@
         <p:spPr/>
         <p:txBody>
           <a:bodyPr>
-            <a:normAutofit/>
+            <a:normAutofit lnSpcReduction="10000"/>
           </a:bodyPr>
           <a:lstStyle/>
+          <a:p>
+            <a:r>
+              <a:rPr lang="en-US" dirty="0"/>
+              <a:t>The match expression checks redundancy and exhaustiveness</a:t>
+            </a:r>
+          </a:p>
           <a:p>
             <a:r>
               <a:rPr lang="en-US" dirty="0"/>
@@ -12844,19 +12758,11 @@
             </a:r>
             <a:r>
               <a:rPr lang="en-US" i="1" dirty="0"/>
-              <a:t>exhaustive</a:t>
-            </a:r>
-            <a:r>
-              <a:rPr lang="en-US" dirty="0"/>
-              <a:t> if for every well-typed value </a:t>
-            </a:r>
-            <a:r>
-              <a:rPr lang="en-US" i="1" dirty="0"/>
-              <a:t>v0</a:t>
-            </a:r>
-            <a:r>
-              <a:rPr lang="en-US" dirty="0"/>
-              <a:t> of e0’s type, there exists pattern </a:t>
+              <a:t>redundant</a:t>
+            </a:r>
+            <a:r>
+              <a:rPr lang="en-US" dirty="0"/>
+              <a:t> if for every value v that matches pattern </a:t>
             </a:r>
             <a:r>
               <a:rPr lang="en-US" dirty="0" err="1"/>
@@ -12864,22 +12770,15 @@
             </a:r>
             <a:r>
               <a:rPr lang="en-US" dirty="0"/>
-              <a:t> that matches v0</a:t>
-            </a:r>
-            <a:br>
-              <a:rPr lang="en-US" dirty="0"/>
-            </a:br>
-            <a:r>
-              <a:rPr lang="en-US" dirty="0"/>
-              <a:t>Rust warns the programmer if the patterns are </a:t>
-            </a:r>
-            <a:r>
-              <a:rPr lang="en-US" i="1" dirty="0"/>
-              <a:t>not</a:t>
-            </a:r>
-            <a:r>
-              <a:rPr lang="en-US" dirty="0"/>
-              <a:t> exhaustive.</a:t>
+              <a:t>, there exists a prior pattern </a:t>
+            </a:r>
+            <a:r>
+              <a:rPr lang="en-US" dirty="0" err="1"/>
+              <a:t>patJ</a:t>
+            </a:r>
+            <a:r>
+              <a:rPr lang="en-US" dirty="0"/>
+              <a:t> for J &lt; I that matches v</a:t>
             </a:r>
             <a:endParaRPr lang="en-US" b="1" dirty="0"/>
           </a:p>
@@ -12888,7 +12787,7 @@
     </p:spTree>
     <p:extLst>
       <p:ext uri="{BB962C8B-B14F-4D97-AF65-F5344CB8AC3E}">
-        <p14:creationId xmlns:p14="http://schemas.microsoft.com/office/powerpoint/2010/main" val="3023124263"/>
+        <p14:creationId xmlns:p14="http://schemas.microsoft.com/office/powerpoint/2010/main" val="2813789328"/>
       </p:ext>
     </p:extLst>
   </p:cSld>
@@ -12920,7 +12819,7 @@
           <p:cNvPr id="2" name="Title 1">
             <a:extLst>
               <a:ext uri="{FF2B5EF4-FFF2-40B4-BE49-F238E27FC236}">
-                <a16:creationId xmlns:a16="http://schemas.microsoft.com/office/drawing/2014/main" id="{7AE18351-4975-A4E0-80B7-AB98A92D38BF}"/>
+                <a16:creationId xmlns:a16="http://schemas.microsoft.com/office/drawing/2014/main" id="{011E52C3-3A59-3505-CE12-E62765BF6AE3}"/>
               </a:ext>
             </a:extLst>
           </p:cNvPr>
@@ -12938,7 +12837,7 @@
           <a:p>
             <a:r>
               <a:rPr lang="en-US" dirty="0"/>
-              <a:t>Section: Complete Programs</a:t>
+              <a:t>Match: Exhaustiveness Checking</a:t>
             </a:r>
           </a:p>
         </p:txBody>
@@ -12948,7 +12847,7 @@
           <p:cNvPr id="3" name="Content Placeholder 2">
             <a:extLst>
               <a:ext uri="{FF2B5EF4-FFF2-40B4-BE49-F238E27FC236}">
-                <a16:creationId xmlns:a16="http://schemas.microsoft.com/office/drawing/2014/main" id="{7C2D2D98-362E-C158-FF52-3BB272E4E5C8}"/>
+                <a16:creationId xmlns:a16="http://schemas.microsoft.com/office/drawing/2014/main" id="{6CF0DBE1-5401-D48B-EE21-575399F28A79}"/>
               </a:ext>
             </a:extLst>
           </p:cNvPr>
@@ -12961,17 +12860,130 @@
         </p:nvSpPr>
         <p:spPr/>
         <p:txBody>
-          <a:bodyPr/>
-          <a:lstStyle/>
-          <a:p>
-            <a:endParaRPr lang="en-US"/>
+          <a:bodyPr>
+            <a:normAutofit/>
+          </a:bodyPr>
+          <a:lstStyle/>
+          <a:p>
+            <a:r>
+              <a:rPr lang="en-US" dirty="0"/>
+              <a:t>Consider the expression:</a:t>
+            </a:r>
+          </a:p>
+          <a:p>
+            <a:r>
+              <a:rPr lang="en-US" dirty="0"/>
+              <a:t>match e0 {</a:t>
+            </a:r>
+            <a:br>
+              <a:rPr lang="en-US" dirty="0"/>
+            </a:br>
+            <a:r>
+              <a:rPr lang="en-US" dirty="0"/>
+              <a:t>  pat1 =&gt; e1,</a:t>
+            </a:r>
+            <a:br>
+              <a:rPr lang="en-US" dirty="0"/>
+            </a:br>
+            <a:r>
+              <a:rPr lang="en-US" dirty="0"/>
+              <a:t>  …</a:t>
+            </a:r>
+            <a:br>
+              <a:rPr lang="en-US" dirty="0"/>
+            </a:br>
+            <a:r>
+              <a:rPr lang="en-US" dirty="0"/>
+              <a:t>  </a:t>
+            </a:r>
+            <a:r>
+              <a:rPr lang="en-US" dirty="0" err="1"/>
+              <a:t>patN</a:t>
+            </a:r>
+            <a:r>
+              <a:rPr lang="en-US" dirty="0"/>
+              <a:t> =&gt; </a:t>
+            </a:r>
+            <a:r>
+              <a:rPr lang="en-US" dirty="0" err="1"/>
+              <a:t>eN</a:t>
+            </a:r>
+            <a:r>
+              <a:rPr lang="en-US" dirty="0"/>
+              <a:t>,</a:t>
+            </a:r>
+            <a:br>
+              <a:rPr lang="en-US" dirty="0"/>
+            </a:br>
+            <a:r>
+              <a:rPr lang="en-US" dirty="0"/>
+              <a:t>}</a:t>
+            </a:r>
+          </a:p>
+          <a:p>
+            <a:r>
+              <a:rPr lang="en-US" b="1" dirty="0"/>
+              <a:t>Definition:</a:t>
+            </a:r>
+            <a:r>
+              <a:rPr lang="en-US" dirty="0"/>
+              <a:t> Pattern </a:t>
+            </a:r>
+            <a:r>
+              <a:rPr lang="en-US" dirty="0" err="1"/>
+              <a:t>patI</a:t>
+            </a:r>
+            <a:r>
+              <a:rPr lang="en-US" dirty="0"/>
+              <a:t> is </a:t>
+            </a:r>
+            <a:r>
+              <a:rPr lang="en-US" i="1" dirty="0"/>
+              <a:t>exhaustive</a:t>
+            </a:r>
+            <a:r>
+              <a:rPr lang="en-US" dirty="0"/>
+              <a:t> if for every well-typed value </a:t>
+            </a:r>
+            <a:r>
+              <a:rPr lang="en-US" i="1" dirty="0"/>
+              <a:t>v0</a:t>
+            </a:r>
+            <a:r>
+              <a:rPr lang="en-US" dirty="0"/>
+              <a:t> of e0’s type, there exists pattern </a:t>
+            </a:r>
+            <a:r>
+              <a:rPr lang="en-US" dirty="0" err="1"/>
+              <a:t>patI</a:t>
+            </a:r>
+            <a:r>
+              <a:rPr lang="en-US" dirty="0"/>
+              <a:t> that matches v0</a:t>
+            </a:r>
+            <a:br>
+              <a:rPr lang="en-US" dirty="0"/>
+            </a:br>
+            <a:r>
+              <a:rPr lang="en-US" dirty="0"/>
+              <a:t>Rust warns the programmer if the patterns are </a:t>
+            </a:r>
+            <a:r>
+              <a:rPr lang="en-US" i="1" dirty="0"/>
+              <a:t>not</a:t>
+            </a:r>
+            <a:r>
+              <a:rPr lang="en-US" dirty="0"/>
+              <a:t> exhaustive.</a:t>
+            </a:r>
+            <a:endParaRPr lang="en-US" b="1" dirty="0"/>
           </a:p>
         </p:txBody>
       </p:sp>
     </p:spTree>
     <p:extLst>
       <p:ext uri="{BB962C8B-B14F-4D97-AF65-F5344CB8AC3E}">
-        <p14:creationId xmlns:p14="http://schemas.microsoft.com/office/powerpoint/2010/main" val="3551181496"/>
+        <p14:creationId xmlns:p14="http://schemas.microsoft.com/office/powerpoint/2010/main" val="3023124263"/>
       </p:ext>
     </p:extLst>
   </p:cSld>
@@ -13021,7 +13033,7 @@
           <a:p>
             <a:r>
               <a:rPr lang="en-US" dirty="0"/>
-              <a:t>Using Libraries</a:t>
+              <a:t>Section: Complete Programs</a:t>
             </a:r>
           </a:p>
         </p:txBody>
@@ -13047,109 +13059,14 @@
           <a:bodyPr/>
           <a:lstStyle/>
           <a:p>
-            <a:r>
-              <a:rPr lang="en-US" dirty="0"/>
-              <a:t>Libraries are organized into modules. For our purposes, modules will correspond to files of code. Module names can have multiple parts separated by double colons ::</a:t>
-            </a:r>
-          </a:p>
-          <a:p>
-            <a:r>
-              <a:rPr lang="en-US" dirty="0"/>
-              <a:t>The use keyword allows you to call functions from a given module</a:t>
-            </a:r>
-          </a:p>
-          <a:p>
-            <a:pPr marL="0" indent="0">
-              <a:buNone/>
-            </a:pPr>
-            <a:r>
-              <a:rPr lang="en-US" dirty="0">
-                <a:latin typeface="Consolas" panose="020B0609020204030204" pitchFamily="49" charset="0"/>
-              </a:rPr>
-              <a:t>use </a:t>
-            </a:r>
-            <a:r>
-              <a:rPr lang="en-US" dirty="0" err="1">
-                <a:latin typeface="Consolas" panose="020B0609020204030204" pitchFamily="49" charset="0"/>
-              </a:rPr>
-              <a:t>stdhash</a:t>
-            </a:r>
-            <a:r>
-              <a:rPr lang="en-US" dirty="0">
-                <a:latin typeface="Consolas" panose="020B0609020204030204" pitchFamily="49" charset="0"/>
-              </a:rPr>
-              <a:t>::Hash;</a:t>
-            </a:r>
-            <a:br>
-              <a:rPr lang="en-US" dirty="0"/>
-            </a:br>
-            <a:r>
-              <a:rPr lang="en-US" dirty="0">
-                <a:latin typeface="Consolas" panose="020B0609020204030204" pitchFamily="49" charset="0"/>
-              </a:rPr>
-              <a:t>use </a:t>
-            </a:r>
-            <a:r>
-              <a:rPr lang="en-US" dirty="0" err="1">
-                <a:latin typeface="Consolas" panose="020B0609020204030204" pitchFamily="49" charset="0"/>
-              </a:rPr>
-              <a:t>rpds</a:t>
-            </a:r>
-            <a:r>
-              <a:rPr lang="en-US" dirty="0">
-                <a:latin typeface="Consolas" panose="020B0609020204030204" pitchFamily="49" charset="0"/>
-              </a:rPr>
-              <a:t>::</a:t>
-            </a:r>
-            <a:r>
-              <a:rPr lang="en-US" dirty="0" err="1">
-                <a:latin typeface="Consolas" panose="020B0609020204030204" pitchFamily="49" charset="0"/>
-              </a:rPr>
-              <a:t>HashTrieMap</a:t>
-            </a:r>
-            <a:r>
-              <a:rPr lang="en-US" dirty="0">
-                <a:latin typeface="Consolas" panose="020B0609020204030204" pitchFamily="49" charset="0"/>
-              </a:rPr>
-              <a:t>;</a:t>
-            </a:r>
-          </a:p>
-          <a:p>
-            <a:r>
-              <a:rPr lang="en-US" dirty="0"/>
-              <a:t>for example, lets your program use Hash from the </a:t>
-            </a:r>
-            <a:r>
-              <a:rPr lang="en-US" dirty="0" err="1"/>
-              <a:t>stdhash</a:t>
-            </a:r>
-            <a:r>
-              <a:rPr lang="en-US" dirty="0"/>
-              <a:t> module and </a:t>
-            </a:r>
-            <a:r>
-              <a:rPr lang="en-US" dirty="0" err="1"/>
-              <a:t>HashTrieMap</a:t>
-            </a:r>
-            <a:r>
-              <a:rPr lang="en-US" dirty="0"/>
-              <a:t> from the non-standard </a:t>
-            </a:r>
-            <a:r>
-              <a:rPr lang="en-US" dirty="0" err="1"/>
-              <a:t>rpds</a:t>
-            </a:r>
-            <a:r>
-              <a:rPr lang="en-US" dirty="0"/>
-              <a:t> module.</a:t>
-            </a:r>
+            <a:endParaRPr lang="en-US"/>
           </a:p>
         </p:txBody>
       </p:sp>
     </p:spTree>
     <p:extLst>
       <p:ext uri="{BB962C8B-B14F-4D97-AF65-F5344CB8AC3E}">
-        <p14:creationId xmlns:p14="http://schemas.microsoft.com/office/powerpoint/2010/main" val="799150681"/>
+        <p14:creationId xmlns:p14="http://schemas.microsoft.com/office/powerpoint/2010/main" val="3551181496"/>
       </p:ext>
     </p:extLst>
   </p:cSld>
@@ -13181,7 +13098,7 @@
           <p:cNvPr id="2" name="Title 1">
             <a:extLst>
               <a:ext uri="{FF2B5EF4-FFF2-40B4-BE49-F238E27FC236}">
-                <a16:creationId xmlns:a16="http://schemas.microsoft.com/office/drawing/2014/main" id="{9367EF7F-F871-EDDA-3B3F-1AF001ADA136}"/>
+                <a16:creationId xmlns:a16="http://schemas.microsoft.com/office/drawing/2014/main" id="{7AE18351-4975-A4E0-80B7-AB98A92D38BF}"/>
               </a:ext>
             </a:extLst>
           </p:cNvPr>
@@ -13199,7 +13116,7 @@
           <a:p>
             <a:r>
               <a:rPr lang="en-US" dirty="0"/>
-              <a:t>Main Function</a:t>
+              <a:t>Using Libraries</a:t>
             </a:r>
           </a:p>
         </p:txBody>
@@ -13209,7 +13126,7 @@
           <p:cNvPr id="3" name="Content Placeholder 2">
             <a:extLst>
               <a:ext uri="{FF2B5EF4-FFF2-40B4-BE49-F238E27FC236}">
-                <a16:creationId xmlns:a16="http://schemas.microsoft.com/office/drawing/2014/main" id="{267C03B7-4E50-597A-F00B-53538362EF27}"/>
+                <a16:creationId xmlns:a16="http://schemas.microsoft.com/office/drawing/2014/main" id="{7C2D2D98-362E-C158-FF52-3BB272E4E5C8}"/>
               </a:ext>
             </a:extLst>
           </p:cNvPr>
@@ -13222,14 +13139,18 @@
         </p:nvSpPr>
         <p:spPr/>
         <p:txBody>
-          <a:bodyPr>
-            <a:normAutofit fontScale="92500" lnSpcReduction="10000"/>
-          </a:bodyPr>
-          <a:lstStyle/>
-          <a:p>
-            <a:r>
-              <a:rPr lang="en-US" dirty="0"/>
-              <a:t>A complete Rust program must have a function named main with no arguments and no return type annotation:</a:t>
+          <a:bodyPr/>
+          <a:lstStyle/>
+          <a:p>
+            <a:r>
+              <a:rPr lang="en-US" dirty="0"/>
+              <a:t>Libraries are organized into modules. For our purposes, modules will correspond to files of code. Module names can have multiple parts separated by double colons ::</a:t>
+            </a:r>
+          </a:p>
+          <a:p>
+            <a:r>
+              <a:rPr lang="en-US" dirty="0"/>
+              <a:t>The use keyword allows you to call functions from a given module</a:t>
             </a:r>
           </a:p>
           <a:p>
@@ -13237,82 +13158,93 @@
               <a:buNone/>
             </a:pPr>
             <a:r>
+              <a:rPr lang="en-US" dirty="0">
+                <a:latin typeface="Consolas" panose="020B0609020204030204" pitchFamily="49" charset="0"/>
+              </a:rPr>
+              <a:t>use </a:t>
+            </a:r>
+            <a:r>
               <a:rPr lang="en-US" dirty="0" err="1">
                 <a:latin typeface="Consolas" panose="020B0609020204030204" pitchFamily="49" charset="0"/>
               </a:rPr>
-              <a:t>fn</a:t>
-            </a:r>
-            <a:r>
-              <a:rPr lang="en-US" dirty="0">
-                <a:latin typeface="Consolas" panose="020B0609020204030204" pitchFamily="49" charset="0"/>
-              </a:rPr>
-              <a:t> main () {</a:t>
+              <a:t>stdhash</a:t>
+            </a:r>
+            <a:r>
+              <a:rPr lang="en-US" dirty="0">
+                <a:latin typeface="Consolas" panose="020B0609020204030204" pitchFamily="49" charset="0"/>
+              </a:rPr>
+              <a:t>::Hash;</a:t>
             </a:r>
             <a:br>
-              <a:rPr lang="en-US" dirty="0">
-                <a:latin typeface="Consolas" panose="020B0609020204030204" pitchFamily="49" charset="0"/>
-              </a:rPr>
+              <a:rPr lang="en-US" dirty="0"/>
             </a:br>
             <a:r>
               <a:rPr lang="en-US" dirty="0">
                 <a:latin typeface="Consolas" panose="020B0609020204030204" pitchFamily="49" charset="0"/>
               </a:rPr>
-              <a:t>  body</a:t>
-            </a:r>
-            <a:br>
-              <a:rPr lang="en-US" dirty="0">
-                <a:latin typeface="Consolas" panose="020B0609020204030204" pitchFamily="49" charset="0"/>
-              </a:rPr>
-            </a:br>
-            <a:r>
-              <a:rPr lang="en-US" dirty="0">
-                <a:latin typeface="Consolas" panose="020B0609020204030204" pitchFamily="49" charset="0"/>
-              </a:rPr>
-              <a:t>}</a:t>
-            </a:r>
-          </a:p>
-          <a:p>
-            <a:pPr marL="0" indent="0">
-              <a:buNone/>
-            </a:pPr>
-            <a:r>
-              <a:rPr lang="en-US" dirty="0"/>
-              <a:t>The body expression typically performs input and output, for any non-trivial program.</a:t>
-            </a:r>
-          </a:p>
-          <a:p>
-            <a:pPr marL="0" indent="0">
-              <a:buNone/>
-            </a:pPr>
-            <a:r>
-              <a:rPr lang="en-US" dirty="0"/>
-              <a:t>If you wish to access command-line arguments, you must use a standard library module called </a:t>
+              <a:t>use </a:t>
             </a:r>
             <a:r>
               <a:rPr lang="en-US" dirty="0" err="1">
                 <a:latin typeface="Consolas" panose="020B0609020204030204" pitchFamily="49" charset="0"/>
               </a:rPr>
-              <a:t>stdenv</a:t>
-            </a:r>
-            <a:r>
-              <a:rPr lang="en-US" dirty="0"/>
-              <a:t>; command-line arguments are not passed to the main function</a:t>
-            </a:r>
-          </a:p>
-          <a:p>
-            <a:pPr marL="0" indent="0">
-              <a:buNone/>
-            </a:pPr>
-            <a:endParaRPr lang="en-US" dirty="0">
-              <a:latin typeface="Consolas" panose="020B0609020204030204" pitchFamily="49" charset="0"/>
-            </a:endParaRPr>
+              <a:t>rpds</a:t>
+            </a:r>
+            <a:r>
+              <a:rPr lang="en-US" dirty="0">
+                <a:latin typeface="Consolas" panose="020B0609020204030204" pitchFamily="49" charset="0"/>
+              </a:rPr>
+              <a:t>::</a:t>
+            </a:r>
+            <a:r>
+              <a:rPr lang="en-US" dirty="0" err="1">
+                <a:latin typeface="Consolas" panose="020B0609020204030204" pitchFamily="49" charset="0"/>
+              </a:rPr>
+              <a:t>HashTrieMap</a:t>
+            </a:r>
+            <a:r>
+              <a:rPr lang="en-US" dirty="0">
+                <a:latin typeface="Consolas" panose="020B0609020204030204" pitchFamily="49" charset="0"/>
+              </a:rPr>
+              <a:t>;</a:t>
+            </a:r>
+          </a:p>
+          <a:p>
+            <a:r>
+              <a:rPr lang="en-US" dirty="0"/>
+              <a:t>for example, lets your program use Hash from the </a:t>
+            </a:r>
+            <a:r>
+              <a:rPr lang="en-US" dirty="0" err="1"/>
+              <a:t>stdhash</a:t>
+            </a:r>
+            <a:r>
+              <a:rPr lang="en-US" dirty="0"/>
+              <a:t> module and </a:t>
+            </a:r>
+            <a:r>
+              <a:rPr lang="en-US" dirty="0" err="1"/>
+              <a:t>HashTrieMap</a:t>
+            </a:r>
+            <a:r>
+              <a:rPr lang="en-US" dirty="0"/>
+              <a:t> from the non-standard </a:t>
+            </a:r>
+            <a:r>
+              <a:rPr lang="en-US" dirty="0" err="1"/>
+              <a:t>rpds</a:t>
+            </a:r>
+            <a:r>
+              <a:rPr lang="en-US" dirty="0"/>
+              <a:t> module.</a:t>
+            </a:r>
           </a:p>
         </p:txBody>
       </p:sp>
     </p:spTree>
     <p:extLst>
       <p:ext uri="{BB962C8B-B14F-4D97-AF65-F5344CB8AC3E}">
-        <p14:creationId xmlns:p14="http://schemas.microsoft.com/office/powerpoint/2010/main" val="4066411414"/>
+        <p14:creationId xmlns:p14="http://schemas.microsoft.com/office/powerpoint/2010/main" val="799150681"/>
       </p:ext>
     </p:extLst>
   </p:cSld>
@@ -13344,7 +13276,7 @@
           <p:cNvPr id="2" name="Title 1">
             <a:extLst>
               <a:ext uri="{FF2B5EF4-FFF2-40B4-BE49-F238E27FC236}">
-                <a16:creationId xmlns:a16="http://schemas.microsoft.com/office/drawing/2014/main" id="{B9DB7FEE-CEA2-CD77-5580-0EF28384D850}"/>
+                <a16:creationId xmlns:a16="http://schemas.microsoft.com/office/drawing/2014/main" id="{9367EF7F-F871-EDDA-3B3F-1AF001ADA136}"/>
               </a:ext>
             </a:extLst>
           </p:cNvPr>
@@ -13362,7 +13294,7 @@
           <a:p>
             <a:r>
               <a:rPr lang="en-US" dirty="0"/>
-              <a:t>Exercise: Code in Class</a:t>
+              <a:t>Main Function</a:t>
             </a:r>
           </a:p>
         </p:txBody>
@@ -13372,7 +13304,7 @@
           <p:cNvPr id="3" name="Content Placeholder 2">
             <a:extLst>
               <a:ext uri="{FF2B5EF4-FFF2-40B4-BE49-F238E27FC236}">
-                <a16:creationId xmlns:a16="http://schemas.microsoft.com/office/drawing/2014/main" id="{8AC6FAFF-9956-647E-A163-4F0F492129DA}"/>
+                <a16:creationId xmlns:a16="http://schemas.microsoft.com/office/drawing/2014/main" id="{267C03B7-4E50-597A-F00B-53538362EF27}"/>
               </a:ext>
             </a:extLst>
           </p:cNvPr>
@@ -13385,78 +13317,97 @@
         </p:nvSpPr>
         <p:spPr/>
         <p:txBody>
-          <a:bodyPr/>
-          <a:lstStyle/>
-          <a:p>
-            <a:r>
-              <a:rPr lang="en-US" dirty="0"/>
-              <a:t>Let’s spend a few minutes coding as many of the following textbook exercises as you have time for. Ask questions at any time. We will discuss as a class at the end.</a:t>
-            </a:r>
-          </a:p>
-          <a:p>
-            <a:r>
-              <a:rPr lang="en-US" dirty="0"/>
-              <a:t>Exercise 9a (nor)</a:t>
+          <a:bodyPr>
+            <a:normAutofit fontScale="92500" lnSpcReduction="10000"/>
+          </a:bodyPr>
+          <a:lstStyle/>
+          <a:p>
+            <a:r>
+              <a:rPr lang="en-US" dirty="0"/>
+              <a:t>A complete Rust program must have a function named main with no arguments and no return type annotation:</a:t>
+            </a:r>
+          </a:p>
+          <a:p>
+            <a:pPr marL="0" indent="0">
+              <a:buNone/>
+            </a:pPr>
+            <a:r>
+              <a:rPr lang="en-US" dirty="0" err="1">
+                <a:latin typeface="Consolas" panose="020B0609020204030204" pitchFamily="49" charset="0"/>
+              </a:rPr>
+              <a:t>fn</a:t>
+            </a:r>
+            <a:r>
+              <a:rPr lang="en-US" dirty="0">
+                <a:latin typeface="Consolas" panose="020B0609020204030204" pitchFamily="49" charset="0"/>
+              </a:rPr>
+              <a:t> main () {</a:t>
             </a:r>
             <a:br>
-              <a:rPr lang="en-US" dirty="0"/>
+              <a:rPr lang="en-US" dirty="0">
+                <a:latin typeface="Consolas" panose="020B0609020204030204" pitchFamily="49" charset="0"/>
+              </a:rPr>
             </a:br>
             <a:r>
-              <a:rPr lang="en-US" dirty="0"/>
-              <a:t>Exercise 9c (reverse)</a:t>
+              <a:rPr lang="en-US" dirty="0">
+                <a:latin typeface="Consolas" panose="020B0609020204030204" pitchFamily="49" charset="0"/>
+              </a:rPr>
+              <a:t>  body</a:t>
             </a:r>
             <a:br>
-              <a:rPr lang="en-US" dirty="0"/>
+              <a:rPr lang="en-US" dirty="0">
+                <a:latin typeface="Consolas" panose="020B0609020204030204" pitchFamily="49" charset="0"/>
+              </a:rPr>
             </a:br>
             <a:r>
-              <a:rPr lang="en-US" dirty="0"/>
-              <a:t>Exercise 9d (</a:t>
-            </a:r>
-            <a:r>
-              <a:rPr lang="en-US" dirty="0" err="1"/>
-              <a:t>concat_all</a:t>
-            </a:r>
-            <a:r>
-              <a:rPr lang="en-US" dirty="0"/>
-              <a:t>)</a:t>
-            </a:r>
-            <a:br>
-              <a:rPr lang="en-US" dirty="0"/>
-            </a:br>
-            <a:r>
-              <a:rPr lang="en-US" dirty="0"/>
-              <a:t>Exercise 9e (</a:t>
-            </a:r>
-            <a:r>
-              <a:rPr lang="en-US" dirty="0" err="1"/>
-              <a:t>day_name_string</a:t>
-            </a:r>
-            <a:r>
-              <a:rPr lang="en-US" dirty="0"/>
-              <a:t>)</a:t>
-            </a:r>
-            <a:br>
-              <a:rPr lang="en-US" dirty="0"/>
-            </a:br>
-            <a:r>
-              <a:rPr lang="en-US" dirty="0"/>
-              <a:t>Exercise 9g (</a:t>
-            </a:r>
-            <a:r>
-              <a:rPr lang="en-US" dirty="0" err="1"/>
-              <a:t>tree_size</a:t>
-            </a:r>
-            <a:r>
-              <a:rPr lang="en-US" dirty="0"/>
-              <a:t>)</a:t>
-            </a:r>
+              <a:rPr lang="en-US" dirty="0">
+                <a:latin typeface="Consolas" panose="020B0609020204030204" pitchFamily="49" charset="0"/>
+              </a:rPr>
+              <a:t>}</a:t>
+            </a:r>
+          </a:p>
+          <a:p>
+            <a:pPr marL="0" indent="0">
+              <a:buNone/>
+            </a:pPr>
+            <a:r>
+              <a:rPr lang="en-US" dirty="0"/>
+              <a:t>The body expression typically performs input and output, for any non-trivial program.</a:t>
+            </a:r>
+          </a:p>
+          <a:p>
+            <a:pPr marL="0" indent="0">
+              <a:buNone/>
+            </a:pPr>
+            <a:r>
+              <a:rPr lang="en-US" dirty="0"/>
+              <a:t>If you wish to access command-line arguments, you must use a standard library module called </a:t>
+            </a:r>
+            <a:r>
+              <a:rPr lang="en-US" dirty="0" err="1">
+                <a:latin typeface="Consolas" panose="020B0609020204030204" pitchFamily="49" charset="0"/>
+              </a:rPr>
+              <a:t>stdenv</a:t>
+            </a:r>
+            <a:r>
+              <a:rPr lang="en-US" dirty="0"/>
+              <a:t>; command-line arguments are not passed to the main function</a:t>
+            </a:r>
+          </a:p>
+          <a:p>
+            <a:pPr marL="0" indent="0">
+              <a:buNone/>
+            </a:pPr>
+            <a:endParaRPr lang="en-US" dirty="0">
+              <a:latin typeface="Consolas" panose="020B0609020204030204" pitchFamily="49" charset="0"/>
+            </a:endParaRPr>
           </a:p>
         </p:txBody>
       </p:sp>
     </p:spTree>
     <p:extLst>
       <p:ext uri="{BB962C8B-B14F-4D97-AF65-F5344CB8AC3E}">
-        <p14:creationId xmlns:p14="http://schemas.microsoft.com/office/powerpoint/2010/main" val="1966329221"/>
+        <p14:creationId xmlns:p14="http://schemas.microsoft.com/office/powerpoint/2010/main" val="4066411414"/>
       </p:ext>
     </p:extLst>
   </p:cSld>
@@ -13488,7 +13439,7 @@
           <p:cNvPr id="2" name="Title 1">
             <a:extLst>
               <a:ext uri="{FF2B5EF4-FFF2-40B4-BE49-F238E27FC236}">
-                <a16:creationId xmlns:a16="http://schemas.microsoft.com/office/drawing/2014/main" id="{47409C7D-E6CA-7CC7-1F89-45EE00C3EA4A}"/>
+                <a16:creationId xmlns:a16="http://schemas.microsoft.com/office/drawing/2014/main" id="{B9DB7FEE-CEA2-CD77-5580-0EF28384D850}"/>
               </a:ext>
             </a:extLst>
           </p:cNvPr>
@@ -13506,7 +13457,7 @@
           <a:p>
             <a:r>
               <a:rPr lang="en-US" dirty="0"/>
-              <a:t>Section: Reflecting on User Experience</a:t>
+              <a:t>Exercise: Code in Class</a:t>
             </a:r>
           </a:p>
         </p:txBody>
@@ -13516,7 +13467,7 @@
           <p:cNvPr id="3" name="Content Placeholder 2">
             <a:extLst>
               <a:ext uri="{FF2B5EF4-FFF2-40B4-BE49-F238E27FC236}">
-                <a16:creationId xmlns:a16="http://schemas.microsoft.com/office/drawing/2014/main" id="{95889976-92CA-FCE9-54EE-55C1C5064479}"/>
+                <a16:creationId xmlns:a16="http://schemas.microsoft.com/office/drawing/2014/main" id="{8AC6FAFF-9956-647E-A163-4F0F492129DA}"/>
               </a:ext>
             </a:extLst>
           </p:cNvPr>
@@ -13532,14 +13483,75 @@
           <a:bodyPr/>
           <a:lstStyle/>
           <a:p>
-            <a:endParaRPr lang="en-US"/>
+            <a:r>
+              <a:rPr lang="en-US" dirty="0"/>
+              <a:t>Let’s spend a few minutes coding as many of the following textbook exercises as you have time for. Ask questions at any time. We will discuss as a class at the end.</a:t>
+            </a:r>
+          </a:p>
+          <a:p>
+            <a:r>
+              <a:rPr lang="en-US" dirty="0"/>
+              <a:t>Exercise 9a (nor)</a:t>
+            </a:r>
+            <a:br>
+              <a:rPr lang="en-US" dirty="0"/>
+            </a:br>
+            <a:r>
+              <a:rPr lang="en-US" dirty="0"/>
+              <a:t>Exercise 9c (reverse)</a:t>
+            </a:r>
+            <a:br>
+              <a:rPr lang="en-US" dirty="0"/>
+            </a:br>
+            <a:r>
+              <a:rPr lang="en-US" dirty="0"/>
+              <a:t>Exercise 9d (</a:t>
+            </a:r>
+            <a:r>
+              <a:rPr lang="en-US" dirty="0" err="1"/>
+              <a:t>concat_all</a:t>
+            </a:r>
+            <a:r>
+              <a:rPr lang="en-US" dirty="0"/>
+              <a:t>)</a:t>
+            </a:r>
+            <a:br>
+              <a:rPr lang="en-US" dirty="0"/>
+            </a:br>
+            <a:r>
+              <a:rPr lang="en-US" dirty="0"/>
+              <a:t>Exercise 9e (</a:t>
+            </a:r>
+            <a:r>
+              <a:rPr lang="en-US" dirty="0" err="1"/>
+              <a:t>day_name_string</a:t>
+            </a:r>
+            <a:r>
+              <a:rPr lang="en-US" dirty="0"/>
+              <a:t>)</a:t>
+            </a:r>
+            <a:br>
+              <a:rPr lang="en-US" dirty="0"/>
+            </a:br>
+            <a:r>
+              <a:rPr lang="en-US" dirty="0"/>
+              <a:t>Exercise 9g (</a:t>
+            </a:r>
+            <a:r>
+              <a:rPr lang="en-US" dirty="0" err="1"/>
+              <a:t>tree_size</a:t>
+            </a:r>
+            <a:r>
+              <a:rPr lang="en-US" dirty="0"/>
+              <a:t>)</a:t>
+            </a:r>
           </a:p>
         </p:txBody>
       </p:sp>
     </p:spTree>
     <p:extLst>
       <p:ext uri="{BB962C8B-B14F-4D97-AF65-F5344CB8AC3E}">
-        <p14:creationId xmlns:p14="http://schemas.microsoft.com/office/powerpoint/2010/main" val="2115848509"/>
+        <p14:creationId xmlns:p14="http://schemas.microsoft.com/office/powerpoint/2010/main" val="1966329221"/>
       </p:ext>
     </p:extLst>
   </p:cSld>
@@ -13571,7 +13583,7 @@
           <p:cNvPr id="2" name="Title 1">
             <a:extLst>
               <a:ext uri="{FF2B5EF4-FFF2-40B4-BE49-F238E27FC236}">
-                <a16:creationId xmlns:a16="http://schemas.microsoft.com/office/drawing/2014/main" id="{AC6C73A7-0D3A-E6C4-EC6B-2490977B38D4}"/>
+                <a16:creationId xmlns:a16="http://schemas.microsoft.com/office/drawing/2014/main" id="{47409C7D-E6CA-7CC7-1F89-45EE00C3EA4A}"/>
               </a:ext>
             </a:extLst>
           </p:cNvPr>
@@ -13589,7 +13601,7 @@
           <a:p>
             <a:r>
               <a:rPr lang="en-US" dirty="0"/>
-              <a:t>Error Messages Matter</a:t>
+              <a:t>Section: Reflecting on User Experience</a:t>
             </a:r>
           </a:p>
         </p:txBody>
@@ -13599,7 +13611,7 @@
           <p:cNvPr id="3" name="Content Placeholder 2">
             <a:extLst>
               <a:ext uri="{FF2B5EF4-FFF2-40B4-BE49-F238E27FC236}">
-                <a16:creationId xmlns:a16="http://schemas.microsoft.com/office/drawing/2014/main" id="{5F5C4DA9-C5B9-67DE-85D2-82B9519954DF}"/>
+                <a16:creationId xmlns:a16="http://schemas.microsoft.com/office/drawing/2014/main" id="{95889976-92CA-FCE9-54EE-55C1C5064479}"/>
               </a:ext>
             </a:extLst>
           </p:cNvPr>
@@ -13615,54 +13627,14 @@
           <a:bodyPr/>
           <a:lstStyle/>
           <a:p>
-            <a:r>
-              <a:rPr lang="en-US" dirty="0"/>
-              <a:t>In Human-Centered Programming Languages, the programmer is a computer user and a PL is the user interface</a:t>
-            </a:r>
-          </a:p>
-          <a:p>
-            <a:r>
-              <a:rPr lang="en-US" dirty="0"/>
-              <a:t>If syntax is the input of the interface, compiler errors are output</a:t>
-            </a:r>
-            <a:br>
-              <a:rPr lang="en-US" dirty="0"/>
-            </a:br>
-            <a:r>
-              <a:rPr lang="en-US" dirty="0"/>
-              <a:t>To achieve programmers’ goals, error messages should be intentionally designed, e.g., to be:</a:t>
-            </a:r>
-          </a:p>
-          <a:p>
-            <a:pPr lvl="1"/>
-            <a:r>
-              <a:rPr lang="en-US" dirty="0"/>
-              <a:t>Actionable: Tell the programmer what to try next to resolve error</a:t>
-            </a:r>
-          </a:p>
-          <a:p>
-            <a:pPr lvl="1"/>
-            <a:r>
-              <a:rPr lang="en-US" dirty="0"/>
-              <a:t>Justified: If the error did not exist, something bad might happen</a:t>
-            </a:r>
-          </a:p>
-          <a:p>
-            <a:pPr lvl="1"/>
-            <a:r>
-              <a:rPr lang="en-US" dirty="0"/>
-              <a:t>Specific: The nature and location of the error should be provided with as much precision as is practical</a:t>
-            </a:r>
-          </a:p>
-          <a:p>
-            <a:endParaRPr lang="en-US" dirty="0"/>
+            <a:endParaRPr lang="en-US"/>
           </a:p>
         </p:txBody>
       </p:sp>
     </p:spTree>
     <p:extLst>
       <p:ext uri="{BB962C8B-B14F-4D97-AF65-F5344CB8AC3E}">
-        <p14:creationId xmlns:p14="http://schemas.microsoft.com/office/powerpoint/2010/main" val="1985136942"/>
+        <p14:creationId xmlns:p14="http://schemas.microsoft.com/office/powerpoint/2010/main" val="2115848509"/>
       </p:ext>
     </p:extLst>
   </p:cSld>
@@ -13694,7 +13666,7 @@
           <p:cNvPr id="2" name="Title 1">
             <a:extLst>
               <a:ext uri="{FF2B5EF4-FFF2-40B4-BE49-F238E27FC236}">
-                <a16:creationId xmlns:a16="http://schemas.microsoft.com/office/drawing/2014/main" id="{98CEB055-93B9-F250-BDE0-26C7CE926236}"/>
+                <a16:creationId xmlns:a16="http://schemas.microsoft.com/office/drawing/2014/main" id="{AC6C73A7-0D3A-E6C4-EC6B-2490977B38D4}"/>
               </a:ext>
             </a:extLst>
           </p:cNvPr>
@@ -13712,7 +13684,7 @@
           <a:p>
             <a:r>
               <a:rPr lang="en-US" dirty="0"/>
-              <a:t>Understanding Error Messages</a:t>
+              <a:t>Error Messages Matter</a:t>
             </a:r>
           </a:p>
         </p:txBody>
@@ -13722,7 +13694,7 @@
           <p:cNvPr id="3" name="Content Placeholder 2">
             <a:extLst>
               <a:ext uri="{FF2B5EF4-FFF2-40B4-BE49-F238E27FC236}">
-                <a16:creationId xmlns:a16="http://schemas.microsoft.com/office/drawing/2014/main" id="{B213ED99-2FA2-0B05-94B8-D8D236CE3A78}"/>
+                <a16:creationId xmlns:a16="http://schemas.microsoft.com/office/drawing/2014/main" id="{5F5C4DA9-C5B9-67DE-85D2-82B9519954DF}"/>
               </a:ext>
             </a:extLst>
           </p:cNvPr>
@@ -13733,191 +13705,59 @@
             <p:ph idx="1"/>
           </p:nvPr>
         </p:nvSpPr>
-        <p:spPr>
-          <a:xfrm>
-            <a:off x="1097280" y="1845734"/>
-            <a:ext cx="7272997" cy="4023360"/>
-          </a:xfrm>
-        </p:spPr>
-        <p:txBody>
-          <a:bodyPr>
-            <a:normAutofit fontScale="92500" lnSpcReduction="10000"/>
-          </a:bodyPr>
-          <a:lstStyle/>
-          <a:p>
-            <a:r>
-              <a:rPr lang="en-US" dirty="0"/>
-              <a:t>Learning error messages is part of learning a programming language. The textbook explains some of the most common error messages, e.g.,</a:t>
-            </a:r>
-          </a:p>
-          <a:p>
-            <a:r>
-              <a:rPr lang="en-US" dirty="0"/>
-              <a:t>Borrows which violate the </a:t>
-            </a:r>
-            <a:r>
-              <a:rPr lang="en-US" dirty="0" err="1"/>
-              <a:t>WOoRM</a:t>
-            </a:r>
-            <a:r>
-              <a:rPr lang="en-US" dirty="0"/>
-              <a:t> rule result in error messages. The example on the right gives:</a:t>
-            </a:r>
-          </a:p>
-          <a:p>
-            <a:r>
-              <a:rPr lang="en-US" dirty="0"/>
-              <a:t>" cannot borrow `x` as mutable more than once at a time, second mutable borrow occurs here“</a:t>
-            </a:r>
-          </a:p>
-          <a:p>
-            <a:r>
-              <a:rPr lang="en-US" dirty="0"/>
-              <a:t>This message is specific and justified but not actionable. Recommended actions: make one reference immutable if possible, else </a:t>
-            </a:r>
-            <a:r>
-              <a:rPr lang="en-US" dirty="0">
-                <a:latin typeface="Consolas" panose="020B0609020204030204" pitchFamily="49" charset="0"/>
-              </a:rPr>
-              <a:t>.clone()</a:t>
-            </a:r>
-            <a:r>
-              <a:rPr lang="en-US" dirty="0"/>
-              <a:t> data</a:t>
-            </a:r>
-          </a:p>
-        </p:txBody>
-      </p:sp>
-      <p:sp>
-        <p:nvSpPr>
-          <p:cNvPr id="4" name="TextBox 3">
-            <a:extLst>
-              <a:ext uri="{FF2B5EF4-FFF2-40B4-BE49-F238E27FC236}">
-                <a16:creationId xmlns:a16="http://schemas.microsoft.com/office/drawing/2014/main" id="{D2CAD768-65D3-0EE4-C2C3-190DD21273E7}"/>
-              </a:ext>
-            </a:extLst>
-          </p:cNvPr>
-          <p:cNvSpPr txBox="1"/>
-          <p:nvPr/>
-        </p:nvSpPr>
-        <p:spPr>
-          <a:xfrm>
-            <a:off x="8784139" y="2453363"/>
-            <a:ext cx="2310581" cy="1200329"/>
-          </a:xfrm>
-          <a:prstGeom prst="rect">
-            <a:avLst/>
-          </a:prstGeom>
-          <a:noFill/>
-        </p:spPr>
-        <p:txBody>
-          <a:bodyPr wrap="square" rtlCol="0">
-            <a:spAutoFit/>
-          </a:bodyPr>
-          <a:lstStyle/>
-          <a:p>
-            <a:r>
-              <a:rPr lang="en-US" dirty="0">
-                <a:latin typeface="Consolas" panose="020B0609020204030204" pitchFamily="49" charset="0"/>
-              </a:rPr>
-              <a:t>let mut x = 5;</a:t>
-            </a:r>
-          </a:p>
-          <a:p>
-            <a:r>
-              <a:rPr lang="en-US" dirty="0">
-                <a:latin typeface="Consolas" panose="020B0609020204030204" pitchFamily="49" charset="0"/>
-              </a:rPr>
-              <a:t>let r1 = &amp;mut x;</a:t>
-            </a:r>
-          </a:p>
-          <a:p>
-            <a:r>
-              <a:rPr lang="en-US" dirty="0">
-                <a:latin typeface="Consolas" panose="020B0609020204030204" pitchFamily="49" charset="0"/>
-              </a:rPr>
-              <a:t>let r2 = &amp;mut x;</a:t>
-            </a:r>
-          </a:p>
-          <a:p>
-            <a:r>
-              <a:rPr lang="en-US" dirty="0">
-                <a:latin typeface="Consolas" panose="020B0609020204030204" pitchFamily="49" charset="0"/>
-              </a:rPr>
-              <a:t>*r1 = *r2 + 1;</a:t>
-            </a:r>
-          </a:p>
-        </p:txBody>
-      </p:sp>
-      <p:pic>
-        <p:nvPicPr>
-          <p:cNvPr id="5" name="Picture 4">
-            <a:extLst>
-              <a:ext uri="{FF2B5EF4-FFF2-40B4-BE49-F238E27FC236}">
-                <a16:creationId xmlns:a16="http://schemas.microsoft.com/office/drawing/2014/main" id="{004ACB54-9DF7-58A6-19EA-ACE6D17629FB}"/>
-              </a:ext>
-            </a:extLst>
-          </p:cNvPr>
-          <p:cNvPicPr>
-            <a:picLocks noChangeAspect="1"/>
-          </p:cNvPicPr>
-          <p:nvPr/>
-        </p:nvPicPr>
-        <p:blipFill>
-          <a:blip r:embed="rId2"/>
-          <a:stretch>
-            <a:fillRect/>
-          </a:stretch>
-        </p:blipFill>
-        <p:spPr>
-          <a:xfrm>
-            <a:off x="8528551" y="3782929"/>
-            <a:ext cx="585370" cy="529140"/>
-          </a:xfrm>
-          <a:prstGeom prst="rect">
-            <a:avLst/>
-          </a:prstGeom>
-        </p:spPr>
-      </p:pic>
-      <p:sp>
-        <p:nvSpPr>
-          <p:cNvPr id="6" name="TextBox 5">
-            <a:extLst>
-              <a:ext uri="{FF2B5EF4-FFF2-40B4-BE49-F238E27FC236}">
-                <a16:creationId xmlns:a16="http://schemas.microsoft.com/office/drawing/2014/main" id="{26320677-DDDD-7E38-ECA2-F8F8DDC75C59}"/>
-              </a:ext>
-            </a:extLst>
-          </p:cNvPr>
-          <p:cNvSpPr txBox="1"/>
-          <p:nvPr/>
-        </p:nvSpPr>
-        <p:spPr>
-          <a:xfrm>
-            <a:off x="9101916" y="3788849"/>
-            <a:ext cx="1399807" cy="523220"/>
-          </a:xfrm>
-          <a:prstGeom prst="rect">
-            <a:avLst/>
-          </a:prstGeom>
-          <a:noFill/>
-        </p:spPr>
-        <p:txBody>
-          <a:bodyPr wrap="none" rtlCol="0">
-            <a:spAutoFit/>
-          </a:bodyPr>
-          <a:lstStyle/>
-          <a:p>
-            <a:r>
-              <a:rPr lang="en-US" sz="2800" dirty="0"/>
-              <a:t>2 Writes</a:t>
-            </a:r>
+        <p:spPr/>
+        <p:txBody>
+          <a:bodyPr/>
+          <a:lstStyle/>
+          <a:p>
+            <a:r>
+              <a:rPr lang="en-US" dirty="0"/>
+              <a:t>In Human-Centered Programming Languages, the programmer is a computer user and a PL is the user interface</a:t>
+            </a:r>
+          </a:p>
+          <a:p>
+            <a:r>
+              <a:rPr lang="en-US" dirty="0"/>
+              <a:t>If syntax is the input of the interface, compiler errors are output</a:t>
+            </a:r>
+            <a:br>
+              <a:rPr lang="en-US" dirty="0"/>
+            </a:br>
+            <a:r>
+              <a:rPr lang="en-US" dirty="0"/>
+              <a:t>To achieve programmers’ goals, error messages should be intentionally designed, e.g., to be:</a:t>
+            </a:r>
+          </a:p>
+          <a:p>
+            <a:pPr lvl="1"/>
+            <a:r>
+              <a:rPr lang="en-US" dirty="0"/>
+              <a:t>Actionable: Tell the programmer what to try next to resolve error</a:t>
+            </a:r>
+          </a:p>
+          <a:p>
+            <a:pPr lvl="1"/>
+            <a:r>
+              <a:rPr lang="en-US" dirty="0"/>
+              <a:t>Justified: If the error did not exist, something bad might happen</a:t>
+            </a:r>
+          </a:p>
+          <a:p>
+            <a:pPr lvl="1"/>
+            <a:r>
+              <a:rPr lang="en-US" dirty="0"/>
+              <a:t>Specific: The nature and location of the error should be provided with as much precision as is practical</a:t>
+            </a:r>
+          </a:p>
+          <a:p>
+            <a:endParaRPr lang="en-US" dirty="0"/>
           </a:p>
         </p:txBody>
       </p:sp>
     </p:spTree>
     <p:extLst>
       <p:ext uri="{BB962C8B-B14F-4D97-AF65-F5344CB8AC3E}">
-        <p14:creationId xmlns:p14="http://schemas.microsoft.com/office/powerpoint/2010/main" val="2442107253"/>
+        <p14:creationId xmlns:p14="http://schemas.microsoft.com/office/powerpoint/2010/main" val="1985136942"/>
       </p:ext>
     </p:extLst>
   </p:cSld>
@@ -13990,85 +13830,53 @@
         </p:nvSpPr>
         <p:spPr>
           <a:xfrm>
-            <a:off x="639097" y="1845734"/>
-            <a:ext cx="6984112" cy="4006426"/>
+            <a:off x="1097280" y="1845734"/>
+            <a:ext cx="7272997" cy="4023360"/>
           </a:xfrm>
         </p:spPr>
         <p:txBody>
           <a:bodyPr>
-            <a:normAutofit/>
+            <a:normAutofit fontScale="92500" lnSpcReduction="10000"/>
           </a:bodyPr>
           <a:lstStyle/>
           <a:p>
             <a:r>
               <a:rPr lang="en-US" dirty="0"/>
-              <a:t>Many errors have the form “I expected one type but got another.” The messages for these errors are usually actionable, but there is a fundamental limitation: the compiler cannot tell whether you </a:t>
-            </a:r>
-            <a:r>
-              <a:rPr lang="en-US" i="1" dirty="0"/>
-              <a:t>provided</a:t>
-            </a:r>
-            <a:r>
-              <a:rPr lang="en-US" dirty="0"/>
-              <a:t> the wrong type vs. </a:t>
-            </a:r>
-            <a:r>
-              <a:rPr lang="en-US" i="1" dirty="0"/>
-              <a:t>expected</a:t>
-            </a:r>
-            <a:r>
-              <a:rPr lang="en-US" dirty="0"/>
-              <a:t> the wrong type.</a:t>
-            </a:r>
-          </a:p>
-          <a:p>
-            <a:r>
-              <a:rPr lang="en-US" sz="2200" dirty="0">
-                <a:latin typeface="Consolas" panose="020B0609020204030204" pitchFamily="49" charset="0"/>
-              </a:rPr>
-              <a:t>mismatched types, expected struct Box&lt;</a:t>
-            </a:r>
-            <a:r>
-              <a:rPr lang="en-US" sz="2200" dirty="0" err="1">
-                <a:latin typeface="Consolas" panose="020B0609020204030204" pitchFamily="49" charset="0"/>
-              </a:rPr>
-              <a:t>IntListList</a:t>
-            </a:r>
-            <a:r>
-              <a:rPr lang="en-US" sz="2200" dirty="0">
-                <a:latin typeface="Consolas" panose="020B0609020204030204" pitchFamily="49" charset="0"/>
-              </a:rPr>
-              <a:t>&gt;, found </a:t>
-            </a:r>
-            <a:r>
-              <a:rPr lang="en-US" sz="2200" dirty="0" err="1">
-                <a:latin typeface="Consolas" panose="020B0609020204030204" pitchFamily="49" charset="0"/>
-              </a:rPr>
-              <a:t>enum</a:t>
-            </a:r>
-            <a:r>
-              <a:rPr lang="en-US" sz="2200" dirty="0">
-                <a:latin typeface="Consolas" panose="020B0609020204030204" pitchFamily="49" charset="0"/>
-              </a:rPr>
-              <a:t> </a:t>
-            </a:r>
-            <a:r>
-              <a:rPr lang="en-US" sz="2200" dirty="0" err="1">
-                <a:latin typeface="Consolas" panose="020B0609020204030204" pitchFamily="49" charset="0"/>
-              </a:rPr>
-              <a:t>IntListList</a:t>
-            </a:r>
-            <a:br>
-              <a:rPr lang="en-US" sz="2200" dirty="0">
-                <a:latin typeface="Consolas" panose="020B0609020204030204" pitchFamily="49" charset="0"/>
-              </a:rPr>
-            </a:br>
-            <a:r>
-              <a:rPr lang="en-US" sz="2200" dirty="0">
-                <a:latin typeface="Consolas" panose="020B0609020204030204" pitchFamily="49" charset="0"/>
-              </a:rPr>
-              <a:t>consider dereferencing the boxed value: *ill</a:t>
-            </a:r>
+              <a:t>Learning error messages is part of learning a programming language. The textbook explains some of the most common error messages, e.g.,</a:t>
+            </a:r>
+          </a:p>
+          <a:p>
+            <a:r>
+              <a:rPr lang="en-US" dirty="0"/>
+              <a:t>Borrows which violate the </a:t>
+            </a:r>
+            <a:r>
+              <a:rPr lang="en-US" dirty="0" err="1"/>
+              <a:t>WOoRM</a:t>
+            </a:r>
+            <a:r>
+              <a:rPr lang="en-US" dirty="0"/>
+              <a:t> rule result in error messages. The example on the right gives:</a:t>
+            </a:r>
+          </a:p>
+          <a:p>
+            <a:r>
+              <a:rPr lang="en-US" dirty="0"/>
+              <a:t>" cannot borrow `x` as mutable more than once at a time, second mutable borrow occurs here“</a:t>
+            </a:r>
+          </a:p>
+          <a:p>
+            <a:r>
+              <a:rPr lang="en-US" dirty="0"/>
+              <a:t>This message is specific and justified but not actionable. Recommended actions: make both references immutable if possible, else </a:t>
+            </a:r>
+            <a:r>
+              <a:rPr lang="en-US" dirty="0">
+                <a:latin typeface="Consolas" panose="020B0609020204030204" pitchFamily="49" charset="0"/>
+              </a:rPr>
+              <a:t>.clone()</a:t>
+            </a:r>
+            <a:endParaRPr lang="en-US" dirty="0"/>
           </a:p>
         </p:txBody>
       </p:sp>
@@ -14086,8 +13894,8 @@
         </p:nvSpPr>
         <p:spPr>
           <a:xfrm>
-            <a:off x="7623209" y="2453363"/>
-            <a:ext cx="4446872" cy="2308324"/>
+            <a:off x="8784139" y="2453363"/>
+            <a:ext cx="2310581" cy="1200329"/>
           </a:xfrm>
           <a:prstGeom prst="rect">
             <a:avLst/>
@@ -14101,153 +13909,34 @@
           <a:lstStyle/>
           <a:p>
             <a:r>
-              <a:rPr lang="en-US" dirty="0" err="1">
-                <a:latin typeface="Consolas" panose="020B0609020204030204" pitchFamily="49" charset="0"/>
-              </a:rPr>
-              <a:t>fn</a:t>
-            </a:r>
-            <a:r>
-              <a:rPr lang="en-US" dirty="0">
-                <a:latin typeface="Consolas" panose="020B0609020204030204" pitchFamily="49" charset="0"/>
-              </a:rPr>
-              <a:t> </a:t>
-            </a:r>
-            <a:r>
-              <a:rPr lang="en-US" dirty="0" err="1">
-                <a:latin typeface="Consolas" panose="020B0609020204030204" pitchFamily="49" charset="0"/>
-              </a:rPr>
-              <a:t>ill_length</a:t>
-            </a:r>
-            <a:br>
-              <a:rPr lang="en-US" dirty="0">
-                <a:latin typeface="Consolas" panose="020B0609020204030204" pitchFamily="49" charset="0"/>
-              </a:rPr>
-            </a:br>
-            <a:r>
-              <a:rPr lang="en-US" dirty="0">
-                <a:latin typeface="Consolas" panose="020B0609020204030204" pitchFamily="49" charset="0"/>
-              </a:rPr>
-              <a:t>(L: Box&lt;</a:t>
-            </a:r>
-            <a:r>
-              <a:rPr lang="en-US" dirty="0" err="1">
-                <a:latin typeface="Consolas" panose="020B0609020204030204" pitchFamily="49" charset="0"/>
-              </a:rPr>
-              <a:t>IntLinkedList</a:t>
-            </a:r>
-            <a:r>
-              <a:rPr lang="en-US" dirty="0">
-                <a:latin typeface="Consolas" panose="020B0609020204030204" pitchFamily="49" charset="0"/>
-              </a:rPr>
-              <a:t>&gt;)-&gt;i32 {</a:t>
-            </a:r>
-          </a:p>
-          <a:p>
-            <a:r>
-              <a:rPr lang="en-US" dirty="0">
-                <a:latin typeface="Consolas" panose="020B0609020204030204" pitchFamily="49" charset="0"/>
-              </a:rPr>
-              <a:t>  match L {</a:t>
-            </a:r>
-          </a:p>
-          <a:p>
-            <a:r>
-              <a:rPr lang="en-US" dirty="0">
-                <a:latin typeface="Consolas" panose="020B0609020204030204" pitchFamily="49" charset="0"/>
-              </a:rPr>
-              <a:t>    </a:t>
-            </a:r>
-            <a:r>
-              <a:rPr lang="en-US" dirty="0" err="1">
-                <a:latin typeface="Consolas" panose="020B0609020204030204" pitchFamily="49" charset="0"/>
-              </a:rPr>
-              <a:t>IntLinkedList</a:t>
-            </a:r>
-            <a:r>
-              <a:rPr lang="en-US" dirty="0">
-                <a:latin typeface="Consolas" panose="020B0609020204030204" pitchFamily="49" charset="0"/>
-              </a:rPr>
-              <a:t>::Empty =&gt; 0,</a:t>
-            </a:r>
-          </a:p>
-          <a:p>
-            <a:r>
-              <a:rPr lang="en-US" dirty="0">
-                <a:latin typeface="Consolas" panose="020B0609020204030204" pitchFamily="49" charset="0"/>
-              </a:rPr>
-              <a:t>    </a:t>
-            </a:r>
-            <a:r>
-              <a:rPr lang="en-US" dirty="0" err="1">
-                <a:latin typeface="Consolas" panose="020B0609020204030204" pitchFamily="49" charset="0"/>
-              </a:rPr>
-              <a:t>IntLinkedList</a:t>
-            </a:r>
-            <a:r>
-              <a:rPr lang="en-US" dirty="0">
-                <a:latin typeface="Consolas" panose="020B0609020204030204" pitchFamily="49" charset="0"/>
-              </a:rPr>
-              <a:t>::Cons(x, </a:t>
-            </a:r>
-            <a:r>
-              <a:rPr lang="en-US" dirty="0" err="1">
-                <a:latin typeface="Consolas" panose="020B0609020204030204" pitchFamily="49" charset="0"/>
-              </a:rPr>
-              <a:t>xs</a:t>
-            </a:r>
-            <a:r>
-              <a:rPr lang="en-US" dirty="0">
-                <a:latin typeface="Consolas" panose="020B0609020204030204" pitchFamily="49" charset="0"/>
-              </a:rPr>
-              <a:t>) =&gt;</a:t>
-            </a:r>
-          </a:p>
-          <a:p>
-            <a:r>
-              <a:rPr lang="en-US" dirty="0">
-                <a:latin typeface="Consolas" panose="020B0609020204030204" pitchFamily="49" charset="0"/>
-              </a:rPr>
-              <a:t>     1 + </a:t>
-            </a:r>
-            <a:r>
-              <a:rPr lang="en-US" dirty="0" err="1">
-                <a:latin typeface="Consolas" panose="020B0609020204030204" pitchFamily="49" charset="0"/>
-              </a:rPr>
-              <a:t>ill_length</a:t>
-            </a:r>
-            <a:r>
-              <a:rPr lang="en-US" dirty="0">
-                <a:latin typeface="Consolas" panose="020B0609020204030204" pitchFamily="49" charset="0"/>
-              </a:rPr>
-              <a:t>(</a:t>
-            </a:r>
-            <a:r>
-              <a:rPr lang="en-US" dirty="0" err="1">
-                <a:latin typeface="Consolas" panose="020B0609020204030204" pitchFamily="49" charset="0"/>
-              </a:rPr>
-              <a:t>xs</a:t>
-            </a:r>
-            <a:r>
-              <a:rPr lang="en-US" dirty="0">
-                <a:latin typeface="Consolas" panose="020B0609020204030204" pitchFamily="49" charset="0"/>
-              </a:rPr>
-              <a:t>),</a:t>
-            </a:r>
-          </a:p>
-          <a:p>
-            <a:r>
-              <a:rPr lang="en-US" dirty="0">
-                <a:latin typeface="Consolas" panose="020B0609020204030204" pitchFamily="49" charset="0"/>
-              </a:rPr>
-              <a:t>  }</a:t>
-            </a:r>
-          </a:p>
-          <a:p>
-            <a:r>
-              <a:rPr lang="en-US" dirty="0">
-                <a:latin typeface="Consolas" panose="020B0609020204030204" pitchFamily="49" charset="0"/>
-              </a:rPr>
-              <a:t>}</a:t>
+              <a:rPr lang="en-US" dirty="0">
+                <a:latin typeface="Consolas" panose="020B0609020204030204" pitchFamily="49" charset="0"/>
+              </a:rPr>
+              <a:t>let mut x = 5;</a:t>
+            </a:r>
+          </a:p>
+          <a:p>
+            <a:r>
+              <a:rPr lang="en-US" dirty="0">
+                <a:latin typeface="Consolas" panose="020B0609020204030204" pitchFamily="49" charset="0"/>
+              </a:rPr>
+              <a:t>let r1 = &amp;mut x;</a:t>
+            </a:r>
+          </a:p>
+          <a:p>
+            <a:r>
+              <a:rPr lang="en-US" dirty="0">
+                <a:latin typeface="Consolas" panose="020B0609020204030204" pitchFamily="49" charset="0"/>
+              </a:rPr>
+              <a:t>let r2 = &amp;mut x;</a:t>
+            </a:r>
+          </a:p>
+          <a:p>
+            <a:r>
+              <a:rPr lang="en-US" dirty="0">
+                <a:latin typeface="Consolas" panose="020B0609020204030204" pitchFamily="49" charset="0"/>
+              </a:rPr>
+              <a:t>*r1 = *r2 + 1;</a:t>
             </a:r>
           </a:p>
         </p:txBody>
@@ -14274,7 +13963,7 @@
         </p:blipFill>
         <p:spPr>
           <a:xfrm>
-            <a:off x="7902909" y="4851334"/>
+            <a:off x="8528551" y="3782929"/>
             <a:ext cx="585370" cy="529140"/>
           </a:xfrm>
           <a:prstGeom prst="rect">
@@ -14296,8 +13985,8 @@
         </p:nvSpPr>
         <p:spPr>
           <a:xfrm>
-            <a:off x="8476274" y="4857254"/>
-            <a:ext cx="2396875" cy="523220"/>
+            <a:off x="9101916" y="3788849"/>
+            <a:ext cx="1399807" cy="523220"/>
           </a:xfrm>
           <a:prstGeom prst="rect">
             <a:avLst/>
@@ -14312,7 +14001,7 @@
           <a:p>
             <a:r>
               <a:rPr lang="en-US" sz="2800" dirty="0"/>
-              <a:t>Type Mismatch</a:t>
+              <a:t>2 Writes</a:t>
             </a:r>
           </a:p>
         </p:txBody>
@@ -14320,7 +14009,7 @@
     </p:spTree>
     <p:extLst>
       <p:ext uri="{BB962C8B-B14F-4D97-AF65-F5344CB8AC3E}">
-        <p14:creationId xmlns:p14="http://schemas.microsoft.com/office/powerpoint/2010/main" val="779664718"/>
+        <p14:creationId xmlns:p14="http://schemas.microsoft.com/office/powerpoint/2010/main" val="2442107253"/>
       </p:ext>
     </p:extLst>
   </p:cSld>
@@ -14352,7 +14041,7 @@
           <p:cNvPr id="2" name="Title 1">
             <a:extLst>
               <a:ext uri="{FF2B5EF4-FFF2-40B4-BE49-F238E27FC236}">
-                <a16:creationId xmlns:a16="http://schemas.microsoft.com/office/drawing/2014/main" id="{C0BF21B0-CA8E-E295-6564-53BB6C9310A5}"/>
+                <a16:creationId xmlns:a16="http://schemas.microsoft.com/office/drawing/2014/main" id="{98CEB055-93B9-F250-BDE0-26C7CE926236}"/>
               </a:ext>
             </a:extLst>
           </p:cNvPr>
@@ -14370,7 +14059,7 @@
           <a:p>
             <a:r>
               <a:rPr lang="en-US" dirty="0"/>
-              <a:t>Cargo and Why It Is Popular</a:t>
+              <a:t>Understanding Error Messages</a:t>
             </a:r>
           </a:p>
         </p:txBody>
@@ -14380,7 +14069,7 @@
           <p:cNvPr id="3" name="Content Placeholder 2">
             <a:extLst>
               <a:ext uri="{FF2B5EF4-FFF2-40B4-BE49-F238E27FC236}">
-                <a16:creationId xmlns:a16="http://schemas.microsoft.com/office/drawing/2014/main" id="{05D00F42-4A4A-90AA-BAD9-CEAEF70947FC}"/>
+                <a16:creationId xmlns:a16="http://schemas.microsoft.com/office/drawing/2014/main" id="{B213ED99-2FA2-0B05-94B8-D8D236CE3A78}"/>
               </a:ext>
             </a:extLst>
           </p:cNvPr>
@@ -14391,97 +14080,339 @@
             <p:ph idx="1"/>
           </p:nvPr>
         </p:nvSpPr>
-        <p:spPr/>
+        <p:spPr>
+          <a:xfrm>
+            <a:off x="639097" y="1845734"/>
+            <a:ext cx="6984112" cy="4006426"/>
+          </a:xfrm>
+        </p:spPr>
         <p:txBody>
           <a:bodyPr>
-            <a:normAutofit fontScale="92500" lnSpcReduction="10000"/>
+            <a:normAutofit/>
           </a:bodyPr>
           <a:lstStyle/>
           <a:p>
             <a:r>
               <a:rPr lang="en-US" dirty="0"/>
-              <a:t>Cargo is Rust’s tool for managing compilation and packages (crates)</a:t>
-            </a:r>
-          </a:p>
-          <a:p>
-            <a:r>
-              <a:rPr lang="en-US" dirty="0"/>
-              <a:t>Every Rust project has a file </a:t>
-            </a:r>
-            <a:r>
-              <a:rPr lang="en-US" dirty="0" err="1"/>
-              <a:t>Cargo.toml</a:t>
-            </a:r>
-            <a:r>
-              <a:rPr lang="en-US" dirty="0"/>
-              <a:t> explaining which packages are required. We provide it for homework; for your own projects, you would have to write it</a:t>
-            </a:r>
-          </a:p>
-          <a:p>
-            <a:r>
-              <a:rPr lang="en-US" b="1" dirty="0"/>
-              <a:t>Pro:</a:t>
-            </a:r>
-            <a:r>
-              <a:rPr lang="en-US" dirty="0"/>
-              <a:t> Cargo files have a reputation for being very short, e.g.</a:t>
+              <a:t>Many errors have the form “I expected one type but got another.” The messages for these errors are usually actionable, but there is a fundamental limitation: the compiler cannot tell whether you </a:t>
+            </a:r>
+            <a:r>
+              <a:rPr lang="en-US" i="1" dirty="0"/>
+              <a:t>provided</a:t>
+            </a:r>
+            <a:r>
+              <a:rPr lang="en-US" dirty="0"/>
+              <a:t> the wrong type vs. </a:t>
+            </a:r>
+            <a:r>
+              <a:rPr lang="en-US" i="1" dirty="0"/>
+              <a:t>expected</a:t>
+            </a:r>
+            <a:r>
+              <a:rPr lang="en-US" dirty="0"/>
+              <a:t> the wrong type.</a:t>
+            </a:r>
+          </a:p>
+          <a:p>
+            <a:r>
+              <a:rPr lang="en-US" sz="2200" dirty="0">
+                <a:latin typeface="Consolas" panose="020B0609020204030204" pitchFamily="49" charset="0"/>
+              </a:rPr>
+              <a:t>mismatched types, expected struct Box&lt;</a:t>
+            </a:r>
+            <a:r>
+              <a:rPr lang="en-US" sz="2200" dirty="0" err="1">
+                <a:latin typeface="Consolas" panose="020B0609020204030204" pitchFamily="49" charset="0"/>
+              </a:rPr>
+              <a:t>IntListList</a:t>
+            </a:r>
+            <a:r>
+              <a:rPr lang="en-US" sz="2200" dirty="0">
+                <a:latin typeface="Consolas" panose="020B0609020204030204" pitchFamily="49" charset="0"/>
+              </a:rPr>
+              <a:t>&gt;, found </a:t>
+            </a:r>
+            <a:r>
+              <a:rPr lang="en-US" sz="2200" dirty="0" err="1">
+                <a:latin typeface="Consolas" panose="020B0609020204030204" pitchFamily="49" charset="0"/>
+              </a:rPr>
+              <a:t>enum</a:t>
+            </a:r>
+            <a:r>
+              <a:rPr lang="en-US" sz="2200" dirty="0">
+                <a:latin typeface="Consolas" panose="020B0609020204030204" pitchFamily="49" charset="0"/>
+              </a:rPr>
+              <a:t> </a:t>
+            </a:r>
+            <a:r>
+              <a:rPr lang="en-US" sz="2200" dirty="0" err="1">
+                <a:latin typeface="Consolas" panose="020B0609020204030204" pitchFamily="49" charset="0"/>
+              </a:rPr>
+              <a:t>IntListList</a:t>
             </a:r>
             <a:br>
-              <a:rPr lang="en-US" dirty="0"/>
+              <a:rPr lang="en-US" sz="2200" dirty="0">
+                <a:latin typeface="Consolas" panose="020B0609020204030204" pitchFamily="49" charset="0"/>
+              </a:rPr>
             </a:br>
             <a:r>
-              <a:rPr lang="en-US" dirty="0"/>
-              <a:t>[package]</a:t>
+              <a:rPr lang="en-US" sz="2200" dirty="0">
+                <a:latin typeface="Consolas" panose="020B0609020204030204" pitchFamily="49" charset="0"/>
+              </a:rPr>
+              <a:t>consider dereferencing the boxed value: *L</a:t>
+            </a:r>
+          </a:p>
+        </p:txBody>
+      </p:sp>
+      <p:sp>
+        <p:nvSpPr>
+          <p:cNvPr id="4" name="TextBox 3">
+            <a:extLst>
+              <a:ext uri="{FF2B5EF4-FFF2-40B4-BE49-F238E27FC236}">
+                <a16:creationId xmlns:a16="http://schemas.microsoft.com/office/drawing/2014/main" id="{D2CAD768-65D3-0EE4-C2C3-190DD21273E7}"/>
+              </a:ext>
+            </a:extLst>
+          </p:cNvPr>
+          <p:cNvSpPr txBox="1"/>
+          <p:nvPr/>
+        </p:nvSpPr>
+        <p:spPr>
+          <a:xfrm>
+            <a:off x="7623209" y="2453363"/>
+            <a:ext cx="4446872" cy="2308324"/>
+          </a:xfrm>
+          <a:prstGeom prst="rect">
+            <a:avLst/>
+          </a:prstGeom>
+          <a:noFill/>
+        </p:spPr>
+        <p:txBody>
+          <a:bodyPr wrap="square" rtlCol="0">
+            <a:spAutoFit/>
+          </a:bodyPr>
+          <a:lstStyle/>
+          <a:p>
+            <a:r>
+              <a:rPr lang="en-US" dirty="0" err="1">
+                <a:latin typeface="Consolas" panose="020B0609020204030204" pitchFamily="49" charset="0"/>
+              </a:rPr>
+              <a:t>fn</a:t>
+            </a:r>
+            <a:r>
+              <a:rPr lang="en-US" dirty="0">
+                <a:latin typeface="Consolas" panose="020B0609020204030204" pitchFamily="49" charset="0"/>
+              </a:rPr>
+              <a:t> </a:t>
+            </a:r>
+            <a:r>
+              <a:rPr lang="en-US" dirty="0" err="1">
+                <a:latin typeface="Consolas" panose="020B0609020204030204" pitchFamily="49" charset="0"/>
+              </a:rPr>
+              <a:t>ill_length</a:t>
             </a:r>
             <a:br>
-              <a:rPr lang="en-US" dirty="0"/>
+              <a:rPr lang="en-US" dirty="0">
+                <a:latin typeface="Consolas" panose="020B0609020204030204" pitchFamily="49" charset="0"/>
+              </a:rPr>
             </a:br>
             <a:r>
-              <a:rPr lang="en-US" dirty="0"/>
-              <a:t>name = "asgn3“</a:t>
-            </a:r>
-            <a:br>
-              <a:rPr lang="en-US" dirty="0"/>
-            </a:br>
-            <a:r>
-              <a:rPr lang="en-US" dirty="0"/>
-              <a:t>version = "0.1.0“</a:t>
-            </a:r>
-            <a:br>
-              <a:rPr lang="en-US" dirty="0"/>
-            </a:br>
-            <a:r>
-              <a:rPr lang="en-US" dirty="0"/>
-              <a:t>edition = "2023“</a:t>
-            </a:r>
-            <a:br>
-              <a:rPr lang="en-US" dirty="0"/>
-            </a:br>
-            <a:r>
-              <a:rPr lang="en-US" dirty="0"/>
-              <a:t>[dependencies]</a:t>
-            </a:r>
-            <a:br>
-              <a:rPr lang="en-US" dirty="0"/>
-            </a:br>
-            <a:r>
-              <a:rPr lang="en-US" dirty="0" err="1"/>
-              <a:t>rpds</a:t>
-            </a:r>
-            <a:r>
-              <a:rPr lang="en-US" dirty="0"/>
-              <a:t> = "0.13.0"</a:t>
-            </a:r>
-          </a:p>
-          <a:p>
-            <a:endParaRPr lang="en-US" b="1" dirty="0"/>
+              <a:rPr lang="en-US" dirty="0">
+                <a:latin typeface="Consolas" panose="020B0609020204030204" pitchFamily="49" charset="0"/>
+              </a:rPr>
+              <a:t>(L: Box&lt;</a:t>
+            </a:r>
+            <a:r>
+              <a:rPr lang="en-US" dirty="0" err="1">
+                <a:latin typeface="Consolas" panose="020B0609020204030204" pitchFamily="49" charset="0"/>
+              </a:rPr>
+              <a:t>IntLinkedList</a:t>
+            </a:r>
+            <a:r>
+              <a:rPr lang="en-US" dirty="0">
+                <a:latin typeface="Consolas" panose="020B0609020204030204" pitchFamily="49" charset="0"/>
+              </a:rPr>
+              <a:t>&gt;)-&gt;i32 {</a:t>
+            </a:r>
+          </a:p>
+          <a:p>
+            <a:r>
+              <a:rPr lang="en-US" dirty="0">
+                <a:latin typeface="Consolas" panose="020B0609020204030204" pitchFamily="49" charset="0"/>
+              </a:rPr>
+              <a:t>  match L {</a:t>
+            </a:r>
+          </a:p>
+          <a:p>
+            <a:r>
+              <a:rPr lang="en-US" dirty="0">
+                <a:latin typeface="Consolas" panose="020B0609020204030204" pitchFamily="49" charset="0"/>
+              </a:rPr>
+              <a:t>    </a:t>
+            </a:r>
+            <a:r>
+              <a:rPr lang="en-US" dirty="0" err="1">
+                <a:latin typeface="Consolas" panose="020B0609020204030204" pitchFamily="49" charset="0"/>
+              </a:rPr>
+              <a:t>IntLinkedList</a:t>
+            </a:r>
+            <a:r>
+              <a:rPr lang="en-US" dirty="0">
+                <a:latin typeface="Consolas" panose="020B0609020204030204" pitchFamily="49" charset="0"/>
+              </a:rPr>
+              <a:t>::Empty =&gt; 0,</a:t>
+            </a:r>
+          </a:p>
+          <a:p>
+            <a:r>
+              <a:rPr lang="en-US" dirty="0">
+                <a:latin typeface="Consolas" panose="020B0609020204030204" pitchFamily="49" charset="0"/>
+              </a:rPr>
+              <a:t>    </a:t>
+            </a:r>
+            <a:r>
+              <a:rPr lang="en-US" dirty="0" err="1">
+                <a:latin typeface="Consolas" panose="020B0609020204030204" pitchFamily="49" charset="0"/>
+              </a:rPr>
+              <a:t>IntLinkedList</a:t>
+            </a:r>
+            <a:r>
+              <a:rPr lang="en-US" dirty="0">
+                <a:latin typeface="Consolas" panose="020B0609020204030204" pitchFamily="49" charset="0"/>
+              </a:rPr>
+              <a:t>::Cons(x, </a:t>
+            </a:r>
+            <a:r>
+              <a:rPr lang="en-US" dirty="0" err="1">
+                <a:latin typeface="Consolas" panose="020B0609020204030204" pitchFamily="49" charset="0"/>
+              </a:rPr>
+              <a:t>xs</a:t>
+            </a:r>
+            <a:r>
+              <a:rPr lang="en-US" dirty="0">
+                <a:latin typeface="Consolas" panose="020B0609020204030204" pitchFamily="49" charset="0"/>
+              </a:rPr>
+              <a:t>) =&gt;</a:t>
+            </a:r>
+          </a:p>
+          <a:p>
+            <a:r>
+              <a:rPr lang="en-US" dirty="0">
+                <a:latin typeface="Consolas" panose="020B0609020204030204" pitchFamily="49" charset="0"/>
+              </a:rPr>
+              <a:t>     1 + </a:t>
+            </a:r>
+            <a:r>
+              <a:rPr lang="en-US" dirty="0" err="1">
+                <a:latin typeface="Consolas" panose="020B0609020204030204" pitchFamily="49" charset="0"/>
+              </a:rPr>
+              <a:t>ill_length</a:t>
+            </a:r>
+            <a:r>
+              <a:rPr lang="en-US" dirty="0">
+                <a:latin typeface="Consolas" panose="020B0609020204030204" pitchFamily="49" charset="0"/>
+              </a:rPr>
+              <a:t>(</a:t>
+            </a:r>
+            <a:r>
+              <a:rPr lang="en-US" dirty="0" err="1">
+                <a:latin typeface="Consolas" panose="020B0609020204030204" pitchFamily="49" charset="0"/>
+              </a:rPr>
+              <a:t>xs</a:t>
+            </a:r>
+            <a:r>
+              <a:rPr lang="en-US" dirty="0">
+                <a:latin typeface="Consolas" panose="020B0609020204030204" pitchFamily="49" charset="0"/>
+              </a:rPr>
+              <a:t>),</a:t>
+            </a:r>
+          </a:p>
+          <a:p>
+            <a:r>
+              <a:rPr lang="en-US" dirty="0">
+                <a:latin typeface="Consolas" panose="020B0609020204030204" pitchFamily="49" charset="0"/>
+              </a:rPr>
+              <a:t>  }</a:t>
+            </a:r>
+          </a:p>
+          <a:p>
+            <a:r>
+              <a:rPr lang="en-US" dirty="0">
+                <a:latin typeface="Consolas" panose="020B0609020204030204" pitchFamily="49" charset="0"/>
+              </a:rPr>
+              <a:t>}</a:t>
+            </a:r>
+          </a:p>
+        </p:txBody>
+      </p:sp>
+      <p:pic>
+        <p:nvPicPr>
+          <p:cNvPr id="5" name="Picture 4">
+            <a:extLst>
+              <a:ext uri="{FF2B5EF4-FFF2-40B4-BE49-F238E27FC236}">
+                <a16:creationId xmlns:a16="http://schemas.microsoft.com/office/drawing/2014/main" id="{004ACB54-9DF7-58A6-19EA-ACE6D17629FB}"/>
+              </a:ext>
+            </a:extLst>
+          </p:cNvPr>
+          <p:cNvPicPr>
+            <a:picLocks noChangeAspect="1"/>
+          </p:cNvPicPr>
+          <p:nvPr/>
+        </p:nvPicPr>
+        <p:blipFill>
+          <a:blip r:embed="rId2"/>
+          <a:stretch>
+            <a:fillRect/>
+          </a:stretch>
+        </p:blipFill>
+        <p:spPr>
+          <a:xfrm>
+            <a:off x="7902909" y="4851334"/>
+            <a:ext cx="585370" cy="529140"/>
+          </a:xfrm>
+          <a:prstGeom prst="rect">
+            <a:avLst/>
+          </a:prstGeom>
+        </p:spPr>
+      </p:pic>
+      <p:sp>
+        <p:nvSpPr>
+          <p:cNvPr id="6" name="TextBox 5">
+            <a:extLst>
+              <a:ext uri="{FF2B5EF4-FFF2-40B4-BE49-F238E27FC236}">
+                <a16:creationId xmlns:a16="http://schemas.microsoft.com/office/drawing/2014/main" id="{26320677-DDDD-7E38-ECA2-F8F8DDC75C59}"/>
+              </a:ext>
+            </a:extLst>
+          </p:cNvPr>
+          <p:cNvSpPr txBox="1"/>
+          <p:nvPr/>
+        </p:nvSpPr>
+        <p:spPr>
+          <a:xfrm>
+            <a:off x="8476274" y="4857254"/>
+            <a:ext cx="2396875" cy="523220"/>
+          </a:xfrm>
+          <a:prstGeom prst="rect">
+            <a:avLst/>
+          </a:prstGeom>
+          <a:noFill/>
+        </p:spPr>
+        <p:txBody>
+          <a:bodyPr wrap="none" rtlCol="0">
+            <a:spAutoFit/>
+          </a:bodyPr>
+          <a:lstStyle/>
+          <a:p>
+            <a:r>
+              <a:rPr lang="en-US" sz="2800" dirty="0"/>
+              <a:t>Type Mismatch</a:t>
+            </a:r>
           </a:p>
         </p:txBody>
       </p:sp>
     </p:spTree>
     <p:extLst>
       <p:ext uri="{BB962C8B-B14F-4D97-AF65-F5344CB8AC3E}">
-        <p14:creationId xmlns:p14="http://schemas.microsoft.com/office/powerpoint/2010/main" val="340229880"/>
+        <p14:creationId xmlns:p14="http://schemas.microsoft.com/office/powerpoint/2010/main" val="779664718"/>
       </p:ext>
     </p:extLst>
   </p:cSld>
@@ -14614,6 +14545,191 @@
 </file>
 
 <file path=ppt/slides/slide60.xml><?xml version="1.0" encoding="utf-8"?>
+<p:sld xmlns:a="http://schemas.openxmlformats.org/drawingml/2006/main" xmlns:r="http://schemas.openxmlformats.org/officeDocument/2006/relationships" xmlns:p="http://schemas.openxmlformats.org/presentationml/2006/main">
+  <p:cSld>
+    <p:spTree>
+      <p:nvGrpSpPr>
+        <p:cNvPr id="1" name=""/>
+        <p:cNvGrpSpPr/>
+        <p:nvPr/>
+      </p:nvGrpSpPr>
+      <p:grpSpPr>
+        <a:xfrm>
+          <a:off x="0" y="0"/>
+          <a:ext cx="0" cy="0"/>
+          <a:chOff x="0" y="0"/>
+          <a:chExt cx="0" cy="0"/>
+        </a:xfrm>
+      </p:grpSpPr>
+      <p:sp>
+        <p:nvSpPr>
+          <p:cNvPr id="2" name="Title 1">
+            <a:extLst>
+              <a:ext uri="{FF2B5EF4-FFF2-40B4-BE49-F238E27FC236}">
+                <a16:creationId xmlns:a16="http://schemas.microsoft.com/office/drawing/2014/main" id="{C0BF21B0-CA8E-E295-6564-53BB6C9310A5}"/>
+              </a:ext>
+            </a:extLst>
+          </p:cNvPr>
+          <p:cNvSpPr>
+            <a:spLocks noGrp="1"/>
+          </p:cNvSpPr>
+          <p:nvPr>
+            <p:ph type="title"/>
+          </p:nvPr>
+        </p:nvSpPr>
+        <p:spPr/>
+        <p:txBody>
+          <a:bodyPr/>
+          <a:lstStyle/>
+          <a:p>
+            <a:r>
+              <a:rPr lang="en-US" dirty="0"/>
+              <a:t>Cargo and Why It Is Popular</a:t>
+            </a:r>
+          </a:p>
+        </p:txBody>
+      </p:sp>
+      <p:sp>
+        <p:nvSpPr>
+          <p:cNvPr id="3" name="Content Placeholder 2">
+            <a:extLst>
+              <a:ext uri="{FF2B5EF4-FFF2-40B4-BE49-F238E27FC236}">
+                <a16:creationId xmlns:a16="http://schemas.microsoft.com/office/drawing/2014/main" id="{05D00F42-4A4A-90AA-BAD9-CEAEF70947FC}"/>
+              </a:ext>
+            </a:extLst>
+          </p:cNvPr>
+          <p:cNvSpPr>
+            <a:spLocks noGrp="1"/>
+          </p:cNvSpPr>
+          <p:nvPr>
+            <p:ph idx="1"/>
+          </p:nvPr>
+        </p:nvSpPr>
+        <p:spPr/>
+        <p:txBody>
+          <a:bodyPr>
+            <a:normAutofit fontScale="92500" lnSpcReduction="10000"/>
+          </a:bodyPr>
+          <a:lstStyle/>
+          <a:p>
+            <a:r>
+              <a:rPr lang="en-US" dirty="0"/>
+              <a:t>Cargo is Rust’s tool for managing compilation and packages (crates)</a:t>
+            </a:r>
+          </a:p>
+          <a:p>
+            <a:r>
+              <a:rPr lang="en-US" dirty="0"/>
+              <a:t>Every Rust project has a file </a:t>
+            </a:r>
+            <a:r>
+              <a:rPr lang="en-US" dirty="0" err="1"/>
+              <a:t>Cargo.toml</a:t>
+            </a:r>
+            <a:r>
+              <a:rPr lang="en-US" dirty="0"/>
+              <a:t> explaining which packages are required. We provide it for homework; for your own projects, you would have to write it</a:t>
+            </a:r>
+          </a:p>
+          <a:p>
+            <a:r>
+              <a:rPr lang="en-US" b="1" dirty="0"/>
+              <a:t>Pro:</a:t>
+            </a:r>
+            <a:r>
+              <a:rPr lang="en-US" dirty="0"/>
+              <a:t> Cargo files have a reputation for being very short, e.g.</a:t>
+            </a:r>
+            <a:br>
+              <a:rPr lang="en-US" dirty="0"/>
+            </a:br>
+            <a:r>
+              <a:rPr lang="en-US" dirty="0">
+                <a:latin typeface="Consolas" panose="020B0609020204030204" pitchFamily="49" charset="0"/>
+              </a:rPr>
+              <a:t>[package]</a:t>
+            </a:r>
+            <a:br>
+              <a:rPr lang="en-US" dirty="0">
+                <a:latin typeface="Consolas" panose="020B0609020204030204" pitchFamily="49" charset="0"/>
+              </a:rPr>
+            </a:br>
+            <a:r>
+              <a:rPr lang="en-US" dirty="0">
+                <a:latin typeface="Consolas" panose="020B0609020204030204" pitchFamily="49" charset="0"/>
+              </a:rPr>
+              <a:t>name = "asgn3“</a:t>
+            </a:r>
+            <a:br>
+              <a:rPr lang="en-US" dirty="0">
+                <a:latin typeface="Consolas" panose="020B0609020204030204" pitchFamily="49" charset="0"/>
+              </a:rPr>
+            </a:br>
+            <a:r>
+              <a:rPr lang="en-US" dirty="0">
+                <a:latin typeface="Consolas" panose="020B0609020204030204" pitchFamily="49" charset="0"/>
+              </a:rPr>
+              <a:t>version = "0.1.0“</a:t>
+            </a:r>
+            <a:br>
+              <a:rPr lang="en-US" dirty="0">
+                <a:latin typeface="Consolas" panose="020B0609020204030204" pitchFamily="49" charset="0"/>
+              </a:rPr>
+            </a:br>
+            <a:r>
+              <a:rPr lang="en-US" dirty="0">
+                <a:latin typeface="Consolas" panose="020B0609020204030204" pitchFamily="49" charset="0"/>
+              </a:rPr>
+              <a:t>edition = "2023“</a:t>
+            </a:r>
+            <a:br>
+              <a:rPr lang="en-US" dirty="0">
+                <a:latin typeface="Consolas" panose="020B0609020204030204" pitchFamily="49" charset="0"/>
+              </a:rPr>
+            </a:br>
+            <a:r>
+              <a:rPr lang="en-US" dirty="0">
+                <a:latin typeface="Consolas" panose="020B0609020204030204" pitchFamily="49" charset="0"/>
+              </a:rPr>
+              <a:t>[dependencies]</a:t>
+            </a:r>
+            <a:br>
+              <a:rPr lang="en-US" dirty="0">
+                <a:latin typeface="Consolas" panose="020B0609020204030204" pitchFamily="49" charset="0"/>
+              </a:rPr>
+            </a:br>
+            <a:r>
+              <a:rPr lang="en-US" dirty="0" err="1">
+                <a:latin typeface="Consolas" panose="020B0609020204030204" pitchFamily="49" charset="0"/>
+              </a:rPr>
+              <a:t>rpds</a:t>
+            </a:r>
+            <a:r>
+              <a:rPr lang="en-US" dirty="0">
+                <a:latin typeface="Consolas" panose="020B0609020204030204" pitchFamily="49" charset="0"/>
+              </a:rPr>
+              <a:t> = "0.13.0"</a:t>
+            </a:r>
+          </a:p>
+          <a:p>
+            <a:endParaRPr lang="en-US" b="1" dirty="0"/>
+          </a:p>
+        </p:txBody>
+      </p:sp>
+    </p:spTree>
+    <p:extLst>
+      <p:ext uri="{BB962C8B-B14F-4D97-AF65-F5344CB8AC3E}">
+        <p14:creationId xmlns:p14="http://schemas.microsoft.com/office/powerpoint/2010/main" val="340229880"/>
+      </p:ext>
+    </p:extLst>
+  </p:cSld>
+  <p:clrMapOvr>
+    <a:masterClrMapping/>
+  </p:clrMapOvr>
+</p:sld>
+</file>
+
+<file path=ppt/slides/slide61.xml><?xml version="1.0" encoding="utf-8"?>
 <p:sld xmlns:a="http://schemas.openxmlformats.org/drawingml/2006/main" xmlns:r="http://schemas.openxmlformats.org/officeDocument/2006/relationships" xmlns:p="http://schemas.openxmlformats.org/presentationml/2006/main">
   <p:cSld>
     <p:spTree>

--- a/LectureSlides/02Rust.pptx
+++ b/LectureSlides/02Rust.pptx
@@ -4309,7 +4309,7 @@
             </a:r>
             <a:r>
               <a:rPr lang="en-US" dirty="0"/>
-              <a:t> (period optional)</a:t>
+              <a:t> (zero optional)</a:t>
             </a:r>
           </a:p>
           <a:p>

--- a/LectureSlides/02Rust.pptx
+++ b/LectureSlides/02Rust.pptx
@@ -396,7 +396,7 @@
           <a:p>
             <a:fld id="{DF0DA02A-3D36-4521-B995-F6A931B35345}" type="datetimeFigureOut">
               <a:rPr lang="en-US" smtClean="0"/>
-              <a:t>8/29/2023</a:t>
+              <a:t>8/30/2023</a:t>
             </a:fld>
             <a:endParaRPr lang="en-US"/>
           </a:p>
@@ -604,7 +604,7 @@
           <a:p>
             <a:fld id="{DF0DA02A-3D36-4521-B995-F6A931B35345}" type="datetimeFigureOut">
               <a:rPr lang="en-US" smtClean="0"/>
-              <a:t>8/29/2023</a:t>
+              <a:t>8/30/2023</a:t>
             </a:fld>
             <a:endParaRPr lang="en-US"/>
           </a:p>
@@ -860,7 +860,7 @@
           <a:p>
             <a:fld id="{DF0DA02A-3D36-4521-B995-F6A931B35345}" type="datetimeFigureOut">
               <a:rPr lang="en-US" smtClean="0"/>
-              <a:t>8/29/2023</a:t>
+              <a:t>8/30/2023</a:t>
             </a:fld>
             <a:endParaRPr lang="en-US"/>
           </a:p>
@@ -1045,7 +1045,7 @@
           <a:p>
             <a:fld id="{DF0DA02A-3D36-4521-B995-F6A931B35345}" type="datetimeFigureOut">
               <a:rPr lang="en-US" smtClean="0"/>
-              <a:t>8/29/2023</a:t>
+              <a:t>8/30/2023</a:t>
             </a:fld>
             <a:endParaRPr lang="en-US"/>
           </a:p>
@@ -1388,7 +1388,7 @@
           <a:p>
             <a:fld id="{DF0DA02A-3D36-4521-B995-F6A931B35345}" type="datetimeFigureOut">
               <a:rPr lang="en-US" smtClean="0"/>
-              <a:t>8/29/2023</a:t>
+              <a:t>8/30/2023</a:t>
             </a:fld>
             <a:endParaRPr lang="en-US"/>
           </a:p>
@@ -1693,7 +1693,7 @@
           <a:p>
             <a:fld id="{DF0DA02A-3D36-4521-B995-F6A931B35345}" type="datetimeFigureOut">
               <a:rPr lang="en-US" smtClean="0"/>
-              <a:t>8/29/2023</a:t>
+              <a:t>8/30/2023</a:t>
             </a:fld>
             <a:endParaRPr lang="en-US"/>
           </a:p>
@@ -2102,7 +2102,7 @@
           <a:p>
             <a:fld id="{DF0DA02A-3D36-4521-B995-F6A931B35345}" type="datetimeFigureOut">
               <a:rPr lang="en-US" smtClean="0"/>
-              <a:t>8/29/2023</a:t>
+              <a:t>8/30/2023</a:t>
             </a:fld>
             <a:endParaRPr lang="en-US"/>
           </a:p>
@@ -2220,7 +2220,7 @@
           <a:p>
             <a:fld id="{DF0DA02A-3D36-4521-B995-F6A931B35345}" type="datetimeFigureOut">
               <a:rPr lang="en-US" smtClean="0"/>
-              <a:t>8/29/2023</a:t>
+              <a:t>8/30/2023</a:t>
             </a:fld>
             <a:endParaRPr lang="en-US"/>
           </a:p>
@@ -2391,7 +2391,7 @@
           <a:p>
             <a:fld id="{DF0DA02A-3D36-4521-B995-F6A931B35345}" type="datetimeFigureOut">
               <a:rPr lang="en-US" smtClean="0"/>
-              <a:t>8/29/2023</a:t>
+              <a:t>8/30/2023</a:t>
             </a:fld>
             <a:endParaRPr lang="en-US"/>
           </a:p>
@@ -2760,7 +2760,7 @@
           <a:p>
             <a:fld id="{DF0DA02A-3D36-4521-B995-F6A931B35345}" type="datetimeFigureOut">
               <a:rPr lang="en-US" smtClean="0"/>
-              <a:t>8/29/2023</a:t>
+              <a:t>8/30/2023</a:t>
             </a:fld>
             <a:endParaRPr lang="en-US"/>
           </a:p>
@@ -3137,7 +3137,7 @@
           <a:p>
             <a:fld id="{DF0DA02A-3D36-4521-B995-F6A931B35345}" type="datetimeFigureOut">
               <a:rPr lang="en-US" smtClean="0"/>
-              <a:t>8/29/2023</a:t>
+              <a:t>8/30/2023</a:t>
             </a:fld>
             <a:endParaRPr lang="en-US"/>
           </a:p>
@@ -3424,7 +3424,7 @@
           <a:p>
             <a:fld id="{DF0DA02A-3D36-4521-B995-F6A931B35345}" type="datetimeFigureOut">
               <a:rPr lang="en-US" smtClean="0"/>
-              <a:t>8/29/2023</a:t>
+              <a:t>8/30/2023</a:t>
             </a:fld>
             <a:endParaRPr lang="en-US"/>
           </a:p>
@@ -5237,7 +5237,7 @@
           <a:p>
             <a:r>
               <a:rPr lang="en-US" dirty="0"/>
-              <a:t>Arithmetic operations: e1 * e2, e1 – e2, e1*e2 and e1/e2</a:t>
+              <a:t>Arithmetic operations: e1 + e2, e1 – e2, e1*e2 and e1/e2</a:t>
             </a:r>
           </a:p>
           <a:p>
@@ -7832,14 +7832,14 @@
             </a:r>
             <a:r>
               <a:rPr lang="en-US" dirty="0"/>
-              <a:t> defines mutable variable y to store value 25</a:t>
+              <a:t> defines mutable variable y to store value 10</a:t>
             </a:r>
           </a:p>
           <a:p>
             <a:pPr lvl="1"/>
             <a:r>
               <a:rPr lang="en-US" dirty="0"/>
-              <a:t>y = y + 1; modifies y to store value 26</a:t>
+              <a:t>y = y + 1; modifies y to store value 11</a:t>
             </a:r>
           </a:p>
           <a:p>
